--- a/EE6008_48_UAV_week4.pptx
+++ b/EE6008_48_UAV_week4.pptx
@@ -289,7 +289,7 @@
       <p15:sldGuideLst xmlns:p15="http://schemas.microsoft.com/office/powerpoint/2012/main"/>
     </p:ext>
     <p:ext uri="GoogleSlidesCustomDataVersion2">
-      <go:slidesCustomData xmlns:go="http://customooxmlschemas.google.com/" xmlns:ahyp="http://schemas.microsoft.com/office/drawing/2018/hyperlinkcolor" xmlns:p15="http://schemas.microsoft.com/office/powerpoint/2012/main" xmlns:p14="http://schemas.microsoft.com/office/powerpoint/2010/main" xmlns:com="http://schemas.openxmlformats.org/drawingml/2006/compatibility" xmlns:pvml="urn:schemas-microsoft-com:office:powerpoint" xmlns:v="urn:schemas-microsoft-com:vml" xmlns:o="urn:schemas-microsoft-com:office:office" xmlns:dgm="http://schemas.openxmlformats.org/drawingml/2006/diagram" xmlns:c="http://schemas.openxmlformats.org/drawingml/2006/chart" xmlns:mv="urn:schemas-microsoft-com:mac:vml" xmlns:mc="http://schemas.openxmlformats.org/markup-compatibility/2006" xmlns="" r:id="rId42" roundtripDataSignature="AMtx7mg95ozjZ+8hzLEFS2DFFpARxD+ThA=="/>
+      <go:slidesCustomData xmlns="" xmlns:mc="http://schemas.openxmlformats.org/markup-compatibility/2006" xmlns:mv="urn:schemas-microsoft-com:mac:vml" xmlns:c="http://schemas.openxmlformats.org/drawingml/2006/chart" xmlns:dgm="http://schemas.openxmlformats.org/drawingml/2006/diagram" xmlns:o="urn:schemas-microsoft-com:office:office" xmlns:v="urn:schemas-microsoft-com:vml" xmlns:pvml="urn:schemas-microsoft-com:office:powerpoint" xmlns:com="http://schemas.openxmlformats.org/drawingml/2006/compatibility" xmlns:p14="http://schemas.microsoft.com/office/powerpoint/2010/main" xmlns:p15="http://schemas.microsoft.com/office/powerpoint/2012/main" xmlns:ahyp="http://schemas.microsoft.com/office/drawing/2018/hyperlinkcolor" xmlns:go="http://customooxmlschemas.google.com/" r:id="rId42" roundtripDataSignature="AMtx7mg95ozjZ+8hzLEFS2DFFpARxD+ThA=="/>
     </p:ext>
   </p:extLst>
 </p:presentation>
@@ -15098,8 +15098,8 @@
         </p:nvSpPr>
         <p:spPr>
           <a:xfrm>
-            <a:off x="6338820" y="2388795"/>
-            <a:ext cx="5411717" cy="4154943"/>
+            <a:off x="6170673" y="2910468"/>
+            <a:ext cx="5411717" cy="3785611"/>
           </a:xfrm>
           <a:prstGeom prst="rect">
             <a:avLst/>
@@ -15136,75 +15136,6 @@
               </a:rPr>
               <a:t>EE6008-48 Group</a:t>
             </a:r>
-          </a:p>
-          <a:p>
-            <a:pPr marL="0" marR="0" lvl="0" indent="0" algn="l" rtl="0">
-              <a:spcBef>
-                <a:spcPts val="0"/>
-              </a:spcBef>
-              <a:spcAft>
-                <a:spcPts val="0"/>
-              </a:spcAft>
-              <a:buNone/>
-            </a:pPr>
-            <a:r>
-              <a:rPr lang="en-US" altLang="zh-CN" sz="2400" dirty="0">
-                <a:solidFill>
-                  <a:schemeClr val="dk1"/>
-                </a:solidFill>
-                <a:latin typeface="Microsoft GothicNeo" panose="020B0500000101010101" pitchFamily="34" charset="-127"/>
-                <a:ea typeface="Microsoft GothicNeo" panose="020B0500000101010101" pitchFamily="34" charset="-127"/>
-                <a:cs typeface="Microsoft GothicNeo" panose="020B0500000101010101" pitchFamily="34" charset="-127"/>
-                <a:sym typeface="Libre Franklin"/>
-              </a:rPr>
-              <a:t>Dear Mentors: </a:t>
-            </a:r>
-          </a:p>
-          <a:p>
-            <a:pPr marL="0" marR="0" lvl="0" indent="0" algn="l" rtl="0">
-              <a:spcBef>
-                <a:spcPts val="0"/>
-              </a:spcBef>
-              <a:spcAft>
-                <a:spcPts val="0"/>
-              </a:spcAft>
-              <a:buNone/>
-            </a:pPr>
-            <a:r>
-              <a:rPr lang="en-US" altLang="zh-CN" sz="2400" dirty="0">
-                <a:solidFill>
-                  <a:schemeClr val="dk1"/>
-                </a:solidFill>
-                <a:latin typeface="Microsoft GothicNeo" panose="020B0500000101010101" pitchFamily="34" charset="-127"/>
-                <a:ea typeface="Microsoft GothicNeo" panose="020B0500000101010101" pitchFamily="34" charset="-127"/>
-                <a:cs typeface="Microsoft GothicNeo" panose="020B0500000101010101" pitchFamily="34" charset="-127"/>
-                <a:sym typeface="Libre Franklin"/>
-              </a:rPr>
-              <a:t>Jianjun</a:t>
-            </a:r>
-          </a:p>
-          <a:p>
-            <a:pPr marL="0" marR="0" lvl="0" indent="0" algn="l" rtl="0">
-              <a:spcBef>
-                <a:spcPts val="0"/>
-              </a:spcBef>
-              <a:spcAft>
-                <a:spcPts val="0"/>
-              </a:spcAft>
-              <a:buNone/>
-            </a:pPr>
-            <a:r>
-              <a:rPr lang="en-US" altLang="zh-CN" sz="2400" dirty="0" err="1">
-                <a:solidFill>
-                  <a:schemeClr val="dk1"/>
-                </a:solidFill>
-                <a:latin typeface="Microsoft GothicNeo" panose="020B0500000101010101" pitchFamily="34" charset="-127"/>
-                <a:ea typeface="Microsoft GothicNeo" panose="020B0500000101010101" pitchFamily="34" charset="-127"/>
-                <a:cs typeface="Microsoft GothicNeo" panose="020B0500000101010101" pitchFamily="34" charset="-127"/>
-                <a:sym typeface="Libre Franklin"/>
-              </a:rPr>
-              <a:t>Ruoyu</a:t>
-            </a:r>
             <a:endParaRPr lang="en-US" altLang="zh-CN" sz="2400" dirty="0">
               <a:solidFill>
                 <a:schemeClr val="dk1"/>
@@ -15214,6 +15145,29 @@
               <a:cs typeface="Microsoft GothicNeo" panose="020B0500000101010101" pitchFamily="34" charset="-127"/>
               <a:sym typeface="Libre Franklin"/>
             </a:endParaRPr>
+          </a:p>
+          <a:p>
+            <a:pPr marL="0" marR="0" lvl="0" indent="0" algn="l" rtl="0">
+              <a:spcBef>
+                <a:spcPts val="0"/>
+              </a:spcBef>
+              <a:spcAft>
+                <a:spcPts val="0"/>
+              </a:spcAft>
+              <a:buNone/>
+            </a:pPr>
+            <a:r>
+              <a:rPr lang="en-US" sz="2400" dirty="0">
+                <a:solidFill>
+                  <a:schemeClr val="dk1"/>
+                </a:solidFill>
+                <a:latin typeface="Microsoft GothicNeo" panose="020B0500000101010101" pitchFamily="34" charset="-127"/>
+                <a:ea typeface="Microsoft GothicNeo" panose="020B0500000101010101" pitchFamily="34" charset="-127"/>
+                <a:cs typeface="Microsoft GothicNeo" panose="020B0500000101010101" pitchFamily="34" charset="-127"/>
+                <a:sym typeface="Libre Franklin"/>
+              </a:rPr>
+              <a:t>Supervisor: Yap Kim Hui</a:t>
+            </a:r>
           </a:p>
           <a:p>
             <a:pPr marL="0" marR="0" lvl="0" indent="0" algn="l" rtl="0">
@@ -15281,7 +15235,7 @@
           </a:p>
           <a:p>
             <a:r>
-              <a:rPr lang="en-US" altLang="zh-CN" sz="2400" dirty="0" err="1">
+              <a:rPr lang="en-US" altLang="zh-CN" sz="2400" dirty="0">
                 <a:solidFill>
                   <a:schemeClr val="dk1"/>
                 </a:solidFill>
@@ -15290,8 +15244,10 @@
                 <a:cs typeface="Microsoft GothicNeo" panose="020B0500000101010101" pitchFamily="34" charset="-127"/>
                 <a:sym typeface="Libre Franklin"/>
               </a:rPr>
-              <a:t>Teammate:Fang</a:t>
+              <a:t>Teammate:</a:t>
             </a:r>
+          </a:p>
+          <a:p>
             <a:r>
               <a:rPr lang="en-US" altLang="zh-CN" sz="2400" dirty="0">
                 <a:solidFill>
@@ -15302,7 +15258,7 @@
                 <a:cs typeface="Microsoft GothicNeo" panose="020B0500000101010101" pitchFamily="34" charset="-127"/>
                 <a:sym typeface="Libre Franklin"/>
               </a:rPr>
-              <a:t> Yanlin</a:t>
+              <a:t>Fang Yanlin</a:t>
             </a:r>
           </a:p>
           <a:p>
@@ -15592,6 +15548,38 @@
           </a:extLst>
         </p:spPr>
       </p:pic>
+      <p:sp>
+        <p:nvSpPr>
+          <p:cNvPr id="2" name="TextBox 1">
+            <a:extLst>
+              <a:ext uri="{FF2B5EF4-FFF2-40B4-BE49-F238E27FC236}">
+                <a16:creationId xmlns:a16="http://schemas.microsoft.com/office/drawing/2014/main" id="{3230BD89-3A18-2998-C88E-E3209156D239}"/>
+              </a:ext>
+            </a:extLst>
+          </p:cNvPr>
+          <p:cNvSpPr txBox="1"/>
+          <p:nvPr/>
+        </p:nvSpPr>
+        <p:spPr>
+          <a:xfrm>
+            <a:off x="10402067" y="1343984"/>
+            <a:ext cx="184731" cy="307777"/>
+          </a:xfrm>
+          <a:prstGeom prst="rect">
+            <a:avLst/>
+          </a:prstGeom>
+          <a:noFill/>
+        </p:spPr>
+        <p:txBody>
+          <a:bodyPr wrap="none" rtlCol="0">
+            <a:spAutoFit/>
+          </a:bodyPr>
+          <a:lstStyle/>
+          <a:p>
+            <a:endParaRPr lang="zh-CN" altLang="en-US" dirty="0"/>
+          </a:p>
+        </p:txBody>
+      </p:sp>
     </p:spTree>
   </p:cSld>
   <p:clrMapOvr>
@@ -16367,7 +16355,7 @@
                   <a:schemeClr val="accent5"/>
                 </a:solidFill>
               </a:rPr>
-              <a:t>While longer training improves performance on the training set, it can lead to overfitting, which reduces performance on unseen data.</a:t>
+              <a:t>While longer training improves performance on the training dataset, it can lead to overfitting, which reduces performance on unseen data.</a:t>
             </a:r>
           </a:p>
         </p:txBody>
@@ -16753,7 +16741,12 @@
             <p:ph type="body" idx="1"/>
           </p:nvPr>
         </p:nvSpPr>
-        <p:spPr/>
+        <p:spPr>
+          <a:xfrm>
+            <a:off x="594359" y="2281918"/>
+            <a:ext cx="10431450" cy="3708517"/>
+          </a:xfrm>
+        </p:spPr>
         <p:txBody>
           <a:bodyPr/>
           <a:lstStyle/>
@@ -16768,26 +16761,26 @@
               <a:t>We choose </a:t>
             </a:r>
             <a:r>
-              <a:rPr lang="en-US" altLang="zh-CN" dirty="0" err="1">
-                <a:solidFill>
-                  <a:schemeClr val="tx1"/>
-                </a:solidFill>
+              <a:rPr lang="en-US" altLang="zh-CN" b="1" i="0" dirty="0">
+                <a:solidFill>
+                  <a:srgbClr val="1F2328"/>
+                </a:solidFill>
+                <a:effectLst/>
+                <a:latin typeface="-apple-system"/>
+              </a:rPr>
+              <a:t>Task 1: Object Detection in Images from </a:t>
+            </a:r>
+            <a:r>
+              <a:rPr lang="en-US" altLang="zh-CN" b="1" i="0" dirty="0" err="1">
+                <a:solidFill>
+                  <a:srgbClr val="1F2328"/>
+                </a:solidFill>
+                <a:effectLst/>
+                <a:latin typeface="-apple-system"/>
               </a:rPr>
               <a:t>VisDrone</a:t>
             </a:r>
             <a:r>
-              <a:rPr lang="en-US" altLang="zh-CN" dirty="0"/>
-              <a:t> </a:t>
-            </a:r>
-            <a:r>
-              <a:rPr lang="en-US" altLang="zh-CN" dirty="0">
-                <a:solidFill>
-                  <a:schemeClr val="tx1"/>
-                </a:solidFill>
-              </a:rPr>
-              <a:t>dataset </a:t>
-            </a:r>
-            <a:r>
               <a:rPr lang="en-US" altLang="zh-CN" b="1" i="0" dirty="0">
                 <a:solidFill>
                   <a:srgbClr val="1F2328"/>
@@ -16795,7 +16788,7 @@
                 <a:effectLst/>
                 <a:latin typeface="-apple-system"/>
               </a:rPr>
-              <a:t>Task 1: Object Detection in Images</a:t>
+              <a:t> dataset </a:t>
             </a:r>
             <a:endParaRPr lang="en-US" altLang="zh-CN" dirty="0"/>
           </a:p>
@@ -17708,7 +17701,9 @@
           </a:xfrm>
         </p:spPr>
         <p:txBody>
-          <a:bodyPr/>
+          <a:bodyPr>
+            <a:normAutofit lnSpcReduction="10000"/>
+          </a:bodyPr>
           <a:lstStyle/>
           <a:p>
             <a:pPr>
@@ -17747,7 +17742,82 @@
             </a:r>
             <a:r>
               <a:rPr lang="en-US" altLang="zh-CN" dirty="0"/>
-              <a:t>=640 ` pattern</a:t>
+              <a:t>=640 ` to train</a:t>
+            </a:r>
+          </a:p>
+          <a:p>
+            <a:pPr lvl="1">
+              <a:buFontTx/>
+              <a:buChar char="-"/>
+            </a:pPr>
+            <a:r>
+              <a:rPr lang="en-US" altLang="zh-CN" dirty="0">
+                <a:latin typeface="+mn-lt"/>
+              </a:rPr>
+              <a:t>All use `</a:t>
+            </a:r>
+            <a:r>
+              <a:rPr lang="en-US" altLang="zh-CN" dirty="0">
+                <a:solidFill>
+                  <a:schemeClr val="tx1"/>
+                </a:solidFill>
+                <a:latin typeface="+mn-lt"/>
+              </a:rPr>
+              <a:t>yolo detect </a:t>
+            </a:r>
+            <a:r>
+              <a:rPr lang="en-US" altLang="zh-CN" dirty="0" err="1">
+                <a:solidFill>
+                  <a:schemeClr val="tx1"/>
+                </a:solidFill>
+                <a:latin typeface="+mn-lt"/>
+              </a:rPr>
+              <a:t>val</a:t>
+            </a:r>
+            <a:r>
+              <a:rPr lang="en-US" altLang="zh-CN" dirty="0">
+                <a:solidFill>
+                  <a:schemeClr val="tx1"/>
+                </a:solidFill>
+                <a:latin typeface="+mn-lt"/>
+              </a:rPr>
+              <a:t> model=/home/users/ntu/khu005/scratch/project/yolo11*/runs/detect/train/weights/best.pt data=</a:t>
+            </a:r>
+            <a:r>
+              <a:rPr lang="en-US" altLang="zh-CN" dirty="0" err="1">
+                <a:solidFill>
+                  <a:schemeClr val="tx1"/>
+                </a:solidFill>
+                <a:latin typeface="+mn-lt"/>
+              </a:rPr>
+              <a:t>VisDrone-test.yaml</a:t>
+            </a:r>
+            <a:r>
+              <a:rPr lang="en-US" altLang="zh-CN" dirty="0">
+                <a:solidFill>
+                  <a:schemeClr val="tx1"/>
+                </a:solidFill>
+                <a:latin typeface="+mn-lt"/>
+              </a:rPr>
+              <a:t> batch=64 epochs=100 device=0,1,2,3 </a:t>
+            </a:r>
+            <a:r>
+              <a:rPr lang="en-US" altLang="zh-CN" dirty="0" err="1">
+                <a:solidFill>
+                  <a:schemeClr val="tx1"/>
+                </a:solidFill>
+                <a:latin typeface="+mn-lt"/>
+              </a:rPr>
+              <a:t>imgsz</a:t>
+            </a:r>
+            <a:r>
+              <a:rPr lang="en-US" altLang="zh-CN" dirty="0">
+                <a:solidFill>
+                  <a:schemeClr val="tx1"/>
+                </a:solidFill>
+                <a:latin typeface="+mn-lt"/>
+              </a:rPr>
+              <a:t>=640` to test</a:t>
             </a:r>
           </a:p>
           <a:p>
@@ -17771,7 +17841,7 @@
             </a:pPr>
             <a:r>
               <a:rPr lang="en-US" altLang="zh-CN" dirty="0"/>
-              <a:t> change to epochs=200 </a:t>
+              <a:t> change training epochs to 200 </a:t>
             </a:r>
           </a:p>
         </p:txBody>

--- a/EE6008_48_UAV_week4.pptx
+++ b/EE6008_48_UAV_week4.pptx
@@ -289,7 +289,7 @@
       <p15:sldGuideLst xmlns:p15="http://schemas.microsoft.com/office/powerpoint/2012/main"/>
     </p:ext>
     <p:ext uri="GoogleSlidesCustomDataVersion2">
-      <go:slidesCustomData xmlns="" xmlns:mc="http://schemas.openxmlformats.org/markup-compatibility/2006" xmlns:mv="urn:schemas-microsoft-com:mac:vml" xmlns:c="http://schemas.openxmlformats.org/drawingml/2006/chart" xmlns:dgm="http://schemas.openxmlformats.org/drawingml/2006/diagram" xmlns:o="urn:schemas-microsoft-com:office:office" xmlns:v="urn:schemas-microsoft-com:vml" xmlns:pvml="urn:schemas-microsoft-com:office:powerpoint" xmlns:com="http://schemas.openxmlformats.org/drawingml/2006/compatibility" xmlns:p14="http://schemas.microsoft.com/office/powerpoint/2010/main" xmlns:p15="http://schemas.microsoft.com/office/powerpoint/2012/main" xmlns:ahyp="http://schemas.microsoft.com/office/drawing/2018/hyperlinkcolor" xmlns:go="http://customooxmlschemas.google.com/" r:id="rId42" roundtripDataSignature="AMtx7mg95ozjZ+8hzLEFS2DFFpARxD+ThA=="/>
+      <go:slidesCustomData xmlns:go="http://customooxmlschemas.google.com/" xmlns:ahyp="http://schemas.microsoft.com/office/drawing/2018/hyperlinkcolor" xmlns:p15="http://schemas.microsoft.com/office/powerpoint/2012/main" xmlns:p14="http://schemas.microsoft.com/office/powerpoint/2010/main" xmlns:com="http://schemas.openxmlformats.org/drawingml/2006/compatibility" xmlns:pvml="urn:schemas-microsoft-com:office:powerpoint" xmlns:v="urn:schemas-microsoft-com:vml" xmlns:o="urn:schemas-microsoft-com:office:office" xmlns:dgm="http://schemas.openxmlformats.org/drawingml/2006/diagram" xmlns:c="http://schemas.openxmlformats.org/drawingml/2006/chart" xmlns:mv="urn:schemas-microsoft-com:mac:vml" xmlns:mc="http://schemas.openxmlformats.org/markup-compatibility/2006" xmlns="" r:id="rId42" roundtripDataSignature="AMtx7mg95ozjZ+8hzLEFS2DFFpARxD+ThA=="/>
     </p:ext>
   </p:extLst>
 </p:presentation>

--- a/EE6008_48_UAV_week4.pptx
+++ b/EE6008_48_UAV_week4.pptx
@@ -5,35 +5,45 @@
     <p:sldMasterId id="2147483648" r:id="rId1"/>
   </p:sldMasterIdLst>
   <p:notesMasterIdLst>
-    <p:notesMasterId r:id="rId13"/>
+    <p:notesMasterId r:id="rId23"/>
   </p:notesMasterIdLst>
   <p:sldIdLst>
     <p:sldId id="256" r:id="rId2"/>
     <p:sldId id="284" r:id="rId3"/>
-    <p:sldId id="309" r:id="rId4"/>
-    <p:sldId id="310" r:id="rId5"/>
-    <p:sldId id="289" r:id="rId6"/>
-    <p:sldId id="300" r:id="rId7"/>
-    <p:sldId id="307" r:id="rId8"/>
-    <p:sldId id="302" r:id="rId9"/>
-    <p:sldId id="308" r:id="rId10"/>
-    <p:sldId id="304" r:id="rId11"/>
-    <p:sldId id="280" r:id="rId12"/>
+    <p:sldId id="312" r:id="rId4"/>
+    <p:sldId id="302" r:id="rId5"/>
+    <p:sldId id="308" r:id="rId6"/>
+    <p:sldId id="311" r:id="rId7"/>
+    <p:sldId id="321" r:id="rId8"/>
+    <p:sldId id="322" r:id="rId9"/>
+    <p:sldId id="323" r:id="rId10"/>
+    <p:sldId id="324" r:id="rId11"/>
+    <p:sldId id="325" r:id="rId12"/>
+    <p:sldId id="327" r:id="rId13"/>
+    <p:sldId id="314" r:id="rId14"/>
+    <p:sldId id="318" r:id="rId15"/>
+    <p:sldId id="320" r:id="rId16"/>
+    <p:sldId id="326" r:id="rId17"/>
+    <p:sldId id="315" r:id="rId18"/>
+    <p:sldId id="316" r:id="rId19"/>
+    <p:sldId id="317" r:id="rId20"/>
+    <p:sldId id="313" r:id="rId21"/>
+    <p:sldId id="280" r:id="rId22"/>
   </p:sldIdLst>
   <p:sldSz cx="12192000" cy="6858000"/>
   <p:notesSz cx="6858000" cy="9144000"/>
   <p:embeddedFontLst>
     <p:embeddedFont>
       <p:font typeface="Libre Franklin" pitchFamily="2" charset="0"/>
-      <p:regular r:id="rId14"/>
-      <p:bold r:id="rId15"/>
-      <p:italic r:id="rId16"/>
-      <p:boldItalic r:id="rId17"/>
+      <p:regular r:id="rId24"/>
+      <p:bold r:id="rId25"/>
+      <p:italic r:id="rId26"/>
+      <p:boldItalic r:id="rId27"/>
     </p:embeddedFont>
     <p:embeddedFont>
       <p:font typeface="Microsoft GothicNeo" panose="020B0500000101010101" pitchFamily="34" charset="-127"/>
-      <p:regular r:id="rId18"/>
-      <p:bold r:id="rId19"/>
+      <p:regular r:id="rId28"/>
+      <p:bold r:id="rId29"/>
     </p:embeddedFont>
   </p:embeddedFontLst>
   <p:defaultTextStyle>
@@ -272,14 +282,24 @@
           <p14:sldIdLst>
             <p14:sldId id="256"/>
             <p14:sldId id="284"/>
-            <p14:sldId id="309"/>
-            <p14:sldId id="310"/>
-            <p14:sldId id="289"/>
-            <p14:sldId id="300"/>
-            <p14:sldId id="307"/>
+            <p14:sldId id="312"/>
             <p14:sldId id="302"/>
             <p14:sldId id="308"/>
-            <p14:sldId id="304"/>
+            <p14:sldId id="311"/>
+            <p14:sldId id="321"/>
+            <p14:sldId id="322"/>
+            <p14:sldId id="323"/>
+            <p14:sldId id="324"/>
+            <p14:sldId id="325"/>
+            <p14:sldId id="327"/>
+            <p14:sldId id="314"/>
+            <p14:sldId id="318"/>
+            <p14:sldId id="320"/>
+            <p14:sldId id="326"/>
+            <p14:sldId id="315"/>
+            <p14:sldId id="316"/>
+            <p14:sldId id="317"/>
+            <p14:sldId id="313"/>
             <p14:sldId id="280"/>
           </p14:sldIdLst>
         </p14:section>
@@ -289,7 +309,7 @@
       <p15:sldGuideLst xmlns:p15="http://schemas.microsoft.com/office/powerpoint/2012/main"/>
     </p:ext>
     <p:ext uri="GoogleSlidesCustomDataVersion2">
-      <go:slidesCustomData xmlns:go="http://customooxmlschemas.google.com/" xmlns:ahyp="http://schemas.microsoft.com/office/drawing/2018/hyperlinkcolor" xmlns:p15="http://schemas.microsoft.com/office/powerpoint/2012/main" xmlns:p14="http://schemas.microsoft.com/office/powerpoint/2010/main" xmlns:com="http://schemas.openxmlformats.org/drawingml/2006/compatibility" xmlns:pvml="urn:schemas-microsoft-com:office:powerpoint" xmlns:v="urn:schemas-microsoft-com:vml" xmlns:o="urn:schemas-microsoft-com:office:office" xmlns:dgm="http://schemas.openxmlformats.org/drawingml/2006/diagram" xmlns:c="http://schemas.openxmlformats.org/drawingml/2006/chart" xmlns:mv="urn:schemas-microsoft-com:mac:vml" xmlns:mc="http://schemas.openxmlformats.org/markup-compatibility/2006" xmlns="" r:id="rId42" roundtripDataSignature="AMtx7mg95ozjZ+8hzLEFS2DFFpARxD+ThA=="/>
+      <go:slidesCustomData xmlns="" xmlns:mc="http://schemas.openxmlformats.org/markup-compatibility/2006" xmlns:mv="urn:schemas-microsoft-com:mac:vml" xmlns:c="http://schemas.openxmlformats.org/drawingml/2006/chart" xmlns:dgm="http://schemas.openxmlformats.org/drawingml/2006/diagram" xmlns:o="urn:schemas-microsoft-com:office:office" xmlns:v="urn:schemas-microsoft-com:vml" xmlns:pvml="urn:schemas-microsoft-com:office:powerpoint" xmlns:com="http://schemas.openxmlformats.org/drawingml/2006/compatibility" xmlns:p14="http://schemas.microsoft.com/office/powerpoint/2010/main" xmlns:p15="http://schemas.microsoft.com/office/powerpoint/2012/main" xmlns:ahyp="http://schemas.microsoft.com/office/drawing/2018/hyperlinkcolor" xmlns:go="http://customooxmlschemas.google.com/" r:id="rId42" roundtripDataSignature="AMtx7mg95ozjZ+8hzLEFS2DFFpARxD+ThA=="/>
     </p:ext>
   </p:extLst>
 </p:presentation>
@@ -1842,7 +1862,7 @@
                 <a:cs typeface="Arial"/>
                 <a:sym typeface="Arial"/>
               </a:rPr>
-              <a:t>11</a:t>
+              <a:t>21</a:t>
             </a:fld>
             <a:endParaRPr sz="1200">
               <a:solidFill>
@@ -15209,7 +15229,7 @@
                 <a:cs typeface="Microsoft GothicNeo" panose="020B0500000101010101" pitchFamily="34" charset="-127"/>
                 <a:sym typeface="Libre Franklin"/>
               </a:rPr>
-              <a:t>Speaker Hu </a:t>
+              <a:t>Speaker: Hu </a:t>
             </a:r>
             <a:r>
               <a:rPr lang="en-US" sz="2400" dirty="0" err="1">
@@ -15607,10 +15627,122 @@
       </p:grpSpPr>
       <p:sp>
         <p:nvSpPr>
+          <p:cNvPr id="2" name="Title 1">
+            <a:extLst>
+              <a:ext uri="{FF2B5EF4-FFF2-40B4-BE49-F238E27FC236}">
+                <a16:creationId xmlns:a16="http://schemas.microsoft.com/office/drawing/2014/main" id="{7FC3BA10-1082-9589-4BF6-36028E0F0F52}"/>
+              </a:ext>
+            </a:extLst>
+          </p:cNvPr>
+          <p:cNvSpPr>
+            <a:spLocks noGrp="1"/>
+          </p:cNvSpPr>
+          <p:nvPr>
+            <p:ph type="title"/>
+          </p:nvPr>
+        </p:nvSpPr>
+        <p:spPr/>
+        <p:txBody>
+          <a:bodyPr/>
+          <a:lstStyle/>
+          <a:p>
+            <a:r>
+              <a:rPr lang="en-US" altLang="zh-CN" dirty="0"/>
+              <a:t>We have done something wrong…</a:t>
+            </a:r>
+            <a:endParaRPr lang="zh-CN" altLang="en-US" dirty="0"/>
+          </a:p>
+        </p:txBody>
+      </p:sp>
+      <p:sp>
+        <p:nvSpPr>
+          <p:cNvPr id="3" name="Text Placeholder 2">
+            <a:extLst>
+              <a:ext uri="{FF2B5EF4-FFF2-40B4-BE49-F238E27FC236}">
+                <a16:creationId xmlns:a16="http://schemas.microsoft.com/office/drawing/2014/main" id="{853A5548-29A7-ABA0-7E66-26AAB85763A5}"/>
+              </a:ext>
+            </a:extLst>
+          </p:cNvPr>
+          <p:cNvSpPr>
+            <a:spLocks noGrp="1"/>
+          </p:cNvSpPr>
+          <p:nvPr>
+            <p:ph type="body" idx="1"/>
+          </p:nvPr>
+        </p:nvSpPr>
+        <p:spPr>
+          <a:xfrm>
+            <a:off x="594359" y="2281918"/>
+            <a:ext cx="10653504" cy="3708517"/>
+          </a:xfrm>
+        </p:spPr>
+        <p:txBody>
+          <a:bodyPr/>
+          <a:lstStyle/>
+          <a:p>
+            <a:r>
+              <a:rPr lang="en-US" altLang="zh-CN" dirty="0"/>
+              <a:t>We noticed that we have done something wrong</a:t>
+            </a:r>
+          </a:p>
+          <a:p>
+            <a:r>
+              <a:rPr lang="en-US" altLang="zh-CN" dirty="0"/>
+              <a:t>Then we found this paper</a:t>
+            </a:r>
+          </a:p>
+          <a:p>
+            <a:pPr lvl="1"/>
+            <a:r>
+              <a:rPr lang="en-US" altLang="zh-CN" dirty="0" err="1"/>
+              <a:t>VisDrone</a:t>
+            </a:r>
+            <a:r>
+              <a:rPr lang="en-US" altLang="zh-CN" dirty="0"/>
+              <a:t>-DET </a:t>
+            </a:r>
+            <a:r>
+              <a:rPr lang="ko-KR" altLang="en-US" dirty="0"/>
+              <a:t>학습데이터를 활용 </a:t>
+            </a:r>
+            <a:r>
+              <a:rPr lang="en-US" altLang="zh-CN" dirty="0"/>
+              <a:t>YOLO </a:t>
+            </a:r>
+            <a:r>
+              <a:rPr lang="ko-KR" altLang="en-US" dirty="0"/>
+              <a:t>버전별 분류 정확도 변화 비교 연구</a:t>
+            </a:r>
+          </a:p>
+          <a:p>
+            <a:pPr marL="558800" lvl="1" indent="0">
+              <a:buNone/>
+            </a:pPr>
+            <a:r>
+              <a:rPr lang="en-US" altLang="zh-CN" dirty="0"/>
+              <a:t>(Comparison of changes in classification accuracy by YOLO version using </a:t>
+            </a:r>
+            <a:r>
+              <a:rPr lang="en-US" altLang="zh-CN" dirty="0" err="1"/>
+              <a:t>VisDrone</a:t>
+            </a:r>
+            <a:r>
+              <a:rPr lang="en-US" altLang="zh-CN" dirty="0"/>
+              <a:t>-DET training data)</a:t>
+            </a:r>
+          </a:p>
+          <a:p>
+            <a:pPr lvl="1"/>
+            <a:endParaRPr lang="zh-CN" altLang="en-US" dirty="0"/>
+          </a:p>
+        </p:txBody>
+      </p:sp>
+      <p:sp>
+        <p:nvSpPr>
           <p:cNvPr id="4" name="Slide Number Placeholder 3">
             <a:extLst>
               <a:ext uri="{FF2B5EF4-FFF2-40B4-BE49-F238E27FC236}">
-                <a16:creationId xmlns:a16="http://schemas.microsoft.com/office/drawing/2014/main" id="{BA80BADB-2598-FD64-5F5F-49C27C09791D}"/>
+                <a16:creationId xmlns:a16="http://schemas.microsoft.com/office/drawing/2014/main" id="{8C32BC67-660D-AA70-EE93-A0A21C3DC12B}"/>
               </a:ext>
             </a:extLst>
           </p:cNvPr>
@@ -15643,12 +15775,42 @@
           </a:p>
         </p:txBody>
       </p:sp>
+    </p:spTree>
+    <p:extLst>
+      <p:ext uri="{BB962C8B-B14F-4D97-AF65-F5344CB8AC3E}">
+        <p14:creationId xmlns:p14="http://schemas.microsoft.com/office/powerpoint/2010/main" val="3591304339"/>
+      </p:ext>
+    </p:extLst>
+  </p:cSld>
+  <p:clrMapOvr>
+    <a:masterClrMapping/>
+  </p:clrMapOvr>
+</p:sld>
+</file>
+
+<file path=ppt/slides/slide11.xml><?xml version="1.0" encoding="utf-8"?>
+<p:sld xmlns:a="http://schemas.openxmlformats.org/drawingml/2006/main" xmlns:r="http://schemas.openxmlformats.org/officeDocument/2006/relationships" xmlns:p="http://schemas.openxmlformats.org/presentationml/2006/main">
+  <p:cSld>
+    <p:spTree>
+      <p:nvGrpSpPr>
+        <p:cNvPr id="1" name=""/>
+        <p:cNvGrpSpPr/>
+        <p:nvPr/>
+      </p:nvGrpSpPr>
+      <p:grpSpPr>
+        <a:xfrm>
+          <a:off x="0" y="0"/>
+          <a:ext cx="0" cy="0"/>
+          <a:chOff x="0" y="0"/>
+          <a:chExt cx="0" cy="0"/>
+        </a:xfrm>
+      </p:grpSpPr>
       <p:sp>
         <p:nvSpPr>
-          <p:cNvPr id="7" name="Title 1">
+          <p:cNvPr id="2" name="Title 1">
             <a:extLst>
               <a:ext uri="{FF2B5EF4-FFF2-40B4-BE49-F238E27FC236}">
-                <a16:creationId xmlns:a16="http://schemas.microsoft.com/office/drawing/2014/main" id="{6B75723E-FD11-FC61-A869-CFD52F6FD460}"/>
+                <a16:creationId xmlns:a16="http://schemas.microsoft.com/office/drawing/2014/main" id="{AA2165BE-9639-A499-0376-EC9FE8767FB1}"/>
               </a:ext>
             </a:extLst>
           </p:cNvPr>
@@ -15661,8 +15823,52 @@
         </p:nvSpPr>
         <p:spPr>
           <a:xfrm>
-            <a:off x="593724" y="188913"/>
-            <a:ext cx="11516499" cy="1593850"/>
+            <a:off x="594361" y="189572"/>
+            <a:ext cx="5181972" cy="1593507"/>
+          </a:xfrm>
+        </p:spPr>
+        <p:txBody>
+          <a:bodyPr>
+            <a:normAutofit/>
+          </a:bodyPr>
+          <a:lstStyle/>
+          <a:p>
+            <a:r>
+              <a:rPr lang="en-US" altLang="zh-CN" sz="2400" dirty="0"/>
+              <a:t>Comparison of changes in classification accuracy by YOLO version using </a:t>
+            </a:r>
+            <a:r>
+              <a:rPr lang="en-US" altLang="zh-CN" sz="2400" dirty="0" err="1"/>
+              <a:t>VisDrone</a:t>
+            </a:r>
+            <a:r>
+              <a:rPr lang="en-US" altLang="zh-CN" sz="2400" dirty="0"/>
+              <a:t>-DET training data</a:t>
+            </a:r>
+            <a:endParaRPr lang="zh-CN" altLang="en-US" sz="2400" dirty="0"/>
+          </a:p>
+        </p:txBody>
+      </p:sp>
+      <p:sp>
+        <p:nvSpPr>
+          <p:cNvPr id="3" name="Text Placeholder 2">
+            <a:extLst>
+              <a:ext uri="{FF2B5EF4-FFF2-40B4-BE49-F238E27FC236}">
+                <a16:creationId xmlns:a16="http://schemas.microsoft.com/office/drawing/2014/main" id="{CB10283E-15C9-34FF-FCF5-12A2ADCB173F}"/>
+              </a:ext>
+            </a:extLst>
+          </p:cNvPr>
+          <p:cNvSpPr>
+            <a:spLocks noGrp="1"/>
+          </p:cNvSpPr>
+          <p:nvPr>
+            <p:ph type="body" idx="1"/>
+          </p:nvPr>
+        </p:nvSpPr>
+        <p:spPr>
+          <a:xfrm>
+            <a:off x="594360" y="2281918"/>
+            <a:ext cx="5271181" cy="3708517"/>
           </a:xfrm>
         </p:spPr>
         <p:txBody>
@@ -15673,18 +15879,74 @@
           <a:p>
             <a:r>
               <a:rPr lang="en-US" altLang="zh-CN" dirty="0"/>
-              <a:t>Comparison of yolo11x training results between epochs=100 and epochs=200</a:t>
+              <a:t>It states that</a:t>
             </a:r>
-            <a:endParaRPr lang="zh-CN" altLang="en-US" dirty="0"/>
+          </a:p>
+          <a:p>
+            <a:pPr lvl="1">
+              <a:buFont typeface="Wingdings" panose="05000000000000000000" pitchFamily="2" charset="2"/>
+              <a:buChar char="Ø"/>
+            </a:pPr>
+            <a:r>
+              <a:rPr lang="en-US" altLang="zh-CN" dirty="0"/>
+              <a:t>Image size is a high-performance parameter</a:t>
+            </a:r>
+          </a:p>
+          <a:p>
+            <a:pPr marL="558800" lvl="1" indent="0">
+              <a:buNone/>
+            </a:pPr>
+            <a:r>
+              <a:rPr lang="en-US" altLang="zh-CN" dirty="0"/>
+              <a:t>Then we notice we should change the image size to 1920 and the learning rate, things are going to be changed</a:t>
+            </a:r>
+          </a:p>
+        </p:txBody>
+      </p:sp>
+      <p:sp>
+        <p:nvSpPr>
+          <p:cNvPr id="4" name="Slide Number Placeholder 3">
+            <a:extLst>
+              <a:ext uri="{FF2B5EF4-FFF2-40B4-BE49-F238E27FC236}">
+                <a16:creationId xmlns:a16="http://schemas.microsoft.com/office/drawing/2014/main" id="{70ADB2EA-86D2-5E26-978F-D7518A175EFC}"/>
+              </a:ext>
+            </a:extLst>
+          </p:cNvPr>
+          <p:cNvSpPr>
+            <a:spLocks noGrp="1"/>
+          </p:cNvSpPr>
+          <p:nvPr>
+            <p:ph type="sldNum" idx="12"/>
+          </p:nvPr>
+        </p:nvSpPr>
+        <p:spPr/>
+        <p:txBody>
+          <a:bodyPr/>
+          <a:lstStyle/>
+          <a:p>
+            <a:pPr marL="0" lvl="0" indent="0" algn="l" rtl="0">
+              <a:spcBef>
+                <a:spcPts val="0"/>
+              </a:spcBef>
+              <a:spcAft>
+                <a:spcPts val="0"/>
+              </a:spcAft>
+              <a:buNone/>
+            </a:pPr>
+            <a:fld id="{00000000-1234-1234-1234-123412341234}" type="slidenum">
+              <a:rPr lang="en-US" smtClean="0"/>
+              <a:t>11</a:t>
+            </a:fld>
+            <a:endParaRPr lang="en-US"/>
           </a:p>
         </p:txBody>
       </p:sp>
       <p:pic>
         <p:nvPicPr>
-          <p:cNvPr id="8" name="Picture 7">
+          <p:cNvPr id="6" name="Picture 5">
             <a:extLst>
               <a:ext uri="{FF2B5EF4-FFF2-40B4-BE49-F238E27FC236}">
-                <a16:creationId xmlns:a16="http://schemas.microsoft.com/office/drawing/2014/main" id="{26B95862-D55A-2D4C-777E-8B86A3458A25}"/>
+                <a16:creationId xmlns:a16="http://schemas.microsoft.com/office/drawing/2014/main" id="{19F1132F-10C8-F6D5-5E78-22E565F7E84D}"/>
               </a:ext>
             </a:extLst>
           </p:cNvPr>
@@ -15695,13 +15957,14 @@
         </p:nvPicPr>
         <p:blipFill>
           <a:blip r:embed="rId2"/>
-          <a:srcRect t="65650" r="35968"/>
-          <a:stretch/>
+          <a:stretch>
+            <a:fillRect/>
+          </a:stretch>
         </p:blipFill>
         <p:spPr>
           <a:xfrm>
-            <a:off x="594359" y="2772937"/>
-            <a:ext cx="5552497" cy="1806499"/>
+            <a:off x="6326460" y="351965"/>
+            <a:ext cx="5783766" cy="6104080"/>
           </a:xfrm>
           <a:prstGeom prst="rect">
             <a:avLst/>
@@ -15710,10 +15973,10 @@
       </p:pic>
       <p:pic>
         <p:nvPicPr>
-          <p:cNvPr id="9" name="Picture 8">
+          <p:cNvPr id="8" name="Picture 7">
             <a:extLst>
               <a:ext uri="{FF2B5EF4-FFF2-40B4-BE49-F238E27FC236}">
-                <a16:creationId xmlns:a16="http://schemas.microsoft.com/office/drawing/2014/main" id="{B2F691DB-E72F-7CC5-6536-BB2DBC906054}"/>
+                <a16:creationId xmlns:a16="http://schemas.microsoft.com/office/drawing/2014/main" id="{1056B7A6-BB26-DC43-E971-A1AE0C06B9CC}"/>
               </a:ext>
             </a:extLst>
           </p:cNvPr>
@@ -15724,25 +15987,258 @@
         </p:nvPicPr>
         <p:blipFill>
           <a:blip r:embed="rId3"/>
-          <a:srcRect l="-1" t="39068" r="55113" b="2824"/>
-          <a:stretch/>
+          <a:stretch>
+            <a:fillRect/>
+          </a:stretch>
         </p:blipFill>
         <p:spPr>
           <a:xfrm>
-            <a:off x="6146856" y="2772937"/>
-            <a:ext cx="4895199" cy="1806499"/>
+            <a:off x="2687993" y="4643861"/>
+            <a:ext cx="3088340" cy="1845413"/>
           </a:xfrm>
           <a:prstGeom prst="rect">
             <a:avLst/>
           </a:prstGeom>
         </p:spPr>
       </p:pic>
+    </p:spTree>
+    <p:extLst>
+      <p:ext uri="{BB962C8B-B14F-4D97-AF65-F5344CB8AC3E}">
+        <p14:creationId xmlns:p14="http://schemas.microsoft.com/office/powerpoint/2010/main" val="3679270149"/>
+      </p:ext>
+    </p:extLst>
+  </p:cSld>
+  <p:clrMapOvr>
+    <a:masterClrMapping/>
+  </p:clrMapOvr>
+</p:sld>
+</file>
+
+<file path=ppt/slides/slide12.xml><?xml version="1.0" encoding="utf-8"?>
+<p:sld xmlns:a="http://schemas.openxmlformats.org/drawingml/2006/main" xmlns:r="http://schemas.openxmlformats.org/officeDocument/2006/relationships" xmlns:p="http://schemas.openxmlformats.org/presentationml/2006/main">
+  <p:cSld>
+    <p:spTree>
+      <p:nvGrpSpPr>
+        <p:cNvPr id="1" name=""/>
+        <p:cNvGrpSpPr/>
+        <p:nvPr/>
+      </p:nvGrpSpPr>
+      <p:grpSpPr>
+        <a:xfrm>
+          <a:off x="0" y="0"/>
+          <a:ext cx="0" cy="0"/>
+          <a:chOff x="0" y="0"/>
+          <a:chExt cx="0" cy="0"/>
+        </a:xfrm>
+      </p:grpSpPr>
       <p:sp>
         <p:nvSpPr>
-          <p:cNvPr id="10" name="Title 1">
+          <p:cNvPr id="2" name="Title 1">
             <a:extLst>
               <a:ext uri="{FF2B5EF4-FFF2-40B4-BE49-F238E27FC236}">
-                <a16:creationId xmlns:a16="http://schemas.microsoft.com/office/drawing/2014/main" id="{F57FAAD1-D478-7AEA-D8E1-F7DE3B12724F}"/>
+                <a16:creationId xmlns:a16="http://schemas.microsoft.com/office/drawing/2014/main" id="{8AF62734-5044-AD54-6918-1AE50766EAA4}"/>
+              </a:ext>
+            </a:extLst>
+          </p:cNvPr>
+          <p:cNvSpPr>
+            <a:spLocks noGrp="1"/>
+          </p:cNvSpPr>
+          <p:nvPr>
+            <p:ph type="title"/>
+          </p:nvPr>
+        </p:nvSpPr>
+        <p:spPr/>
+        <p:txBody>
+          <a:bodyPr/>
+          <a:lstStyle/>
+          <a:p>
+            <a:r>
+              <a:rPr lang="en-US" altLang="zh-CN" dirty="0"/>
+              <a:t>New Training</a:t>
+            </a:r>
+            <a:endParaRPr lang="zh-CN" altLang="en-US" dirty="0"/>
+          </a:p>
+        </p:txBody>
+      </p:sp>
+      <p:sp>
+        <p:nvSpPr>
+          <p:cNvPr id="3" name="Text Placeholder 2">
+            <a:extLst>
+              <a:ext uri="{FF2B5EF4-FFF2-40B4-BE49-F238E27FC236}">
+                <a16:creationId xmlns:a16="http://schemas.microsoft.com/office/drawing/2014/main" id="{FF60C99F-C843-34DE-73D3-049C2708952C}"/>
+              </a:ext>
+            </a:extLst>
+          </p:cNvPr>
+          <p:cNvSpPr>
+            <a:spLocks noGrp="1"/>
+          </p:cNvSpPr>
+          <p:nvPr>
+            <p:ph type="body" idx="1"/>
+          </p:nvPr>
+        </p:nvSpPr>
+        <p:spPr/>
+        <p:txBody>
+          <a:bodyPr/>
+          <a:lstStyle/>
+          <a:p>
+            <a:endParaRPr lang="zh-CN" altLang="en-US"/>
+          </a:p>
+        </p:txBody>
+      </p:sp>
+      <p:sp>
+        <p:nvSpPr>
+          <p:cNvPr id="4" name="Slide Number Placeholder 3">
+            <a:extLst>
+              <a:ext uri="{FF2B5EF4-FFF2-40B4-BE49-F238E27FC236}">
+                <a16:creationId xmlns:a16="http://schemas.microsoft.com/office/drawing/2014/main" id="{7354E784-A815-6E32-C90E-FD559E80AD8B}"/>
+              </a:ext>
+            </a:extLst>
+          </p:cNvPr>
+          <p:cNvSpPr>
+            <a:spLocks noGrp="1"/>
+          </p:cNvSpPr>
+          <p:nvPr>
+            <p:ph type="sldNum" idx="12"/>
+          </p:nvPr>
+        </p:nvSpPr>
+        <p:spPr/>
+        <p:txBody>
+          <a:bodyPr/>
+          <a:lstStyle/>
+          <a:p>
+            <a:pPr marL="0" lvl="0" indent="0" algn="l" rtl="0">
+              <a:spcBef>
+                <a:spcPts val="0"/>
+              </a:spcBef>
+              <a:spcAft>
+                <a:spcPts val="0"/>
+              </a:spcAft>
+              <a:buNone/>
+            </a:pPr>
+            <a:fld id="{00000000-1234-1234-1234-123412341234}" type="slidenum">
+              <a:rPr lang="en-US" smtClean="0"/>
+              <a:t>12</a:t>
+            </a:fld>
+            <a:endParaRPr lang="en-US"/>
+          </a:p>
+        </p:txBody>
+      </p:sp>
+    </p:spTree>
+    <p:extLst>
+      <p:ext uri="{BB962C8B-B14F-4D97-AF65-F5344CB8AC3E}">
+        <p14:creationId xmlns:p14="http://schemas.microsoft.com/office/powerpoint/2010/main" val="2962766465"/>
+      </p:ext>
+    </p:extLst>
+  </p:cSld>
+  <p:clrMapOvr>
+    <a:masterClrMapping/>
+  </p:clrMapOvr>
+</p:sld>
+</file>
+
+<file path=ppt/slides/slide13.xml><?xml version="1.0" encoding="utf-8"?>
+<p:sld xmlns:a="http://schemas.openxmlformats.org/drawingml/2006/main" xmlns:r="http://schemas.openxmlformats.org/officeDocument/2006/relationships" xmlns:p="http://schemas.openxmlformats.org/presentationml/2006/main">
+  <p:cSld>
+    <p:spTree>
+      <p:nvGrpSpPr>
+        <p:cNvPr id="1" name="">
+          <a:extLst>
+            <a:ext uri="{FF2B5EF4-FFF2-40B4-BE49-F238E27FC236}">
+              <a16:creationId xmlns:a16="http://schemas.microsoft.com/office/drawing/2014/main" id="{87DF1F07-D340-B8BD-BDC3-54C824B78C85}"/>
+            </a:ext>
+          </a:extLst>
+        </p:cNvPr>
+        <p:cNvGrpSpPr/>
+        <p:nvPr/>
+      </p:nvGrpSpPr>
+      <p:grpSpPr>
+        <a:xfrm>
+          <a:off x="0" y="0"/>
+          <a:ext cx="0" cy="0"/>
+          <a:chOff x="0" y="0"/>
+          <a:chExt cx="0" cy="0"/>
+        </a:xfrm>
+      </p:grpSpPr>
+      <p:sp>
+        <p:nvSpPr>
+          <p:cNvPr id="2" name="Title 1">
+            <a:extLst>
+              <a:ext uri="{FF2B5EF4-FFF2-40B4-BE49-F238E27FC236}">
+                <a16:creationId xmlns:a16="http://schemas.microsoft.com/office/drawing/2014/main" id="{BC6FD227-6C64-2D8A-4AB9-42A789C945F2}"/>
+              </a:ext>
+            </a:extLst>
+          </p:cNvPr>
+          <p:cNvSpPr>
+            <a:spLocks noGrp="1"/>
+          </p:cNvSpPr>
+          <p:nvPr>
+            <p:ph type="title"/>
+          </p:nvPr>
+        </p:nvSpPr>
+        <p:spPr>
+          <a:xfrm>
+            <a:off x="542319" y="154303"/>
+            <a:ext cx="11307708" cy="247651"/>
+          </a:xfrm>
+        </p:spPr>
+        <p:txBody>
+          <a:bodyPr>
+            <a:normAutofit/>
+          </a:bodyPr>
+          <a:lstStyle/>
+          <a:p>
+            <a:r>
+              <a:rPr lang="en-US" altLang="zh-CN" sz="1800" dirty="0"/>
+              <a:t>testing result of yolo11nano </a:t>
+            </a:r>
+            <a:endParaRPr lang="zh-CN" altLang="en-US" sz="1800" dirty="0"/>
+          </a:p>
+        </p:txBody>
+      </p:sp>
+      <p:sp>
+        <p:nvSpPr>
+          <p:cNvPr id="4" name="Slide Number Placeholder 3">
+            <a:extLst>
+              <a:ext uri="{FF2B5EF4-FFF2-40B4-BE49-F238E27FC236}">
+                <a16:creationId xmlns:a16="http://schemas.microsoft.com/office/drawing/2014/main" id="{A5B4A2FE-F8E5-AED4-DC6B-670EB02237B1}"/>
+              </a:ext>
+            </a:extLst>
+          </p:cNvPr>
+          <p:cNvSpPr>
+            <a:spLocks noGrp="1"/>
+          </p:cNvSpPr>
+          <p:nvPr>
+            <p:ph type="sldNum" idx="12"/>
+          </p:nvPr>
+        </p:nvSpPr>
+        <p:spPr/>
+        <p:txBody>
+          <a:bodyPr/>
+          <a:lstStyle/>
+          <a:p>
+            <a:pPr marL="0" lvl="0" indent="0" algn="l" rtl="0">
+              <a:spcBef>
+                <a:spcPts val="0"/>
+              </a:spcBef>
+              <a:spcAft>
+                <a:spcPts val="0"/>
+              </a:spcAft>
+              <a:buNone/>
+            </a:pPr>
+            <a:fld id="{00000000-1234-1234-1234-123412341234}" type="slidenum">
+              <a:rPr lang="en-US" smtClean="0"/>
+              <a:t>13</a:t>
+            </a:fld>
+            <a:endParaRPr lang="en-US"/>
+          </a:p>
+        </p:txBody>
+      </p:sp>
+      <p:sp>
+        <p:nvSpPr>
+          <p:cNvPr id="8" name="Title 1">
+            <a:extLst>
+              <a:ext uri="{FF2B5EF4-FFF2-40B4-BE49-F238E27FC236}">
+                <a16:creationId xmlns:a16="http://schemas.microsoft.com/office/drawing/2014/main" id="{C1DBCA47-C5F5-4224-C264-A67F88DFB11D}"/>
               </a:ext>
             </a:extLst>
           </p:cNvPr>
@@ -15753,8 +16249,8 @@
         </p:nvSpPr>
         <p:spPr>
           <a:xfrm>
-            <a:off x="593724" y="4579436"/>
-            <a:ext cx="5293497" cy="351039"/>
+            <a:off x="542318" y="2350046"/>
+            <a:ext cx="11307708" cy="247651"/>
           </a:xfrm>
           <a:prstGeom prst="rect">
             <a:avLst/>
@@ -16018,7 +16514,7 @@
           <a:p>
             <a:r>
               <a:rPr lang="en-US" altLang="zh-CN" sz="1800" dirty="0"/>
-              <a:t>training result of yolo11xtra with epochs=100</a:t>
+              <a:t>testing result of yolo11small </a:t>
             </a:r>
             <a:endParaRPr lang="zh-CN" altLang="en-US" sz="1800" dirty="0"/>
           </a:p>
@@ -16026,10 +16522,10 @@
       </p:sp>
       <p:sp>
         <p:nvSpPr>
-          <p:cNvPr id="11" name="Title 1">
+          <p:cNvPr id="9" name="Title 1">
             <a:extLst>
               <a:ext uri="{FF2B5EF4-FFF2-40B4-BE49-F238E27FC236}">
-                <a16:creationId xmlns:a16="http://schemas.microsoft.com/office/drawing/2014/main" id="{5C9C5689-5AFD-E2E0-DC8A-66984C7FA98B}"/>
+                <a16:creationId xmlns:a16="http://schemas.microsoft.com/office/drawing/2014/main" id="{757D6D2B-8849-7B5B-773B-00BB6DF7B632}"/>
               </a:ext>
             </a:extLst>
           </p:cNvPr>
@@ -16040,8 +16536,8 @@
         </p:nvSpPr>
         <p:spPr>
           <a:xfrm>
-            <a:off x="6045145" y="4579435"/>
-            <a:ext cx="5293497" cy="351039"/>
+            <a:off x="542318" y="4365824"/>
+            <a:ext cx="11307708" cy="247651"/>
           </a:xfrm>
           <a:prstGeom prst="rect">
             <a:avLst/>
@@ -16305,7 +16801,7 @@
           <a:p>
             <a:r>
               <a:rPr lang="en-US" altLang="zh-CN" sz="1800" dirty="0"/>
-              <a:t>training result of yolo11xtra with epochs=200</a:t>
+              <a:t>testing result of yolo11middle </a:t>
             </a:r>
             <a:endParaRPr lang="zh-CN" altLang="en-US" sz="1800" dirty="0"/>
           </a:p>
@@ -16313,10 +16809,588 @@
       </p:sp>
       <p:sp>
         <p:nvSpPr>
-          <p:cNvPr id="12" name="TextBox 11">
+          <p:cNvPr id="11" name="Title 1">
             <a:extLst>
               <a:ext uri="{FF2B5EF4-FFF2-40B4-BE49-F238E27FC236}">
-                <a16:creationId xmlns:a16="http://schemas.microsoft.com/office/drawing/2014/main" id="{FBA712E6-095B-BC10-0114-004C27A928A6}"/>
+                <a16:creationId xmlns:a16="http://schemas.microsoft.com/office/drawing/2014/main" id="{F00AEF5D-7326-747D-CE82-5BEC2B6A4F25}"/>
+              </a:ext>
+            </a:extLst>
+          </p:cNvPr>
+          <p:cNvSpPr txBox="1">
+            <a:spLocks/>
+          </p:cNvSpPr>
+          <p:nvPr/>
+        </p:nvSpPr>
+        <p:spPr>
+          <a:xfrm>
+            <a:off x="5868111" y="147379"/>
+            <a:ext cx="3397402" cy="289153"/>
+          </a:xfrm>
+          <a:prstGeom prst="rect">
+            <a:avLst/>
+          </a:prstGeom>
+          <a:noFill/>
+          <a:ln>
+            <a:noFill/>
+          </a:ln>
+        </p:spPr>
+        <p:txBody>
+          <a:bodyPr spcFirstLastPara="1" wrap="square" lIns="0" tIns="0" rIns="0" bIns="0" anchor="b" anchorCtr="0">
+            <a:normAutofit fontScale="85000" lnSpcReduction="10000"/>
+          </a:bodyPr>
+          <a:lstStyle>
+            <a:defPPr marR="0" lvl="0" algn="l" rtl="0">
+              <a:lnSpc>
+                <a:spcPct val="100000"/>
+              </a:lnSpc>
+              <a:spcBef>
+                <a:spcPts val="0"/>
+              </a:spcBef>
+              <a:spcAft>
+                <a:spcPts val="0"/>
+              </a:spcAft>
+            </a:defPPr>
+            <a:lvl1pPr marR="0" lvl="0" algn="l" rtl="0">
+              <a:lnSpc>
+                <a:spcPct val="80000"/>
+              </a:lnSpc>
+              <a:spcBef>
+                <a:spcPts val="0"/>
+              </a:spcBef>
+              <a:spcAft>
+                <a:spcPts val="0"/>
+              </a:spcAft>
+              <a:buClr>
+                <a:schemeClr val="dk1"/>
+              </a:buClr>
+              <a:buSzPts val="4400"/>
+              <a:buFont typeface="Arial"/>
+              <a:buNone/>
+              <a:defRPr sz="4400" b="1" i="0" u="none" strike="noStrike" cap="none">
+                <a:solidFill>
+                  <a:schemeClr val="dk1"/>
+                </a:solidFill>
+                <a:latin typeface="Arial"/>
+                <a:ea typeface="Arial"/>
+                <a:cs typeface="Arial"/>
+                <a:sym typeface="Arial"/>
+              </a:defRPr>
+            </a:lvl1pPr>
+            <a:lvl2pPr marR="0" lvl="1" algn="l" rtl="0">
+              <a:lnSpc>
+                <a:spcPct val="100000"/>
+              </a:lnSpc>
+              <a:spcBef>
+                <a:spcPts val="0"/>
+              </a:spcBef>
+              <a:spcAft>
+                <a:spcPts val="0"/>
+              </a:spcAft>
+              <a:buClr>
+                <a:srgbClr val="000000"/>
+              </a:buClr>
+              <a:buSzPts val="1400"/>
+              <a:buFont typeface="Arial"/>
+              <a:buNone/>
+              <a:defRPr sz="1800" b="0" i="0" u="none" strike="noStrike" cap="none">
+                <a:solidFill>
+                  <a:srgbClr val="000000"/>
+                </a:solidFill>
+                <a:latin typeface="Arial"/>
+                <a:ea typeface="Arial"/>
+                <a:cs typeface="Arial"/>
+                <a:sym typeface="Arial"/>
+              </a:defRPr>
+            </a:lvl2pPr>
+            <a:lvl3pPr marR="0" lvl="2" algn="l" rtl="0">
+              <a:lnSpc>
+                <a:spcPct val="100000"/>
+              </a:lnSpc>
+              <a:spcBef>
+                <a:spcPts val="0"/>
+              </a:spcBef>
+              <a:spcAft>
+                <a:spcPts val="0"/>
+              </a:spcAft>
+              <a:buClr>
+                <a:srgbClr val="000000"/>
+              </a:buClr>
+              <a:buSzPts val="1400"/>
+              <a:buFont typeface="Arial"/>
+              <a:buNone/>
+              <a:defRPr sz="1800" b="0" i="0" u="none" strike="noStrike" cap="none">
+                <a:solidFill>
+                  <a:srgbClr val="000000"/>
+                </a:solidFill>
+                <a:latin typeface="Arial"/>
+                <a:ea typeface="Arial"/>
+                <a:cs typeface="Arial"/>
+                <a:sym typeface="Arial"/>
+              </a:defRPr>
+            </a:lvl3pPr>
+            <a:lvl4pPr marR="0" lvl="3" algn="l" rtl="0">
+              <a:lnSpc>
+                <a:spcPct val="100000"/>
+              </a:lnSpc>
+              <a:spcBef>
+                <a:spcPts val="0"/>
+              </a:spcBef>
+              <a:spcAft>
+                <a:spcPts val="0"/>
+              </a:spcAft>
+              <a:buClr>
+                <a:srgbClr val="000000"/>
+              </a:buClr>
+              <a:buSzPts val="1400"/>
+              <a:buFont typeface="Arial"/>
+              <a:buNone/>
+              <a:defRPr sz="1800" b="0" i="0" u="none" strike="noStrike" cap="none">
+                <a:solidFill>
+                  <a:srgbClr val="000000"/>
+                </a:solidFill>
+                <a:latin typeface="Arial"/>
+                <a:ea typeface="Arial"/>
+                <a:cs typeface="Arial"/>
+                <a:sym typeface="Arial"/>
+              </a:defRPr>
+            </a:lvl4pPr>
+            <a:lvl5pPr marR="0" lvl="4" algn="l" rtl="0">
+              <a:lnSpc>
+                <a:spcPct val="100000"/>
+              </a:lnSpc>
+              <a:spcBef>
+                <a:spcPts val="0"/>
+              </a:spcBef>
+              <a:spcAft>
+                <a:spcPts val="0"/>
+              </a:spcAft>
+              <a:buClr>
+                <a:srgbClr val="000000"/>
+              </a:buClr>
+              <a:buSzPts val="1400"/>
+              <a:buFont typeface="Arial"/>
+              <a:buNone/>
+              <a:defRPr sz="1800" b="0" i="0" u="none" strike="noStrike" cap="none">
+                <a:solidFill>
+                  <a:srgbClr val="000000"/>
+                </a:solidFill>
+                <a:latin typeface="Arial"/>
+                <a:ea typeface="Arial"/>
+                <a:cs typeface="Arial"/>
+                <a:sym typeface="Arial"/>
+              </a:defRPr>
+            </a:lvl5pPr>
+            <a:lvl6pPr marR="0" lvl="5" algn="l" rtl="0">
+              <a:lnSpc>
+                <a:spcPct val="100000"/>
+              </a:lnSpc>
+              <a:spcBef>
+                <a:spcPts val="0"/>
+              </a:spcBef>
+              <a:spcAft>
+                <a:spcPts val="0"/>
+              </a:spcAft>
+              <a:buClr>
+                <a:srgbClr val="000000"/>
+              </a:buClr>
+              <a:buSzPts val="1400"/>
+              <a:buFont typeface="Arial"/>
+              <a:buNone/>
+              <a:defRPr sz="1800" b="0" i="0" u="none" strike="noStrike" cap="none">
+                <a:solidFill>
+                  <a:srgbClr val="000000"/>
+                </a:solidFill>
+                <a:latin typeface="Arial"/>
+                <a:ea typeface="Arial"/>
+                <a:cs typeface="Arial"/>
+                <a:sym typeface="Arial"/>
+              </a:defRPr>
+            </a:lvl6pPr>
+            <a:lvl7pPr marR="0" lvl="6" algn="l" rtl="0">
+              <a:lnSpc>
+                <a:spcPct val="100000"/>
+              </a:lnSpc>
+              <a:spcBef>
+                <a:spcPts val="0"/>
+              </a:spcBef>
+              <a:spcAft>
+                <a:spcPts val="0"/>
+              </a:spcAft>
+              <a:buClr>
+                <a:srgbClr val="000000"/>
+              </a:buClr>
+              <a:buSzPts val="1400"/>
+              <a:buFont typeface="Arial"/>
+              <a:buNone/>
+              <a:defRPr sz="1800" b="0" i="0" u="none" strike="noStrike" cap="none">
+                <a:solidFill>
+                  <a:srgbClr val="000000"/>
+                </a:solidFill>
+                <a:latin typeface="Arial"/>
+                <a:ea typeface="Arial"/>
+                <a:cs typeface="Arial"/>
+                <a:sym typeface="Arial"/>
+              </a:defRPr>
+            </a:lvl7pPr>
+            <a:lvl8pPr marR="0" lvl="7" algn="l" rtl="0">
+              <a:lnSpc>
+                <a:spcPct val="100000"/>
+              </a:lnSpc>
+              <a:spcBef>
+                <a:spcPts val="0"/>
+              </a:spcBef>
+              <a:spcAft>
+                <a:spcPts val="0"/>
+              </a:spcAft>
+              <a:buClr>
+                <a:srgbClr val="000000"/>
+              </a:buClr>
+              <a:buSzPts val="1400"/>
+              <a:buFont typeface="Arial"/>
+              <a:buNone/>
+              <a:defRPr sz="1800" b="0" i="0" u="none" strike="noStrike" cap="none">
+                <a:solidFill>
+                  <a:srgbClr val="000000"/>
+                </a:solidFill>
+                <a:latin typeface="Arial"/>
+                <a:ea typeface="Arial"/>
+                <a:cs typeface="Arial"/>
+                <a:sym typeface="Arial"/>
+              </a:defRPr>
+            </a:lvl8pPr>
+            <a:lvl9pPr marR="0" lvl="8" algn="l" rtl="0">
+              <a:lnSpc>
+                <a:spcPct val="100000"/>
+              </a:lnSpc>
+              <a:spcBef>
+                <a:spcPts val="0"/>
+              </a:spcBef>
+              <a:spcAft>
+                <a:spcPts val="0"/>
+              </a:spcAft>
+              <a:buClr>
+                <a:srgbClr val="000000"/>
+              </a:buClr>
+              <a:buSzPts val="1400"/>
+              <a:buFont typeface="Arial"/>
+              <a:buNone/>
+              <a:defRPr sz="1800" b="0" i="0" u="none" strike="noStrike" cap="none">
+                <a:solidFill>
+                  <a:srgbClr val="000000"/>
+                </a:solidFill>
+                <a:latin typeface="Arial"/>
+                <a:ea typeface="Arial"/>
+                <a:cs typeface="Arial"/>
+                <a:sym typeface="Arial"/>
+              </a:defRPr>
+            </a:lvl9pPr>
+          </a:lstStyle>
+          <a:p>
+            <a:r>
+              <a:rPr lang="en-US" altLang="zh-CN" sz="1800" dirty="0"/>
+              <a:t>testing result of yolo11large </a:t>
+            </a:r>
+            <a:r>
+              <a:rPr lang="en-US" altLang="zh-CN" sz="1800" dirty="0" err="1"/>
+              <a:t>mAP</a:t>
+            </a:r>
+            <a:endParaRPr lang="zh-CN" altLang="en-US" sz="1800" dirty="0"/>
+          </a:p>
+        </p:txBody>
+      </p:sp>
+      <p:sp>
+        <p:nvSpPr>
+          <p:cNvPr id="13" name="Title 1">
+            <a:extLst>
+              <a:ext uri="{FF2B5EF4-FFF2-40B4-BE49-F238E27FC236}">
+                <a16:creationId xmlns:a16="http://schemas.microsoft.com/office/drawing/2014/main" id="{625B91C1-3ED6-2E29-90BC-C13EEB6EA072}"/>
+              </a:ext>
+            </a:extLst>
+          </p:cNvPr>
+          <p:cNvSpPr txBox="1">
+            <a:spLocks/>
+          </p:cNvSpPr>
+          <p:nvPr/>
+        </p:nvSpPr>
+        <p:spPr>
+          <a:xfrm>
+            <a:off x="5868111" y="2300632"/>
+            <a:ext cx="3397402" cy="289153"/>
+          </a:xfrm>
+          <a:prstGeom prst="rect">
+            <a:avLst/>
+          </a:prstGeom>
+          <a:noFill/>
+          <a:ln>
+            <a:noFill/>
+          </a:ln>
+        </p:spPr>
+        <p:txBody>
+          <a:bodyPr spcFirstLastPara="1" wrap="square" lIns="0" tIns="0" rIns="0" bIns="0" anchor="b" anchorCtr="0">
+            <a:normAutofit/>
+          </a:bodyPr>
+          <a:lstStyle>
+            <a:defPPr marR="0" lvl="0" algn="l" rtl="0">
+              <a:lnSpc>
+                <a:spcPct val="100000"/>
+              </a:lnSpc>
+              <a:spcBef>
+                <a:spcPts val="0"/>
+              </a:spcBef>
+              <a:spcAft>
+                <a:spcPts val="0"/>
+              </a:spcAft>
+            </a:defPPr>
+            <a:lvl1pPr marR="0" lvl="0" algn="l" rtl="0">
+              <a:lnSpc>
+                <a:spcPct val="80000"/>
+              </a:lnSpc>
+              <a:spcBef>
+                <a:spcPts val="0"/>
+              </a:spcBef>
+              <a:spcAft>
+                <a:spcPts val="0"/>
+              </a:spcAft>
+              <a:buClr>
+                <a:schemeClr val="dk1"/>
+              </a:buClr>
+              <a:buSzPts val="4400"/>
+              <a:buFont typeface="Arial"/>
+              <a:buNone/>
+              <a:defRPr sz="4400" b="1" i="0" u="none" strike="noStrike" cap="none">
+                <a:solidFill>
+                  <a:schemeClr val="dk1"/>
+                </a:solidFill>
+                <a:latin typeface="Arial"/>
+                <a:ea typeface="Arial"/>
+                <a:cs typeface="Arial"/>
+                <a:sym typeface="Arial"/>
+              </a:defRPr>
+            </a:lvl1pPr>
+            <a:lvl2pPr marR="0" lvl="1" algn="l" rtl="0">
+              <a:lnSpc>
+                <a:spcPct val="100000"/>
+              </a:lnSpc>
+              <a:spcBef>
+                <a:spcPts val="0"/>
+              </a:spcBef>
+              <a:spcAft>
+                <a:spcPts val="0"/>
+              </a:spcAft>
+              <a:buClr>
+                <a:srgbClr val="000000"/>
+              </a:buClr>
+              <a:buSzPts val="1400"/>
+              <a:buFont typeface="Arial"/>
+              <a:buNone/>
+              <a:defRPr sz="1800" b="0" i="0" u="none" strike="noStrike" cap="none">
+                <a:solidFill>
+                  <a:srgbClr val="000000"/>
+                </a:solidFill>
+                <a:latin typeface="Arial"/>
+                <a:ea typeface="Arial"/>
+                <a:cs typeface="Arial"/>
+                <a:sym typeface="Arial"/>
+              </a:defRPr>
+            </a:lvl2pPr>
+            <a:lvl3pPr marR="0" lvl="2" algn="l" rtl="0">
+              <a:lnSpc>
+                <a:spcPct val="100000"/>
+              </a:lnSpc>
+              <a:spcBef>
+                <a:spcPts val="0"/>
+              </a:spcBef>
+              <a:spcAft>
+                <a:spcPts val="0"/>
+              </a:spcAft>
+              <a:buClr>
+                <a:srgbClr val="000000"/>
+              </a:buClr>
+              <a:buSzPts val="1400"/>
+              <a:buFont typeface="Arial"/>
+              <a:buNone/>
+              <a:defRPr sz="1800" b="0" i="0" u="none" strike="noStrike" cap="none">
+                <a:solidFill>
+                  <a:srgbClr val="000000"/>
+                </a:solidFill>
+                <a:latin typeface="Arial"/>
+                <a:ea typeface="Arial"/>
+                <a:cs typeface="Arial"/>
+                <a:sym typeface="Arial"/>
+              </a:defRPr>
+            </a:lvl3pPr>
+            <a:lvl4pPr marR="0" lvl="3" algn="l" rtl="0">
+              <a:lnSpc>
+                <a:spcPct val="100000"/>
+              </a:lnSpc>
+              <a:spcBef>
+                <a:spcPts val="0"/>
+              </a:spcBef>
+              <a:spcAft>
+                <a:spcPts val="0"/>
+              </a:spcAft>
+              <a:buClr>
+                <a:srgbClr val="000000"/>
+              </a:buClr>
+              <a:buSzPts val="1400"/>
+              <a:buFont typeface="Arial"/>
+              <a:buNone/>
+              <a:defRPr sz="1800" b="0" i="0" u="none" strike="noStrike" cap="none">
+                <a:solidFill>
+                  <a:srgbClr val="000000"/>
+                </a:solidFill>
+                <a:latin typeface="Arial"/>
+                <a:ea typeface="Arial"/>
+                <a:cs typeface="Arial"/>
+                <a:sym typeface="Arial"/>
+              </a:defRPr>
+            </a:lvl4pPr>
+            <a:lvl5pPr marR="0" lvl="4" algn="l" rtl="0">
+              <a:lnSpc>
+                <a:spcPct val="100000"/>
+              </a:lnSpc>
+              <a:spcBef>
+                <a:spcPts val="0"/>
+              </a:spcBef>
+              <a:spcAft>
+                <a:spcPts val="0"/>
+              </a:spcAft>
+              <a:buClr>
+                <a:srgbClr val="000000"/>
+              </a:buClr>
+              <a:buSzPts val="1400"/>
+              <a:buFont typeface="Arial"/>
+              <a:buNone/>
+              <a:defRPr sz="1800" b="0" i="0" u="none" strike="noStrike" cap="none">
+                <a:solidFill>
+                  <a:srgbClr val="000000"/>
+                </a:solidFill>
+                <a:latin typeface="Arial"/>
+                <a:ea typeface="Arial"/>
+                <a:cs typeface="Arial"/>
+                <a:sym typeface="Arial"/>
+              </a:defRPr>
+            </a:lvl5pPr>
+            <a:lvl6pPr marR="0" lvl="5" algn="l" rtl="0">
+              <a:lnSpc>
+                <a:spcPct val="100000"/>
+              </a:lnSpc>
+              <a:spcBef>
+                <a:spcPts val="0"/>
+              </a:spcBef>
+              <a:spcAft>
+                <a:spcPts val="0"/>
+              </a:spcAft>
+              <a:buClr>
+                <a:srgbClr val="000000"/>
+              </a:buClr>
+              <a:buSzPts val="1400"/>
+              <a:buFont typeface="Arial"/>
+              <a:buNone/>
+              <a:defRPr sz="1800" b="0" i="0" u="none" strike="noStrike" cap="none">
+                <a:solidFill>
+                  <a:srgbClr val="000000"/>
+                </a:solidFill>
+                <a:latin typeface="Arial"/>
+                <a:ea typeface="Arial"/>
+                <a:cs typeface="Arial"/>
+                <a:sym typeface="Arial"/>
+              </a:defRPr>
+            </a:lvl6pPr>
+            <a:lvl7pPr marR="0" lvl="6" algn="l" rtl="0">
+              <a:lnSpc>
+                <a:spcPct val="100000"/>
+              </a:lnSpc>
+              <a:spcBef>
+                <a:spcPts val="0"/>
+              </a:spcBef>
+              <a:spcAft>
+                <a:spcPts val="0"/>
+              </a:spcAft>
+              <a:buClr>
+                <a:srgbClr val="000000"/>
+              </a:buClr>
+              <a:buSzPts val="1400"/>
+              <a:buFont typeface="Arial"/>
+              <a:buNone/>
+              <a:defRPr sz="1800" b="0" i="0" u="none" strike="noStrike" cap="none">
+                <a:solidFill>
+                  <a:srgbClr val="000000"/>
+                </a:solidFill>
+                <a:latin typeface="Arial"/>
+                <a:ea typeface="Arial"/>
+                <a:cs typeface="Arial"/>
+                <a:sym typeface="Arial"/>
+              </a:defRPr>
+            </a:lvl7pPr>
+            <a:lvl8pPr marR="0" lvl="7" algn="l" rtl="0">
+              <a:lnSpc>
+                <a:spcPct val="100000"/>
+              </a:lnSpc>
+              <a:spcBef>
+                <a:spcPts val="0"/>
+              </a:spcBef>
+              <a:spcAft>
+                <a:spcPts val="0"/>
+              </a:spcAft>
+              <a:buClr>
+                <a:srgbClr val="000000"/>
+              </a:buClr>
+              <a:buSzPts val="1400"/>
+              <a:buFont typeface="Arial"/>
+              <a:buNone/>
+              <a:defRPr sz="1800" b="0" i="0" u="none" strike="noStrike" cap="none">
+                <a:solidFill>
+                  <a:srgbClr val="000000"/>
+                </a:solidFill>
+                <a:latin typeface="Arial"/>
+                <a:ea typeface="Arial"/>
+                <a:cs typeface="Arial"/>
+                <a:sym typeface="Arial"/>
+              </a:defRPr>
+            </a:lvl8pPr>
+            <a:lvl9pPr marR="0" lvl="8" algn="l" rtl="0">
+              <a:lnSpc>
+                <a:spcPct val="100000"/>
+              </a:lnSpc>
+              <a:spcBef>
+                <a:spcPts val="0"/>
+              </a:spcBef>
+              <a:spcAft>
+                <a:spcPts val="0"/>
+              </a:spcAft>
+              <a:buClr>
+                <a:srgbClr val="000000"/>
+              </a:buClr>
+              <a:buSzPts val="1400"/>
+              <a:buFont typeface="Arial"/>
+              <a:buNone/>
+              <a:defRPr sz="1800" b="0" i="0" u="none" strike="noStrike" cap="none">
+                <a:solidFill>
+                  <a:srgbClr val="000000"/>
+                </a:solidFill>
+                <a:latin typeface="Arial"/>
+                <a:ea typeface="Arial"/>
+                <a:cs typeface="Arial"/>
+                <a:sym typeface="Arial"/>
+              </a:defRPr>
+            </a:lvl9pPr>
+          </a:lstStyle>
+          <a:p>
+            <a:r>
+              <a:rPr lang="en-US" altLang="zh-CN" sz="1800" dirty="0"/>
+              <a:t>testing result of yolo11xtra</a:t>
+            </a:r>
+            <a:endParaRPr lang="zh-CN" altLang="en-US" sz="1800" dirty="0"/>
+          </a:p>
+        </p:txBody>
+      </p:sp>
+      <p:sp>
+        <p:nvSpPr>
+          <p:cNvPr id="16" name="TextBox 15">
+            <a:extLst>
+              <a:ext uri="{FF2B5EF4-FFF2-40B4-BE49-F238E27FC236}">
+                <a16:creationId xmlns:a16="http://schemas.microsoft.com/office/drawing/2014/main" id="{4A7D1C96-9DC7-607B-54B6-F8C8EA2900B1}"/>
               </a:ext>
             </a:extLst>
           </p:cNvPr>
@@ -16325,8 +17399,8 @@
         </p:nvSpPr>
         <p:spPr>
           <a:xfrm>
-            <a:off x="485567" y="5093541"/>
-            <a:ext cx="11029926" cy="1015663"/>
+            <a:off x="5868111" y="4652151"/>
+            <a:ext cx="3104904" cy="2185214"/>
           </a:xfrm>
           <a:prstGeom prst="rect">
             <a:avLst/>
@@ -16340,30 +17414,382 @@
           <a:lstStyle/>
           <a:p>
             <a:r>
-              <a:rPr lang="en-US" altLang="zh-CN" sz="2000" b="1" dirty="0">
+              <a:rPr lang="en-US" altLang="zh-CN" sz="1600" dirty="0">
                 <a:solidFill>
                   <a:schemeClr val="accent5"/>
                 </a:solidFill>
               </a:rPr>
-              <a:t>Conclusion:</a:t>
+              <a:t>This week:</a:t>
             </a:r>
           </a:p>
           <a:p>
             <a:r>
+              <a:rPr lang="en-US" altLang="zh-CN" sz="1600" dirty="0" err="1">
+                <a:solidFill>
+                  <a:schemeClr val="accent5"/>
+                </a:solidFill>
+              </a:rPr>
+              <a:t>Image_size</a:t>
+            </a:r>
+            <a:r>
+              <a:rPr lang="en-US" altLang="zh-CN" sz="1600" dirty="0">
+                <a:solidFill>
+                  <a:schemeClr val="accent5"/>
+                </a:solidFill>
+              </a:rPr>
+              <a:t>=1920</a:t>
+            </a:r>
+          </a:p>
+          <a:p>
+            <a:r>
+              <a:rPr lang="en-US" altLang="zh-CN" sz="1600" dirty="0">
+                <a:solidFill>
+                  <a:schemeClr val="accent5"/>
+                </a:solidFill>
+              </a:rPr>
+              <a:t>Epoch=100</a:t>
+            </a:r>
+          </a:p>
+          <a:p>
+            <a:r>
+              <a:rPr lang="en-US" altLang="zh-CN" sz="1600" dirty="0">
+                <a:solidFill>
+                  <a:schemeClr val="accent5"/>
+                </a:solidFill>
+              </a:rPr>
+              <a:t>Initial learning rate =  0.01</a:t>
+            </a:r>
+          </a:p>
+          <a:p>
+            <a:r>
+              <a:rPr lang="en-US" altLang="zh-CN" sz="1600" dirty="0">
+                <a:solidFill>
+                  <a:schemeClr val="accent5"/>
+                </a:solidFill>
+              </a:rPr>
+              <a:t>Highest  mAP50 = 49.9%</a:t>
+            </a:r>
+          </a:p>
+          <a:p>
+            <a:r>
+              <a:rPr lang="en-US" altLang="zh-CN" sz="1600" dirty="0">
+                <a:solidFill>
+                  <a:schemeClr val="accent5"/>
+                </a:solidFill>
+              </a:rPr>
+              <a:t>Highest </a:t>
+            </a:r>
+            <a:r>
+              <a:rPr lang="en-US" altLang="zh-CN" sz="1600" dirty="0" err="1">
+                <a:solidFill>
+                  <a:schemeClr val="accent5"/>
+                </a:solidFill>
+              </a:rPr>
+              <a:t>mAP</a:t>
+            </a:r>
+            <a:r>
+              <a:rPr lang="en-US" altLang="zh-CN" sz="1600" dirty="0">
+                <a:solidFill>
+                  <a:schemeClr val="accent5"/>
+                </a:solidFill>
+              </a:rPr>
+              <a:t> = 30.9%</a:t>
+            </a:r>
+          </a:p>
+          <a:p>
+            <a:endParaRPr lang="en-US" altLang="zh-CN" sz="2000" dirty="0">
+              <a:solidFill>
+                <a:schemeClr val="accent5"/>
+              </a:solidFill>
+            </a:endParaRPr>
+          </a:p>
+          <a:p>
+            <a:r>
               <a:rPr lang="en-US" altLang="zh-CN" sz="2000" dirty="0">
                 <a:solidFill>
                   <a:schemeClr val="accent5"/>
                 </a:solidFill>
               </a:rPr>
-              <a:t>While longer training improves performance on the training dataset, it can lead to overfitting, which reduces performance on unseen data.</a:t>
+              <a:t>The result improves a lot!</a:t>
             </a:r>
+            <a:endParaRPr lang="zh-CN" altLang="en-US" sz="2000" dirty="0">
+              <a:solidFill>
+                <a:schemeClr val="accent5"/>
+              </a:solidFill>
+            </a:endParaRPr>
+          </a:p>
+        </p:txBody>
+      </p:sp>
+      <p:pic>
+        <p:nvPicPr>
+          <p:cNvPr id="6" name="Picture 5">
+            <a:extLst>
+              <a:ext uri="{FF2B5EF4-FFF2-40B4-BE49-F238E27FC236}">
+                <a16:creationId xmlns:a16="http://schemas.microsoft.com/office/drawing/2014/main" id="{9C3A1A32-7E02-3A60-ACA0-05C2A5FAC9A5}"/>
+              </a:ext>
+            </a:extLst>
+          </p:cNvPr>
+          <p:cNvPicPr>
+            <a:picLocks noChangeAspect="1"/>
+          </p:cNvPicPr>
+          <p:nvPr/>
+        </p:nvPicPr>
+        <p:blipFill>
+          <a:blip r:embed="rId2"/>
+          <a:stretch>
+            <a:fillRect/>
+          </a:stretch>
+        </p:blipFill>
+        <p:spPr>
+          <a:xfrm>
+            <a:off x="5868111" y="2619464"/>
+            <a:ext cx="5501732" cy="2000185"/>
+          </a:xfrm>
+          <a:prstGeom prst="rect">
+            <a:avLst/>
+          </a:prstGeom>
+        </p:spPr>
+      </p:pic>
+      <p:pic>
+        <p:nvPicPr>
+          <p:cNvPr id="19" name="Picture 18">
+            <a:extLst>
+              <a:ext uri="{FF2B5EF4-FFF2-40B4-BE49-F238E27FC236}">
+                <a16:creationId xmlns:a16="http://schemas.microsoft.com/office/drawing/2014/main" id="{FC593B26-935E-5B64-B13B-A6AA5FBB9E95}"/>
+              </a:ext>
+            </a:extLst>
+          </p:cNvPr>
+          <p:cNvPicPr>
+            <a:picLocks noChangeAspect="1"/>
+          </p:cNvPicPr>
+          <p:nvPr/>
+        </p:nvPicPr>
+        <p:blipFill>
+          <a:blip r:embed="rId3"/>
+          <a:stretch>
+            <a:fillRect/>
+          </a:stretch>
+        </p:blipFill>
+        <p:spPr>
+          <a:xfrm>
+            <a:off x="5868111" y="516494"/>
+            <a:ext cx="5647382" cy="1803873"/>
+          </a:xfrm>
+          <a:prstGeom prst="rect">
+            <a:avLst/>
+          </a:prstGeom>
+        </p:spPr>
+      </p:pic>
+      <p:pic>
+        <p:nvPicPr>
+          <p:cNvPr id="21" name="Picture 20">
+            <a:extLst>
+              <a:ext uri="{FF2B5EF4-FFF2-40B4-BE49-F238E27FC236}">
+                <a16:creationId xmlns:a16="http://schemas.microsoft.com/office/drawing/2014/main" id="{ABC820EB-F8D0-E7D8-4485-B079AD5632D5}"/>
+              </a:ext>
+            </a:extLst>
+          </p:cNvPr>
+          <p:cNvPicPr>
+            <a:picLocks noChangeAspect="1"/>
+          </p:cNvPicPr>
+          <p:nvPr/>
+        </p:nvPicPr>
+        <p:blipFill>
+          <a:blip r:embed="rId4"/>
+          <a:stretch>
+            <a:fillRect/>
+          </a:stretch>
+        </p:blipFill>
+        <p:spPr>
+          <a:xfrm>
+            <a:off x="510447" y="4835414"/>
+            <a:ext cx="5265885" cy="1764966"/>
+          </a:xfrm>
+          <a:prstGeom prst="rect">
+            <a:avLst/>
+          </a:prstGeom>
+        </p:spPr>
+      </p:pic>
+      <p:pic>
+        <p:nvPicPr>
+          <p:cNvPr id="23" name="Picture 22">
+            <a:extLst>
+              <a:ext uri="{FF2B5EF4-FFF2-40B4-BE49-F238E27FC236}">
+                <a16:creationId xmlns:a16="http://schemas.microsoft.com/office/drawing/2014/main" id="{06BB35B2-6A26-050D-E0C1-8E1CE232D9AE}"/>
+              </a:ext>
+            </a:extLst>
+          </p:cNvPr>
+          <p:cNvPicPr>
+            <a:picLocks noChangeAspect="1"/>
+          </p:cNvPicPr>
+          <p:nvPr/>
+        </p:nvPicPr>
+        <p:blipFill>
+          <a:blip r:embed="rId5"/>
+          <a:stretch>
+            <a:fillRect/>
+          </a:stretch>
+        </p:blipFill>
+        <p:spPr>
+          <a:xfrm>
+            <a:off x="511914" y="2597697"/>
+            <a:ext cx="5041393" cy="1764966"/>
+          </a:xfrm>
+          <a:prstGeom prst="rect">
+            <a:avLst/>
+          </a:prstGeom>
+        </p:spPr>
+      </p:pic>
+      <p:pic>
+        <p:nvPicPr>
+          <p:cNvPr id="25" name="Picture 24">
+            <a:extLst>
+              <a:ext uri="{FF2B5EF4-FFF2-40B4-BE49-F238E27FC236}">
+                <a16:creationId xmlns:a16="http://schemas.microsoft.com/office/drawing/2014/main" id="{71B889EC-6BC0-4F7F-12AA-62CEE23D79C1}"/>
+              </a:ext>
+            </a:extLst>
+          </p:cNvPr>
+          <p:cNvPicPr>
+            <a:picLocks noChangeAspect="1"/>
+          </p:cNvPicPr>
+          <p:nvPr/>
+        </p:nvPicPr>
+        <p:blipFill>
+          <a:blip r:embed="rId6"/>
+          <a:stretch>
+            <a:fillRect/>
+          </a:stretch>
+        </p:blipFill>
+        <p:spPr>
+          <a:xfrm>
+            <a:off x="511914" y="477521"/>
+            <a:ext cx="4974486" cy="1747543"/>
+          </a:xfrm>
+          <a:prstGeom prst="rect">
+            <a:avLst/>
+          </a:prstGeom>
+        </p:spPr>
+      </p:pic>
+      <p:sp>
+        <p:nvSpPr>
+          <p:cNvPr id="26" name="TextBox 25">
+            <a:extLst>
+              <a:ext uri="{FF2B5EF4-FFF2-40B4-BE49-F238E27FC236}">
+                <a16:creationId xmlns:a16="http://schemas.microsoft.com/office/drawing/2014/main" id="{F7AE9C71-1EDA-3427-C650-FFD75A902482}"/>
+              </a:ext>
+            </a:extLst>
+          </p:cNvPr>
+          <p:cNvSpPr txBox="1"/>
+          <p:nvPr/>
+        </p:nvSpPr>
+        <p:spPr>
+          <a:xfrm>
+            <a:off x="8727688" y="4720684"/>
+            <a:ext cx="3828585" cy="1600438"/>
+          </a:xfrm>
+          <a:prstGeom prst="rect">
+            <a:avLst/>
+          </a:prstGeom>
+          <a:noFill/>
+        </p:spPr>
+        <p:txBody>
+          <a:bodyPr wrap="square" rtlCol="0">
+            <a:spAutoFit/>
+          </a:bodyPr>
+          <a:lstStyle/>
+          <a:p>
+            <a:r>
+              <a:rPr lang="en-US" altLang="zh-CN" sz="1400" dirty="0">
+                <a:solidFill>
+                  <a:schemeClr val="accent5"/>
+                </a:solidFill>
+              </a:rPr>
+              <a:t>Last week:</a:t>
+            </a:r>
+          </a:p>
+          <a:p>
+            <a:r>
+              <a:rPr lang="en-US" altLang="zh-CN" sz="1400" dirty="0" err="1">
+                <a:solidFill>
+                  <a:schemeClr val="accent5"/>
+                </a:solidFill>
+              </a:rPr>
+              <a:t>Image_size</a:t>
+            </a:r>
+            <a:r>
+              <a:rPr lang="en-US" altLang="zh-CN" sz="1400" dirty="0">
+                <a:solidFill>
+                  <a:schemeClr val="accent5"/>
+                </a:solidFill>
+              </a:rPr>
+              <a:t>=640</a:t>
+            </a:r>
+          </a:p>
+          <a:p>
+            <a:r>
+              <a:rPr lang="en-US" altLang="zh-CN" sz="1400" dirty="0">
+                <a:solidFill>
+                  <a:schemeClr val="accent5"/>
+                </a:solidFill>
+              </a:rPr>
+              <a:t>Epoch=100</a:t>
+            </a:r>
+          </a:p>
+          <a:p>
+            <a:r>
+              <a:rPr lang="en-US" altLang="zh-CN" sz="1400" dirty="0">
+                <a:solidFill>
+                  <a:schemeClr val="accent5"/>
+                </a:solidFill>
+              </a:rPr>
+              <a:t>Initial learning rate =  0.01</a:t>
+            </a:r>
+          </a:p>
+          <a:p>
+            <a:r>
+              <a:rPr lang="en-US" altLang="zh-CN" sz="1400" dirty="0">
+                <a:solidFill>
+                  <a:schemeClr val="accent5"/>
+                </a:solidFill>
+              </a:rPr>
+              <a:t>Highest  mAP50 = 39%</a:t>
+            </a:r>
+          </a:p>
+          <a:p>
+            <a:r>
+              <a:rPr lang="en-US" altLang="zh-CN" sz="1400" dirty="0">
+                <a:solidFill>
+                  <a:schemeClr val="accent5"/>
+                </a:solidFill>
+              </a:rPr>
+              <a:t>Highest </a:t>
+            </a:r>
+            <a:r>
+              <a:rPr lang="en-US" altLang="zh-CN" sz="1400" dirty="0" err="1">
+                <a:solidFill>
+                  <a:schemeClr val="accent5"/>
+                </a:solidFill>
+              </a:rPr>
+              <a:t>mAP</a:t>
+            </a:r>
+            <a:r>
+              <a:rPr lang="en-US" altLang="zh-CN" sz="1400" dirty="0">
+                <a:solidFill>
+                  <a:schemeClr val="accent5"/>
+                </a:solidFill>
+              </a:rPr>
+              <a:t> = 23.7%</a:t>
+            </a:r>
+          </a:p>
+          <a:p>
+            <a:endParaRPr lang="zh-CN" altLang="en-US" dirty="0"/>
           </a:p>
         </p:txBody>
       </p:sp>
     </p:spTree>
     <p:extLst>
       <p:ext uri="{BB962C8B-B14F-4D97-AF65-F5344CB8AC3E}">
-        <p14:creationId xmlns:p14="http://schemas.microsoft.com/office/powerpoint/2010/main" val="246212475"/>
+        <p14:creationId xmlns:p14="http://schemas.microsoft.com/office/powerpoint/2010/main" val="2506631146"/>
       </p:ext>
     </p:extLst>
   </p:cSld>
@@ -16373,12 +17799,18 @@
 </p:sld>
 </file>
 
-<file path=ppt/slides/slide11.xml><?xml version="1.0" encoding="utf-8"?>
+<file path=ppt/slides/slide14.xml><?xml version="1.0" encoding="utf-8"?>
 <p:sld xmlns:a="http://schemas.openxmlformats.org/drawingml/2006/main" xmlns:r="http://schemas.openxmlformats.org/officeDocument/2006/relationships" xmlns:p="http://schemas.openxmlformats.org/presentationml/2006/main">
   <p:cSld>
     <p:spTree>
       <p:nvGrpSpPr>
-        <p:cNvPr id="1" name="Shape 415"/>
+        <p:cNvPr id="1" name="">
+          <a:extLst>
+            <a:ext uri="{FF2B5EF4-FFF2-40B4-BE49-F238E27FC236}">
+              <a16:creationId xmlns:a16="http://schemas.microsoft.com/office/drawing/2014/main" id="{AADF25D9-0361-AA52-FF76-AAB3523CA456}"/>
+            </a:ext>
+          </a:extLst>
+        </p:cNvPr>
         <p:cNvGrpSpPr/>
         <p:nvPr/>
       </p:nvGrpSpPr>
@@ -16392,14 +17824,96 @@
       </p:grpSpPr>
       <p:sp>
         <p:nvSpPr>
-          <p:cNvPr id="416" name="Google Shape;416;p12"/>
-          <p:cNvSpPr txBox="1"/>
+          <p:cNvPr id="2" name="Title 1">
+            <a:extLst>
+              <a:ext uri="{FF2B5EF4-FFF2-40B4-BE49-F238E27FC236}">
+                <a16:creationId xmlns:a16="http://schemas.microsoft.com/office/drawing/2014/main" id="{5BD7C9B0-048B-5BB8-4389-EA3954B43263}"/>
+              </a:ext>
+            </a:extLst>
+          </p:cNvPr>
+          <p:cNvSpPr>
+            <a:spLocks noGrp="1"/>
+          </p:cNvSpPr>
+          <p:nvPr>
+            <p:ph type="title"/>
+          </p:nvPr>
+        </p:nvSpPr>
+        <p:spPr>
+          <a:xfrm>
+            <a:off x="594360" y="189572"/>
+            <a:ext cx="11478694" cy="1593507"/>
+          </a:xfrm>
+        </p:spPr>
+        <p:txBody>
+          <a:bodyPr>
+            <a:normAutofit/>
+          </a:bodyPr>
+          <a:lstStyle/>
+          <a:p>
+            <a:r>
+              <a:rPr lang="en-US" altLang="zh-CN" dirty="0"/>
+              <a:t>Testing results of Yolo11x epoch = 100 and epoch = 150, others are same, lr0=0.01</a:t>
+            </a:r>
+            <a:endParaRPr lang="zh-CN" altLang="en-US" dirty="0"/>
+          </a:p>
+        </p:txBody>
+      </p:sp>
+      <p:sp>
+        <p:nvSpPr>
+          <p:cNvPr id="4" name="Slide Number Placeholder 3">
+            <a:extLst>
+              <a:ext uri="{FF2B5EF4-FFF2-40B4-BE49-F238E27FC236}">
+                <a16:creationId xmlns:a16="http://schemas.microsoft.com/office/drawing/2014/main" id="{101CF98C-19FD-1C90-2F4E-EED9CA24588C}"/>
+              </a:ext>
+            </a:extLst>
+          </p:cNvPr>
+          <p:cNvSpPr>
+            <a:spLocks noGrp="1"/>
+          </p:cNvSpPr>
+          <p:nvPr>
+            <p:ph type="sldNum" idx="12"/>
+          </p:nvPr>
+        </p:nvSpPr>
+        <p:spPr/>
+        <p:txBody>
+          <a:bodyPr/>
+          <a:lstStyle/>
+          <a:p>
+            <a:pPr marL="0" lvl="0" indent="0" algn="l" rtl="0">
+              <a:spcBef>
+                <a:spcPts val="0"/>
+              </a:spcBef>
+              <a:spcAft>
+                <a:spcPts val="0"/>
+              </a:spcAft>
+              <a:buNone/>
+            </a:pPr>
+            <a:fld id="{00000000-1234-1234-1234-123412341234}" type="slidenum">
+              <a:rPr lang="en-US" smtClean="0"/>
+              <a:t>14</a:t>
+            </a:fld>
+            <a:endParaRPr lang="en-US"/>
+          </a:p>
+        </p:txBody>
+      </p:sp>
+      <p:sp>
+        <p:nvSpPr>
+          <p:cNvPr id="7" name="Title 1">
+            <a:extLst>
+              <a:ext uri="{FF2B5EF4-FFF2-40B4-BE49-F238E27FC236}">
+                <a16:creationId xmlns:a16="http://schemas.microsoft.com/office/drawing/2014/main" id="{D86684D4-ED4A-6870-164E-D4BCC6885E0B}"/>
+              </a:ext>
+            </a:extLst>
+          </p:cNvPr>
+          <p:cNvSpPr txBox="1">
+            <a:spLocks/>
+          </p:cNvSpPr>
           <p:nvPr/>
         </p:nvSpPr>
         <p:spPr>
           <a:xfrm>
-            <a:off x="840104" y="4205000"/>
-            <a:ext cx="5633400" cy="523200"/>
+            <a:off x="590830" y="4414249"/>
+            <a:ext cx="5293497" cy="570838"/>
           </a:xfrm>
           <a:prstGeom prst="rect">
             <a:avLst/>
@@ -16410,108 +17924,297 @@
           </a:ln>
         </p:spPr>
         <p:txBody>
-          <a:bodyPr spcFirstLastPara="1" wrap="square" lIns="91425" tIns="45700" rIns="91425" bIns="45700" anchor="t" anchorCtr="0">
-            <a:spAutoFit/>
+          <a:bodyPr spcFirstLastPara="1" wrap="square" lIns="0" tIns="0" rIns="0" bIns="0" anchor="b" anchorCtr="0">
+            <a:normAutofit/>
           </a:bodyPr>
-          <a:lstStyle/>
+          <a:lstStyle>
+            <a:defPPr marR="0" lvl="0" algn="l" rtl="0">
+              <a:lnSpc>
+                <a:spcPct val="100000"/>
+              </a:lnSpc>
+              <a:spcBef>
+                <a:spcPts val="0"/>
+              </a:spcBef>
+              <a:spcAft>
+                <a:spcPts val="0"/>
+              </a:spcAft>
+            </a:defPPr>
+            <a:lvl1pPr marR="0" lvl="0" algn="l" rtl="0">
+              <a:lnSpc>
+                <a:spcPct val="80000"/>
+              </a:lnSpc>
+              <a:spcBef>
+                <a:spcPts val="0"/>
+              </a:spcBef>
+              <a:spcAft>
+                <a:spcPts val="0"/>
+              </a:spcAft>
+              <a:buClr>
+                <a:schemeClr val="dk1"/>
+              </a:buClr>
+              <a:buSzPts val="4400"/>
+              <a:buFont typeface="Arial"/>
+              <a:buNone/>
+              <a:defRPr sz="4400" b="1" i="0" u="none" strike="noStrike" cap="none">
+                <a:solidFill>
+                  <a:schemeClr val="dk1"/>
+                </a:solidFill>
+                <a:latin typeface="Arial"/>
+                <a:ea typeface="Arial"/>
+                <a:cs typeface="Arial"/>
+                <a:sym typeface="Arial"/>
+              </a:defRPr>
+            </a:lvl1pPr>
+            <a:lvl2pPr marR="0" lvl="1" algn="l" rtl="0">
+              <a:lnSpc>
+                <a:spcPct val="100000"/>
+              </a:lnSpc>
+              <a:spcBef>
+                <a:spcPts val="0"/>
+              </a:spcBef>
+              <a:spcAft>
+                <a:spcPts val="0"/>
+              </a:spcAft>
+              <a:buClr>
+                <a:srgbClr val="000000"/>
+              </a:buClr>
+              <a:buSzPts val="1400"/>
+              <a:buFont typeface="Arial"/>
+              <a:buNone/>
+              <a:defRPr sz="1800" b="0" i="0" u="none" strike="noStrike" cap="none">
+                <a:solidFill>
+                  <a:srgbClr val="000000"/>
+                </a:solidFill>
+                <a:latin typeface="Arial"/>
+                <a:ea typeface="Arial"/>
+                <a:cs typeface="Arial"/>
+                <a:sym typeface="Arial"/>
+              </a:defRPr>
+            </a:lvl2pPr>
+            <a:lvl3pPr marR="0" lvl="2" algn="l" rtl="0">
+              <a:lnSpc>
+                <a:spcPct val="100000"/>
+              </a:lnSpc>
+              <a:spcBef>
+                <a:spcPts val="0"/>
+              </a:spcBef>
+              <a:spcAft>
+                <a:spcPts val="0"/>
+              </a:spcAft>
+              <a:buClr>
+                <a:srgbClr val="000000"/>
+              </a:buClr>
+              <a:buSzPts val="1400"/>
+              <a:buFont typeface="Arial"/>
+              <a:buNone/>
+              <a:defRPr sz="1800" b="0" i="0" u="none" strike="noStrike" cap="none">
+                <a:solidFill>
+                  <a:srgbClr val="000000"/>
+                </a:solidFill>
+                <a:latin typeface="Arial"/>
+                <a:ea typeface="Arial"/>
+                <a:cs typeface="Arial"/>
+                <a:sym typeface="Arial"/>
+              </a:defRPr>
+            </a:lvl3pPr>
+            <a:lvl4pPr marR="0" lvl="3" algn="l" rtl="0">
+              <a:lnSpc>
+                <a:spcPct val="100000"/>
+              </a:lnSpc>
+              <a:spcBef>
+                <a:spcPts val="0"/>
+              </a:spcBef>
+              <a:spcAft>
+                <a:spcPts val="0"/>
+              </a:spcAft>
+              <a:buClr>
+                <a:srgbClr val="000000"/>
+              </a:buClr>
+              <a:buSzPts val="1400"/>
+              <a:buFont typeface="Arial"/>
+              <a:buNone/>
+              <a:defRPr sz="1800" b="0" i="0" u="none" strike="noStrike" cap="none">
+                <a:solidFill>
+                  <a:srgbClr val="000000"/>
+                </a:solidFill>
+                <a:latin typeface="Arial"/>
+                <a:ea typeface="Arial"/>
+                <a:cs typeface="Arial"/>
+                <a:sym typeface="Arial"/>
+              </a:defRPr>
+            </a:lvl4pPr>
+            <a:lvl5pPr marR="0" lvl="4" algn="l" rtl="0">
+              <a:lnSpc>
+                <a:spcPct val="100000"/>
+              </a:lnSpc>
+              <a:spcBef>
+                <a:spcPts val="0"/>
+              </a:spcBef>
+              <a:spcAft>
+                <a:spcPts val="0"/>
+              </a:spcAft>
+              <a:buClr>
+                <a:srgbClr val="000000"/>
+              </a:buClr>
+              <a:buSzPts val="1400"/>
+              <a:buFont typeface="Arial"/>
+              <a:buNone/>
+              <a:defRPr sz="1800" b="0" i="0" u="none" strike="noStrike" cap="none">
+                <a:solidFill>
+                  <a:srgbClr val="000000"/>
+                </a:solidFill>
+                <a:latin typeface="Arial"/>
+                <a:ea typeface="Arial"/>
+                <a:cs typeface="Arial"/>
+                <a:sym typeface="Arial"/>
+              </a:defRPr>
+            </a:lvl5pPr>
+            <a:lvl6pPr marR="0" lvl="5" algn="l" rtl="0">
+              <a:lnSpc>
+                <a:spcPct val="100000"/>
+              </a:lnSpc>
+              <a:spcBef>
+                <a:spcPts val="0"/>
+              </a:spcBef>
+              <a:spcAft>
+                <a:spcPts val="0"/>
+              </a:spcAft>
+              <a:buClr>
+                <a:srgbClr val="000000"/>
+              </a:buClr>
+              <a:buSzPts val="1400"/>
+              <a:buFont typeface="Arial"/>
+              <a:buNone/>
+              <a:defRPr sz="1800" b="0" i="0" u="none" strike="noStrike" cap="none">
+                <a:solidFill>
+                  <a:srgbClr val="000000"/>
+                </a:solidFill>
+                <a:latin typeface="Arial"/>
+                <a:ea typeface="Arial"/>
+                <a:cs typeface="Arial"/>
+                <a:sym typeface="Arial"/>
+              </a:defRPr>
+            </a:lvl6pPr>
+            <a:lvl7pPr marR="0" lvl="6" algn="l" rtl="0">
+              <a:lnSpc>
+                <a:spcPct val="100000"/>
+              </a:lnSpc>
+              <a:spcBef>
+                <a:spcPts val="0"/>
+              </a:spcBef>
+              <a:spcAft>
+                <a:spcPts val="0"/>
+              </a:spcAft>
+              <a:buClr>
+                <a:srgbClr val="000000"/>
+              </a:buClr>
+              <a:buSzPts val="1400"/>
+              <a:buFont typeface="Arial"/>
+              <a:buNone/>
+              <a:defRPr sz="1800" b="0" i="0" u="none" strike="noStrike" cap="none">
+                <a:solidFill>
+                  <a:srgbClr val="000000"/>
+                </a:solidFill>
+                <a:latin typeface="Arial"/>
+                <a:ea typeface="Arial"/>
+                <a:cs typeface="Arial"/>
+                <a:sym typeface="Arial"/>
+              </a:defRPr>
+            </a:lvl7pPr>
+            <a:lvl8pPr marR="0" lvl="7" algn="l" rtl="0">
+              <a:lnSpc>
+                <a:spcPct val="100000"/>
+              </a:lnSpc>
+              <a:spcBef>
+                <a:spcPts val="0"/>
+              </a:spcBef>
+              <a:spcAft>
+                <a:spcPts val="0"/>
+              </a:spcAft>
+              <a:buClr>
+                <a:srgbClr val="000000"/>
+              </a:buClr>
+              <a:buSzPts val="1400"/>
+              <a:buFont typeface="Arial"/>
+              <a:buNone/>
+              <a:defRPr sz="1800" b="0" i="0" u="none" strike="noStrike" cap="none">
+                <a:solidFill>
+                  <a:srgbClr val="000000"/>
+                </a:solidFill>
+                <a:latin typeface="Arial"/>
+                <a:ea typeface="Arial"/>
+                <a:cs typeface="Arial"/>
+                <a:sym typeface="Arial"/>
+              </a:defRPr>
+            </a:lvl8pPr>
+            <a:lvl9pPr marR="0" lvl="8" algn="l" rtl="0">
+              <a:lnSpc>
+                <a:spcPct val="100000"/>
+              </a:lnSpc>
+              <a:spcBef>
+                <a:spcPts val="0"/>
+              </a:spcBef>
+              <a:spcAft>
+                <a:spcPts val="0"/>
+              </a:spcAft>
+              <a:buClr>
+                <a:srgbClr val="000000"/>
+              </a:buClr>
+              <a:buSzPts val="1400"/>
+              <a:buFont typeface="Arial"/>
+              <a:buNone/>
+              <a:defRPr sz="1800" b="0" i="0" u="none" strike="noStrike" cap="none">
+                <a:solidFill>
+                  <a:srgbClr val="000000"/>
+                </a:solidFill>
+                <a:latin typeface="Arial"/>
+                <a:ea typeface="Arial"/>
+                <a:cs typeface="Arial"/>
+                <a:sym typeface="Arial"/>
+              </a:defRPr>
+            </a:lvl9pPr>
+          </a:lstStyle>
           <a:p>
-            <a:pPr marL="0" marR="0" lvl="0" indent="0" algn="l" rtl="0">
-              <a:spcBef>
-                <a:spcPts val="0"/>
-              </a:spcBef>
-              <a:spcAft>
-                <a:spcPts val="0"/>
-              </a:spcAft>
-              <a:buNone/>
-            </a:pPr>
             <a:r>
-              <a:rPr lang="en-US" sz="2800" dirty="0">
-                <a:solidFill>
-                  <a:schemeClr val="dk1"/>
-                </a:solidFill>
-                <a:latin typeface="Libre Franklin"/>
-                <a:ea typeface="Libre Franklin"/>
-                <a:cs typeface="Libre Franklin"/>
-                <a:sym typeface="Libre Franklin"/>
-              </a:rPr>
-              <a:t>Presented by UAV group </a:t>
+              <a:rPr lang="en-US" altLang="zh-CN" sz="1800" dirty="0"/>
+              <a:t>testing result of yolo11xtra with epochs=100</a:t>
             </a:r>
-            <a:endParaRPr sz="2800" dirty="0">
-              <a:solidFill>
-                <a:schemeClr val="dk1"/>
-              </a:solidFill>
-              <a:latin typeface="Libre Franklin"/>
-              <a:ea typeface="Libre Franklin"/>
-              <a:cs typeface="Libre Franklin"/>
-              <a:sym typeface="Libre Franklin"/>
-            </a:endParaRPr>
+          </a:p>
+          <a:p>
+            <a:r>
+              <a:rPr lang="en-US" altLang="zh-CN" sz="1800" dirty="0"/>
+              <a:t>mAP50=49.9%, </a:t>
+            </a:r>
+            <a:r>
+              <a:rPr lang="en-US" altLang="zh-CN" sz="1800" dirty="0" err="1"/>
+              <a:t>mAP</a:t>
+            </a:r>
+            <a:r>
+              <a:rPr lang="en-US" altLang="zh-CN" sz="1800" dirty="0"/>
+              <a:t>=30.9%</a:t>
+            </a:r>
+            <a:endParaRPr lang="zh-CN" altLang="en-US" sz="1800" dirty="0"/>
           </a:p>
         </p:txBody>
       </p:sp>
       <p:sp>
         <p:nvSpPr>
-          <p:cNvPr id="417" name="Google Shape;417;p12"/>
+          <p:cNvPr id="8" name="Title 1">
+            <a:extLst>
+              <a:ext uri="{FF2B5EF4-FFF2-40B4-BE49-F238E27FC236}">
+                <a16:creationId xmlns:a16="http://schemas.microsoft.com/office/drawing/2014/main" id="{283457F8-28AC-5ED2-B156-EF3BAB4F8FD8}"/>
+              </a:ext>
+            </a:extLst>
+          </p:cNvPr>
           <p:cNvSpPr txBox="1">
-            <a:spLocks noGrp="1"/>
+            <a:spLocks/>
           </p:cNvSpPr>
-          <p:nvPr>
-            <p:ph type="sldNum" idx="12"/>
-          </p:nvPr>
+          <p:nvPr/>
         </p:nvSpPr>
         <p:spPr>
           <a:xfrm>
-            <a:off x="11409045" y="6333134"/>
-            <a:ext cx="731700" cy="525000"/>
-          </a:xfrm>
-          <a:prstGeom prst="rect">
-            <a:avLst/>
-          </a:prstGeom>
-        </p:spPr>
-        <p:txBody>
-          <a:bodyPr spcFirstLastPara="1" wrap="square" lIns="0" tIns="0" rIns="0" bIns="0" anchor="t" anchorCtr="0">
-            <a:noAutofit/>
-          </a:bodyPr>
-          <a:lstStyle/>
-          <a:p>
-            <a:pPr marL="0" lvl="0" indent="0" algn="r" rtl="0">
-              <a:spcBef>
-                <a:spcPts val="0"/>
-              </a:spcBef>
-              <a:spcAft>
-                <a:spcPts val="0"/>
-              </a:spcAft>
-              <a:buNone/>
-            </a:pPr>
-            <a:fld id="{00000000-1234-1234-1234-123412341234}" type="slidenum">
-              <a:rPr lang="en-US">
-                <a:solidFill>
-                  <a:srgbClr val="5D7C3F"/>
-                </a:solidFill>
-              </a:rPr>
-              <a:t>11</a:t>
-            </a:fld>
-            <a:endParaRPr>
-              <a:solidFill>
-                <a:srgbClr val="5D7C3F"/>
-              </a:solidFill>
-            </a:endParaRPr>
-          </a:p>
-        </p:txBody>
-      </p:sp>
-      <p:sp>
-        <p:nvSpPr>
-          <p:cNvPr id="418" name="Google Shape;418;p12"/>
-          <p:cNvSpPr txBox="1">
-            <a:spLocks noGrp="1"/>
-          </p:cNvSpPr>
-          <p:nvPr>
-            <p:ph type="ctrTitle"/>
-          </p:nvPr>
-        </p:nvSpPr>
-        <p:spPr>
-          <a:xfrm>
-            <a:off x="89761" y="381000"/>
-            <a:ext cx="12902100" cy="3291900"/>
+            <a:off x="5891387" y="4369491"/>
+            <a:ext cx="5293497" cy="615596"/>
           </a:xfrm>
           <a:prstGeom prst="rect">
             <a:avLst/>
@@ -16520,153 +18223,1833 @@
           <a:ln>
             <a:noFill/>
           </a:ln>
-          <a:effectLst>
-            <a:outerShdw blurRad="57150" dist="19050" dir="5400000" algn="bl" rotWithShape="0">
-              <a:srgbClr val="000000">
-                <a:alpha val="50000"/>
-              </a:srgbClr>
-            </a:outerShdw>
-          </a:effectLst>
         </p:spPr>
         <p:txBody>
           <a:bodyPr spcFirstLastPara="1" wrap="square" lIns="0" tIns="0" rIns="0" bIns="0" anchor="b" anchorCtr="0">
-            <a:noAutofit/>
+            <a:normAutofit/>
           </a:bodyPr>
-          <a:lstStyle/>
+          <a:lstStyle>
+            <a:defPPr marR="0" lvl="0" algn="l" rtl="0">
+              <a:lnSpc>
+                <a:spcPct val="100000"/>
+              </a:lnSpc>
+              <a:spcBef>
+                <a:spcPts val="0"/>
+              </a:spcBef>
+              <a:spcAft>
+                <a:spcPts val="0"/>
+              </a:spcAft>
+            </a:defPPr>
+            <a:lvl1pPr marR="0" lvl="0" algn="l" rtl="0">
+              <a:lnSpc>
+                <a:spcPct val="80000"/>
+              </a:lnSpc>
+              <a:spcBef>
+                <a:spcPts val="0"/>
+              </a:spcBef>
+              <a:spcAft>
+                <a:spcPts val="0"/>
+              </a:spcAft>
+              <a:buClr>
+                <a:schemeClr val="dk1"/>
+              </a:buClr>
+              <a:buSzPts val="4400"/>
+              <a:buFont typeface="Arial"/>
+              <a:buNone/>
+              <a:defRPr sz="4400" b="1" i="0" u="none" strike="noStrike" cap="none">
+                <a:solidFill>
+                  <a:schemeClr val="dk1"/>
+                </a:solidFill>
+                <a:latin typeface="Arial"/>
+                <a:ea typeface="Arial"/>
+                <a:cs typeface="Arial"/>
+                <a:sym typeface="Arial"/>
+              </a:defRPr>
+            </a:lvl1pPr>
+            <a:lvl2pPr marR="0" lvl="1" algn="l" rtl="0">
+              <a:lnSpc>
+                <a:spcPct val="100000"/>
+              </a:lnSpc>
+              <a:spcBef>
+                <a:spcPts val="0"/>
+              </a:spcBef>
+              <a:spcAft>
+                <a:spcPts val="0"/>
+              </a:spcAft>
+              <a:buClr>
+                <a:srgbClr val="000000"/>
+              </a:buClr>
+              <a:buSzPts val="1400"/>
+              <a:buFont typeface="Arial"/>
+              <a:buNone/>
+              <a:defRPr sz="1800" b="0" i="0" u="none" strike="noStrike" cap="none">
+                <a:solidFill>
+                  <a:srgbClr val="000000"/>
+                </a:solidFill>
+                <a:latin typeface="Arial"/>
+                <a:ea typeface="Arial"/>
+                <a:cs typeface="Arial"/>
+                <a:sym typeface="Arial"/>
+              </a:defRPr>
+            </a:lvl2pPr>
+            <a:lvl3pPr marR="0" lvl="2" algn="l" rtl="0">
+              <a:lnSpc>
+                <a:spcPct val="100000"/>
+              </a:lnSpc>
+              <a:spcBef>
+                <a:spcPts val="0"/>
+              </a:spcBef>
+              <a:spcAft>
+                <a:spcPts val="0"/>
+              </a:spcAft>
+              <a:buClr>
+                <a:srgbClr val="000000"/>
+              </a:buClr>
+              <a:buSzPts val="1400"/>
+              <a:buFont typeface="Arial"/>
+              <a:buNone/>
+              <a:defRPr sz="1800" b="0" i="0" u="none" strike="noStrike" cap="none">
+                <a:solidFill>
+                  <a:srgbClr val="000000"/>
+                </a:solidFill>
+                <a:latin typeface="Arial"/>
+                <a:ea typeface="Arial"/>
+                <a:cs typeface="Arial"/>
+                <a:sym typeface="Arial"/>
+              </a:defRPr>
+            </a:lvl3pPr>
+            <a:lvl4pPr marR="0" lvl="3" algn="l" rtl="0">
+              <a:lnSpc>
+                <a:spcPct val="100000"/>
+              </a:lnSpc>
+              <a:spcBef>
+                <a:spcPts val="0"/>
+              </a:spcBef>
+              <a:spcAft>
+                <a:spcPts val="0"/>
+              </a:spcAft>
+              <a:buClr>
+                <a:srgbClr val="000000"/>
+              </a:buClr>
+              <a:buSzPts val="1400"/>
+              <a:buFont typeface="Arial"/>
+              <a:buNone/>
+              <a:defRPr sz="1800" b="0" i="0" u="none" strike="noStrike" cap="none">
+                <a:solidFill>
+                  <a:srgbClr val="000000"/>
+                </a:solidFill>
+                <a:latin typeface="Arial"/>
+                <a:ea typeface="Arial"/>
+                <a:cs typeface="Arial"/>
+                <a:sym typeface="Arial"/>
+              </a:defRPr>
+            </a:lvl4pPr>
+            <a:lvl5pPr marR="0" lvl="4" algn="l" rtl="0">
+              <a:lnSpc>
+                <a:spcPct val="100000"/>
+              </a:lnSpc>
+              <a:spcBef>
+                <a:spcPts val="0"/>
+              </a:spcBef>
+              <a:spcAft>
+                <a:spcPts val="0"/>
+              </a:spcAft>
+              <a:buClr>
+                <a:srgbClr val="000000"/>
+              </a:buClr>
+              <a:buSzPts val="1400"/>
+              <a:buFont typeface="Arial"/>
+              <a:buNone/>
+              <a:defRPr sz="1800" b="0" i="0" u="none" strike="noStrike" cap="none">
+                <a:solidFill>
+                  <a:srgbClr val="000000"/>
+                </a:solidFill>
+                <a:latin typeface="Arial"/>
+                <a:ea typeface="Arial"/>
+                <a:cs typeface="Arial"/>
+                <a:sym typeface="Arial"/>
+              </a:defRPr>
+            </a:lvl5pPr>
+            <a:lvl6pPr marR="0" lvl="5" algn="l" rtl="0">
+              <a:lnSpc>
+                <a:spcPct val="100000"/>
+              </a:lnSpc>
+              <a:spcBef>
+                <a:spcPts val="0"/>
+              </a:spcBef>
+              <a:spcAft>
+                <a:spcPts val="0"/>
+              </a:spcAft>
+              <a:buClr>
+                <a:srgbClr val="000000"/>
+              </a:buClr>
+              <a:buSzPts val="1400"/>
+              <a:buFont typeface="Arial"/>
+              <a:buNone/>
+              <a:defRPr sz="1800" b="0" i="0" u="none" strike="noStrike" cap="none">
+                <a:solidFill>
+                  <a:srgbClr val="000000"/>
+                </a:solidFill>
+                <a:latin typeface="Arial"/>
+                <a:ea typeface="Arial"/>
+                <a:cs typeface="Arial"/>
+                <a:sym typeface="Arial"/>
+              </a:defRPr>
+            </a:lvl6pPr>
+            <a:lvl7pPr marR="0" lvl="6" algn="l" rtl="0">
+              <a:lnSpc>
+                <a:spcPct val="100000"/>
+              </a:lnSpc>
+              <a:spcBef>
+                <a:spcPts val="0"/>
+              </a:spcBef>
+              <a:spcAft>
+                <a:spcPts val="0"/>
+              </a:spcAft>
+              <a:buClr>
+                <a:srgbClr val="000000"/>
+              </a:buClr>
+              <a:buSzPts val="1400"/>
+              <a:buFont typeface="Arial"/>
+              <a:buNone/>
+              <a:defRPr sz="1800" b="0" i="0" u="none" strike="noStrike" cap="none">
+                <a:solidFill>
+                  <a:srgbClr val="000000"/>
+                </a:solidFill>
+                <a:latin typeface="Arial"/>
+                <a:ea typeface="Arial"/>
+                <a:cs typeface="Arial"/>
+                <a:sym typeface="Arial"/>
+              </a:defRPr>
+            </a:lvl7pPr>
+            <a:lvl8pPr marR="0" lvl="7" algn="l" rtl="0">
+              <a:lnSpc>
+                <a:spcPct val="100000"/>
+              </a:lnSpc>
+              <a:spcBef>
+                <a:spcPts val="0"/>
+              </a:spcBef>
+              <a:spcAft>
+                <a:spcPts val="0"/>
+              </a:spcAft>
+              <a:buClr>
+                <a:srgbClr val="000000"/>
+              </a:buClr>
+              <a:buSzPts val="1400"/>
+              <a:buFont typeface="Arial"/>
+              <a:buNone/>
+              <a:defRPr sz="1800" b="0" i="0" u="none" strike="noStrike" cap="none">
+                <a:solidFill>
+                  <a:srgbClr val="000000"/>
+                </a:solidFill>
+                <a:latin typeface="Arial"/>
+                <a:ea typeface="Arial"/>
+                <a:cs typeface="Arial"/>
+                <a:sym typeface="Arial"/>
+              </a:defRPr>
+            </a:lvl8pPr>
+            <a:lvl9pPr marR="0" lvl="8" algn="l" rtl="0">
+              <a:lnSpc>
+                <a:spcPct val="100000"/>
+              </a:lnSpc>
+              <a:spcBef>
+                <a:spcPts val="0"/>
+              </a:spcBef>
+              <a:spcAft>
+                <a:spcPts val="0"/>
+              </a:spcAft>
+              <a:buClr>
+                <a:srgbClr val="000000"/>
+              </a:buClr>
+              <a:buSzPts val="1400"/>
+              <a:buFont typeface="Arial"/>
+              <a:buNone/>
+              <a:defRPr sz="1800" b="0" i="0" u="none" strike="noStrike" cap="none">
+                <a:solidFill>
+                  <a:srgbClr val="000000"/>
+                </a:solidFill>
+                <a:latin typeface="Arial"/>
+                <a:ea typeface="Arial"/>
+                <a:cs typeface="Arial"/>
+                <a:sym typeface="Arial"/>
+              </a:defRPr>
+            </a:lvl9pPr>
+          </a:lstStyle>
           <a:p>
-            <a:pPr marL="0" marR="0" lvl="0" indent="0" algn="l" rtl="0">
-              <a:lnSpc>
-                <a:spcPct val="80000"/>
-              </a:lnSpc>
-              <a:spcBef>
-                <a:spcPts val="0"/>
-              </a:spcBef>
-              <a:spcAft>
-                <a:spcPts val="0"/>
-              </a:spcAft>
-              <a:buClr>
-                <a:schemeClr val="dk1"/>
-              </a:buClr>
-              <a:buSzPts val="6600"/>
-              <a:buFont typeface="Times New Roman"/>
-              <a:buNone/>
-            </a:pPr>
             <a:r>
-              <a:rPr lang="en-US" sz="14800" dirty="0">
-                <a:latin typeface="Libre Franklin"/>
-                <a:ea typeface="Libre Franklin"/>
-                <a:cs typeface="Libre Franklin"/>
-                <a:sym typeface="Libre Franklin"/>
-              </a:rPr>
-              <a:t>Thank Y   u! :) </a:t>
+              <a:rPr lang="en-US" altLang="zh-CN" sz="1800" dirty="0"/>
+              <a:t>testing result of yolo11xtra with epochs=150</a:t>
             </a:r>
-            <a:endParaRPr sz="14800" i="0" u="none" strike="noStrike" cap="none" dirty="0">
-              <a:solidFill>
-                <a:schemeClr val="dk1"/>
-              </a:solidFill>
-              <a:latin typeface="Libre Franklin"/>
-              <a:ea typeface="Libre Franklin"/>
-              <a:cs typeface="Libre Franklin"/>
-              <a:sym typeface="Libre Franklin"/>
-            </a:endParaRPr>
+          </a:p>
+          <a:p>
+            <a:r>
+              <a:rPr lang="en-US" altLang="zh-CN" sz="1800" dirty="0"/>
+              <a:t>mAP50=50.3%, </a:t>
+            </a:r>
+            <a:r>
+              <a:rPr lang="en-US" altLang="zh-CN" sz="1800" dirty="0" err="1"/>
+              <a:t>mAP</a:t>
+            </a:r>
+            <a:r>
+              <a:rPr lang="en-US" altLang="zh-CN" sz="1800" dirty="0"/>
+              <a:t>=31.3%</a:t>
+            </a:r>
           </a:p>
         </p:txBody>
       </p:sp>
       <p:pic>
         <p:nvPicPr>
-          <p:cNvPr id="2" name="Picture 4" descr="VisDrone (VisDrone) · GitHub">
+          <p:cNvPr id="9" name="Picture 8">
             <a:extLst>
               <a:ext uri="{FF2B5EF4-FFF2-40B4-BE49-F238E27FC236}">
-                <a16:creationId xmlns:a16="http://schemas.microsoft.com/office/drawing/2014/main" id="{C3FB9D4B-DE80-4958-0074-69D92766F49C}"/>
+                <a16:creationId xmlns:a16="http://schemas.microsoft.com/office/drawing/2014/main" id="{2E06CFDC-BE71-C4CB-336B-E3651C3A34BE}"/>
               </a:ext>
             </a:extLst>
           </p:cNvPr>
           <p:cNvPicPr>
-            <a:picLocks noChangeAspect="1" noChangeArrowheads="1"/>
+            <a:picLocks noChangeAspect="1"/>
           </p:cNvPicPr>
           <p:nvPr/>
         </p:nvPicPr>
         <p:blipFill>
-          <a:blip r:embed="rId3">
-            <a:extLst>
-              <a:ext uri="{28A0092B-C50C-407E-A947-70E740481C1C}">
-                <a14:useLocalDpi xmlns:a14="http://schemas.microsoft.com/office/drawing/2010/main" val="0"/>
-              </a:ext>
-            </a:extLst>
-          </a:blip>
-          <a:srcRect/>
+          <a:blip r:embed="rId2"/>
           <a:stretch>
             <a:fillRect/>
           </a:stretch>
         </p:blipFill>
-        <p:spPr bwMode="auto">
+        <p:spPr>
           <a:xfrm>
-            <a:off x="7462200" y="2202411"/>
-            <a:ext cx="1157693" cy="1157693"/>
+            <a:off x="5891387" y="2116102"/>
+            <a:ext cx="6117513" cy="2208631"/>
+          </a:xfrm>
+          <a:prstGeom prst="rect">
+            <a:avLst/>
+          </a:prstGeom>
+        </p:spPr>
+      </p:pic>
+      <p:pic>
+        <p:nvPicPr>
+          <p:cNvPr id="11" name="Picture 10">
+            <a:extLst>
+              <a:ext uri="{FF2B5EF4-FFF2-40B4-BE49-F238E27FC236}">
+                <a16:creationId xmlns:a16="http://schemas.microsoft.com/office/drawing/2014/main" id="{BE119A6E-D1F2-59DB-4060-C674F9A98048}"/>
+              </a:ext>
+            </a:extLst>
+          </p:cNvPr>
+          <p:cNvPicPr>
+            <a:picLocks noChangeAspect="1"/>
+          </p:cNvPicPr>
+          <p:nvPr/>
+        </p:nvPicPr>
+        <p:blipFill>
+          <a:blip r:embed="rId3"/>
+          <a:stretch>
+            <a:fillRect/>
+          </a:stretch>
+        </p:blipFill>
+        <p:spPr>
+          <a:xfrm>
+            <a:off x="594268" y="2369306"/>
+            <a:ext cx="5501732" cy="2000185"/>
+          </a:xfrm>
+          <a:prstGeom prst="rect">
+            <a:avLst/>
+          </a:prstGeom>
+        </p:spPr>
+      </p:pic>
+      <p:sp>
+        <p:nvSpPr>
+          <p:cNvPr id="12" name="TextBox 11">
+            <a:extLst>
+              <a:ext uri="{FF2B5EF4-FFF2-40B4-BE49-F238E27FC236}">
+                <a16:creationId xmlns:a16="http://schemas.microsoft.com/office/drawing/2014/main" id="{4249AE18-5A12-09F5-E2E7-13ECCEF52A14}"/>
+              </a:ext>
+            </a:extLst>
+          </p:cNvPr>
+          <p:cNvSpPr txBox="1"/>
+          <p:nvPr/>
+        </p:nvSpPr>
+        <p:spPr>
+          <a:xfrm>
+            <a:off x="598264" y="5226205"/>
+            <a:ext cx="11601170" cy="307777"/>
           </a:xfrm>
           <a:prstGeom prst="rect">
             <a:avLst/>
           </a:prstGeom>
           <a:noFill/>
+        </p:spPr>
+        <p:txBody>
+          <a:bodyPr wrap="square" rtlCol="0">
+            <a:spAutoFit/>
+          </a:bodyPr>
+          <a:lstStyle/>
+          <a:p>
+            <a:r>
+              <a:rPr lang="en-US" altLang="zh-CN" dirty="0"/>
+              <a:t>This week, after we train it in 150 epochs, result gets better </a:t>
+            </a:r>
+            <a:endParaRPr lang="zh-CN" altLang="en-US" dirty="0"/>
+          </a:p>
+        </p:txBody>
+      </p:sp>
+    </p:spTree>
+    <p:extLst>
+      <p:ext uri="{BB962C8B-B14F-4D97-AF65-F5344CB8AC3E}">
+        <p14:creationId xmlns:p14="http://schemas.microsoft.com/office/powerpoint/2010/main" val="2614113339"/>
+      </p:ext>
+    </p:extLst>
+  </p:cSld>
+  <p:clrMapOvr>
+    <a:masterClrMapping/>
+  </p:clrMapOvr>
+</p:sld>
+</file>
+
+<file path=ppt/slides/slide15.xml><?xml version="1.0" encoding="utf-8"?>
+<p:sld xmlns:a="http://schemas.openxmlformats.org/drawingml/2006/main" xmlns:r="http://schemas.openxmlformats.org/officeDocument/2006/relationships" xmlns:p="http://schemas.openxmlformats.org/presentationml/2006/main">
+  <p:cSld>
+    <p:spTree>
+      <p:nvGrpSpPr>
+        <p:cNvPr id="1" name="">
           <a:extLst>
-            <a:ext uri="{909E8E84-426E-40DD-AFC4-6F175D3DCCD1}">
-              <a14:hiddenFill xmlns:a14="http://schemas.microsoft.com/office/drawing/2010/main">
-                <a:solidFill>
-                  <a:srgbClr val="FFFFFF"/>
-                </a:solidFill>
-              </a14:hiddenFill>
+            <a:ext uri="{FF2B5EF4-FFF2-40B4-BE49-F238E27FC236}">
+              <a16:creationId xmlns:a16="http://schemas.microsoft.com/office/drawing/2014/main" id="{323E16ED-0C8B-981A-AD4B-879D22AEF595}"/>
             </a:ext>
           </a:extLst>
-        </p:spPr>
-      </p:pic>
-      <p:pic>
-        <p:nvPicPr>
-          <p:cNvPr id="3" name="Picture 2" descr="Ultralytics YOLO11 Has Arrived! Redefine What's Possible in AI!">
+        </p:cNvPr>
+        <p:cNvGrpSpPr/>
+        <p:nvPr/>
+      </p:nvGrpSpPr>
+      <p:grpSpPr>
+        <a:xfrm>
+          <a:off x="0" y="0"/>
+          <a:ext cx="0" cy="0"/>
+          <a:chOff x="0" y="0"/>
+          <a:chExt cx="0" cy="0"/>
+        </a:xfrm>
+      </p:grpSpPr>
+      <p:sp>
+        <p:nvSpPr>
+          <p:cNvPr id="2" name="Title 1">
             <a:extLst>
               <a:ext uri="{FF2B5EF4-FFF2-40B4-BE49-F238E27FC236}">
-                <a16:creationId xmlns:a16="http://schemas.microsoft.com/office/drawing/2014/main" id="{7660E06B-CB0D-0951-264D-5D1B523581A8}"/>
+                <a16:creationId xmlns:a16="http://schemas.microsoft.com/office/drawing/2014/main" id="{DF3C978C-6DF8-4939-6A0F-76ECC92FD2AE}"/>
               </a:ext>
             </a:extLst>
           </p:cNvPr>
-          <p:cNvPicPr>
-            <a:picLocks noChangeAspect="1" noChangeArrowheads="1"/>
-          </p:cNvPicPr>
-          <p:nvPr/>
-        </p:nvPicPr>
-        <p:blipFill>
-          <a:blip r:embed="rId4">
+          <p:cNvSpPr>
+            <a:spLocks noGrp="1"/>
+          </p:cNvSpPr>
+          <p:nvPr>
+            <p:ph type="title"/>
+          </p:nvPr>
+        </p:nvSpPr>
+        <p:spPr>
+          <a:xfrm>
+            <a:off x="594360" y="189572"/>
+            <a:ext cx="11478694" cy="1593507"/>
+          </a:xfrm>
+        </p:spPr>
+        <p:txBody>
+          <a:bodyPr>
+            <a:normAutofit/>
+          </a:bodyPr>
+          <a:lstStyle/>
+          <a:p>
+            <a:r>
+              <a:rPr lang="en-US" altLang="zh-CN" dirty="0"/>
+              <a:t>Testing results of Yolo11x lr0 = 0.01 and lr0 = 0.001, others are same, epoch=100</a:t>
+            </a:r>
+            <a:endParaRPr lang="zh-CN" altLang="en-US" dirty="0"/>
+          </a:p>
+        </p:txBody>
+      </p:sp>
+      <p:sp>
+        <p:nvSpPr>
+          <p:cNvPr id="4" name="Slide Number Placeholder 3">
             <a:extLst>
-              <a:ext uri="{28A0092B-C50C-407E-A947-70E740481C1C}">
-                <a14:useLocalDpi xmlns:a14="http://schemas.microsoft.com/office/drawing/2010/main" val="0"/>
+              <a:ext uri="{FF2B5EF4-FFF2-40B4-BE49-F238E27FC236}">
+                <a16:creationId xmlns:a16="http://schemas.microsoft.com/office/drawing/2014/main" id="{0AD96C63-B74D-8EA3-7B43-E665859FC5CA}"/>
               </a:ext>
             </a:extLst>
-          </a:blip>
-          <a:srcRect/>
-          <a:stretch>
-            <a:fillRect/>
-          </a:stretch>
-        </p:blipFill>
-        <p:spPr bwMode="auto">
+          </p:cNvPr>
+          <p:cNvSpPr>
+            <a:spLocks noGrp="1"/>
+          </p:cNvSpPr>
+          <p:nvPr>
+            <p:ph type="sldNum" idx="12"/>
+          </p:nvPr>
+        </p:nvSpPr>
+        <p:spPr/>
+        <p:txBody>
+          <a:bodyPr/>
+          <a:lstStyle/>
+          <a:p>
+            <a:pPr marL="0" lvl="0" indent="0" algn="l" rtl="0">
+              <a:spcBef>
+                <a:spcPts val="0"/>
+              </a:spcBef>
+              <a:spcAft>
+                <a:spcPts val="0"/>
+              </a:spcAft>
+              <a:buNone/>
+            </a:pPr>
+            <a:fld id="{00000000-1234-1234-1234-123412341234}" type="slidenum">
+              <a:rPr lang="en-US" smtClean="0"/>
+              <a:t>15</a:t>
+            </a:fld>
+            <a:endParaRPr lang="en-US"/>
+          </a:p>
+        </p:txBody>
+      </p:sp>
+      <p:sp>
+        <p:nvSpPr>
+          <p:cNvPr id="7" name="Title 1">
+            <a:extLst>
+              <a:ext uri="{FF2B5EF4-FFF2-40B4-BE49-F238E27FC236}">
+                <a16:creationId xmlns:a16="http://schemas.microsoft.com/office/drawing/2014/main" id="{191D2798-EBAF-2416-0DD4-5261D1D2188D}"/>
+              </a:ext>
+            </a:extLst>
+          </p:cNvPr>
+          <p:cNvSpPr txBox="1">
+            <a:spLocks/>
+          </p:cNvSpPr>
+          <p:nvPr/>
+        </p:nvSpPr>
+        <p:spPr>
           <a:xfrm>
-            <a:off x="6540811" y="3527549"/>
-            <a:ext cx="3753430" cy="2136340"/>
+            <a:off x="590830" y="4414249"/>
+            <a:ext cx="5293497" cy="570838"/>
           </a:xfrm>
           <a:prstGeom prst="rect">
             <a:avLst/>
           </a:prstGeom>
           <a:noFill/>
-          <a:extLst>
-            <a:ext uri="{909E8E84-426E-40DD-AFC4-6F175D3DCCD1}">
-              <a14:hiddenFill xmlns:a14="http://schemas.microsoft.com/office/drawing/2010/main">
-                <a:solidFill>
-                  <a:srgbClr val="FFFFFF"/>
-                </a:solidFill>
-              </a14:hiddenFill>
-            </a:ext>
-          </a:extLst>
+          <a:ln>
+            <a:noFill/>
+          </a:ln>
+        </p:spPr>
+        <p:txBody>
+          <a:bodyPr spcFirstLastPara="1" wrap="square" lIns="0" tIns="0" rIns="0" bIns="0" anchor="b" anchorCtr="0">
+            <a:normAutofit/>
+          </a:bodyPr>
+          <a:lstStyle>
+            <a:defPPr marR="0" lvl="0" algn="l" rtl="0">
+              <a:lnSpc>
+                <a:spcPct val="100000"/>
+              </a:lnSpc>
+              <a:spcBef>
+                <a:spcPts val="0"/>
+              </a:spcBef>
+              <a:spcAft>
+                <a:spcPts val="0"/>
+              </a:spcAft>
+            </a:defPPr>
+            <a:lvl1pPr marR="0" lvl="0" algn="l" rtl="0">
+              <a:lnSpc>
+                <a:spcPct val="80000"/>
+              </a:lnSpc>
+              <a:spcBef>
+                <a:spcPts val="0"/>
+              </a:spcBef>
+              <a:spcAft>
+                <a:spcPts val="0"/>
+              </a:spcAft>
+              <a:buClr>
+                <a:schemeClr val="dk1"/>
+              </a:buClr>
+              <a:buSzPts val="4400"/>
+              <a:buFont typeface="Arial"/>
+              <a:buNone/>
+              <a:defRPr sz="4400" b="1" i="0" u="none" strike="noStrike" cap="none">
+                <a:solidFill>
+                  <a:schemeClr val="dk1"/>
+                </a:solidFill>
+                <a:latin typeface="Arial"/>
+                <a:ea typeface="Arial"/>
+                <a:cs typeface="Arial"/>
+                <a:sym typeface="Arial"/>
+              </a:defRPr>
+            </a:lvl1pPr>
+            <a:lvl2pPr marR="0" lvl="1" algn="l" rtl="0">
+              <a:lnSpc>
+                <a:spcPct val="100000"/>
+              </a:lnSpc>
+              <a:spcBef>
+                <a:spcPts val="0"/>
+              </a:spcBef>
+              <a:spcAft>
+                <a:spcPts val="0"/>
+              </a:spcAft>
+              <a:buClr>
+                <a:srgbClr val="000000"/>
+              </a:buClr>
+              <a:buSzPts val="1400"/>
+              <a:buFont typeface="Arial"/>
+              <a:buNone/>
+              <a:defRPr sz="1800" b="0" i="0" u="none" strike="noStrike" cap="none">
+                <a:solidFill>
+                  <a:srgbClr val="000000"/>
+                </a:solidFill>
+                <a:latin typeface="Arial"/>
+                <a:ea typeface="Arial"/>
+                <a:cs typeface="Arial"/>
+                <a:sym typeface="Arial"/>
+              </a:defRPr>
+            </a:lvl2pPr>
+            <a:lvl3pPr marR="0" lvl="2" algn="l" rtl="0">
+              <a:lnSpc>
+                <a:spcPct val="100000"/>
+              </a:lnSpc>
+              <a:spcBef>
+                <a:spcPts val="0"/>
+              </a:spcBef>
+              <a:spcAft>
+                <a:spcPts val="0"/>
+              </a:spcAft>
+              <a:buClr>
+                <a:srgbClr val="000000"/>
+              </a:buClr>
+              <a:buSzPts val="1400"/>
+              <a:buFont typeface="Arial"/>
+              <a:buNone/>
+              <a:defRPr sz="1800" b="0" i="0" u="none" strike="noStrike" cap="none">
+                <a:solidFill>
+                  <a:srgbClr val="000000"/>
+                </a:solidFill>
+                <a:latin typeface="Arial"/>
+                <a:ea typeface="Arial"/>
+                <a:cs typeface="Arial"/>
+                <a:sym typeface="Arial"/>
+              </a:defRPr>
+            </a:lvl3pPr>
+            <a:lvl4pPr marR="0" lvl="3" algn="l" rtl="0">
+              <a:lnSpc>
+                <a:spcPct val="100000"/>
+              </a:lnSpc>
+              <a:spcBef>
+                <a:spcPts val="0"/>
+              </a:spcBef>
+              <a:spcAft>
+                <a:spcPts val="0"/>
+              </a:spcAft>
+              <a:buClr>
+                <a:srgbClr val="000000"/>
+              </a:buClr>
+              <a:buSzPts val="1400"/>
+              <a:buFont typeface="Arial"/>
+              <a:buNone/>
+              <a:defRPr sz="1800" b="0" i="0" u="none" strike="noStrike" cap="none">
+                <a:solidFill>
+                  <a:srgbClr val="000000"/>
+                </a:solidFill>
+                <a:latin typeface="Arial"/>
+                <a:ea typeface="Arial"/>
+                <a:cs typeface="Arial"/>
+                <a:sym typeface="Arial"/>
+              </a:defRPr>
+            </a:lvl4pPr>
+            <a:lvl5pPr marR="0" lvl="4" algn="l" rtl="0">
+              <a:lnSpc>
+                <a:spcPct val="100000"/>
+              </a:lnSpc>
+              <a:spcBef>
+                <a:spcPts val="0"/>
+              </a:spcBef>
+              <a:spcAft>
+                <a:spcPts val="0"/>
+              </a:spcAft>
+              <a:buClr>
+                <a:srgbClr val="000000"/>
+              </a:buClr>
+              <a:buSzPts val="1400"/>
+              <a:buFont typeface="Arial"/>
+              <a:buNone/>
+              <a:defRPr sz="1800" b="0" i="0" u="none" strike="noStrike" cap="none">
+                <a:solidFill>
+                  <a:srgbClr val="000000"/>
+                </a:solidFill>
+                <a:latin typeface="Arial"/>
+                <a:ea typeface="Arial"/>
+                <a:cs typeface="Arial"/>
+                <a:sym typeface="Arial"/>
+              </a:defRPr>
+            </a:lvl5pPr>
+            <a:lvl6pPr marR="0" lvl="5" algn="l" rtl="0">
+              <a:lnSpc>
+                <a:spcPct val="100000"/>
+              </a:lnSpc>
+              <a:spcBef>
+                <a:spcPts val="0"/>
+              </a:spcBef>
+              <a:spcAft>
+                <a:spcPts val="0"/>
+              </a:spcAft>
+              <a:buClr>
+                <a:srgbClr val="000000"/>
+              </a:buClr>
+              <a:buSzPts val="1400"/>
+              <a:buFont typeface="Arial"/>
+              <a:buNone/>
+              <a:defRPr sz="1800" b="0" i="0" u="none" strike="noStrike" cap="none">
+                <a:solidFill>
+                  <a:srgbClr val="000000"/>
+                </a:solidFill>
+                <a:latin typeface="Arial"/>
+                <a:ea typeface="Arial"/>
+                <a:cs typeface="Arial"/>
+                <a:sym typeface="Arial"/>
+              </a:defRPr>
+            </a:lvl6pPr>
+            <a:lvl7pPr marR="0" lvl="6" algn="l" rtl="0">
+              <a:lnSpc>
+                <a:spcPct val="100000"/>
+              </a:lnSpc>
+              <a:spcBef>
+                <a:spcPts val="0"/>
+              </a:spcBef>
+              <a:spcAft>
+                <a:spcPts val="0"/>
+              </a:spcAft>
+              <a:buClr>
+                <a:srgbClr val="000000"/>
+              </a:buClr>
+              <a:buSzPts val="1400"/>
+              <a:buFont typeface="Arial"/>
+              <a:buNone/>
+              <a:defRPr sz="1800" b="0" i="0" u="none" strike="noStrike" cap="none">
+                <a:solidFill>
+                  <a:srgbClr val="000000"/>
+                </a:solidFill>
+                <a:latin typeface="Arial"/>
+                <a:ea typeface="Arial"/>
+                <a:cs typeface="Arial"/>
+                <a:sym typeface="Arial"/>
+              </a:defRPr>
+            </a:lvl7pPr>
+            <a:lvl8pPr marR="0" lvl="7" algn="l" rtl="0">
+              <a:lnSpc>
+                <a:spcPct val="100000"/>
+              </a:lnSpc>
+              <a:spcBef>
+                <a:spcPts val="0"/>
+              </a:spcBef>
+              <a:spcAft>
+                <a:spcPts val="0"/>
+              </a:spcAft>
+              <a:buClr>
+                <a:srgbClr val="000000"/>
+              </a:buClr>
+              <a:buSzPts val="1400"/>
+              <a:buFont typeface="Arial"/>
+              <a:buNone/>
+              <a:defRPr sz="1800" b="0" i="0" u="none" strike="noStrike" cap="none">
+                <a:solidFill>
+                  <a:srgbClr val="000000"/>
+                </a:solidFill>
+                <a:latin typeface="Arial"/>
+                <a:ea typeface="Arial"/>
+                <a:cs typeface="Arial"/>
+                <a:sym typeface="Arial"/>
+              </a:defRPr>
+            </a:lvl8pPr>
+            <a:lvl9pPr marR="0" lvl="8" algn="l" rtl="0">
+              <a:lnSpc>
+                <a:spcPct val="100000"/>
+              </a:lnSpc>
+              <a:spcBef>
+                <a:spcPts val="0"/>
+              </a:spcBef>
+              <a:spcAft>
+                <a:spcPts val="0"/>
+              </a:spcAft>
+              <a:buClr>
+                <a:srgbClr val="000000"/>
+              </a:buClr>
+              <a:buSzPts val="1400"/>
+              <a:buFont typeface="Arial"/>
+              <a:buNone/>
+              <a:defRPr sz="1800" b="0" i="0" u="none" strike="noStrike" cap="none">
+                <a:solidFill>
+                  <a:srgbClr val="000000"/>
+                </a:solidFill>
+                <a:latin typeface="Arial"/>
+                <a:ea typeface="Arial"/>
+                <a:cs typeface="Arial"/>
+                <a:sym typeface="Arial"/>
+              </a:defRPr>
+            </a:lvl9pPr>
+          </a:lstStyle>
+          <a:p>
+            <a:r>
+              <a:rPr lang="en-US" altLang="zh-CN" sz="1800" dirty="0"/>
+              <a:t>testing result of yolo11xtra with lr0=0.01</a:t>
+            </a:r>
+          </a:p>
+          <a:p>
+            <a:r>
+              <a:rPr lang="en-US" altLang="zh-CN" sz="1800" dirty="0"/>
+              <a:t>mAP50=49.9%, </a:t>
+            </a:r>
+            <a:r>
+              <a:rPr lang="en-US" altLang="zh-CN" sz="1800" dirty="0" err="1"/>
+              <a:t>mAP</a:t>
+            </a:r>
+            <a:r>
+              <a:rPr lang="en-US" altLang="zh-CN" sz="1800" dirty="0"/>
+              <a:t>=30.9%</a:t>
+            </a:r>
+            <a:endParaRPr lang="zh-CN" altLang="en-US" sz="1800" dirty="0"/>
+          </a:p>
+        </p:txBody>
+      </p:sp>
+      <p:sp>
+        <p:nvSpPr>
+          <p:cNvPr id="8" name="Title 1">
+            <a:extLst>
+              <a:ext uri="{FF2B5EF4-FFF2-40B4-BE49-F238E27FC236}">
+                <a16:creationId xmlns:a16="http://schemas.microsoft.com/office/drawing/2014/main" id="{CBF89BC8-BC68-485E-44AB-2EF3C0ACC599}"/>
+              </a:ext>
+            </a:extLst>
+          </p:cNvPr>
+          <p:cNvSpPr txBox="1">
+            <a:spLocks/>
+          </p:cNvSpPr>
+          <p:nvPr/>
+        </p:nvSpPr>
+        <p:spPr>
+          <a:xfrm>
+            <a:off x="5891387" y="4369491"/>
+            <a:ext cx="5293497" cy="615596"/>
+          </a:xfrm>
+          <a:prstGeom prst="rect">
+            <a:avLst/>
+          </a:prstGeom>
+          <a:noFill/>
+          <a:ln>
+            <a:noFill/>
+          </a:ln>
+        </p:spPr>
+        <p:txBody>
+          <a:bodyPr spcFirstLastPara="1" wrap="square" lIns="0" tIns="0" rIns="0" bIns="0" anchor="b" anchorCtr="0">
+            <a:normAutofit/>
+          </a:bodyPr>
+          <a:lstStyle>
+            <a:defPPr marR="0" lvl="0" algn="l" rtl="0">
+              <a:lnSpc>
+                <a:spcPct val="100000"/>
+              </a:lnSpc>
+              <a:spcBef>
+                <a:spcPts val="0"/>
+              </a:spcBef>
+              <a:spcAft>
+                <a:spcPts val="0"/>
+              </a:spcAft>
+            </a:defPPr>
+            <a:lvl1pPr marR="0" lvl="0" algn="l" rtl="0">
+              <a:lnSpc>
+                <a:spcPct val="80000"/>
+              </a:lnSpc>
+              <a:spcBef>
+                <a:spcPts val="0"/>
+              </a:spcBef>
+              <a:spcAft>
+                <a:spcPts val="0"/>
+              </a:spcAft>
+              <a:buClr>
+                <a:schemeClr val="dk1"/>
+              </a:buClr>
+              <a:buSzPts val="4400"/>
+              <a:buFont typeface="Arial"/>
+              <a:buNone/>
+              <a:defRPr sz="4400" b="1" i="0" u="none" strike="noStrike" cap="none">
+                <a:solidFill>
+                  <a:schemeClr val="dk1"/>
+                </a:solidFill>
+                <a:latin typeface="Arial"/>
+                <a:ea typeface="Arial"/>
+                <a:cs typeface="Arial"/>
+                <a:sym typeface="Arial"/>
+              </a:defRPr>
+            </a:lvl1pPr>
+            <a:lvl2pPr marR="0" lvl="1" algn="l" rtl="0">
+              <a:lnSpc>
+                <a:spcPct val="100000"/>
+              </a:lnSpc>
+              <a:spcBef>
+                <a:spcPts val="0"/>
+              </a:spcBef>
+              <a:spcAft>
+                <a:spcPts val="0"/>
+              </a:spcAft>
+              <a:buClr>
+                <a:srgbClr val="000000"/>
+              </a:buClr>
+              <a:buSzPts val="1400"/>
+              <a:buFont typeface="Arial"/>
+              <a:buNone/>
+              <a:defRPr sz="1800" b="0" i="0" u="none" strike="noStrike" cap="none">
+                <a:solidFill>
+                  <a:srgbClr val="000000"/>
+                </a:solidFill>
+                <a:latin typeface="Arial"/>
+                <a:ea typeface="Arial"/>
+                <a:cs typeface="Arial"/>
+                <a:sym typeface="Arial"/>
+              </a:defRPr>
+            </a:lvl2pPr>
+            <a:lvl3pPr marR="0" lvl="2" algn="l" rtl="0">
+              <a:lnSpc>
+                <a:spcPct val="100000"/>
+              </a:lnSpc>
+              <a:spcBef>
+                <a:spcPts val="0"/>
+              </a:spcBef>
+              <a:spcAft>
+                <a:spcPts val="0"/>
+              </a:spcAft>
+              <a:buClr>
+                <a:srgbClr val="000000"/>
+              </a:buClr>
+              <a:buSzPts val="1400"/>
+              <a:buFont typeface="Arial"/>
+              <a:buNone/>
+              <a:defRPr sz="1800" b="0" i="0" u="none" strike="noStrike" cap="none">
+                <a:solidFill>
+                  <a:srgbClr val="000000"/>
+                </a:solidFill>
+                <a:latin typeface="Arial"/>
+                <a:ea typeface="Arial"/>
+                <a:cs typeface="Arial"/>
+                <a:sym typeface="Arial"/>
+              </a:defRPr>
+            </a:lvl3pPr>
+            <a:lvl4pPr marR="0" lvl="3" algn="l" rtl="0">
+              <a:lnSpc>
+                <a:spcPct val="100000"/>
+              </a:lnSpc>
+              <a:spcBef>
+                <a:spcPts val="0"/>
+              </a:spcBef>
+              <a:spcAft>
+                <a:spcPts val="0"/>
+              </a:spcAft>
+              <a:buClr>
+                <a:srgbClr val="000000"/>
+              </a:buClr>
+              <a:buSzPts val="1400"/>
+              <a:buFont typeface="Arial"/>
+              <a:buNone/>
+              <a:defRPr sz="1800" b="0" i="0" u="none" strike="noStrike" cap="none">
+                <a:solidFill>
+                  <a:srgbClr val="000000"/>
+                </a:solidFill>
+                <a:latin typeface="Arial"/>
+                <a:ea typeface="Arial"/>
+                <a:cs typeface="Arial"/>
+                <a:sym typeface="Arial"/>
+              </a:defRPr>
+            </a:lvl4pPr>
+            <a:lvl5pPr marR="0" lvl="4" algn="l" rtl="0">
+              <a:lnSpc>
+                <a:spcPct val="100000"/>
+              </a:lnSpc>
+              <a:spcBef>
+                <a:spcPts val="0"/>
+              </a:spcBef>
+              <a:spcAft>
+                <a:spcPts val="0"/>
+              </a:spcAft>
+              <a:buClr>
+                <a:srgbClr val="000000"/>
+              </a:buClr>
+              <a:buSzPts val="1400"/>
+              <a:buFont typeface="Arial"/>
+              <a:buNone/>
+              <a:defRPr sz="1800" b="0" i="0" u="none" strike="noStrike" cap="none">
+                <a:solidFill>
+                  <a:srgbClr val="000000"/>
+                </a:solidFill>
+                <a:latin typeface="Arial"/>
+                <a:ea typeface="Arial"/>
+                <a:cs typeface="Arial"/>
+                <a:sym typeface="Arial"/>
+              </a:defRPr>
+            </a:lvl5pPr>
+            <a:lvl6pPr marR="0" lvl="5" algn="l" rtl="0">
+              <a:lnSpc>
+                <a:spcPct val="100000"/>
+              </a:lnSpc>
+              <a:spcBef>
+                <a:spcPts val="0"/>
+              </a:spcBef>
+              <a:spcAft>
+                <a:spcPts val="0"/>
+              </a:spcAft>
+              <a:buClr>
+                <a:srgbClr val="000000"/>
+              </a:buClr>
+              <a:buSzPts val="1400"/>
+              <a:buFont typeface="Arial"/>
+              <a:buNone/>
+              <a:defRPr sz="1800" b="0" i="0" u="none" strike="noStrike" cap="none">
+                <a:solidFill>
+                  <a:srgbClr val="000000"/>
+                </a:solidFill>
+                <a:latin typeface="Arial"/>
+                <a:ea typeface="Arial"/>
+                <a:cs typeface="Arial"/>
+                <a:sym typeface="Arial"/>
+              </a:defRPr>
+            </a:lvl6pPr>
+            <a:lvl7pPr marR="0" lvl="6" algn="l" rtl="0">
+              <a:lnSpc>
+                <a:spcPct val="100000"/>
+              </a:lnSpc>
+              <a:spcBef>
+                <a:spcPts val="0"/>
+              </a:spcBef>
+              <a:spcAft>
+                <a:spcPts val="0"/>
+              </a:spcAft>
+              <a:buClr>
+                <a:srgbClr val="000000"/>
+              </a:buClr>
+              <a:buSzPts val="1400"/>
+              <a:buFont typeface="Arial"/>
+              <a:buNone/>
+              <a:defRPr sz="1800" b="0" i="0" u="none" strike="noStrike" cap="none">
+                <a:solidFill>
+                  <a:srgbClr val="000000"/>
+                </a:solidFill>
+                <a:latin typeface="Arial"/>
+                <a:ea typeface="Arial"/>
+                <a:cs typeface="Arial"/>
+                <a:sym typeface="Arial"/>
+              </a:defRPr>
+            </a:lvl7pPr>
+            <a:lvl8pPr marR="0" lvl="7" algn="l" rtl="0">
+              <a:lnSpc>
+                <a:spcPct val="100000"/>
+              </a:lnSpc>
+              <a:spcBef>
+                <a:spcPts val="0"/>
+              </a:spcBef>
+              <a:spcAft>
+                <a:spcPts val="0"/>
+              </a:spcAft>
+              <a:buClr>
+                <a:srgbClr val="000000"/>
+              </a:buClr>
+              <a:buSzPts val="1400"/>
+              <a:buFont typeface="Arial"/>
+              <a:buNone/>
+              <a:defRPr sz="1800" b="0" i="0" u="none" strike="noStrike" cap="none">
+                <a:solidFill>
+                  <a:srgbClr val="000000"/>
+                </a:solidFill>
+                <a:latin typeface="Arial"/>
+                <a:ea typeface="Arial"/>
+                <a:cs typeface="Arial"/>
+                <a:sym typeface="Arial"/>
+              </a:defRPr>
+            </a:lvl8pPr>
+            <a:lvl9pPr marR="0" lvl="8" algn="l" rtl="0">
+              <a:lnSpc>
+                <a:spcPct val="100000"/>
+              </a:lnSpc>
+              <a:spcBef>
+                <a:spcPts val="0"/>
+              </a:spcBef>
+              <a:spcAft>
+                <a:spcPts val="0"/>
+              </a:spcAft>
+              <a:buClr>
+                <a:srgbClr val="000000"/>
+              </a:buClr>
+              <a:buSzPts val="1400"/>
+              <a:buFont typeface="Arial"/>
+              <a:buNone/>
+              <a:defRPr sz="1800" b="0" i="0" u="none" strike="noStrike" cap="none">
+                <a:solidFill>
+                  <a:srgbClr val="000000"/>
+                </a:solidFill>
+                <a:latin typeface="Arial"/>
+                <a:ea typeface="Arial"/>
+                <a:cs typeface="Arial"/>
+                <a:sym typeface="Arial"/>
+              </a:defRPr>
+            </a:lvl9pPr>
+          </a:lstStyle>
+          <a:p>
+            <a:r>
+              <a:rPr lang="en-US" altLang="zh-CN" sz="1800" dirty="0"/>
+              <a:t>testing result of yolo11xtra with lr0=0.001</a:t>
+            </a:r>
+          </a:p>
+          <a:p>
+            <a:r>
+              <a:rPr lang="en-US" altLang="zh-CN" sz="1800" dirty="0"/>
+              <a:t>mAP50=53.9%, </a:t>
+            </a:r>
+            <a:r>
+              <a:rPr lang="en-US" altLang="zh-CN" sz="1800" dirty="0" err="1"/>
+              <a:t>mAP</a:t>
+            </a:r>
+            <a:r>
+              <a:rPr lang="en-US" altLang="zh-CN" sz="1800" dirty="0"/>
+              <a:t>=33.3%</a:t>
+            </a:r>
+          </a:p>
+        </p:txBody>
+      </p:sp>
+      <p:pic>
+        <p:nvPicPr>
+          <p:cNvPr id="11" name="Picture 10">
+            <a:extLst>
+              <a:ext uri="{FF2B5EF4-FFF2-40B4-BE49-F238E27FC236}">
+                <a16:creationId xmlns:a16="http://schemas.microsoft.com/office/drawing/2014/main" id="{B9D551AD-92EA-832A-22B2-DEEE3D81D010}"/>
+              </a:ext>
+            </a:extLst>
+          </p:cNvPr>
+          <p:cNvPicPr>
+            <a:picLocks noChangeAspect="1"/>
+          </p:cNvPicPr>
+          <p:nvPr/>
+        </p:nvPicPr>
+        <p:blipFill>
+          <a:blip r:embed="rId2"/>
+          <a:stretch>
+            <a:fillRect/>
+          </a:stretch>
+        </p:blipFill>
+        <p:spPr>
+          <a:xfrm>
+            <a:off x="594268" y="2369306"/>
+            <a:ext cx="5501732" cy="2000185"/>
+          </a:xfrm>
+          <a:prstGeom prst="rect">
+            <a:avLst/>
+          </a:prstGeom>
+        </p:spPr>
+      </p:pic>
+      <p:pic>
+        <p:nvPicPr>
+          <p:cNvPr id="5" name="Picture 4">
+            <a:extLst>
+              <a:ext uri="{FF2B5EF4-FFF2-40B4-BE49-F238E27FC236}">
+                <a16:creationId xmlns:a16="http://schemas.microsoft.com/office/drawing/2014/main" id="{5A9C065E-4CBE-12B5-C75E-3CD9AEA4C268}"/>
+              </a:ext>
+            </a:extLst>
+          </p:cNvPr>
+          <p:cNvPicPr>
+            <a:picLocks noChangeAspect="1"/>
+          </p:cNvPicPr>
+          <p:nvPr/>
+        </p:nvPicPr>
+        <p:blipFill>
+          <a:blip r:embed="rId3"/>
+          <a:stretch>
+            <a:fillRect/>
+          </a:stretch>
+        </p:blipFill>
+        <p:spPr>
+          <a:xfrm>
+            <a:off x="6096000" y="2324548"/>
+            <a:ext cx="6017457" cy="2000185"/>
+          </a:xfrm>
+          <a:prstGeom prst="rect">
+            <a:avLst/>
+          </a:prstGeom>
+        </p:spPr>
+      </p:pic>
+      <p:sp>
+        <p:nvSpPr>
+          <p:cNvPr id="6" name="TextBox 5">
+            <a:extLst>
+              <a:ext uri="{FF2B5EF4-FFF2-40B4-BE49-F238E27FC236}">
+                <a16:creationId xmlns:a16="http://schemas.microsoft.com/office/drawing/2014/main" id="{A0051CE1-8629-A164-9296-2352A69543F8}"/>
+              </a:ext>
+            </a:extLst>
+          </p:cNvPr>
+          <p:cNvSpPr txBox="1"/>
+          <p:nvPr/>
+        </p:nvSpPr>
+        <p:spPr>
+          <a:xfrm>
+            <a:off x="598264" y="5226205"/>
+            <a:ext cx="11601170" cy="307777"/>
+          </a:xfrm>
+          <a:prstGeom prst="rect">
+            <a:avLst/>
+          </a:prstGeom>
+          <a:noFill/>
+        </p:spPr>
+        <p:txBody>
+          <a:bodyPr wrap="square" rtlCol="0">
+            <a:spAutoFit/>
+          </a:bodyPr>
+          <a:lstStyle/>
+          <a:p>
+            <a:r>
+              <a:rPr lang="en-US" altLang="zh-CN" dirty="0"/>
+              <a:t>This week, after we train it using initial learning rate 0.001, result gets much better </a:t>
+            </a:r>
+            <a:endParaRPr lang="zh-CN" altLang="en-US" dirty="0"/>
+          </a:p>
+        </p:txBody>
+      </p:sp>
+    </p:spTree>
+    <p:extLst>
+      <p:ext uri="{BB962C8B-B14F-4D97-AF65-F5344CB8AC3E}">
+        <p14:creationId xmlns:p14="http://schemas.microsoft.com/office/powerpoint/2010/main" val="2106062362"/>
+      </p:ext>
+    </p:extLst>
+  </p:cSld>
+  <p:clrMapOvr>
+    <a:masterClrMapping/>
+  </p:clrMapOvr>
+</p:sld>
+</file>
+
+<file path=ppt/slides/slide16.xml><?xml version="1.0" encoding="utf-8"?>
+<p:sld xmlns:a="http://schemas.openxmlformats.org/drawingml/2006/main" xmlns:r="http://schemas.openxmlformats.org/officeDocument/2006/relationships" xmlns:p="http://schemas.openxmlformats.org/presentationml/2006/main">
+  <p:cSld>
+    <p:spTree>
+      <p:nvGrpSpPr>
+        <p:cNvPr id="1" name=""/>
+        <p:cNvGrpSpPr/>
+        <p:nvPr/>
+      </p:nvGrpSpPr>
+      <p:grpSpPr>
+        <a:xfrm>
+          <a:off x="0" y="0"/>
+          <a:ext cx="0" cy="0"/>
+          <a:chOff x="0" y="0"/>
+          <a:chExt cx="0" cy="0"/>
+        </a:xfrm>
+      </p:grpSpPr>
+      <p:sp>
+        <p:nvSpPr>
+          <p:cNvPr id="2" name="Title 1">
+            <a:extLst>
+              <a:ext uri="{FF2B5EF4-FFF2-40B4-BE49-F238E27FC236}">
+                <a16:creationId xmlns:a16="http://schemas.microsoft.com/office/drawing/2014/main" id="{0039DECC-ED47-FDCB-E182-79F141306F37}"/>
+              </a:ext>
+            </a:extLst>
+          </p:cNvPr>
+          <p:cNvSpPr>
+            <a:spLocks noGrp="1"/>
+          </p:cNvSpPr>
+          <p:nvPr>
+            <p:ph type="title"/>
+          </p:nvPr>
+        </p:nvSpPr>
+        <p:spPr>
+          <a:xfrm>
+            <a:off x="594359" y="353695"/>
+            <a:ext cx="6787747" cy="1593507"/>
+          </a:xfrm>
+        </p:spPr>
+        <p:txBody>
+          <a:bodyPr/>
+          <a:lstStyle/>
+          <a:p>
+            <a:r>
+              <a:rPr lang="en-US" altLang="zh-CN" dirty="0"/>
+              <a:t>Analysis</a:t>
+            </a:r>
+            <a:endParaRPr lang="zh-CN" altLang="en-US" dirty="0"/>
+          </a:p>
+        </p:txBody>
+      </p:sp>
+      <p:sp>
+        <p:nvSpPr>
+          <p:cNvPr id="3" name="Text Placeholder 2">
+            <a:extLst>
+              <a:ext uri="{FF2B5EF4-FFF2-40B4-BE49-F238E27FC236}">
+                <a16:creationId xmlns:a16="http://schemas.microsoft.com/office/drawing/2014/main" id="{A59BEBFF-A1CD-DF57-3724-8E7D3A369DED}"/>
+              </a:ext>
+            </a:extLst>
+          </p:cNvPr>
+          <p:cNvSpPr>
+            <a:spLocks noGrp="1"/>
+          </p:cNvSpPr>
+          <p:nvPr>
+            <p:ph type="body" idx="1"/>
+          </p:nvPr>
+        </p:nvSpPr>
+        <p:spPr/>
+        <p:txBody>
+          <a:bodyPr/>
+          <a:lstStyle/>
+          <a:p>
+            <a:endParaRPr lang="zh-CN" altLang="en-US"/>
+          </a:p>
+        </p:txBody>
+      </p:sp>
+      <p:sp>
+        <p:nvSpPr>
+          <p:cNvPr id="4" name="Slide Number Placeholder 3">
+            <a:extLst>
+              <a:ext uri="{FF2B5EF4-FFF2-40B4-BE49-F238E27FC236}">
+                <a16:creationId xmlns:a16="http://schemas.microsoft.com/office/drawing/2014/main" id="{BD047DA3-D532-004B-C738-DB199A7C43F1}"/>
+              </a:ext>
+            </a:extLst>
+          </p:cNvPr>
+          <p:cNvSpPr>
+            <a:spLocks noGrp="1"/>
+          </p:cNvSpPr>
+          <p:nvPr>
+            <p:ph type="sldNum" idx="12"/>
+          </p:nvPr>
+        </p:nvSpPr>
+        <p:spPr/>
+        <p:txBody>
+          <a:bodyPr/>
+          <a:lstStyle/>
+          <a:p>
+            <a:pPr marL="0" lvl="0" indent="0" algn="l" rtl="0">
+              <a:spcBef>
+                <a:spcPts val="0"/>
+              </a:spcBef>
+              <a:spcAft>
+                <a:spcPts val="0"/>
+              </a:spcAft>
+              <a:buNone/>
+            </a:pPr>
+            <a:fld id="{00000000-1234-1234-1234-123412341234}" type="slidenum">
+              <a:rPr lang="en-US" smtClean="0"/>
+              <a:t>16</a:t>
+            </a:fld>
+            <a:endParaRPr lang="en-US"/>
+          </a:p>
+        </p:txBody>
+      </p:sp>
+    </p:spTree>
+    <p:extLst>
+      <p:ext uri="{BB962C8B-B14F-4D97-AF65-F5344CB8AC3E}">
+        <p14:creationId xmlns:p14="http://schemas.microsoft.com/office/powerpoint/2010/main" val="2649701935"/>
+      </p:ext>
+    </p:extLst>
+  </p:cSld>
+  <p:clrMapOvr>
+    <a:masterClrMapping/>
+  </p:clrMapOvr>
+</p:sld>
+</file>
+
+<file path=ppt/slides/slide17.xml><?xml version="1.0" encoding="utf-8"?>
+<p:sld xmlns:a="http://schemas.openxmlformats.org/drawingml/2006/main" xmlns:r="http://schemas.openxmlformats.org/officeDocument/2006/relationships" xmlns:p="http://schemas.openxmlformats.org/presentationml/2006/main">
+  <p:cSld>
+    <p:spTree>
+      <p:nvGrpSpPr>
+        <p:cNvPr id="1" name=""/>
+        <p:cNvGrpSpPr/>
+        <p:nvPr/>
+      </p:nvGrpSpPr>
+      <p:grpSpPr>
+        <a:xfrm>
+          <a:off x="0" y="0"/>
+          <a:ext cx="0" cy="0"/>
+          <a:chOff x="0" y="0"/>
+          <a:chExt cx="0" cy="0"/>
+        </a:xfrm>
+      </p:grpSpPr>
+      <p:sp>
+        <p:nvSpPr>
+          <p:cNvPr id="2" name="Title 1">
+            <a:extLst>
+              <a:ext uri="{FF2B5EF4-FFF2-40B4-BE49-F238E27FC236}">
+                <a16:creationId xmlns:a16="http://schemas.microsoft.com/office/drawing/2014/main" id="{71AB2CD8-D13A-2FF2-4967-C436A3BF0589}"/>
+              </a:ext>
+            </a:extLst>
+          </p:cNvPr>
+          <p:cNvSpPr>
+            <a:spLocks noGrp="1"/>
+          </p:cNvSpPr>
+          <p:nvPr>
+            <p:ph type="title"/>
+          </p:nvPr>
+        </p:nvSpPr>
+        <p:spPr>
+          <a:xfrm>
+            <a:off x="594359" y="189572"/>
+            <a:ext cx="11352313" cy="1593507"/>
+          </a:xfrm>
+        </p:spPr>
+        <p:txBody>
+          <a:bodyPr>
+            <a:normAutofit/>
+          </a:bodyPr>
+          <a:lstStyle/>
+          <a:p>
+            <a:r>
+              <a:rPr lang="en-US" altLang="zh-CN" dirty="0"/>
+              <a:t>IMAGE SIZE MATTERS IN DRONE-BASED OBJECT DETECTION</a:t>
+            </a:r>
+            <a:endParaRPr lang="zh-CN" altLang="en-US" dirty="0"/>
+          </a:p>
+        </p:txBody>
+      </p:sp>
+      <p:sp>
+        <p:nvSpPr>
+          <p:cNvPr id="3" name="Text Placeholder 2">
+            <a:extLst>
+              <a:ext uri="{FF2B5EF4-FFF2-40B4-BE49-F238E27FC236}">
+                <a16:creationId xmlns:a16="http://schemas.microsoft.com/office/drawing/2014/main" id="{3AC0CE40-B977-549D-22B3-A17E6B048CAA}"/>
+              </a:ext>
+            </a:extLst>
+          </p:cNvPr>
+          <p:cNvSpPr>
+            <a:spLocks noGrp="1"/>
+          </p:cNvSpPr>
+          <p:nvPr>
+            <p:ph type="body" idx="1"/>
+          </p:nvPr>
+        </p:nvSpPr>
+        <p:spPr/>
+        <p:txBody>
+          <a:bodyPr/>
+          <a:lstStyle/>
+          <a:p>
+            <a:r>
+              <a:rPr lang="en-US" altLang="zh-CN" dirty="0"/>
+              <a:t>Large scale variations</a:t>
+            </a:r>
+          </a:p>
+          <a:p>
+            <a:r>
+              <a:rPr lang="en-US" altLang="zh-CN" dirty="0"/>
+              <a:t>Occlusion</a:t>
+            </a:r>
+          </a:p>
+          <a:p>
+            <a:r>
+              <a:rPr lang="en-US" altLang="zh-CN" dirty="0"/>
+              <a:t>Class imbalance</a:t>
+            </a:r>
+          </a:p>
+          <a:p>
+            <a:endParaRPr lang="zh-CN" altLang="en-US" dirty="0"/>
+          </a:p>
+        </p:txBody>
+      </p:sp>
+      <p:sp>
+        <p:nvSpPr>
+          <p:cNvPr id="4" name="Slide Number Placeholder 3">
+            <a:extLst>
+              <a:ext uri="{FF2B5EF4-FFF2-40B4-BE49-F238E27FC236}">
+                <a16:creationId xmlns:a16="http://schemas.microsoft.com/office/drawing/2014/main" id="{03B8A6FC-CD74-BBB6-2A24-1BDCB06A7AFE}"/>
+              </a:ext>
+            </a:extLst>
+          </p:cNvPr>
+          <p:cNvSpPr>
+            <a:spLocks noGrp="1"/>
+          </p:cNvSpPr>
+          <p:nvPr>
+            <p:ph type="sldNum" idx="12"/>
+          </p:nvPr>
+        </p:nvSpPr>
+        <p:spPr/>
+        <p:txBody>
+          <a:bodyPr/>
+          <a:lstStyle/>
+          <a:p>
+            <a:pPr marL="0" lvl="0" indent="0" algn="l" rtl="0">
+              <a:spcBef>
+                <a:spcPts val="0"/>
+              </a:spcBef>
+              <a:spcAft>
+                <a:spcPts val="0"/>
+              </a:spcAft>
+              <a:buNone/>
+            </a:pPr>
+            <a:fld id="{00000000-1234-1234-1234-123412341234}" type="slidenum">
+              <a:rPr lang="en-US" smtClean="0"/>
+              <a:t>17</a:t>
+            </a:fld>
+            <a:endParaRPr lang="en-US"/>
+          </a:p>
+        </p:txBody>
+      </p:sp>
+      <p:pic>
+        <p:nvPicPr>
+          <p:cNvPr id="6" name="Picture 5">
+            <a:extLst>
+              <a:ext uri="{FF2B5EF4-FFF2-40B4-BE49-F238E27FC236}">
+                <a16:creationId xmlns:a16="http://schemas.microsoft.com/office/drawing/2014/main" id="{86C4B346-8A92-05FE-CF13-FF6BB9F3B3EE}"/>
+              </a:ext>
+            </a:extLst>
+          </p:cNvPr>
+          <p:cNvPicPr>
+            <a:picLocks noChangeAspect="1"/>
+          </p:cNvPicPr>
+          <p:nvPr/>
+        </p:nvPicPr>
+        <p:blipFill>
+          <a:blip r:embed="rId2"/>
+          <a:stretch>
+            <a:fillRect/>
+          </a:stretch>
+        </p:blipFill>
+        <p:spPr>
+          <a:xfrm>
+            <a:off x="2995180" y="2395393"/>
+            <a:ext cx="6201640" cy="2067213"/>
+          </a:xfrm>
+          <a:prstGeom prst="rect">
+            <a:avLst/>
+          </a:prstGeom>
+        </p:spPr>
+      </p:pic>
+      <p:pic>
+        <p:nvPicPr>
+          <p:cNvPr id="8" name="Picture 7">
+            <a:extLst>
+              <a:ext uri="{FF2B5EF4-FFF2-40B4-BE49-F238E27FC236}">
+                <a16:creationId xmlns:a16="http://schemas.microsoft.com/office/drawing/2014/main" id="{940E3622-B5E4-4446-6A40-6CAFA1BDBD6A}"/>
+              </a:ext>
+            </a:extLst>
+          </p:cNvPr>
+          <p:cNvPicPr>
+            <a:picLocks noChangeAspect="1"/>
+          </p:cNvPicPr>
+          <p:nvPr/>
+        </p:nvPicPr>
+        <p:blipFill>
+          <a:blip r:embed="rId3"/>
+          <a:stretch>
+            <a:fillRect/>
+          </a:stretch>
+        </p:blipFill>
+        <p:spPr>
+          <a:xfrm>
+            <a:off x="4074800" y="0"/>
+            <a:ext cx="4042399" cy="6858000"/>
+          </a:xfrm>
+          <a:prstGeom prst="rect">
+            <a:avLst/>
+          </a:prstGeom>
         </p:spPr>
       </p:pic>
     </p:spTree>
+    <p:extLst>
+      <p:ext uri="{BB962C8B-B14F-4D97-AF65-F5344CB8AC3E}">
+        <p14:creationId xmlns:p14="http://schemas.microsoft.com/office/powerpoint/2010/main" val="4095083096"/>
+      </p:ext>
+    </p:extLst>
+  </p:cSld>
+  <p:clrMapOvr>
+    <a:masterClrMapping/>
+  </p:clrMapOvr>
+</p:sld>
+</file>
+
+<file path=ppt/slides/slide18.xml><?xml version="1.0" encoding="utf-8"?>
+<p:sld xmlns:a="http://schemas.openxmlformats.org/drawingml/2006/main" xmlns:r="http://schemas.openxmlformats.org/officeDocument/2006/relationships" xmlns:p="http://schemas.openxmlformats.org/presentationml/2006/main">
+  <p:cSld>
+    <p:spTree>
+      <p:nvGrpSpPr>
+        <p:cNvPr id="1" name=""/>
+        <p:cNvGrpSpPr/>
+        <p:nvPr/>
+      </p:nvGrpSpPr>
+      <p:grpSpPr>
+        <a:xfrm>
+          <a:off x="0" y="0"/>
+          <a:ext cx="0" cy="0"/>
+          <a:chOff x="0" y="0"/>
+          <a:chExt cx="0" cy="0"/>
+        </a:xfrm>
+      </p:grpSpPr>
+      <p:sp>
+        <p:nvSpPr>
+          <p:cNvPr id="2" name="Title 1">
+            <a:extLst>
+              <a:ext uri="{FF2B5EF4-FFF2-40B4-BE49-F238E27FC236}">
+                <a16:creationId xmlns:a16="http://schemas.microsoft.com/office/drawing/2014/main" id="{B3275978-164F-1328-1227-18F65FA2C733}"/>
+              </a:ext>
+            </a:extLst>
+          </p:cNvPr>
+          <p:cNvSpPr>
+            <a:spLocks noGrp="1"/>
+          </p:cNvSpPr>
+          <p:nvPr>
+            <p:ph type="title"/>
+          </p:nvPr>
+        </p:nvSpPr>
+        <p:spPr/>
+        <p:txBody>
+          <a:bodyPr/>
+          <a:lstStyle/>
+          <a:p>
+            <a:r>
+              <a:rPr lang="en-US" altLang="zh-CN" dirty="0"/>
+              <a:t>Feature fusion</a:t>
+            </a:r>
+            <a:endParaRPr lang="zh-CN" altLang="en-US" dirty="0"/>
+          </a:p>
+        </p:txBody>
+      </p:sp>
+      <p:sp>
+        <p:nvSpPr>
+          <p:cNvPr id="3" name="Text Placeholder 2">
+            <a:extLst>
+              <a:ext uri="{FF2B5EF4-FFF2-40B4-BE49-F238E27FC236}">
+                <a16:creationId xmlns:a16="http://schemas.microsoft.com/office/drawing/2014/main" id="{DCAFC347-C91E-6B7D-BFFB-E36F07E3E2CA}"/>
+              </a:ext>
+            </a:extLst>
+          </p:cNvPr>
+          <p:cNvSpPr>
+            <a:spLocks noGrp="1"/>
+          </p:cNvSpPr>
+          <p:nvPr>
+            <p:ph type="body" idx="1"/>
+          </p:nvPr>
+        </p:nvSpPr>
+        <p:spPr>
+          <a:xfrm>
+            <a:off x="594359" y="2281918"/>
+            <a:ext cx="11003281" cy="4576082"/>
+          </a:xfrm>
+        </p:spPr>
+        <p:txBody>
+          <a:bodyPr>
+            <a:normAutofit/>
+          </a:bodyPr>
+          <a:lstStyle/>
+          <a:p>
+            <a:r>
+              <a:rPr lang="en-US" altLang="zh-CN" dirty="0"/>
+              <a:t>The neck is designed to extract as much information as possible from the backbone feature maps</a:t>
+            </a:r>
+          </a:p>
+          <a:p>
+            <a:r>
+              <a:rPr lang="en-US" altLang="zh-CN" dirty="0"/>
+              <a:t>So if the localization and semantic features are bad, what the neck aggregated are also bad</a:t>
+            </a:r>
+          </a:p>
+          <a:p>
+            <a:r>
+              <a:rPr lang="en-US" altLang="zh-CN" dirty="0"/>
+              <a:t>That’s why we need to improve the image size, otherwise the feature maps all contain low semantics and low spatial information</a:t>
+            </a:r>
+          </a:p>
+          <a:p>
+            <a:endParaRPr lang="en-US" altLang="zh-CN" dirty="0"/>
+          </a:p>
+          <a:p>
+            <a:r>
+              <a:rPr lang="en-US" altLang="zh-CN" dirty="0"/>
+              <a:t>Image from Path Aggregation Network for Instance Segmentation </a:t>
+            </a:r>
+          </a:p>
+        </p:txBody>
+      </p:sp>
+      <p:sp>
+        <p:nvSpPr>
+          <p:cNvPr id="4" name="Slide Number Placeholder 3">
+            <a:extLst>
+              <a:ext uri="{FF2B5EF4-FFF2-40B4-BE49-F238E27FC236}">
+                <a16:creationId xmlns:a16="http://schemas.microsoft.com/office/drawing/2014/main" id="{FD85280D-BE1F-EB1B-C239-9C36F29C5E3E}"/>
+              </a:ext>
+            </a:extLst>
+          </p:cNvPr>
+          <p:cNvSpPr>
+            <a:spLocks noGrp="1"/>
+          </p:cNvSpPr>
+          <p:nvPr>
+            <p:ph type="sldNum" idx="12"/>
+          </p:nvPr>
+        </p:nvSpPr>
+        <p:spPr/>
+        <p:txBody>
+          <a:bodyPr/>
+          <a:lstStyle/>
+          <a:p>
+            <a:pPr marL="0" lvl="0" indent="0" algn="l" rtl="0">
+              <a:spcBef>
+                <a:spcPts val="0"/>
+              </a:spcBef>
+              <a:spcAft>
+                <a:spcPts val="0"/>
+              </a:spcAft>
+              <a:buNone/>
+            </a:pPr>
+            <a:fld id="{00000000-1234-1234-1234-123412341234}" type="slidenum">
+              <a:rPr lang="en-US" smtClean="0"/>
+              <a:t>18</a:t>
+            </a:fld>
+            <a:endParaRPr lang="en-US"/>
+          </a:p>
+        </p:txBody>
+      </p:sp>
+      <p:pic>
+        <p:nvPicPr>
+          <p:cNvPr id="6" name="Picture 5">
+            <a:extLst>
+              <a:ext uri="{FF2B5EF4-FFF2-40B4-BE49-F238E27FC236}">
+                <a16:creationId xmlns:a16="http://schemas.microsoft.com/office/drawing/2014/main" id="{F2F5EAAD-6DFF-6796-44A7-1E18190E1AB2}"/>
+              </a:ext>
+            </a:extLst>
+          </p:cNvPr>
+          <p:cNvPicPr>
+            <a:picLocks noChangeAspect="1"/>
+          </p:cNvPicPr>
+          <p:nvPr/>
+        </p:nvPicPr>
+        <p:blipFill>
+          <a:blip r:embed="rId2"/>
+          <a:stretch>
+            <a:fillRect/>
+          </a:stretch>
+        </p:blipFill>
+        <p:spPr>
+          <a:xfrm>
+            <a:off x="4737696" y="189572"/>
+            <a:ext cx="7411346" cy="2559796"/>
+          </a:xfrm>
+          <a:prstGeom prst="rect">
+            <a:avLst/>
+          </a:prstGeom>
+        </p:spPr>
+      </p:pic>
+    </p:spTree>
+    <p:extLst>
+      <p:ext uri="{BB962C8B-B14F-4D97-AF65-F5344CB8AC3E}">
+        <p14:creationId xmlns:p14="http://schemas.microsoft.com/office/powerpoint/2010/main" val="3762035337"/>
+      </p:ext>
+    </p:extLst>
+  </p:cSld>
+  <p:clrMapOvr>
+    <a:masterClrMapping/>
+  </p:clrMapOvr>
+</p:sld>
+</file>
+
+<file path=ppt/slides/slide19.xml><?xml version="1.0" encoding="utf-8"?>
+<p:sld xmlns:a="http://schemas.openxmlformats.org/drawingml/2006/main" xmlns:r="http://schemas.openxmlformats.org/officeDocument/2006/relationships" xmlns:p="http://schemas.openxmlformats.org/presentationml/2006/main">
+  <p:cSld>
+    <p:spTree>
+      <p:nvGrpSpPr>
+        <p:cNvPr id="1" name=""/>
+        <p:cNvGrpSpPr/>
+        <p:nvPr/>
+      </p:nvGrpSpPr>
+      <p:grpSpPr>
+        <a:xfrm>
+          <a:off x="0" y="0"/>
+          <a:ext cx="0" cy="0"/>
+          <a:chOff x="0" y="0"/>
+          <a:chExt cx="0" cy="0"/>
+        </a:xfrm>
+      </p:grpSpPr>
+      <p:sp>
+        <p:nvSpPr>
+          <p:cNvPr id="2" name="Title 1">
+            <a:extLst>
+              <a:ext uri="{FF2B5EF4-FFF2-40B4-BE49-F238E27FC236}">
+                <a16:creationId xmlns:a16="http://schemas.microsoft.com/office/drawing/2014/main" id="{73CA44D5-8D2C-7937-6D26-E865F342CC7C}"/>
+              </a:ext>
+            </a:extLst>
+          </p:cNvPr>
+          <p:cNvSpPr>
+            <a:spLocks noGrp="1"/>
+          </p:cNvSpPr>
+          <p:nvPr>
+            <p:ph type="title"/>
+          </p:nvPr>
+        </p:nvSpPr>
+        <p:spPr>
+          <a:xfrm>
+            <a:off x="594360" y="189572"/>
+            <a:ext cx="10750147" cy="1593507"/>
+          </a:xfrm>
+        </p:spPr>
+        <p:txBody>
+          <a:bodyPr/>
+          <a:lstStyle/>
+          <a:p>
+            <a:r>
+              <a:rPr lang="en-US" altLang="zh-CN" dirty="0"/>
+              <a:t>Our best testing result on yolo11x </a:t>
+            </a:r>
+            <a:endParaRPr lang="zh-CN" altLang="en-US" dirty="0"/>
+          </a:p>
+        </p:txBody>
+      </p:sp>
+      <p:sp>
+        <p:nvSpPr>
+          <p:cNvPr id="3" name="Text Placeholder 2">
+            <a:extLst>
+              <a:ext uri="{FF2B5EF4-FFF2-40B4-BE49-F238E27FC236}">
+                <a16:creationId xmlns:a16="http://schemas.microsoft.com/office/drawing/2014/main" id="{301CEE87-8C76-60A9-07E1-20067582FD0E}"/>
+              </a:ext>
+            </a:extLst>
+          </p:cNvPr>
+          <p:cNvSpPr>
+            <a:spLocks noGrp="1"/>
+          </p:cNvSpPr>
+          <p:nvPr>
+            <p:ph type="body" idx="1"/>
+          </p:nvPr>
+        </p:nvSpPr>
+        <p:spPr/>
+        <p:txBody>
+          <a:bodyPr/>
+          <a:lstStyle/>
+          <a:p>
+            <a:endParaRPr lang="zh-CN" altLang="en-US" dirty="0"/>
+          </a:p>
+        </p:txBody>
+      </p:sp>
+      <p:sp>
+        <p:nvSpPr>
+          <p:cNvPr id="4" name="Slide Number Placeholder 3">
+            <a:extLst>
+              <a:ext uri="{FF2B5EF4-FFF2-40B4-BE49-F238E27FC236}">
+                <a16:creationId xmlns:a16="http://schemas.microsoft.com/office/drawing/2014/main" id="{6B3AE16C-07DB-05F9-5CDD-6BC423E8D0D0}"/>
+              </a:ext>
+            </a:extLst>
+          </p:cNvPr>
+          <p:cNvSpPr>
+            <a:spLocks noGrp="1"/>
+          </p:cNvSpPr>
+          <p:nvPr>
+            <p:ph type="sldNum" idx="12"/>
+          </p:nvPr>
+        </p:nvSpPr>
+        <p:spPr/>
+        <p:txBody>
+          <a:bodyPr/>
+          <a:lstStyle/>
+          <a:p>
+            <a:pPr marL="0" lvl="0" indent="0" algn="l" rtl="0">
+              <a:spcBef>
+                <a:spcPts val="0"/>
+              </a:spcBef>
+              <a:spcAft>
+                <a:spcPts val="0"/>
+              </a:spcAft>
+              <a:buNone/>
+            </a:pPr>
+            <a:fld id="{00000000-1234-1234-1234-123412341234}" type="slidenum">
+              <a:rPr lang="en-US" smtClean="0"/>
+              <a:t>19</a:t>
+            </a:fld>
+            <a:endParaRPr lang="en-US"/>
+          </a:p>
+        </p:txBody>
+      </p:sp>
+    </p:spTree>
+    <p:extLst>
+      <p:ext uri="{BB962C8B-B14F-4D97-AF65-F5344CB8AC3E}">
+        <p14:creationId xmlns:p14="http://schemas.microsoft.com/office/powerpoint/2010/main" val="538862853"/>
+      </p:ext>
+    </p:extLst>
   </p:cSld>
   <p:clrMapOvr>
     <a:masterClrMapping/>
@@ -16751,45 +20134,9 @@
           <a:bodyPr/>
           <a:lstStyle/>
           <a:p>
-            <a:pPr algn="l"/>
-            <a:r>
-              <a:rPr lang="en-US" altLang="zh-CN" dirty="0">
-                <a:solidFill>
-                  <a:schemeClr val="tx1"/>
-                </a:solidFill>
-              </a:rPr>
-              <a:t>We choose </a:t>
-            </a:r>
-            <a:r>
-              <a:rPr lang="en-US" altLang="zh-CN" b="1" i="0" dirty="0">
-                <a:solidFill>
-                  <a:srgbClr val="1F2328"/>
-                </a:solidFill>
-                <a:effectLst/>
-                <a:latin typeface="-apple-system"/>
-              </a:rPr>
-              <a:t>Task 1: Object Detection in Images from </a:t>
-            </a:r>
-            <a:r>
-              <a:rPr lang="en-US" altLang="zh-CN" b="1" i="0" dirty="0" err="1">
-                <a:solidFill>
-                  <a:srgbClr val="1F2328"/>
-                </a:solidFill>
-                <a:effectLst/>
-                <a:latin typeface="-apple-system"/>
-              </a:rPr>
-              <a:t>VisDrone</a:t>
-            </a:r>
-            <a:r>
-              <a:rPr lang="en-US" altLang="zh-CN" b="1" i="0" dirty="0">
-                <a:solidFill>
-                  <a:srgbClr val="1F2328"/>
-                </a:solidFill>
-                <a:effectLst/>
-                <a:latin typeface="-apple-system"/>
-              </a:rPr>
-              <a:t> dataset </a:t>
-            </a:r>
+            <a:pPr marL="76200" indent="0" algn="l">
+              <a:buNone/>
+            </a:pPr>
             <a:endParaRPr lang="en-US" altLang="zh-CN" dirty="0"/>
           </a:p>
           <a:p>
@@ -16803,7 +20150,7 @@
                   <a:schemeClr val="tx1"/>
                 </a:solidFill>
               </a:rPr>
-              <a:t>Yolo command</a:t>
+              <a:t>Experimental comparison according to the papers</a:t>
             </a:r>
           </a:p>
           <a:p>
@@ -16817,7 +20164,7 @@
                   <a:schemeClr val="tx1"/>
                 </a:solidFill>
               </a:rPr>
-              <a:t>NSCC PBS script</a:t>
+              <a:t>Train the model based on some hyperparameters</a:t>
             </a:r>
           </a:p>
           <a:p>
@@ -16831,7 +20178,21 @@
                   <a:schemeClr val="tx1"/>
                 </a:solidFill>
               </a:rPr>
-              <a:t>Testing</a:t>
+              <a:t>Analysis of the different performance</a:t>
+            </a:r>
+          </a:p>
+          <a:p>
+            <a:pPr>
+              <a:buFontTx/>
+              <a:buChar char="-"/>
+            </a:pPr>
+            <a:r>
+              <a:rPr lang="en-US" altLang="zh-CN" dirty="0">
+                <a:solidFill>
+                  <a:schemeClr val="tx1"/>
+                </a:solidFill>
+              </a:rPr>
+              <a:t>Confusions</a:t>
             </a:r>
           </a:p>
         </p:txBody>
@@ -16880,6 +20241,455 @@
         <p14:creationId xmlns:p14="http://schemas.microsoft.com/office/powerpoint/2010/main" val="3008745589"/>
       </p:ext>
     </p:extLst>
+  </p:cSld>
+  <p:clrMapOvr>
+    <a:masterClrMapping/>
+  </p:clrMapOvr>
+</p:sld>
+</file>
+
+<file path=ppt/slides/slide20.xml><?xml version="1.0" encoding="utf-8"?>
+<p:sld xmlns:a="http://schemas.openxmlformats.org/drawingml/2006/main" xmlns:r="http://schemas.openxmlformats.org/officeDocument/2006/relationships" xmlns:p="http://schemas.openxmlformats.org/presentationml/2006/main">
+  <p:cSld>
+    <p:spTree>
+      <p:nvGrpSpPr>
+        <p:cNvPr id="1" name=""/>
+        <p:cNvGrpSpPr/>
+        <p:nvPr/>
+      </p:nvGrpSpPr>
+      <p:grpSpPr>
+        <a:xfrm>
+          <a:off x="0" y="0"/>
+          <a:ext cx="0" cy="0"/>
+          <a:chOff x="0" y="0"/>
+          <a:chExt cx="0" cy="0"/>
+        </a:xfrm>
+      </p:grpSpPr>
+      <p:sp>
+        <p:nvSpPr>
+          <p:cNvPr id="2" name="Title 1">
+            <a:extLst>
+              <a:ext uri="{FF2B5EF4-FFF2-40B4-BE49-F238E27FC236}">
+                <a16:creationId xmlns:a16="http://schemas.microsoft.com/office/drawing/2014/main" id="{76B99E71-F25F-426B-B477-D0A2635B72DB}"/>
+              </a:ext>
+            </a:extLst>
+          </p:cNvPr>
+          <p:cNvSpPr>
+            <a:spLocks noGrp="1"/>
+          </p:cNvSpPr>
+          <p:nvPr>
+            <p:ph type="title"/>
+          </p:nvPr>
+        </p:nvSpPr>
+        <p:spPr/>
+        <p:txBody>
+          <a:bodyPr/>
+          <a:lstStyle/>
+          <a:p>
+            <a:r>
+              <a:rPr lang="en-US" altLang="zh-CN" dirty="0"/>
+              <a:t>Confusions</a:t>
+            </a:r>
+            <a:br>
+              <a:rPr lang="en-US" altLang="zh-CN" dirty="0"/>
+            </a:br>
+            <a:endParaRPr lang="zh-CN" altLang="en-US" dirty="0"/>
+          </a:p>
+        </p:txBody>
+      </p:sp>
+      <p:sp>
+        <p:nvSpPr>
+          <p:cNvPr id="3" name="Text Placeholder 2">
+            <a:extLst>
+              <a:ext uri="{FF2B5EF4-FFF2-40B4-BE49-F238E27FC236}">
+                <a16:creationId xmlns:a16="http://schemas.microsoft.com/office/drawing/2014/main" id="{90BDF1C8-9070-BACE-B93B-24A6CDDBFE7C}"/>
+              </a:ext>
+            </a:extLst>
+          </p:cNvPr>
+          <p:cNvSpPr>
+            <a:spLocks noGrp="1"/>
+          </p:cNvSpPr>
+          <p:nvPr>
+            <p:ph type="body" idx="1"/>
+          </p:nvPr>
+        </p:nvSpPr>
+        <p:spPr>
+          <a:xfrm>
+            <a:off x="594359" y="2281918"/>
+            <a:ext cx="10965739" cy="3708517"/>
+          </a:xfrm>
+        </p:spPr>
+        <p:txBody>
+          <a:bodyPr/>
+          <a:lstStyle/>
+          <a:p>
+            <a:r>
+              <a:rPr lang="en-US" altLang="zh-CN" dirty="0"/>
+              <a:t>Phenomenon:</a:t>
+            </a:r>
+          </a:p>
+          <a:p>
+            <a:pPr marL="76200" indent="0">
+              <a:buNone/>
+            </a:pPr>
+            <a:r>
+              <a:rPr lang="en-US" altLang="zh-CN" dirty="0"/>
+              <a:t>	Even though we reselect the hyperparameters: image size = 1920, 	optimizer = ‘Adam’, learning rate = 0.001, epoch = 200, our 	testing result is still worse than the results shown in the paper</a:t>
+            </a:r>
+          </a:p>
+          <a:p>
+            <a:r>
+              <a:rPr lang="en-US" altLang="zh-CN" dirty="0"/>
+              <a:t>Q: What possible reasons cause this situation? </a:t>
+            </a:r>
+          </a:p>
+        </p:txBody>
+      </p:sp>
+      <p:sp>
+        <p:nvSpPr>
+          <p:cNvPr id="4" name="Slide Number Placeholder 3">
+            <a:extLst>
+              <a:ext uri="{FF2B5EF4-FFF2-40B4-BE49-F238E27FC236}">
+                <a16:creationId xmlns:a16="http://schemas.microsoft.com/office/drawing/2014/main" id="{18BAE405-07FC-3F29-0802-59FE3D970925}"/>
+              </a:ext>
+            </a:extLst>
+          </p:cNvPr>
+          <p:cNvSpPr>
+            <a:spLocks noGrp="1"/>
+          </p:cNvSpPr>
+          <p:nvPr>
+            <p:ph type="sldNum" idx="12"/>
+          </p:nvPr>
+        </p:nvSpPr>
+        <p:spPr/>
+        <p:txBody>
+          <a:bodyPr/>
+          <a:lstStyle/>
+          <a:p>
+            <a:pPr marL="0" lvl="0" indent="0" algn="l" rtl="0">
+              <a:spcBef>
+                <a:spcPts val="0"/>
+              </a:spcBef>
+              <a:spcAft>
+                <a:spcPts val="0"/>
+              </a:spcAft>
+              <a:buNone/>
+            </a:pPr>
+            <a:fld id="{00000000-1234-1234-1234-123412341234}" type="slidenum">
+              <a:rPr lang="en-US" smtClean="0"/>
+              <a:t>20</a:t>
+            </a:fld>
+            <a:endParaRPr lang="en-US"/>
+          </a:p>
+        </p:txBody>
+      </p:sp>
+    </p:spTree>
+    <p:extLst>
+      <p:ext uri="{BB962C8B-B14F-4D97-AF65-F5344CB8AC3E}">
+        <p14:creationId xmlns:p14="http://schemas.microsoft.com/office/powerpoint/2010/main" val="527616891"/>
+      </p:ext>
+    </p:extLst>
+  </p:cSld>
+  <p:clrMapOvr>
+    <a:masterClrMapping/>
+  </p:clrMapOvr>
+</p:sld>
+</file>
+
+<file path=ppt/slides/slide21.xml><?xml version="1.0" encoding="utf-8"?>
+<p:sld xmlns:a="http://schemas.openxmlformats.org/drawingml/2006/main" xmlns:r="http://schemas.openxmlformats.org/officeDocument/2006/relationships" xmlns:p="http://schemas.openxmlformats.org/presentationml/2006/main">
+  <p:cSld>
+    <p:spTree>
+      <p:nvGrpSpPr>
+        <p:cNvPr id="1" name="Shape 415"/>
+        <p:cNvGrpSpPr/>
+        <p:nvPr/>
+      </p:nvGrpSpPr>
+      <p:grpSpPr>
+        <a:xfrm>
+          <a:off x="0" y="0"/>
+          <a:ext cx="0" cy="0"/>
+          <a:chOff x="0" y="0"/>
+          <a:chExt cx="0" cy="0"/>
+        </a:xfrm>
+      </p:grpSpPr>
+      <p:sp>
+        <p:nvSpPr>
+          <p:cNvPr id="416" name="Google Shape;416;p12"/>
+          <p:cNvSpPr txBox="1"/>
+          <p:nvPr/>
+        </p:nvSpPr>
+        <p:spPr>
+          <a:xfrm>
+            <a:off x="840104" y="4205000"/>
+            <a:ext cx="5633400" cy="523200"/>
+          </a:xfrm>
+          <a:prstGeom prst="rect">
+            <a:avLst/>
+          </a:prstGeom>
+          <a:noFill/>
+          <a:ln>
+            <a:noFill/>
+          </a:ln>
+        </p:spPr>
+        <p:txBody>
+          <a:bodyPr spcFirstLastPara="1" wrap="square" lIns="91425" tIns="45700" rIns="91425" bIns="45700" anchor="t" anchorCtr="0">
+            <a:spAutoFit/>
+          </a:bodyPr>
+          <a:lstStyle/>
+          <a:p>
+            <a:pPr marL="0" marR="0" lvl="0" indent="0" algn="l" rtl="0">
+              <a:spcBef>
+                <a:spcPts val="0"/>
+              </a:spcBef>
+              <a:spcAft>
+                <a:spcPts val="0"/>
+              </a:spcAft>
+              <a:buNone/>
+            </a:pPr>
+            <a:r>
+              <a:rPr lang="en-US" sz="2800" dirty="0">
+                <a:solidFill>
+                  <a:schemeClr val="dk1"/>
+                </a:solidFill>
+                <a:latin typeface="Libre Franklin"/>
+                <a:ea typeface="Libre Franklin"/>
+                <a:cs typeface="Libre Franklin"/>
+                <a:sym typeface="Libre Franklin"/>
+              </a:rPr>
+              <a:t>Presented by UAV group </a:t>
+            </a:r>
+            <a:endParaRPr sz="2800" dirty="0">
+              <a:solidFill>
+                <a:schemeClr val="dk1"/>
+              </a:solidFill>
+              <a:latin typeface="Libre Franklin"/>
+              <a:ea typeface="Libre Franklin"/>
+              <a:cs typeface="Libre Franklin"/>
+              <a:sym typeface="Libre Franklin"/>
+            </a:endParaRPr>
+          </a:p>
+        </p:txBody>
+      </p:sp>
+      <p:sp>
+        <p:nvSpPr>
+          <p:cNvPr id="417" name="Google Shape;417;p12"/>
+          <p:cNvSpPr txBox="1">
+            <a:spLocks noGrp="1"/>
+          </p:cNvSpPr>
+          <p:nvPr>
+            <p:ph type="sldNum" idx="12"/>
+          </p:nvPr>
+        </p:nvSpPr>
+        <p:spPr>
+          <a:xfrm>
+            <a:off x="11409045" y="6333134"/>
+            <a:ext cx="731700" cy="525000"/>
+          </a:xfrm>
+          <a:prstGeom prst="rect">
+            <a:avLst/>
+          </a:prstGeom>
+        </p:spPr>
+        <p:txBody>
+          <a:bodyPr spcFirstLastPara="1" wrap="square" lIns="0" tIns="0" rIns="0" bIns="0" anchor="t" anchorCtr="0">
+            <a:noAutofit/>
+          </a:bodyPr>
+          <a:lstStyle/>
+          <a:p>
+            <a:pPr marL="0" lvl="0" indent="0" algn="r" rtl="0">
+              <a:spcBef>
+                <a:spcPts val="0"/>
+              </a:spcBef>
+              <a:spcAft>
+                <a:spcPts val="0"/>
+              </a:spcAft>
+              <a:buNone/>
+            </a:pPr>
+            <a:fld id="{00000000-1234-1234-1234-123412341234}" type="slidenum">
+              <a:rPr lang="en-US">
+                <a:solidFill>
+                  <a:srgbClr val="5D7C3F"/>
+                </a:solidFill>
+              </a:rPr>
+              <a:t>21</a:t>
+            </a:fld>
+            <a:endParaRPr>
+              <a:solidFill>
+                <a:srgbClr val="5D7C3F"/>
+              </a:solidFill>
+            </a:endParaRPr>
+          </a:p>
+        </p:txBody>
+      </p:sp>
+      <p:sp>
+        <p:nvSpPr>
+          <p:cNvPr id="418" name="Google Shape;418;p12"/>
+          <p:cNvSpPr txBox="1">
+            <a:spLocks noGrp="1"/>
+          </p:cNvSpPr>
+          <p:nvPr>
+            <p:ph type="ctrTitle"/>
+          </p:nvPr>
+        </p:nvSpPr>
+        <p:spPr>
+          <a:xfrm>
+            <a:off x="89761" y="381000"/>
+            <a:ext cx="12902100" cy="3291900"/>
+          </a:xfrm>
+          <a:prstGeom prst="rect">
+            <a:avLst/>
+          </a:prstGeom>
+          <a:noFill/>
+          <a:ln>
+            <a:noFill/>
+          </a:ln>
+          <a:effectLst>
+            <a:outerShdw blurRad="57150" dist="19050" dir="5400000" algn="bl" rotWithShape="0">
+              <a:srgbClr val="000000">
+                <a:alpha val="50000"/>
+              </a:srgbClr>
+            </a:outerShdw>
+          </a:effectLst>
+        </p:spPr>
+        <p:txBody>
+          <a:bodyPr spcFirstLastPara="1" wrap="square" lIns="0" tIns="0" rIns="0" bIns="0" anchor="b" anchorCtr="0">
+            <a:noAutofit/>
+          </a:bodyPr>
+          <a:lstStyle/>
+          <a:p>
+            <a:pPr marL="0" marR="0" lvl="0" indent="0" algn="l" rtl="0">
+              <a:lnSpc>
+                <a:spcPct val="80000"/>
+              </a:lnSpc>
+              <a:spcBef>
+                <a:spcPts val="0"/>
+              </a:spcBef>
+              <a:spcAft>
+                <a:spcPts val="0"/>
+              </a:spcAft>
+              <a:buClr>
+                <a:schemeClr val="dk1"/>
+              </a:buClr>
+              <a:buSzPts val="6600"/>
+              <a:buFont typeface="Times New Roman"/>
+              <a:buNone/>
+            </a:pPr>
+            <a:r>
+              <a:rPr lang="en-US" sz="14800" dirty="0">
+                <a:latin typeface="Libre Franklin"/>
+                <a:ea typeface="Libre Franklin"/>
+                <a:cs typeface="Libre Franklin"/>
+                <a:sym typeface="Libre Franklin"/>
+              </a:rPr>
+              <a:t>Thank Y   u! :) </a:t>
+            </a:r>
+            <a:endParaRPr sz="14800" i="0" u="none" strike="noStrike" cap="none" dirty="0">
+              <a:solidFill>
+                <a:schemeClr val="dk1"/>
+              </a:solidFill>
+              <a:latin typeface="Libre Franklin"/>
+              <a:ea typeface="Libre Franklin"/>
+              <a:cs typeface="Libre Franklin"/>
+              <a:sym typeface="Libre Franklin"/>
+            </a:endParaRPr>
+          </a:p>
+        </p:txBody>
+      </p:sp>
+      <p:pic>
+        <p:nvPicPr>
+          <p:cNvPr id="2" name="Picture 4" descr="VisDrone (VisDrone) · GitHub">
+            <a:extLst>
+              <a:ext uri="{FF2B5EF4-FFF2-40B4-BE49-F238E27FC236}">
+                <a16:creationId xmlns:a16="http://schemas.microsoft.com/office/drawing/2014/main" id="{C3FB9D4B-DE80-4958-0074-69D92766F49C}"/>
+              </a:ext>
+            </a:extLst>
+          </p:cNvPr>
+          <p:cNvPicPr>
+            <a:picLocks noChangeAspect="1" noChangeArrowheads="1"/>
+          </p:cNvPicPr>
+          <p:nvPr/>
+        </p:nvPicPr>
+        <p:blipFill>
+          <a:blip r:embed="rId3">
+            <a:extLst>
+              <a:ext uri="{28A0092B-C50C-407E-A947-70E740481C1C}">
+                <a14:useLocalDpi xmlns:a14="http://schemas.microsoft.com/office/drawing/2010/main" val="0"/>
+              </a:ext>
+            </a:extLst>
+          </a:blip>
+          <a:srcRect/>
+          <a:stretch>
+            <a:fillRect/>
+          </a:stretch>
+        </p:blipFill>
+        <p:spPr bwMode="auto">
+          <a:xfrm>
+            <a:off x="7462200" y="2202411"/>
+            <a:ext cx="1157693" cy="1157693"/>
+          </a:xfrm>
+          <a:prstGeom prst="rect">
+            <a:avLst/>
+          </a:prstGeom>
+          <a:noFill/>
+          <a:extLst>
+            <a:ext uri="{909E8E84-426E-40DD-AFC4-6F175D3DCCD1}">
+              <a14:hiddenFill xmlns:a14="http://schemas.microsoft.com/office/drawing/2010/main">
+                <a:solidFill>
+                  <a:srgbClr val="FFFFFF"/>
+                </a:solidFill>
+              </a14:hiddenFill>
+            </a:ext>
+          </a:extLst>
+        </p:spPr>
+      </p:pic>
+      <p:pic>
+        <p:nvPicPr>
+          <p:cNvPr id="3" name="Picture 2" descr="Ultralytics YOLO11 Has Arrived! Redefine What's Possible in AI!">
+            <a:extLst>
+              <a:ext uri="{FF2B5EF4-FFF2-40B4-BE49-F238E27FC236}">
+                <a16:creationId xmlns:a16="http://schemas.microsoft.com/office/drawing/2014/main" id="{7660E06B-CB0D-0951-264D-5D1B523581A8}"/>
+              </a:ext>
+            </a:extLst>
+          </p:cNvPr>
+          <p:cNvPicPr>
+            <a:picLocks noChangeAspect="1" noChangeArrowheads="1"/>
+          </p:cNvPicPr>
+          <p:nvPr/>
+        </p:nvPicPr>
+        <p:blipFill>
+          <a:blip r:embed="rId4">
+            <a:extLst>
+              <a:ext uri="{28A0092B-C50C-407E-A947-70E740481C1C}">
+                <a14:useLocalDpi xmlns:a14="http://schemas.microsoft.com/office/drawing/2010/main" val="0"/>
+              </a:ext>
+            </a:extLst>
+          </a:blip>
+          <a:srcRect/>
+          <a:stretch>
+            <a:fillRect/>
+          </a:stretch>
+        </p:blipFill>
+        <p:spPr bwMode="auto">
+          <a:xfrm>
+            <a:off x="6540811" y="3527549"/>
+            <a:ext cx="3753430" cy="2136340"/>
+          </a:xfrm>
+          <a:prstGeom prst="rect">
+            <a:avLst/>
+          </a:prstGeom>
+          <a:noFill/>
+          <a:extLst>
+            <a:ext uri="{909E8E84-426E-40DD-AFC4-6F175D3DCCD1}">
+              <a14:hiddenFill xmlns:a14="http://schemas.microsoft.com/office/drawing/2010/main">
+                <a:solidFill>
+                  <a:srgbClr val="FFFFFF"/>
+                </a:solidFill>
+              </a14:hiddenFill>
+            </a:ext>
+          </a:extLst>
+        </p:spPr>
+      </p:pic>
+    </p:spTree>
   </p:cSld>
   <p:clrMapOvr>
     <a:masterClrMapping/>
@@ -16909,7 +20719,7 @@
           <p:cNvPr id="2" name="Title 1">
             <a:extLst>
               <a:ext uri="{FF2B5EF4-FFF2-40B4-BE49-F238E27FC236}">
-                <a16:creationId xmlns:a16="http://schemas.microsoft.com/office/drawing/2014/main" id="{023C0982-75B5-7C86-BB1B-5F83BC6C206C}"/>
+                <a16:creationId xmlns:a16="http://schemas.microsoft.com/office/drawing/2014/main" id="{6C05565E-58EE-901D-534E-39C5F9A05580}"/>
               </a:ext>
             </a:extLst>
           </p:cNvPr>
@@ -16927,7 +20737,7 @@
           <a:p>
             <a:r>
               <a:rPr lang="en-US" altLang="zh-CN" dirty="0"/>
-              <a:t>Yolo command pattern</a:t>
+              <a:t>Experiment comparison</a:t>
             </a:r>
             <a:endParaRPr lang="zh-CN" altLang="en-US" dirty="0"/>
           </a:p>
@@ -16938,7 +20748,7 @@
           <p:cNvPr id="3" name="Text Placeholder 2">
             <a:extLst>
               <a:ext uri="{FF2B5EF4-FFF2-40B4-BE49-F238E27FC236}">
-                <a16:creationId xmlns:a16="http://schemas.microsoft.com/office/drawing/2014/main" id="{B184CDF4-E07F-1056-83AF-4CF25941EDA4}"/>
+                <a16:creationId xmlns:a16="http://schemas.microsoft.com/office/drawing/2014/main" id="{533A3EAD-0373-943E-FB8A-7576F67C6270}"/>
               </a:ext>
             </a:extLst>
           </p:cNvPr>
@@ -16949,72 +20759,14 @@
             <p:ph type="body" idx="1"/>
           </p:nvPr>
         </p:nvSpPr>
-        <p:spPr>
-          <a:xfrm>
-            <a:off x="594359" y="2281918"/>
-            <a:ext cx="6787747" cy="3708517"/>
-          </a:xfrm>
-        </p:spPr>
+        <p:spPr/>
         <p:txBody>
           <a:bodyPr/>
           <a:lstStyle/>
           <a:p>
             <a:r>
               <a:rPr lang="en-US" altLang="zh-CN" dirty="0"/>
-              <a:t>yolo TASK MODE ARGS</a:t>
-            </a:r>
-          </a:p>
-          <a:p>
-            <a:pPr lvl="1"/>
-            <a:r>
-              <a:rPr lang="en-US" altLang="zh-CN" dirty="0"/>
-              <a:t>TASK (optional) is one of {'segment', '</a:t>
-            </a:r>
-            <a:r>
-              <a:rPr lang="en-US" altLang="zh-CN" dirty="0" err="1"/>
-              <a:t>obb</a:t>
-            </a:r>
-            <a:r>
-              <a:rPr lang="en-US" altLang="zh-CN" dirty="0"/>
-              <a:t>', 'detect', 'classify', 'pose’}</a:t>
-            </a:r>
-          </a:p>
-          <a:p>
-            <a:pPr lvl="1"/>
-            <a:r>
-              <a:rPr lang="en-US" altLang="zh-CN" dirty="0"/>
-              <a:t>MODE (required) is one of {'predict', 'track', 'benchmark', '</a:t>
-            </a:r>
-            <a:r>
-              <a:rPr lang="en-US" altLang="zh-CN" dirty="0" err="1"/>
-              <a:t>val</a:t>
-            </a:r>
-            <a:r>
-              <a:rPr lang="en-US" altLang="zh-CN" dirty="0"/>
-              <a:t>', 'export', 'train'}</a:t>
-            </a:r>
-          </a:p>
-          <a:p>
-            <a:pPr lvl="1"/>
-            <a:r>
-              <a:rPr lang="en-US" altLang="zh-CN" dirty="0"/>
-              <a:t>ARGS (optional) are any number of custom '</a:t>
-            </a:r>
-            <a:r>
-              <a:rPr lang="en-US" altLang="zh-CN" dirty="0" err="1"/>
-              <a:t>arg</a:t>
-            </a:r>
-            <a:r>
-              <a:rPr lang="en-US" altLang="zh-CN" dirty="0"/>
-              <a:t>=value' pairs like '</a:t>
-            </a:r>
-            <a:r>
-              <a:rPr lang="en-US" altLang="zh-CN" dirty="0" err="1"/>
-              <a:t>imgsz</a:t>
-            </a:r>
-            <a:r>
-              <a:rPr lang="en-US" altLang="zh-CN" dirty="0"/>
-              <a:t>=320' that override defaults, each task and mode will have different corresponding argument such as the hyperparameters during training</a:t>
+              <a:t>Last week</a:t>
             </a:r>
             <a:endParaRPr lang="zh-CN" altLang="en-US" dirty="0"/>
           </a:p>
@@ -17025,7 +20777,7 @@
           <p:cNvPr id="4" name="Slide Number Placeholder 3">
             <a:extLst>
               <a:ext uri="{FF2B5EF4-FFF2-40B4-BE49-F238E27FC236}">
-                <a16:creationId xmlns:a16="http://schemas.microsoft.com/office/drawing/2014/main" id="{A17E42ED-54A5-5EC6-7FF2-FC56472072C2}"/>
+                <a16:creationId xmlns:a16="http://schemas.microsoft.com/office/drawing/2014/main" id="{B700FB45-306D-1357-B2CD-3511521857E6}"/>
               </a:ext>
             </a:extLst>
           </p:cNvPr>
@@ -17061,7 +20813,7 @@
     </p:spTree>
     <p:extLst>
       <p:ext uri="{BB962C8B-B14F-4D97-AF65-F5344CB8AC3E}">
-        <p14:creationId xmlns:p14="http://schemas.microsoft.com/office/powerpoint/2010/main" val="3676562063"/>
+        <p14:creationId xmlns:p14="http://schemas.microsoft.com/office/powerpoint/2010/main" val="1453977725"/>
       </p:ext>
     </p:extLst>
   </p:cSld>
@@ -17072,832 +20824,6 @@
 </file>
 
 <file path=ppt/slides/slide4.xml><?xml version="1.0" encoding="utf-8"?>
-<p:sld xmlns:a="http://schemas.openxmlformats.org/drawingml/2006/main" xmlns:r="http://schemas.openxmlformats.org/officeDocument/2006/relationships" xmlns:p="http://schemas.openxmlformats.org/presentationml/2006/main">
-  <p:cSld>
-    <p:spTree>
-      <p:nvGrpSpPr>
-        <p:cNvPr id="1" name=""/>
-        <p:cNvGrpSpPr/>
-        <p:nvPr/>
-      </p:nvGrpSpPr>
-      <p:grpSpPr>
-        <a:xfrm>
-          <a:off x="0" y="0"/>
-          <a:ext cx="0" cy="0"/>
-          <a:chOff x="0" y="0"/>
-          <a:chExt cx="0" cy="0"/>
-        </a:xfrm>
-      </p:grpSpPr>
-      <p:sp>
-        <p:nvSpPr>
-          <p:cNvPr id="2" name="Title 1">
-            <a:extLst>
-              <a:ext uri="{FF2B5EF4-FFF2-40B4-BE49-F238E27FC236}">
-                <a16:creationId xmlns:a16="http://schemas.microsoft.com/office/drawing/2014/main" id="{542C2163-9BC7-EF68-87CC-1207278B5078}"/>
-              </a:ext>
-            </a:extLst>
-          </p:cNvPr>
-          <p:cNvSpPr>
-            <a:spLocks noGrp="1"/>
-          </p:cNvSpPr>
-          <p:nvPr>
-            <p:ph type="title"/>
-          </p:nvPr>
-        </p:nvSpPr>
-        <p:spPr>
-          <a:xfrm>
-            <a:off x="467792" y="278129"/>
-            <a:ext cx="7564854" cy="612292"/>
-          </a:xfrm>
-        </p:spPr>
-        <p:txBody>
-          <a:bodyPr/>
-          <a:lstStyle/>
-          <a:p>
-            <a:r>
-              <a:rPr lang="en-US" altLang="zh-CN" dirty="0"/>
-              <a:t>NSCC PBS Script</a:t>
-            </a:r>
-            <a:endParaRPr lang="zh-CN" altLang="en-US" dirty="0"/>
-          </a:p>
-        </p:txBody>
-      </p:sp>
-      <p:sp>
-        <p:nvSpPr>
-          <p:cNvPr id="3" name="Text Placeholder 2">
-            <a:extLst>
-              <a:ext uri="{FF2B5EF4-FFF2-40B4-BE49-F238E27FC236}">
-                <a16:creationId xmlns:a16="http://schemas.microsoft.com/office/drawing/2014/main" id="{B799C069-8985-C5C3-B11E-B3968D6F8D4E}"/>
-              </a:ext>
-            </a:extLst>
-          </p:cNvPr>
-          <p:cNvSpPr>
-            <a:spLocks noGrp="1"/>
-          </p:cNvSpPr>
-          <p:nvPr>
-            <p:ph type="body" idx="1"/>
-          </p:nvPr>
-        </p:nvSpPr>
-        <p:spPr>
-          <a:xfrm>
-            <a:off x="467792" y="545307"/>
-            <a:ext cx="6787747" cy="3708517"/>
-          </a:xfrm>
-        </p:spPr>
-        <p:txBody>
-          <a:bodyPr/>
-          <a:lstStyle/>
-          <a:p>
-            <a:r>
-              <a:rPr lang="en-US" altLang="zh-CN" dirty="0"/>
-              <a:t>We learn the basic PBS command and how to submit the .pbs job script file to the scheduler</a:t>
-            </a:r>
-          </a:p>
-          <a:p>
-            <a:endParaRPr lang="zh-CN" altLang="en-US" dirty="0"/>
-          </a:p>
-        </p:txBody>
-      </p:sp>
-      <p:sp>
-        <p:nvSpPr>
-          <p:cNvPr id="4" name="Slide Number Placeholder 3">
-            <a:extLst>
-              <a:ext uri="{FF2B5EF4-FFF2-40B4-BE49-F238E27FC236}">
-                <a16:creationId xmlns:a16="http://schemas.microsoft.com/office/drawing/2014/main" id="{7EC6F59D-C4E6-F07A-CA52-2162D7E2CE23}"/>
-              </a:ext>
-            </a:extLst>
-          </p:cNvPr>
-          <p:cNvSpPr>
-            <a:spLocks noGrp="1"/>
-          </p:cNvSpPr>
-          <p:nvPr>
-            <p:ph type="sldNum" idx="12"/>
-          </p:nvPr>
-        </p:nvSpPr>
-        <p:spPr/>
-        <p:txBody>
-          <a:bodyPr/>
-          <a:lstStyle/>
-          <a:p>
-            <a:pPr marL="0" lvl="0" indent="0" algn="l" rtl="0">
-              <a:spcBef>
-                <a:spcPts val="0"/>
-              </a:spcBef>
-              <a:spcAft>
-                <a:spcPts val="0"/>
-              </a:spcAft>
-              <a:buNone/>
-            </a:pPr>
-            <a:fld id="{00000000-1234-1234-1234-123412341234}" type="slidenum">
-              <a:rPr lang="en-US" smtClean="0"/>
-              <a:t>4</a:t>
-            </a:fld>
-            <a:endParaRPr lang="en-US"/>
-          </a:p>
-        </p:txBody>
-      </p:sp>
-      <p:pic>
-        <p:nvPicPr>
-          <p:cNvPr id="6" name="Picture 5">
-            <a:extLst>
-              <a:ext uri="{FF2B5EF4-FFF2-40B4-BE49-F238E27FC236}">
-                <a16:creationId xmlns:a16="http://schemas.microsoft.com/office/drawing/2014/main" id="{7C93CEDE-2EDC-465F-B0CD-48CD53FCFADC}"/>
-              </a:ext>
-            </a:extLst>
-          </p:cNvPr>
-          <p:cNvPicPr>
-            <a:picLocks noChangeAspect="1"/>
-          </p:cNvPicPr>
-          <p:nvPr/>
-        </p:nvPicPr>
-        <p:blipFill>
-          <a:blip r:embed="rId2"/>
-          <a:srcRect r="836" b="48299"/>
-          <a:stretch/>
-        </p:blipFill>
-        <p:spPr>
-          <a:xfrm>
-            <a:off x="594360" y="2349018"/>
-            <a:ext cx="7501613" cy="1524946"/>
-          </a:xfrm>
-          <a:prstGeom prst="rect">
-            <a:avLst/>
-          </a:prstGeom>
-        </p:spPr>
-      </p:pic>
-      <p:pic>
-        <p:nvPicPr>
-          <p:cNvPr id="8" name="Picture 7">
-            <a:extLst>
-              <a:ext uri="{FF2B5EF4-FFF2-40B4-BE49-F238E27FC236}">
-                <a16:creationId xmlns:a16="http://schemas.microsoft.com/office/drawing/2014/main" id="{586F8C36-EAFC-6BA7-932D-86C687766460}"/>
-              </a:ext>
-            </a:extLst>
-          </p:cNvPr>
-          <p:cNvPicPr>
-            <a:picLocks noChangeAspect="1"/>
-          </p:cNvPicPr>
-          <p:nvPr/>
-        </p:nvPicPr>
-        <p:blipFill>
-          <a:blip r:embed="rId3"/>
-          <a:stretch>
-            <a:fillRect/>
-          </a:stretch>
-        </p:blipFill>
-        <p:spPr>
-          <a:xfrm>
-            <a:off x="595589" y="3873964"/>
-            <a:ext cx="7080167" cy="2113073"/>
-          </a:xfrm>
-          <a:prstGeom prst="rect">
-            <a:avLst/>
-          </a:prstGeom>
-        </p:spPr>
-      </p:pic>
-    </p:spTree>
-    <p:extLst>
-      <p:ext uri="{BB962C8B-B14F-4D97-AF65-F5344CB8AC3E}">
-        <p14:creationId xmlns:p14="http://schemas.microsoft.com/office/powerpoint/2010/main" val="1046130915"/>
-      </p:ext>
-    </p:extLst>
-  </p:cSld>
-  <p:clrMapOvr>
-    <a:masterClrMapping/>
-  </p:clrMapOvr>
-</p:sld>
-</file>
-
-<file path=ppt/slides/slide5.xml><?xml version="1.0" encoding="utf-8"?>
-<p:sld xmlns:a="http://schemas.openxmlformats.org/drawingml/2006/main" xmlns:r="http://schemas.openxmlformats.org/officeDocument/2006/relationships" xmlns:p="http://schemas.openxmlformats.org/presentationml/2006/main">
-  <p:cSld>
-    <p:spTree>
-      <p:nvGrpSpPr>
-        <p:cNvPr id="1" name=""/>
-        <p:cNvGrpSpPr/>
-        <p:nvPr/>
-      </p:nvGrpSpPr>
-      <p:grpSpPr>
-        <a:xfrm>
-          <a:off x="0" y="0"/>
-          <a:ext cx="0" cy="0"/>
-          <a:chOff x="0" y="0"/>
-          <a:chExt cx="0" cy="0"/>
-        </a:xfrm>
-      </p:grpSpPr>
-      <p:sp>
-        <p:nvSpPr>
-          <p:cNvPr id="2" name="Title 1">
-            <a:extLst>
-              <a:ext uri="{FF2B5EF4-FFF2-40B4-BE49-F238E27FC236}">
-                <a16:creationId xmlns:a16="http://schemas.microsoft.com/office/drawing/2014/main" id="{96DA5526-7B5D-A129-71F4-26815413D343}"/>
-              </a:ext>
-            </a:extLst>
-          </p:cNvPr>
-          <p:cNvSpPr>
-            <a:spLocks noGrp="1"/>
-          </p:cNvSpPr>
-          <p:nvPr>
-            <p:ph type="title"/>
-          </p:nvPr>
-        </p:nvSpPr>
-        <p:spPr/>
-        <p:txBody>
-          <a:bodyPr/>
-          <a:lstStyle/>
-          <a:p>
-            <a:r>
-              <a:rPr lang="en-US" altLang="zh-CN"/>
-              <a:t>Testing </a:t>
-            </a:r>
-            <a:r>
-              <a:rPr lang="en-US" altLang="zh-CN" dirty="0"/>
-              <a:t>r</a:t>
-            </a:r>
-            <a:r>
-              <a:rPr lang="en-US" altLang="zh-CN"/>
-              <a:t>esult </a:t>
-            </a:r>
-            <a:endParaRPr lang="zh-CN" altLang="en-US" dirty="0"/>
-          </a:p>
-        </p:txBody>
-      </p:sp>
-      <p:sp>
-        <p:nvSpPr>
-          <p:cNvPr id="3" name="Text Placeholder 2">
-            <a:extLst>
-              <a:ext uri="{FF2B5EF4-FFF2-40B4-BE49-F238E27FC236}">
-                <a16:creationId xmlns:a16="http://schemas.microsoft.com/office/drawing/2014/main" id="{BC52F95F-E819-B00C-8A88-85C2036B853B}"/>
-              </a:ext>
-            </a:extLst>
-          </p:cNvPr>
-          <p:cNvSpPr>
-            <a:spLocks noGrp="1"/>
-          </p:cNvSpPr>
-          <p:nvPr>
-            <p:ph type="body" idx="1"/>
-          </p:nvPr>
-        </p:nvSpPr>
-        <p:spPr>
-          <a:xfrm>
-            <a:off x="594359" y="2281918"/>
-            <a:ext cx="10737670" cy="3708517"/>
-          </a:xfrm>
-        </p:spPr>
-        <p:txBody>
-          <a:bodyPr/>
-          <a:lstStyle/>
-          <a:p>
-            <a:r>
-              <a:rPr lang="en-US" altLang="zh-CN" dirty="0"/>
-              <a:t>We test five yolo11 object detection model given by </a:t>
-            </a:r>
-            <a:r>
-              <a:rPr lang="en-US" altLang="zh-CN" dirty="0" err="1"/>
-              <a:t>ultralytics</a:t>
-            </a:r>
-            <a:r>
-              <a:rPr lang="en-US" altLang="zh-CN" dirty="0"/>
-              <a:t> </a:t>
-            </a:r>
-          </a:p>
-          <a:p>
-            <a:endParaRPr lang="zh-CN" altLang="en-US" dirty="0"/>
-          </a:p>
-        </p:txBody>
-      </p:sp>
-      <p:sp>
-        <p:nvSpPr>
-          <p:cNvPr id="4" name="Slide Number Placeholder 3">
-            <a:extLst>
-              <a:ext uri="{FF2B5EF4-FFF2-40B4-BE49-F238E27FC236}">
-                <a16:creationId xmlns:a16="http://schemas.microsoft.com/office/drawing/2014/main" id="{C3D129D5-BA25-578C-9560-4B8297BD50F6}"/>
-              </a:ext>
-            </a:extLst>
-          </p:cNvPr>
-          <p:cNvSpPr>
-            <a:spLocks noGrp="1"/>
-          </p:cNvSpPr>
-          <p:nvPr>
-            <p:ph type="sldNum" idx="12"/>
-          </p:nvPr>
-        </p:nvSpPr>
-        <p:spPr/>
-        <p:txBody>
-          <a:bodyPr/>
-          <a:lstStyle/>
-          <a:p>
-            <a:pPr marL="0" lvl="0" indent="0" algn="l" rtl="0">
-              <a:spcBef>
-                <a:spcPts val="0"/>
-              </a:spcBef>
-              <a:spcAft>
-                <a:spcPts val="0"/>
-              </a:spcAft>
-              <a:buNone/>
-            </a:pPr>
-            <a:fld id="{00000000-1234-1234-1234-123412341234}" type="slidenum">
-              <a:rPr lang="en-US" smtClean="0"/>
-              <a:t>5</a:t>
-            </a:fld>
-            <a:endParaRPr lang="en-US"/>
-          </a:p>
-        </p:txBody>
-      </p:sp>
-      <p:pic>
-        <p:nvPicPr>
-          <p:cNvPr id="6" name="Picture 5">
-            <a:extLst>
-              <a:ext uri="{FF2B5EF4-FFF2-40B4-BE49-F238E27FC236}">
-                <a16:creationId xmlns:a16="http://schemas.microsoft.com/office/drawing/2014/main" id="{E83AA61C-BB4B-A361-50FC-3ED0C61F1870}"/>
-              </a:ext>
-            </a:extLst>
-          </p:cNvPr>
-          <p:cNvPicPr>
-            <a:picLocks noChangeAspect="1"/>
-          </p:cNvPicPr>
-          <p:nvPr/>
-        </p:nvPicPr>
-        <p:blipFill>
-          <a:blip r:embed="rId2"/>
-          <a:stretch>
-            <a:fillRect/>
-          </a:stretch>
-        </p:blipFill>
-        <p:spPr>
-          <a:xfrm>
-            <a:off x="2471576" y="3191682"/>
-            <a:ext cx="6324081" cy="3476746"/>
-          </a:xfrm>
-          <a:prstGeom prst="rect">
-            <a:avLst/>
-          </a:prstGeom>
-        </p:spPr>
-      </p:pic>
-    </p:spTree>
-    <p:extLst>
-      <p:ext uri="{BB962C8B-B14F-4D97-AF65-F5344CB8AC3E}">
-        <p14:creationId xmlns:p14="http://schemas.microsoft.com/office/powerpoint/2010/main" val="3107998144"/>
-      </p:ext>
-    </p:extLst>
-  </p:cSld>
-  <p:clrMapOvr>
-    <a:masterClrMapping/>
-  </p:clrMapOvr>
-</p:sld>
-</file>
-
-<file path=ppt/slides/slide6.xml><?xml version="1.0" encoding="utf-8"?>
-<p:sld xmlns:a="http://schemas.openxmlformats.org/drawingml/2006/main" xmlns:r="http://schemas.openxmlformats.org/officeDocument/2006/relationships" xmlns:p="http://schemas.openxmlformats.org/presentationml/2006/main">
-  <p:cSld>
-    <p:spTree>
-      <p:nvGrpSpPr>
-        <p:cNvPr id="1" name=""/>
-        <p:cNvGrpSpPr/>
-        <p:nvPr/>
-      </p:nvGrpSpPr>
-      <p:grpSpPr>
-        <a:xfrm>
-          <a:off x="0" y="0"/>
-          <a:ext cx="0" cy="0"/>
-          <a:chOff x="0" y="0"/>
-          <a:chExt cx="0" cy="0"/>
-        </a:xfrm>
-      </p:grpSpPr>
-      <p:sp>
-        <p:nvSpPr>
-          <p:cNvPr id="2" name="Title 1">
-            <a:extLst>
-              <a:ext uri="{FF2B5EF4-FFF2-40B4-BE49-F238E27FC236}">
-                <a16:creationId xmlns:a16="http://schemas.microsoft.com/office/drawing/2014/main" id="{31509A21-40B4-CB35-B5D3-91BC0DC34C63}"/>
-              </a:ext>
-            </a:extLst>
-          </p:cNvPr>
-          <p:cNvSpPr>
-            <a:spLocks noGrp="1"/>
-          </p:cNvSpPr>
-          <p:nvPr>
-            <p:ph type="title"/>
-          </p:nvPr>
-        </p:nvSpPr>
-        <p:spPr/>
-        <p:txBody>
-          <a:bodyPr/>
-          <a:lstStyle/>
-          <a:p>
-            <a:r>
-              <a:rPr lang="en-US" altLang="zh-CN" dirty="0"/>
-              <a:t>What can be considered good performance?</a:t>
-            </a:r>
-            <a:endParaRPr lang="zh-CN" altLang="en-US" dirty="0"/>
-          </a:p>
-        </p:txBody>
-      </p:sp>
-      <p:sp>
-        <p:nvSpPr>
-          <p:cNvPr id="3" name="Text Placeholder 2">
-            <a:extLst>
-              <a:ext uri="{FF2B5EF4-FFF2-40B4-BE49-F238E27FC236}">
-                <a16:creationId xmlns:a16="http://schemas.microsoft.com/office/drawing/2014/main" id="{F8A8FF65-8F5A-3529-DF8C-C2FE2A39DE57}"/>
-              </a:ext>
-            </a:extLst>
-          </p:cNvPr>
-          <p:cNvSpPr>
-            <a:spLocks noGrp="1"/>
-          </p:cNvSpPr>
-          <p:nvPr>
-            <p:ph type="body" idx="1"/>
-          </p:nvPr>
-        </p:nvSpPr>
-        <p:spPr>
-          <a:xfrm>
-            <a:off x="594359" y="2281918"/>
-            <a:ext cx="11478695" cy="4297953"/>
-          </a:xfrm>
-        </p:spPr>
-        <p:txBody>
-          <a:bodyPr>
-            <a:normAutofit/>
-          </a:bodyPr>
-          <a:lstStyle/>
-          <a:p>
-            <a:pPr>
-              <a:buFontTx/>
-              <a:buChar char="-"/>
-            </a:pPr>
-            <a:r>
-              <a:rPr lang="en-US" altLang="zh-CN" dirty="0"/>
-              <a:t>For good performance</a:t>
-            </a:r>
-          </a:p>
-          <a:p>
-            <a:pPr lvl="1">
-              <a:buFontTx/>
-              <a:buChar char="-"/>
-            </a:pPr>
-            <a:r>
-              <a:rPr lang="en-US" altLang="zh-CN" dirty="0"/>
-              <a:t>P (Precision, Accuracy for positive prediction): Higher is better. </a:t>
-            </a:r>
-          </a:p>
-          <a:p>
-            <a:pPr lvl="1">
-              <a:buFontTx/>
-              <a:buChar char="-"/>
-            </a:pPr>
-            <a:r>
-              <a:rPr lang="en-US" altLang="zh-CN" dirty="0"/>
-              <a:t>R (Recall or Sensitivity): Higher is better. </a:t>
-            </a:r>
-          </a:p>
-          <a:p>
-            <a:pPr lvl="1">
-              <a:buFontTx/>
-              <a:buChar char="-"/>
-            </a:pPr>
-            <a:r>
-              <a:rPr lang="en-US" altLang="zh-CN" dirty="0"/>
-              <a:t>mAP50(mean Average Precision based on </a:t>
-            </a:r>
-            <a:r>
-              <a:rPr lang="en-US" altLang="zh-CN" dirty="0" err="1"/>
-              <a:t>IoU</a:t>
-            </a:r>
-            <a:r>
-              <a:rPr lang="en-US" altLang="zh-CN" dirty="0"/>
-              <a:t>=0.5): Higher is generally better, indicating more accurate detections. Aiming for 0.5 (50%) and above is considered good in many applications, though it heavily depends on the difficulty of the task.</a:t>
-            </a:r>
-          </a:p>
-          <a:p>
-            <a:pPr lvl="1">
-              <a:buFontTx/>
-              <a:buChar char="-"/>
-            </a:pPr>
-            <a:r>
-              <a:rPr lang="en-US" altLang="zh-CN" dirty="0"/>
-              <a:t>mAP50-95(the average of the average): This is stricter. Values above 0.3 (30%) can be good, especially on complex datasets, but strive for as high as you can.</a:t>
-            </a:r>
-            <a:endParaRPr lang="zh-CN" altLang="en-US" dirty="0"/>
-          </a:p>
-        </p:txBody>
-      </p:sp>
-      <p:sp>
-        <p:nvSpPr>
-          <p:cNvPr id="4" name="Slide Number Placeholder 3">
-            <a:extLst>
-              <a:ext uri="{FF2B5EF4-FFF2-40B4-BE49-F238E27FC236}">
-                <a16:creationId xmlns:a16="http://schemas.microsoft.com/office/drawing/2014/main" id="{6279E91B-8962-371F-448C-B6CB36629175}"/>
-              </a:ext>
-            </a:extLst>
-          </p:cNvPr>
-          <p:cNvSpPr>
-            <a:spLocks noGrp="1"/>
-          </p:cNvSpPr>
-          <p:nvPr>
-            <p:ph type="sldNum" idx="12"/>
-          </p:nvPr>
-        </p:nvSpPr>
-        <p:spPr/>
-        <p:txBody>
-          <a:bodyPr/>
-          <a:lstStyle/>
-          <a:p>
-            <a:pPr marL="0" lvl="0" indent="0" algn="l" rtl="0">
-              <a:spcBef>
-                <a:spcPts val="0"/>
-              </a:spcBef>
-              <a:spcAft>
-                <a:spcPts val="0"/>
-              </a:spcAft>
-              <a:buNone/>
-            </a:pPr>
-            <a:fld id="{00000000-1234-1234-1234-123412341234}" type="slidenum">
-              <a:rPr lang="en-US" smtClean="0"/>
-              <a:t>6</a:t>
-            </a:fld>
-            <a:endParaRPr lang="en-US"/>
-          </a:p>
-        </p:txBody>
-      </p:sp>
-    </p:spTree>
-    <p:extLst>
-      <p:ext uri="{BB962C8B-B14F-4D97-AF65-F5344CB8AC3E}">
-        <p14:creationId xmlns:p14="http://schemas.microsoft.com/office/powerpoint/2010/main" val="2674906506"/>
-      </p:ext>
-    </p:extLst>
-  </p:cSld>
-  <p:clrMapOvr>
-    <a:masterClrMapping/>
-  </p:clrMapOvr>
-</p:sld>
-</file>
-
-<file path=ppt/slides/slide7.xml><?xml version="1.0" encoding="utf-8"?>
-<p:sld xmlns:a="http://schemas.openxmlformats.org/drawingml/2006/main" xmlns:r="http://schemas.openxmlformats.org/officeDocument/2006/relationships" xmlns:p="http://schemas.openxmlformats.org/presentationml/2006/main">
-  <p:cSld>
-    <p:spTree>
-      <p:nvGrpSpPr>
-        <p:cNvPr id="1" name=""/>
-        <p:cNvGrpSpPr/>
-        <p:nvPr/>
-      </p:nvGrpSpPr>
-      <p:grpSpPr>
-        <a:xfrm>
-          <a:off x="0" y="0"/>
-          <a:ext cx="0" cy="0"/>
-          <a:chOff x="0" y="0"/>
-          <a:chExt cx="0" cy="0"/>
-        </a:xfrm>
-      </p:grpSpPr>
-      <p:sp>
-        <p:nvSpPr>
-          <p:cNvPr id="2" name="Title 1">
-            <a:extLst>
-              <a:ext uri="{FF2B5EF4-FFF2-40B4-BE49-F238E27FC236}">
-                <a16:creationId xmlns:a16="http://schemas.microsoft.com/office/drawing/2014/main" id="{49F55F43-E026-B48B-4A2B-98C3830BC2BE}"/>
-              </a:ext>
-            </a:extLst>
-          </p:cNvPr>
-          <p:cNvSpPr>
-            <a:spLocks noGrp="1"/>
-          </p:cNvSpPr>
-          <p:nvPr>
-            <p:ph type="title"/>
-          </p:nvPr>
-        </p:nvSpPr>
-        <p:spPr/>
-        <p:txBody>
-          <a:bodyPr/>
-          <a:lstStyle/>
-          <a:p>
-            <a:r>
-              <a:rPr lang="en-US" altLang="zh-CN" dirty="0"/>
-              <a:t>Testing results</a:t>
-            </a:r>
-            <a:endParaRPr lang="zh-CN" altLang="en-US" dirty="0"/>
-          </a:p>
-        </p:txBody>
-      </p:sp>
-      <p:sp>
-        <p:nvSpPr>
-          <p:cNvPr id="3" name="Text Placeholder 2">
-            <a:extLst>
-              <a:ext uri="{FF2B5EF4-FFF2-40B4-BE49-F238E27FC236}">
-                <a16:creationId xmlns:a16="http://schemas.microsoft.com/office/drawing/2014/main" id="{1918D636-120D-1395-42BC-8029E8627E73}"/>
-              </a:ext>
-            </a:extLst>
-          </p:cNvPr>
-          <p:cNvSpPr>
-            <a:spLocks noGrp="1"/>
-          </p:cNvSpPr>
-          <p:nvPr>
-            <p:ph type="body" idx="1"/>
-          </p:nvPr>
-        </p:nvSpPr>
-        <p:spPr>
-          <a:xfrm>
-            <a:off x="594359" y="2281918"/>
-            <a:ext cx="11359748" cy="3708517"/>
-          </a:xfrm>
-        </p:spPr>
-        <p:txBody>
-          <a:bodyPr>
-            <a:normAutofit lnSpcReduction="10000"/>
-          </a:bodyPr>
-          <a:lstStyle/>
-          <a:p>
-            <a:pPr>
-              <a:buFontTx/>
-              <a:buChar char="-"/>
-            </a:pPr>
-            <a:r>
-              <a:rPr lang="en-US" altLang="zh-CN" dirty="0">
-                <a:solidFill>
-                  <a:schemeClr val="tx1"/>
-                </a:solidFill>
-              </a:rPr>
-              <a:t>Testing results of fine-tuned `yolo11n`, `yolo11s`, `yolo11m`, `yolo11l`, `yolo11x`</a:t>
-            </a:r>
-          </a:p>
-          <a:p>
-            <a:pPr lvl="1">
-              <a:buFontTx/>
-              <a:buChar char="-"/>
-            </a:pPr>
-            <a:r>
-              <a:rPr lang="en-US" altLang="zh-CN" dirty="0"/>
-              <a:t>All use `yolo detect train model=xxx.pt data=</a:t>
-            </a:r>
-            <a:r>
-              <a:rPr lang="en-US" altLang="zh-CN" dirty="0" err="1"/>
-              <a:t>VisDrone.yaml</a:t>
-            </a:r>
-            <a:r>
-              <a:rPr lang="en-US" altLang="zh-CN" dirty="0"/>
-              <a:t> batch=64 epochs=100 device=0,1,2,3 </a:t>
-            </a:r>
-            <a:r>
-              <a:rPr lang="en-US" altLang="zh-CN" dirty="0" err="1"/>
-              <a:t>imgsz</a:t>
-            </a:r>
-            <a:r>
-              <a:rPr lang="en-US" altLang="zh-CN" dirty="0"/>
-              <a:t>=640 ` to train</a:t>
-            </a:r>
-          </a:p>
-          <a:p>
-            <a:pPr lvl="1">
-              <a:buFontTx/>
-              <a:buChar char="-"/>
-            </a:pPr>
-            <a:r>
-              <a:rPr lang="en-US" altLang="zh-CN" dirty="0">
-                <a:latin typeface="+mn-lt"/>
-              </a:rPr>
-              <a:t>All use `</a:t>
-            </a:r>
-            <a:r>
-              <a:rPr lang="en-US" altLang="zh-CN" dirty="0">
-                <a:solidFill>
-                  <a:schemeClr val="tx1"/>
-                </a:solidFill>
-                <a:latin typeface="+mn-lt"/>
-              </a:rPr>
-              <a:t>yolo detect </a:t>
-            </a:r>
-            <a:r>
-              <a:rPr lang="en-US" altLang="zh-CN" dirty="0" err="1">
-                <a:solidFill>
-                  <a:schemeClr val="tx1"/>
-                </a:solidFill>
-                <a:latin typeface="+mn-lt"/>
-              </a:rPr>
-              <a:t>val</a:t>
-            </a:r>
-            <a:r>
-              <a:rPr lang="en-US" altLang="zh-CN" dirty="0">
-                <a:solidFill>
-                  <a:schemeClr val="tx1"/>
-                </a:solidFill>
-                <a:latin typeface="+mn-lt"/>
-              </a:rPr>
-              <a:t> model=/home/users/ntu/khu005/scratch/project/yolo11*/runs/detect/train/weights/best.pt data=</a:t>
-            </a:r>
-            <a:r>
-              <a:rPr lang="en-US" altLang="zh-CN" dirty="0" err="1">
-                <a:solidFill>
-                  <a:schemeClr val="tx1"/>
-                </a:solidFill>
-                <a:latin typeface="+mn-lt"/>
-              </a:rPr>
-              <a:t>VisDrone-test.yaml</a:t>
-            </a:r>
-            <a:r>
-              <a:rPr lang="en-US" altLang="zh-CN" dirty="0">
-                <a:solidFill>
-                  <a:schemeClr val="tx1"/>
-                </a:solidFill>
-                <a:latin typeface="+mn-lt"/>
-              </a:rPr>
-              <a:t> batch=64 epochs=100 device=0,1,2,3 </a:t>
-            </a:r>
-            <a:r>
-              <a:rPr lang="en-US" altLang="zh-CN" dirty="0" err="1">
-                <a:solidFill>
-                  <a:schemeClr val="tx1"/>
-                </a:solidFill>
-                <a:latin typeface="+mn-lt"/>
-              </a:rPr>
-              <a:t>imgsz</a:t>
-            </a:r>
-            <a:r>
-              <a:rPr lang="en-US" altLang="zh-CN" dirty="0">
-                <a:solidFill>
-                  <a:schemeClr val="tx1"/>
-                </a:solidFill>
-                <a:latin typeface="+mn-lt"/>
-              </a:rPr>
-              <a:t>=640` to test</a:t>
-            </a:r>
-          </a:p>
-          <a:p>
-            <a:pPr>
-              <a:buFontTx/>
-              <a:buChar char="-"/>
-            </a:pPr>
-            <a:r>
-              <a:rPr lang="en-US" altLang="zh-CN" dirty="0">
-                <a:solidFill>
-                  <a:schemeClr val="tx1"/>
-                </a:solidFill>
-              </a:rPr>
-              <a:t>Change the epochs of `yolo11x` to see the difference of training results and testing results</a:t>
-            </a:r>
-          </a:p>
-          <a:p>
-            <a:pPr lvl="1">
-              <a:buFontTx/>
-              <a:buChar char="-"/>
-            </a:pPr>
-            <a:r>
-              <a:rPr lang="en-US" altLang="zh-CN" dirty="0"/>
-              <a:t> change training epochs to 200 </a:t>
-            </a:r>
-          </a:p>
-        </p:txBody>
-      </p:sp>
-      <p:sp>
-        <p:nvSpPr>
-          <p:cNvPr id="4" name="Slide Number Placeholder 3">
-            <a:extLst>
-              <a:ext uri="{FF2B5EF4-FFF2-40B4-BE49-F238E27FC236}">
-                <a16:creationId xmlns:a16="http://schemas.microsoft.com/office/drawing/2014/main" id="{3D0FC2B9-7677-C78A-8791-F8A980BD5FC7}"/>
-              </a:ext>
-            </a:extLst>
-          </p:cNvPr>
-          <p:cNvSpPr>
-            <a:spLocks noGrp="1"/>
-          </p:cNvSpPr>
-          <p:nvPr>
-            <p:ph type="sldNum" idx="12"/>
-          </p:nvPr>
-        </p:nvSpPr>
-        <p:spPr/>
-        <p:txBody>
-          <a:bodyPr/>
-          <a:lstStyle/>
-          <a:p>
-            <a:pPr marL="0" lvl="0" indent="0" algn="l" rtl="0">
-              <a:spcBef>
-                <a:spcPts val="0"/>
-              </a:spcBef>
-              <a:spcAft>
-                <a:spcPts val="0"/>
-              </a:spcAft>
-              <a:buNone/>
-            </a:pPr>
-            <a:fld id="{00000000-1234-1234-1234-123412341234}" type="slidenum">
-              <a:rPr lang="en-US" smtClean="0"/>
-              <a:t>7</a:t>
-            </a:fld>
-            <a:endParaRPr lang="en-US"/>
-          </a:p>
-        </p:txBody>
-      </p:sp>
-    </p:spTree>
-    <p:extLst>
-      <p:ext uri="{BB962C8B-B14F-4D97-AF65-F5344CB8AC3E}">
-        <p14:creationId xmlns:p14="http://schemas.microsoft.com/office/powerpoint/2010/main" val="1747516619"/>
-      </p:ext>
-    </p:extLst>
-  </p:cSld>
-  <p:clrMapOvr>
-    <a:masterClrMapping/>
-  </p:clrMapOvr>
-</p:sld>
-</file>
-
-<file path=ppt/slides/slide8.xml><?xml version="1.0" encoding="utf-8"?>
 <p:sld xmlns:a="http://schemas.openxmlformats.org/drawingml/2006/main" xmlns:r="http://schemas.openxmlformats.org/officeDocument/2006/relationships" xmlns:p="http://schemas.openxmlformats.org/presentationml/2006/main">
   <p:cSld>
     <p:spTree>
@@ -17988,7 +20914,7 @@
             </a:pPr>
             <a:fld id="{00000000-1234-1234-1234-123412341234}" type="slidenum">
               <a:rPr lang="en-US" smtClean="0"/>
-              <a:t>8</a:t>
+              <a:t>4</a:t>
             </a:fld>
             <a:endParaRPr lang="en-US"/>
           </a:p>
@@ -19302,7 +22228,7 @@
         <p:spPr>
           <a:xfrm>
             <a:off x="5868111" y="4652151"/>
-            <a:ext cx="5097394" cy="1938992"/>
+            <a:ext cx="5097394" cy="2246769"/>
           </a:xfrm>
           <a:prstGeom prst="rect">
             <a:avLst/>
@@ -19321,23 +22247,84 @@
                   <a:schemeClr val="accent5"/>
                 </a:solidFill>
               </a:rPr>
-              <a:t>The testing results include both accuracy performance and inference time performance.</a:t>
+              <a:t>Last week:</a:t>
             </a:r>
-            <a:br>
-              <a:rPr lang="en-US" altLang="zh-CN" sz="2000" dirty="0">
+          </a:p>
+          <a:p>
+            <a:r>
+              <a:rPr lang="en-US" altLang="zh-CN" sz="2000" dirty="0" err="1">
                 <a:solidFill>
                   <a:schemeClr val="accent5"/>
                 </a:solidFill>
               </a:rPr>
-            </a:br>
+              <a:t>Image_size</a:t>
+            </a:r>
             <a:r>
               <a:rPr lang="en-US" altLang="zh-CN" sz="2000" dirty="0">
                 <a:solidFill>
                   <a:schemeClr val="accent5"/>
                 </a:solidFill>
               </a:rPr>
-              <a:t>The more complex the model is, the better its performance will be, and the longer the inference time will be.</a:t>
+              <a:t>=640</a:t>
             </a:r>
+          </a:p>
+          <a:p>
+            <a:r>
+              <a:rPr lang="en-US" altLang="zh-CN" sz="2000" dirty="0">
+                <a:solidFill>
+                  <a:schemeClr val="accent5"/>
+                </a:solidFill>
+              </a:rPr>
+              <a:t>Epoch=100</a:t>
+            </a:r>
+          </a:p>
+          <a:p>
+            <a:r>
+              <a:rPr lang="en-US" altLang="zh-CN" sz="2000" dirty="0">
+                <a:solidFill>
+                  <a:schemeClr val="accent5"/>
+                </a:solidFill>
+              </a:rPr>
+              <a:t>Initial learning rate =  0.01</a:t>
+            </a:r>
+          </a:p>
+          <a:p>
+            <a:r>
+              <a:rPr lang="en-US" altLang="zh-CN" sz="2000" dirty="0">
+                <a:solidFill>
+                  <a:schemeClr val="accent5"/>
+                </a:solidFill>
+              </a:rPr>
+              <a:t>Highest  mAP50 = 39%</a:t>
+            </a:r>
+          </a:p>
+          <a:p>
+            <a:r>
+              <a:rPr lang="en-US" altLang="zh-CN" sz="2000" dirty="0">
+                <a:solidFill>
+                  <a:schemeClr val="accent5"/>
+                </a:solidFill>
+              </a:rPr>
+              <a:t>Highest </a:t>
+            </a:r>
+            <a:r>
+              <a:rPr lang="en-US" altLang="zh-CN" sz="2000" dirty="0" err="1">
+                <a:solidFill>
+                  <a:schemeClr val="accent5"/>
+                </a:solidFill>
+              </a:rPr>
+              <a:t>mAP</a:t>
+            </a:r>
+            <a:r>
+              <a:rPr lang="en-US" altLang="zh-CN" sz="2000" dirty="0">
+                <a:solidFill>
+                  <a:schemeClr val="accent5"/>
+                </a:solidFill>
+              </a:rPr>
+              <a:t> = 23.7%</a:t>
+            </a:r>
+          </a:p>
+          <a:p>
             <a:endParaRPr lang="zh-CN" altLang="en-US" sz="2000" dirty="0">
               <a:solidFill>
                 <a:schemeClr val="accent5"/>
@@ -19359,7 +22346,7 @@
 </p:sld>
 </file>
 
-<file path=ppt/slides/slide9.xml><?xml version="1.0" encoding="utf-8"?>
+<file path=ppt/slides/slide5.xml><?xml version="1.0" encoding="utf-8"?>
 <p:sld xmlns:a="http://schemas.openxmlformats.org/drawingml/2006/main" xmlns:r="http://schemas.openxmlformats.org/officeDocument/2006/relationships" xmlns:p="http://schemas.openxmlformats.org/presentationml/2006/main">
   <p:cSld>
     <p:spTree>
@@ -19444,7 +22431,7 @@
             </a:pPr>
             <a:fld id="{00000000-1234-1234-1234-123412341234}" type="slidenum">
               <a:rPr lang="en-US" smtClean="0"/>
-              <a:t>9</a:t>
+              <a:t>5</a:t>
             </a:fld>
             <a:endParaRPr lang="en-US"/>
           </a:p>
@@ -20097,7 +23084,7 @@
         <p:spPr>
           <a:xfrm>
             <a:off x="520017" y="5026942"/>
-            <a:ext cx="10661335" cy="1015663"/>
+            <a:ext cx="10661335" cy="400110"/>
           </a:xfrm>
           <a:prstGeom prst="rect">
             <a:avLst/>
@@ -20111,83 +23098,12 @@
           <a:lstStyle/>
           <a:p>
             <a:r>
-              <a:rPr lang="en-US" altLang="zh-CN" sz="2000" b="1" dirty="0">
+              <a:rPr lang="en-US" altLang="zh-CN" sz="2000" dirty="0">
                 <a:solidFill>
                   <a:schemeClr val="accent5"/>
                 </a:solidFill>
               </a:rPr>
-              <a:t>Conclusion</a:t>
-            </a:r>
-            <a:r>
-              <a:rPr lang="en-US" altLang="zh-CN" sz="2000" dirty="0">
-                <a:solidFill>
-                  <a:schemeClr val="accent5"/>
-                </a:solidFill>
-              </a:rPr>
-              <a:t>:</a:t>
-            </a:r>
-            <a:br>
-              <a:rPr lang="en-US" altLang="zh-CN" sz="2000" dirty="0">
-                <a:solidFill>
-                  <a:schemeClr val="accent5"/>
-                </a:solidFill>
-              </a:rPr>
-            </a:br>
-            <a:r>
-              <a:rPr lang="en-US" altLang="zh-CN" sz="2000" dirty="0">
-                <a:solidFill>
-                  <a:schemeClr val="accent5"/>
-                </a:solidFill>
-              </a:rPr>
-              <a:t>The model's </a:t>
-            </a:r>
-            <a:r>
-              <a:rPr lang="en-US" altLang="zh-CN" sz="2000" b="1" dirty="0">
-                <a:solidFill>
-                  <a:schemeClr val="accent5"/>
-                </a:solidFill>
-              </a:rPr>
-              <a:t>overall performance decreased</a:t>
-            </a:r>
-            <a:r>
-              <a:rPr lang="en-US" altLang="zh-CN" sz="2000" dirty="0">
-                <a:solidFill>
-                  <a:schemeClr val="accent5"/>
-                </a:solidFill>
-              </a:rPr>
-              <a:t> slightly when training increased from </a:t>
-            </a:r>
-            <a:r>
-              <a:rPr lang="en-US" altLang="zh-CN" sz="2000" b="1" dirty="0">
-                <a:solidFill>
-                  <a:schemeClr val="accent5"/>
-                </a:solidFill>
-              </a:rPr>
-              <a:t>100 to 200 epochs</a:t>
-            </a:r>
-            <a:r>
-              <a:rPr lang="en-US" altLang="zh-CN" sz="2000" dirty="0">
-                <a:solidFill>
-                  <a:schemeClr val="accent5"/>
-                </a:solidFill>
-              </a:rPr>
-              <a:t>. This suggests possible </a:t>
-            </a:r>
-            <a:r>
-              <a:rPr lang="en-US" altLang="zh-CN" sz="2000" b="1" dirty="0">
-                <a:solidFill>
-                  <a:schemeClr val="accent5"/>
-                </a:solidFill>
-              </a:rPr>
-              <a:t>overfitting</a:t>
-            </a:r>
-            <a:r>
-              <a:rPr lang="en-US" altLang="zh-CN" sz="2000" dirty="0">
-                <a:solidFill>
-                  <a:schemeClr val="accent5"/>
-                </a:solidFill>
-              </a:rPr>
-              <a:t> after 100 epochs.</a:t>
+              <a:t>Last week, we also tested 200 epochs on yolo11x model, but the performance is still bad</a:t>
             </a:r>
             <a:endParaRPr lang="zh-CN" altLang="en-US" sz="2000" dirty="0">
               <a:solidFill>
@@ -20201,6 +23117,894 @@
     <p:extLst>
       <p:ext uri="{BB962C8B-B14F-4D97-AF65-F5344CB8AC3E}">
         <p14:creationId xmlns:p14="http://schemas.microsoft.com/office/powerpoint/2010/main" val="1283444419"/>
+      </p:ext>
+    </p:extLst>
+  </p:cSld>
+  <p:clrMapOvr>
+    <a:masterClrMapping/>
+  </p:clrMapOvr>
+</p:sld>
+</file>
+
+<file path=ppt/slides/slide6.xml><?xml version="1.0" encoding="utf-8"?>
+<p:sld xmlns:a="http://schemas.openxmlformats.org/drawingml/2006/main" xmlns:r="http://schemas.openxmlformats.org/officeDocument/2006/relationships" xmlns:p="http://schemas.openxmlformats.org/presentationml/2006/main">
+  <p:cSld>
+    <p:spTree>
+      <p:nvGrpSpPr>
+        <p:cNvPr id="1" name=""/>
+        <p:cNvGrpSpPr/>
+        <p:nvPr/>
+      </p:nvGrpSpPr>
+      <p:grpSpPr>
+        <a:xfrm>
+          <a:off x="0" y="0"/>
+          <a:ext cx="0" cy="0"/>
+          <a:chOff x="0" y="0"/>
+          <a:chExt cx="0" cy="0"/>
+        </a:xfrm>
+      </p:grpSpPr>
+      <p:sp>
+        <p:nvSpPr>
+          <p:cNvPr id="2" name="Title 1">
+            <a:extLst>
+              <a:ext uri="{FF2B5EF4-FFF2-40B4-BE49-F238E27FC236}">
+                <a16:creationId xmlns:a16="http://schemas.microsoft.com/office/drawing/2014/main" id="{81C9433B-CBB8-904E-83E1-18D0634DD83C}"/>
+              </a:ext>
+            </a:extLst>
+          </p:cNvPr>
+          <p:cNvSpPr>
+            <a:spLocks noGrp="1"/>
+          </p:cNvSpPr>
+          <p:nvPr>
+            <p:ph type="title"/>
+          </p:nvPr>
+        </p:nvSpPr>
+        <p:spPr>
+          <a:xfrm>
+            <a:off x="594360" y="189572"/>
+            <a:ext cx="10995474" cy="1593507"/>
+          </a:xfrm>
+        </p:spPr>
+        <p:txBody>
+          <a:bodyPr>
+            <a:normAutofit fontScale="90000"/>
+          </a:bodyPr>
+          <a:lstStyle/>
+          <a:p>
+            <a:r>
+              <a:rPr lang="en-US" altLang="zh-CN" dirty="0"/>
+              <a:t>At first, we refer to the available </a:t>
+            </a:r>
+            <a:r>
+              <a:rPr lang="en-US" altLang="zh-CN" dirty="0" err="1"/>
+              <a:t>VisDrone</a:t>
+            </a:r>
+            <a:r>
+              <a:rPr lang="en-US" altLang="zh-CN" dirty="0"/>
+              <a:t> challenge paper on 2018, 2019, 2021</a:t>
+            </a:r>
+            <a:endParaRPr lang="zh-CN" altLang="en-US" dirty="0"/>
+          </a:p>
+        </p:txBody>
+      </p:sp>
+      <p:sp>
+        <p:nvSpPr>
+          <p:cNvPr id="3" name="Text Placeholder 2">
+            <a:extLst>
+              <a:ext uri="{FF2B5EF4-FFF2-40B4-BE49-F238E27FC236}">
+                <a16:creationId xmlns:a16="http://schemas.microsoft.com/office/drawing/2014/main" id="{D07CE581-73D4-C254-E793-C5B2A6F77197}"/>
+              </a:ext>
+            </a:extLst>
+          </p:cNvPr>
+          <p:cNvSpPr>
+            <a:spLocks noGrp="1"/>
+          </p:cNvSpPr>
+          <p:nvPr>
+            <p:ph type="body" idx="1"/>
+          </p:nvPr>
+        </p:nvSpPr>
+        <p:spPr>
+          <a:xfrm>
+            <a:off x="594359" y="2281918"/>
+            <a:ext cx="11404353" cy="3708517"/>
+          </a:xfrm>
+        </p:spPr>
+        <p:txBody>
+          <a:bodyPr>
+            <a:normAutofit fontScale="92500" lnSpcReduction="10000"/>
+          </a:bodyPr>
+          <a:lstStyle/>
+          <a:p>
+            <a:r>
+              <a:rPr lang="en-US" altLang="zh-CN" dirty="0"/>
+              <a:t>2018 </a:t>
+            </a:r>
+          </a:p>
+          <a:p>
+            <a:pPr lvl="1"/>
+            <a:r>
+              <a:rPr lang="en-US" altLang="zh-CN" dirty="0"/>
+              <a:t>VisDrone-DET2018: The Vision Meets Drone Object Detection in Image Challenge Results</a:t>
+            </a:r>
+          </a:p>
+          <a:p>
+            <a:r>
+              <a:rPr lang="en-US" altLang="zh-CN" dirty="0"/>
+              <a:t>2019</a:t>
+            </a:r>
+          </a:p>
+          <a:p>
+            <a:pPr lvl="1"/>
+            <a:r>
+              <a:rPr lang="en-US" altLang="zh-CN" dirty="0"/>
+              <a:t>VisDrone-DET2019: The Vision Meets Drone Object Detection in Image Challenge Results</a:t>
+            </a:r>
+          </a:p>
+          <a:p>
+            <a:r>
+              <a:rPr lang="en-US" altLang="zh-CN" dirty="0"/>
+              <a:t>2021</a:t>
+            </a:r>
+          </a:p>
+          <a:p>
+            <a:pPr lvl="1"/>
+            <a:r>
+              <a:rPr lang="en-US" altLang="zh-CN" dirty="0"/>
+              <a:t>VisDrone-DET2021: The Vision Meets Drone Object detection Challenge Results</a:t>
+            </a:r>
+          </a:p>
+          <a:p>
+            <a:pPr marL="76200" indent="0">
+              <a:buNone/>
+            </a:pPr>
+            <a:r>
+              <a:rPr lang="en-US" altLang="zh-CN" dirty="0"/>
+              <a:t>We follow the instructions given by professor to refer to some papers, then we notice that we indeed have done something wrong during training the model compared to other models.  </a:t>
+            </a:r>
+          </a:p>
+        </p:txBody>
+      </p:sp>
+      <p:sp>
+        <p:nvSpPr>
+          <p:cNvPr id="4" name="Slide Number Placeholder 3">
+            <a:extLst>
+              <a:ext uri="{FF2B5EF4-FFF2-40B4-BE49-F238E27FC236}">
+                <a16:creationId xmlns:a16="http://schemas.microsoft.com/office/drawing/2014/main" id="{02E697FD-2222-A0FA-1987-253B87AE8F94}"/>
+              </a:ext>
+            </a:extLst>
+          </p:cNvPr>
+          <p:cNvSpPr>
+            <a:spLocks noGrp="1"/>
+          </p:cNvSpPr>
+          <p:nvPr>
+            <p:ph type="sldNum" idx="12"/>
+          </p:nvPr>
+        </p:nvSpPr>
+        <p:spPr/>
+        <p:txBody>
+          <a:bodyPr/>
+          <a:lstStyle/>
+          <a:p>
+            <a:pPr marL="0" lvl="0" indent="0" algn="l" rtl="0">
+              <a:spcBef>
+                <a:spcPts val="0"/>
+              </a:spcBef>
+              <a:spcAft>
+                <a:spcPts val="0"/>
+              </a:spcAft>
+              <a:buNone/>
+            </a:pPr>
+            <a:fld id="{00000000-1234-1234-1234-123412341234}" type="slidenum">
+              <a:rPr lang="en-US" smtClean="0"/>
+              <a:t>6</a:t>
+            </a:fld>
+            <a:endParaRPr lang="en-US"/>
+          </a:p>
+        </p:txBody>
+      </p:sp>
+    </p:spTree>
+    <p:extLst>
+      <p:ext uri="{BB962C8B-B14F-4D97-AF65-F5344CB8AC3E}">
+        <p14:creationId xmlns:p14="http://schemas.microsoft.com/office/powerpoint/2010/main" val="1626679612"/>
+      </p:ext>
+    </p:extLst>
+  </p:cSld>
+  <p:clrMapOvr>
+    <a:masterClrMapping/>
+  </p:clrMapOvr>
+</p:sld>
+</file>
+
+<file path=ppt/slides/slide7.xml><?xml version="1.0" encoding="utf-8"?>
+<p:sld xmlns:a="http://schemas.openxmlformats.org/drawingml/2006/main" xmlns:r="http://schemas.openxmlformats.org/officeDocument/2006/relationships" xmlns:p="http://schemas.openxmlformats.org/presentationml/2006/main">
+  <p:cSld>
+    <p:spTree>
+      <p:nvGrpSpPr>
+        <p:cNvPr id="1" name="">
+          <a:extLst>
+            <a:ext uri="{FF2B5EF4-FFF2-40B4-BE49-F238E27FC236}">
+              <a16:creationId xmlns:a16="http://schemas.microsoft.com/office/drawing/2014/main" id="{ACDB0942-2118-0BFE-2C12-E79F4DC4EC62}"/>
+            </a:ext>
+          </a:extLst>
+        </p:cNvPr>
+        <p:cNvGrpSpPr/>
+        <p:nvPr/>
+      </p:nvGrpSpPr>
+      <p:grpSpPr>
+        <a:xfrm>
+          <a:off x="0" y="0"/>
+          <a:ext cx="0" cy="0"/>
+          <a:chOff x="0" y="0"/>
+          <a:chExt cx="0" cy="0"/>
+        </a:xfrm>
+      </p:grpSpPr>
+      <p:sp>
+        <p:nvSpPr>
+          <p:cNvPr id="2" name="Title 1">
+            <a:extLst>
+              <a:ext uri="{FF2B5EF4-FFF2-40B4-BE49-F238E27FC236}">
+                <a16:creationId xmlns:a16="http://schemas.microsoft.com/office/drawing/2014/main" id="{EE5E462C-6FD9-3920-91A4-0707BDC13CF7}"/>
+              </a:ext>
+            </a:extLst>
+          </p:cNvPr>
+          <p:cNvSpPr>
+            <a:spLocks noGrp="1"/>
+          </p:cNvSpPr>
+          <p:nvPr>
+            <p:ph type="title"/>
+          </p:nvPr>
+        </p:nvSpPr>
+        <p:spPr>
+          <a:xfrm>
+            <a:off x="594359" y="189572"/>
+            <a:ext cx="11352313" cy="1593507"/>
+          </a:xfrm>
+        </p:spPr>
+        <p:txBody>
+          <a:bodyPr>
+            <a:normAutofit/>
+          </a:bodyPr>
+          <a:lstStyle/>
+          <a:p>
+            <a:r>
+              <a:rPr lang="en-US" altLang="zh-CN" dirty="0"/>
+              <a:t>VisDrone-DET2018</a:t>
+            </a:r>
+            <a:endParaRPr lang="zh-CN" altLang="en-US" dirty="0"/>
+          </a:p>
+        </p:txBody>
+      </p:sp>
+      <p:sp>
+        <p:nvSpPr>
+          <p:cNvPr id="3" name="Text Placeholder 2">
+            <a:extLst>
+              <a:ext uri="{FF2B5EF4-FFF2-40B4-BE49-F238E27FC236}">
+                <a16:creationId xmlns:a16="http://schemas.microsoft.com/office/drawing/2014/main" id="{9FDA6780-400D-FF77-E6FB-178F7AB3C45D}"/>
+              </a:ext>
+            </a:extLst>
+          </p:cNvPr>
+          <p:cNvSpPr>
+            <a:spLocks noGrp="1"/>
+          </p:cNvSpPr>
+          <p:nvPr>
+            <p:ph type="body" idx="1"/>
+          </p:nvPr>
+        </p:nvSpPr>
+        <p:spPr>
+          <a:xfrm>
+            <a:off x="594359" y="2281918"/>
+            <a:ext cx="5903085" cy="3708517"/>
+          </a:xfrm>
+        </p:spPr>
+        <p:txBody>
+          <a:bodyPr/>
+          <a:lstStyle/>
+          <a:p>
+            <a:pPr marL="76200" indent="0">
+              <a:buNone/>
+            </a:pPr>
+            <a:r>
+              <a:rPr lang="en-US" altLang="zh-CN" dirty="0"/>
+              <a:t>HAL-Retina-Net and </a:t>
+            </a:r>
+            <a:r>
+              <a:rPr lang="en-US" altLang="zh-CN" dirty="0" err="1"/>
+              <a:t>DPNet</a:t>
+            </a:r>
+            <a:r>
+              <a:rPr lang="en-US" altLang="zh-CN" dirty="0"/>
+              <a:t> are the only two algorithms achieving more than 30% AP score.</a:t>
+            </a:r>
+          </a:p>
+          <a:p>
+            <a:pPr marL="76200" indent="0">
+              <a:buNone/>
+            </a:pPr>
+            <a:endParaRPr lang="en-US" altLang="zh-CN" dirty="0"/>
+          </a:p>
+          <a:p>
+            <a:r>
+              <a:rPr lang="en-US" altLang="zh-CN" dirty="0"/>
+              <a:t>Whereas our </a:t>
+            </a:r>
+            <a:r>
+              <a:rPr lang="en-US" altLang="zh-CN" dirty="0">
+                <a:solidFill>
+                  <a:schemeClr val="accent5"/>
+                </a:solidFill>
+              </a:rPr>
+              <a:t>h</a:t>
+            </a:r>
+            <a:r>
+              <a:rPr lang="en-US" altLang="zh-CN" sz="2400" dirty="0">
+                <a:solidFill>
+                  <a:schemeClr val="accent5"/>
+                </a:solidFill>
+              </a:rPr>
+              <a:t>ighest </a:t>
+            </a:r>
+            <a:r>
+              <a:rPr lang="en-US" altLang="zh-CN" sz="2400" dirty="0" err="1">
+                <a:solidFill>
+                  <a:schemeClr val="accent5"/>
+                </a:solidFill>
+              </a:rPr>
+              <a:t>mAP</a:t>
+            </a:r>
+            <a:r>
+              <a:rPr lang="en-US" altLang="zh-CN" sz="2400" dirty="0">
+                <a:solidFill>
+                  <a:schemeClr val="accent5"/>
+                </a:solidFill>
+              </a:rPr>
+              <a:t> = 23.7%</a:t>
+            </a:r>
+          </a:p>
+          <a:p>
+            <a:pPr marL="76200" indent="0">
+              <a:buNone/>
+            </a:pPr>
+            <a:endParaRPr lang="zh-CN" altLang="en-US" dirty="0"/>
+          </a:p>
+        </p:txBody>
+      </p:sp>
+      <p:sp>
+        <p:nvSpPr>
+          <p:cNvPr id="4" name="Slide Number Placeholder 3">
+            <a:extLst>
+              <a:ext uri="{FF2B5EF4-FFF2-40B4-BE49-F238E27FC236}">
+                <a16:creationId xmlns:a16="http://schemas.microsoft.com/office/drawing/2014/main" id="{D04EBB62-583C-6C1C-0553-239CA1262E83}"/>
+              </a:ext>
+            </a:extLst>
+          </p:cNvPr>
+          <p:cNvSpPr>
+            <a:spLocks noGrp="1"/>
+          </p:cNvSpPr>
+          <p:nvPr>
+            <p:ph type="sldNum" idx="12"/>
+          </p:nvPr>
+        </p:nvSpPr>
+        <p:spPr/>
+        <p:txBody>
+          <a:bodyPr/>
+          <a:lstStyle/>
+          <a:p>
+            <a:pPr marL="0" lvl="0" indent="0" algn="l" rtl="0">
+              <a:spcBef>
+                <a:spcPts val="0"/>
+              </a:spcBef>
+              <a:spcAft>
+                <a:spcPts val="0"/>
+              </a:spcAft>
+              <a:buNone/>
+            </a:pPr>
+            <a:fld id="{00000000-1234-1234-1234-123412341234}" type="slidenum">
+              <a:rPr lang="en-US" smtClean="0"/>
+              <a:t>7</a:t>
+            </a:fld>
+            <a:endParaRPr lang="en-US"/>
+          </a:p>
+        </p:txBody>
+      </p:sp>
+      <p:pic>
+        <p:nvPicPr>
+          <p:cNvPr id="6" name="Picture 5">
+            <a:extLst>
+              <a:ext uri="{FF2B5EF4-FFF2-40B4-BE49-F238E27FC236}">
+                <a16:creationId xmlns:a16="http://schemas.microsoft.com/office/drawing/2014/main" id="{657771CC-09AD-BFF3-E612-D47C6FF0A89A}"/>
+              </a:ext>
+            </a:extLst>
+          </p:cNvPr>
+          <p:cNvPicPr>
+            <a:picLocks noChangeAspect="1"/>
+          </p:cNvPicPr>
+          <p:nvPr/>
+        </p:nvPicPr>
+        <p:blipFill>
+          <a:blip r:embed="rId2"/>
+          <a:stretch>
+            <a:fillRect/>
+          </a:stretch>
+        </p:blipFill>
+        <p:spPr>
+          <a:xfrm>
+            <a:off x="7069873" y="123107"/>
+            <a:ext cx="4931607" cy="6332938"/>
+          </a:xfrm>
+          <a:prstGeom prst="rect">
+            <a:avLst/>
+          </a:prstGeom>
+        </p:spPr>
+      </p:pic>
+    </p:spTree>
+    <p:extLst>
+      <p:ext uri="{BB962C8B-B14F-4D97-AF65-F5344CB8AC3E}">
+        <p14:creationId xmlns:p14="http://schemas.microsoft.com/office/powerpoint/2010/main" val="4234324886"/>
+      </p:ext>
+    </p:extLst>
+  </p:cSld>
+  <p:clrMapOvr>
+    <a:masterClrMapping/>
+  </p:clrMapOvr>
+</p:sld>
+</file>
+
+<file path=ppt/slides/slide8.xml><?xml version="1.0" encoding="utf-8"?>
+<p:sld xmlns:a="http://schemas.openxmlformats.org/drawingml/2006/main" xmlns:r="http://schemas.openxmlformats.org/officeDocument/2006/relationships" xmlns:p="http://schemas.openxmlformats.org/presentationml/2006/main">
+  <p:cSld>
+    <p:spTree>
+      <p:nvGrpSpPr>
+        <p:cNvPr id="1" name="">
+          <a:extLst>
+            <a:ext uri="{FF2B5EF4-FFF2-40B4-BE49-F238E27FC236}">
+              <a16:creationId xmlns:a16="http://schemas.microsoft.com/office/drawing/2014/main" id="{CCBF524C-6CC0-2C4E-FC3D-89C66127ECC1}"/>
+            </a:ext>
+          </a:extLst>
+        </p:cNvPr>
+        <p:cNvGrpSpPr/>
+        <p:nvPr/>
+      </p:nvGrpSpPr>
+      <p:grpSpPr>
+        <a:xfrm>
+          <a:off x="0" y="0"/>
+          <a:ext cx="0" cy="0"/>
+          <a:chOff x="0" y="0"/>
+          <a:chExt cx="0" cy="0"/>
+        </a:xfrm>
+      </p:grpSpPr>
+      <p:sp>
+        <p:nvSpPr>
+          <p:cNvPr id="2" name="Title 1">
+            <a:extLst>
+              <a:ext uri="{FF2B5EF4-FFF2-40B4-BE49-F238E27FC236}">
+                <a16:creationId xmlns:a16="http://schemas.microsoft.com/office/drawing/2014/main" id="{F4283B5C-40DA-B6EB-436E-EFC90D75458E}"/>
+              </a:ext>
+            </a:extLst>
+          </p:cNvPr>
+          <p:cNvSpPr>
+            <a:spLocks noGrp="1"/>
+          </p:cNvSpPr>
+          <p:nvPr>
+            <p:ph type="title"/>
+          </p:nvPr>
+        </p:nvSpPr>
+        <p:spPr>
+          <a:xfrm>
+            <a:off x="594359" y="189572"/>
+            <a:ext cx="11352313" cy="1593507"/>
+          </a:xfrm>
+        </p:spPr>
+        <p:txBody>
+          <a:bodyPr>
+            <a:normAutofit/>
+          </a:bodyPr>
+          <a:lstStyle/>
+          <a:p>
+            <a:r>
+              <a:rPr lang="en-US" altLang="zh-CN" dirty="0"/>
+              <a:t>VisDrone-DET2019</a:t>
+            </a:r>
+            <a:endParaRPr lang="zh-CN" altLang="en-US" dirty="0"/>
+          </a:p>
+        </p:txBody>
+      </p:sp>
+      <p:sp>
+        <p:nvSpPr>
+          <p:cNvPr id="3" name="Text Placeholder 2">
+            <a:extLst>
+              <a:ext uri="{FF2B5EF4-FFF2-40B4-BE49-F238E27FC236}">
+                <a16:creationId xmlns:a16="http://schemas.microsoft.com/office/drawing/2014/main" id="{2E47A249-D35B-1B41-B8F1-D837A2454DCB}"/>
+              </a:ext>
+            </a:extLst>
+          </p:cNvPr>
+          <p:cNvSpPr>
+            <a:spLocks noGrp="1"/>
+          </p:cNvSpPr>
+          <p:nvPr>
+            <p:ph type="body" idx="1"/>
+          </p:nvPr>
+        </p:nvSpPr>
+        <p:spPr>
+          <a:xfrm>
+            <a:off x="594359" y="2281918"/>
+            <a:ext cx="5010987" cy="3708517"/>
+          </a:xfrm>
+        </p:spPr>
+        <p:txBody>
+          <a:bodyPr/>
+          <a:lstStyle/>
+          <a:p>
+            <a:pPr marL="76200" indent="0">
+              <a:buNone/>
+            </a:pPr>
+            <a:r>
+              <a:rPr lang="en-US" altLang="zh-CN" dirty="0" err="1"/>
+              <a:t>DPNet</a:t>
+            </a:r>
+            <a:r>
+              <a:rPr lang="en-US" altLang="zh-CN" dirty="0"/>
+              <a:t>-ensemble (A.15) achieves the best 29.62% AP score, which is worse than the previous competition.</a:t>
+            </a:r>
+          </a:p>
+          <a:p>
+            <a:pPr marL="76200" indent="0">
+              <a:buNone/>
+            </a:pPr>
+            <a:endParaRPr lang="en-US" altLang="zh-CN" dirty="0"/>
+          </a:p>
+          <a:p>
+            <a:pPr marL="76200" indent="0">
+              <a:buNone/>
+            </a:pPr>
+            <a:r>
+              <a:rPr lang="en-US" altLang="zh-CN" dirty="0"/>
+              <a:t>Whereas our </a:t>
+            </a:r>
+            <a:r>
+              <a:rPr lang="en-US" altLang="zh-CN" dirty="0">
+                <a:solidFill>
+                  <a:schemeClr val="accent5"/>
+                </a:solidFill>
+              </a:rPr>
+              <a:t>h</a:t>
+            </a:r>
+            <a:r>
+              <a:rPr lang="en-US" altLang="zh-CN" sz="2400" dirty="0">
+                <a:solidFill>
+                  <a:schemeClr val="accent5"/>
+                </a:solidFill>
+              </a:rPr>
+              <a:t>ighest </a:t>
+            </a:r>
+            <a:r>
+              <a:rPr lang="en-US" altLang="zh-CN" sz="2400" dirty="0" err="1">
+                <a:solidFill>
+                  <a:schemeClr val="accent5"/>
+                </a:solidFill>
+              </a:rPr>
+              <a:t>mAP</a:t>
+            </a:r>
+            <a:r>
+              <a:rPr lang="en-US" altLang="zh-CN" sz="2400" dirty="0">
+                <a:solidFill>
+                  <a:schemeClr val="accent5"/>
+                </a:solidFill>
+              </a:rPr>
+              <a:t> = 23.7%</a:t>
+            </a:r>
+          </a:p>
+          <a:p>
+            <a:pPr marL="76200" indent="0">
+              <a:buNone/>
+            </a:pPr>
+            <a:endParaRPr lang="zh-CN" altLang="en-US" dirty="0"/>
+          </a:p>
+        </p:txBody>
+      </p:sp>
+      <p:sp>
+        <p:nvSpPr>
+          <p:cNvPr id="4" name="Slide Number Placeholder 3">
+            <a:extLst>
+              <a:ext uri="{FF2B5EF4-FFF2-40B4-BE49-F238E27FC236}">
+                <a16:creationId xmlns:a16="http://schemas.microsoft.com/office/drawing/2014/main" id="{48EEABAB-7712-ADE1-2873-08429DA9760C}"/>
+              </a:ext>
+            </a:extLst>
+          </p:cNvPr>
+          <p:cNvSpPr>
+            <a:spLocks noGrp="1"/>
+          </p:cNvSpPr>
+          <p:nvPr>
+            <p:ph type="sldNum" idx="12"/>
+          </p:nvPr>
+        </p:nvSpPr>
+        <p:spPr/>
+        <p:txBody>
+          <a:bodyPr/>
+          <a:lstStyle/>
+          <a:p>
+            <a:pPr marL="0" lvl="0" indent="0" algn="l" rtl="0">
+              <a:spcBef>
+                <a:spcPts val="0"/>
+              </a:spcBef>
+              <a:spcAft>
+                <a:spcPts val="0"/>
+              </a:spcAft>
+              <a:buNone/>
+            </a:pPr>
+            <a:fld id="{00000000-1234-1234-1234-123412341234}" type="slidenum">
+              <a:rPr lang="en-US" smtClean="0"/>
+              <a:t>8</a:t>
+            </a:fld>
+            <a:endParaRPr lang="en-US"/>
+          </a:p>
+        </p:txBody>
+      </p:sp>
+      <p:pic>
+        <p:nvPicPr>
+          <p:cNvPr id="7" name="Picture 6">
+            <a:extLst>
+              <a:ext uri="{FF2B5EF4-FFF2-40B4-BE49-F238E27FC236}">
+                <a16:creationId xmlns:a16="http://schemas.microsoft.com/office/drawing/2014/main" id="{F3F6D691-73D2-0C83-8F33-B62B9E1E8482}"/>
+              </a:ext>
+            </a:extLst>
+          </p:cNvPr>
+          <p:cNvPicPr>
+            <a:picLocks noChangeAspect="1"/>
+          </p:cNvPicPr>
+          <p:nvPr/>
+        </p:nvPicPr>
+        <p:blipFill>
+          <a:blip r:embed="rId2"/>
+          <a:stretch>
+            <a:fillRect/>
+          </a:stretch>
+        </p:blipFill>
+        <p:spPr>
+          <a:xfrm>
+            <a:off x="6096000" y="133815"/>
+            <a:ext cx="5896477" cy="6534613"/>
+          </a:xfrm>
+          <a:prstGeom prst="rect">
+            <a:avLst/>
+          </a:prstGeom>
+        </p:spPr>
+      </p:pic>
+    </p:spTree>
+    <p:extLst>
+      <p:ext uri="{BB962C8B-B14F-4D97-AF65-F5344CB8AC3E}">
+        <p14:creationId xmlns:p14="http://schemas.microsoft.com/office/powerpoint/2010/main" val="95669749"/>
+      </p:ext>
+    </p:extLst>
+  </p:cSld>
+  <p:clrMapOvr>
+    <a:masterClrMapping/>
+  </p:clrMapOvr>
+</p:sld>
+</file>
+
+<file path=ppt/slides/slide9.xml><?xml version="1.0" encoding="utf-8"?>
+<p:sld xmlns:a="http://schemas.openxmlformats.org/drawingml/2006/main" xmlns:r="http://schemas.openxmlformats.org/officeDocument/2006/relationships" xmlns:p="http://schemas.openxmlformats.org/presentationml/2006/main">
+  <p:cSld>
+    <p:spTree>
+      <p:nvGrpSpPr>
+        <p:cNvPr id="1" name="">
+          <a:extLst>
+            <a:ext uri="{FF2B5EF4-FFF2-40B4-BE49-F238E27FC236}">
+              <a16:creationId xmlns:a16="http://schemas.microsoft.com/office/drawing/2014/main" id="{98094F03-D61E-52A8-9190-49377A03F59E}"/>
+            </a:ext>
+          </a:extLst>
+        </p:cNvPr>
+        <p:cNvGrpSpPr/>
+        <p:nvPr/>
+      </p:nvGrpSpPr>
+      <p:grpSpPr>
+        <a:xfrm>
+          <a:off x="0" y="0"/>
+          <a:ext cx="0" cy="0"/>
+          <a:chOff x="0" y="0"/>
+          <a:chExt cx="0" cy="0"/>
+        </a:xfrm>
+      </p:grpSpPr>
+      <p:sp>
+        <p:nvSpPr>
+          <p:cNvPr id="2" name="Title 1">
+            <a:extLst>
+              <a:ext uri="{FF2B5EF4-FFF2-40B4-BE49-F238E27FC236}">
+                <a16:creationId xmlns:a16="http://schemas.microsoft.com/office/drawing/2014/main" id="{C46F9070-B924-CF45-DC4B-7B86C7E26C26}"/>
+              </a:ext>
+            </a:extLst>
+          </p:cNvPr>
+          <p:cNvSpPr>
+            <a:spLocks noGrp="1"/>
+          </p:cNvSpPr>
+          <p:nvPr>
+            <p:ph type="title"/>
+          </p:nvPr>
+        </p:nvSpPr>
+        <p:spPr>
+          <a:xfrm>
+            <a:off x="594359" y="189572"/>
+            <a:ext cx="11352313" cy="1593507"/>
+          </a:xfrm>
+        </p:spPr>
+        <p:txBody>
+          <a:bodyPr>
+            <a:normAutofit/>
+          </a:bodyPr>
+          <a:lstStyle/>
+          <a:p>
+            <a:r>
+              <a:rPr lang="en-US" altLang="zh-CN" dirty="0"/>
+              <a:t>VisDrone-DET2021</a:t>
+            </a:r>
+            <a:endParaRPr lang="zh-CN" altLang="en-US" dirty="0"/>
+          </a:p>
+        </p:txBody>
+      </p:sp>
+      <p:sp>
+        <p:nvSpPr>
+          <p:cNvPr id="3" name="Text Placeholder 2">
+            <a:extLst>
+              <a:ext uri="{FF2B5EF4-FFF2-40B4-BE49-F238E27FC236}">
+                <a16:creationId xmlns:a16="http://schemas.microsoft.com/office/drawing/2014/main" id="{61331447-6D94-738C-DB91-2DEBCFFAE152}"/>
+              </a:ext>
+            </a:extLst>
+          </p:cNvPr>
+          <p:cNvSpPr>
+            <a:spLocks noGrp="1"/>
+          </p:cNvSpPr>
+          <p:nvPr>
+            <p:ph type="body" idx="1"/>
+          </p:nvPr>
+        </p:nvSpPr>
+        <p:spPr>
+          <a:xfrm>
+            <a:off x="594359" y="2281918"/>
+            <a:ext cx="5903085" cy="3708517"/>
+          </a:xfrm>
+        </p:spPr>
+        <p:txBody>
+          <a:bodyPr/>
+          <a:lstStyle/>
+          <a:p>
+            <a:pPr marL="76200" indent="0">
+              <a:buNone/>
+            </a:pPr>
+            <a:r>
+              <a:rPr lang="en-US" altLang="zh-CN" dirty="0" err="1"/>
+              <a:t>DBNet</a:t>
+            </a:r>
+            <a:r>
+              <a:rPr lang="en-US" altLang="zh-CN" dirty="0"/>
+              <a:t> achieves around 40% </a:t>
+            </a:r>
+            <a:r>
+              <a:rPr lang="en-US" altLang="zh-CN" dirty="0" err="1"/>
+              <a:t>mAP</a:t>
+            </a:r>
+            <a:endParaRPr lang="en-US" altLang="zh-CN" dirty="0"/>
+          </a:p>
+          <a:p>
+            <a:pPr marL="76200" indent="0">
+              <a:buNone/>
+            </a:pPr>
+            <a:r>
+              <a:rPr lang="en-US" altLang="zh-CN" dirty="0"/>
+              <a:t>Whereas our </a:t>
+            </a:r>
+            <a:r>
+              <a:rPr lang="en-US" altLang="zh-CN" dirty="0">
+                <a:solidFill>
+                  <a:schemeClr val="accent5"/>
+                </a:solidFill>
+              </a:rPr>
+              <a:t>h</a:t>
+            </a:r>
+            <a:r>
+              <a:rPr lang="en-US" altLang="zh-CN" sz="2400" dirty="0">
+                <a:solidFill>
+                  <a:schemeClr val="accent5"/>
+                </a:solidFill>
+              </a:rPr>
+              <a:t>ighest </a:t>
+            </a:r>
+            <a:r>
+              <a:rPr lang="en-US" altLang="zh-CN" sz="2400" dirty="0" err="1">
+                <a:solidFill>
+                  <a:schemeClr val="accent5"/>
+                </a:solidFill>
+              </a:rPr>
+              <a:t>mAP</a:t>
+            </a:r>
+            <a:r>
+              <a:rPr lang="en-US" altLang="zh-CN" sz="2400" dirty="0">
+                <a:solidFill>
+                  <a:schemeClr val="accent5"/>
+                </a:solidFill>
+              </a:rPr>
+              <a:t> = 23.7%</a:t>
+            </a:r>
+          </a:p>
+          <a:p>
+            <a:pPr marL="76200" indent="0">
+              <a:buNone/>
+            </a:pPr>
+            <a:endParaRPr lang="zh-CN" altLang="en-US" dirty="0"/>
+          </a:p>
+        </p:txBody>
+      </p:sp>
+      <p:sp>
+        <p:nvSpPr>
+          <p:cNvPr id="4" name="Slide Number Placeholder 3">
+            <a:extLst>
+              <a:ext uri="{FF2B5EF4-FFF2-40B4-BE49-F238E27FC236}">
+                <a16:creationId xmlns:a16="http://schemas.microsoft.com/office/drawing/2014/main" id="{2B70837A-A705-B2B0-3823-03D270B767C8}"/>
+              </a:ext>
+            </a:extLst>
+          </p:cNvPr>
+          <p:cNvSpPr>
+            <a:spLocks noGrp="1"/>
+          </p:cNvSpPr>
+          <p:nvPr>
+            <p:ph type="sldNum" idx="12"/>
+          </p:nvPr>
+        </p:nvSpPr>
+        <p:spPr/>
+        <p:txBody>
+          <a:bodyPr/>
+          <a:lstStyle/>
+          <a:p>
+            <a:pPr marL="0" lvl="0" indent="0" algn="l" rtl="0">
+              <a:spcBef>
+                <a:spcPts val="0"/>
+              </a:spcBef>
+              <a:spcAft>
+                <a:spcPts val="0"/>
+              </a:spcAft>
+              <a:buNone/>
+            </a:pPr>
+            <a:fld id="{00000000-1234-1234-1234-123412341234}" type="slidenum">
+              <a:rPr lang="en-US" smtClean="0"/>
+              <a:t>9</a:t>
+            </a:fld>
+            <a:endParaRPr lang="en-US"/>
+          </a:p>
+        </p:txBody>
+      </p:sp>
+      <p:pic>
+        <p:nvPicPr>
+          <p:cNvPr id="7" name="Picture 6">
+            <a:extLst>
+              <a:ext uri="{FF2B5EF4-FFF2-40B4-BE49-F238E27FC236}">
+                <a16:creationId xmlns:a16="http://schemas.microsoft.com/office/drawing/2014/main" id="{CEAC666A-BF4E-8D33-FE54-467EDEE5B144}"/>
+              </a:ext>
+            </a:extLst>
+          </p:cNvPr>
+          <p:cNvPicPr>
+            <a:picLocks noChangeAspect="1"/>
+          </p:cNvPicPr>
+          <p:nvPr/>
+        </p:nvPicPr>
+        <p:blipFill>
+          <a:blip r:embed="rId2"/>
+          <a:stretch>
+            <a:fillRect/>
+          </a:stretch>
+        </p:blipFill>
+        <p:spPr>
+          <a:xfrm>
+            <a:off x="5605345" y="3852488"/>
+            <a:ext cx="6229813" cy="2727383"/>
+          </a:xfrm>
+          <a:prstGeom prst="rect">
+            <a:avLst/>
+          </a:prstGeom>
+        </p:spPr>
+      </p:pic>
+    </p:spTree>
+    <p:extLst>
+      <p:ext uri="{BB962C8B-B14F-4D97-AF65-F5344CB8AC3E}">
+        <p14:creationId xmlns:p14="http://schemas.microsoft.com/office/powerpoint/2010/main" val="3021125727"/>
       </p:ext>
     </p:extLst>
   </p:cSld>

--- a/EE6008_48_UAV_week4.pptx
+++ b/EE6008_48_UAV_week4.pptx
@@ -5,45 +5,35 @@
     <p:sldMasterId id="2147483648" r:id="rId1"/>
   </p:sldMasterIdLst>
   <p:notesMasterIdLst>
-    <p:notesMasterId r:id="rId23"/>
+    <p:notesMasterId r:id="rId13"/>
   </p:notesMasterIdLst>
   <p:sldIdLst>
     <p:sldId id="256" r:id="rId2"/>
     <p:sldId id="284" r:id="rId3"/>
-    <p:sldId id="312" r:id="rId4"/>
-    <p:sldId id="302" r:id="rId5"/>
-    <p:sldId id="308" r:id="rId6"/>
-    <p:sldId id="311" r:id="rId7"/>
-    <p:sldId id="321" r:id="rId8"/>
-    <p:sldId id="322" r:id="rId9"/>
-    <p:sldId id="323" r:id="rId10"/>
-    <p:sldId id="324" r:id="rId11"/>
-    <p:sldId id="325" r:id="rId12"/>
-    <p:sldId id="327" r:id="rId13"/>
-    <p:sldId id="314" r:id="rId14"/>
-    <p:sldId id="318" r:id="rId15"/>
-    <p:sldId id="320" r:id="rId16"/>
-    <p:sldId id="326" r:id="rId17"/>
-    <p:sldId id="315" r:id="rId18"/>
-    <p:sldId id="316" r:id="rId19"/>
-    <p:sldId id="317" r:id="rId20"/>
-    <p:sldId id="313" r:id="rId21"/>
-    <p:sldId id="280" r:id="rId22"/>
+    <p:sldId id="309" r:id="rId4"/>
+    <p:sldId id="310" r:id="rId5"/>
+    <p:sldId id="289" r:id="rId6"/>
+    <p:sldId id="300" r:id="rId7"/>
+    <p:sldId id="307" r:id="rId8"/>
+    <p:sldId id="302" r:id="rId9"/>
+    <p:sldId id="308" r:id="rId10"/>
+    <p:sldId id="304" r:id="rId11"/>
+    <p:sldId id="280" r:id="rId12"/>
   </p:sldIdLst>
   <p:sldSz cx="12192000" cy="6858000"/>
   <p:notesSz cx="6858000" cy="9144000"/>
   <p:embeddedFontLst>
     <p:embeddedFont>
       <p:font typeface="Libre Franklin" pitchFamily="2" charset="0"/>
-      <p:regular r:id="rId24"/>
-      <p:bold r:id="rId25"/>
-      <p:italic r:id="rId26"/>
-      <p:boldItalic r:id="rId27"/>
+      <p:regular r:id="rId14"/>
+      <p:bold r:id="rId15"/>
+      <p:italic r:id="rId16"/>
+      <p:boldItalic r:id="rId17"/>
     </p:embeddedFont>
     <p:embeddedFont>
       <p:font typeface="Microsoft GothicNeo" panose="020B0500000101010101" pitchFamily="34" charset="-127"/>
-      <p:regular r:id="rId28"/>
-      <p:bold r:id="rId29"/>
+      <p:regular r:id="rId18"/>
+      <p:bold r:id="rId19"/>
     </p:embeddedFont>
   </p:embeddedFontLst>
   <p:defaultTextStyle>
@@ -282,24 +272,14 @@
           <p14:sldIdLst>
             <p14:sldId id="256"/>
             <p14:sldId id="284"/>
-            <p14:sldId id="312"/>
+            <p14:sldId id="309"/>
+            <p14:sldId id="310"/>
+            <p14:sldId id="289"/>
+            <p14:sldId id="300"/>
+            <p14:sldId id="307"/>
             <p14:sldId id="302"/>
             <p14:sldId id="308"/>
-            <p14:sldId id="311"/>
-            <p14:sldId id="321"/>
-            <p14:sldId id="322"/>
-            <p14:sldId id="323"/>
-            <p14:sldId id="324"/>
-            <p14:sldId id="325"/>
-            <p14:sldId id="327"/>
-            <p14:sldId id="314"/>
-            <p14:sldId id="318"/>
-            <p14:sldId id="320"/>
-            <p14:sldId id="326"/>
-            <p14:sldId id="315"/>
-            <p14:sldId id="316"/>
-            <p14:sldId id="317"/>
-            <p14:sldId id="313"/>
+            <p14:sldId id="304"/>
             <p14:sldId id="280"/>
           </p14:sldIdLst>
         </p14:section>
@@ -309,7 +289,7 @@
       <p15:sldGuideLst xmlns:p15="http://schemas.microsoft.com/office/powerpoint/2012/main"/>
     </p:ext>
     <p:ext uri="GoogleSlidesCustomDataVersion2">
-      <go:slidesCustomData xmlns="" xmlns:mc="http://schemas.openxmlformats.org/markup-compatibility/2006" xmlns:mv="urn:schemas-microsoft-com:mac:vml" xmlns:c="http://schemas.openxmlformats.org/drawingml/2006/chart" xmlns:dgm="http://schemas.openxmlformats.org/drawingml/2006/diagram" xmlns:o="urn:schemas-microsoft-com:office:office" xmlns:v="urn:schemas-microsoft-com:vml" xmlns:pvml="urn:schemas-microsoft-com:office:powerpoint" xmlns:com="http://schemas.openxmlformats.org/drawingml/2006/compatibility" xmlns:p14="http://schemas.microsoft.com/office/powerpoint/2010/main" xmlns:p15="http://schemas.microsoft.com/office/powerpoint/2012/main" xmlns:ahyp="http://schemas.microsoft.com/office/drawing/2018/hyperlinkcolor" xmlns:go="http://customooxmlschemas.google.com/" r:id="rId42" roundtripDataSignature="AMtx7mg95ozjZ+8hzLEFS2DFFpARxD+ThA=="/>
+      <go:slidesCustomData xmlns:go="http://customooxmlschemas.google.com/" xmlns:ahyp="http://schemas.microsoft.com/office/drawing/2018/hyperlinkcolor" xmlns:p15="http://schemas.microsoft.com/office/powerpoint/2012/main" xmlns:p14="http://schemas.microsoft.com/office/powerpoint/2010/main" xmlns:com="http://schemas.openxmlformats.org/drawingml/2006/compatibility" xmlns:pvml="urn:schemas-microsoft-com:office:powerpoint" xmlns:v="urn:schemas-microsoft-com:vml" xmlns:o="urn:schemas-microsoft-com:office:office" xmlns:dgm="http://schemas.openxmlformats.org/drawingml/2006/diagram" xmlns:c="http://schemas.openxmlformats.org/drawingml/2006/chart" xmlns:mv="urn:schemas-microsoft-com:mac:vml" xmlns:mc="http://schemas.openxmlformats.org/markup-compatibility/2006" xmlns="" r:id="rId42" roundtripDataSignature="AMtx7mg95ozjZ+8hzLEFS2DFFpARxD+ThA=="/>
     </p:ext>
   </p:extLst>
 </p:presentation>
@@ -1862,7 +1842,7 @@
                 <a:cs typeface="Arial"/>
                 <a:sym typeface="Arial"/>
               </a:rPr>
-              <a:t>21</a:t>
+              <a:t>11</a:t>
             </a:fld>
             <a:endParaRPr sz="1200">
               <a:solidFill>
@@ -15229,7 +15209,7 @@
                 <a:cs typeface="Microsoft GothicNeo" panose="020B0500000101010101" pitchFamily="34" charset="-127"/>
                 <a:sym typeface="Libre Franklin"/>
               </a:rPr>
-              <a:t>Speaker: Hu </a:t>
+              <a:t>Speaker Hu </a:t>
             </a:r>
             <a:r>
               <a:rPr lang="en-US" sz="2400" dirty="0" err="1">
@@ -15627,122 +15607,10 @@
       </p:grpSpPr>
       <p:sp>
         <p:nvSpPr>
-          <p:cNvPr id="2" name="Title 1">
-            <a:extLst>
-              <a:ext uri="{FF2B5EF4-FFF2-40B4-BE49-F238E27FC236}">
-                <a16:creationId xmlns:a16="http://schemas.microsoft.com/office/drawing/2014/main" id="{7FC3BA10-1082-9589-4BF6-36028E0F0F52}"/>
-              </a:ext>
-            </a:extLst>
-          </p:cNvPr>
-          <p:cNvSpPr>
-            <a:spLocks noGrp="1"/>
-          </p:cNvSpPr>
-          <p:nvPr>
-            <p:ph type="title"/>
-          </p:nvPr>
-        </p:nvSpPr>
-        <p:spPr/>
-        <p:txBody>
-          <a:bodyPr/>
-          <a:lstStyle/>
-          <a:p>
-            <a:r>
-              <a:rPr lang="en-US" altLang="zh-CN" dirty="0"/>
-              <a:t>We have done something wrong…</a:t>
-            </a:r>
-            <a:endParaRPr lang="zh-CN" altLang="en-US" dirty="0"/>
-          </a:p>
-        </p:txBody>
-      </p:sp>
-      <p:sp>
-        <p:nvSpPr>
-          <p:cNvPr id="3" name="Text Placeholder 2">
-            <a:extLst>
-              <a:ext uri="{FF2B5EF4-FFF2-40B4-BE49-F238E27FC236}">
-                <a16:creationId xmlns:a16="http://schemas.microsoft.com/office/drawing/2014/main" id="{853A5548-29A7-ABA0-7E66-26AAB85763A5}"/>
-              </a:ext>
-            </a:extLst>
-          </p:cNvPr>
-          <p:cNvSpPr>
-            <a:spLocks noGrp="1"/>
-          </p:cNvSpPr>
-          <p:nvPr>
-            <p:ph type="body" idx="1"/>
-          </p:nvPr>
-        </p:nvSpPr>
-        <p:spPr>
-          <a:xfrm>
-            <a:off x="594359" y="2281918"/>
-            <a:ext cx="10653504" cy="3708517"/>
-          </a:xfrm>
-        </p:spPr>
-        <p:txBody>
-          <a:bodyPr/>
-          <a:lstStyle/>
-          <a:p>
-            <a:r>
-              <a:rPr lang="en-US" altLang="zh-CN" dirty="0"/>
-              <a:t>We noticed that we have done something wrong</a:t>
-            </a:r>
-          </a:p>
-          <a:p>
-            <a:r>
-              <a:rPr lang="en-US" altLang="zh-CN" dirty="0"/>
-              <a:t>Then we found this paper</a:t>
-            </a:r>
-          </a:p>
-          <a:p>
-            <a:pPr lvl="1"/>
-            <a:r>
-              <a:rPr lang="en-US" altLang="zh-CN" dirty="0" err="1"/>
-              <a:t>VisDrone</a:t>
-            </a:r>
-            <a:r>
-              <a:rPr lang="en-US" altLang="zh-CN" dirty="0"/>
-              <a:t>-DET </a:t>
-            </a:r>
-            <a:r>
-              <a:rPr lang="ko-KR" altLang="en-US" dirty="0"/>
-              <a:t>학습데이터를 활용 </a:t>
-            </a:r>
-            <a:r>
-              <a:rPr lang="en-US" altLang="zh-CN" dirty="0"/>
-              <a:t>YOLO </a:t>
-            </a:r>
-            <a:r>
-              <a:rPr lang="ko-KR" altLang="en-US" dirty="0"/>
-              <a:t>버전별 분류 정확도 변화 비교 연구</a:t>
-            </a:r>
-          </a:p>
-          <a:p>
-            <a:pPr marL="558800" lvl="1" indent="0">
-              <a:buNone/>
-            </a:pPr>
-            <a:r>
-              <a:rPr lang="en-US" altLang="zh-CN" dirty="0"/>
-              <a:t>(Comparison of changes in classification accuracy by YOLO version using </a:t>
-            </a:r>
-            <a:r>
-              <a:rPr lang="en-US" altLang="zh-CN" dirty="0" err="1"/>
-              <a:t>VisDrone</a:t>
-            </a:r>
-            <a:r>
-              <a:rPr lang="en-US" altLang="zh-CN" dirty="0"/>
-              <a:t>-DET training data)</a:t>
-            </a:r>
-          </a:p>
-          <a:p>
-            <a:pPr lvl="1"/>
-            <a:endParaRPr lang="zh-CN" altLang="en-US" dirty="0"/>
-          </a:p>
-        </p:txBody>
-      </p:sp>
-      <p:sp>
-        <p:nvSpPr>
           <p:cNvPr id="4" name="Slide Number Placeholder 3">
             <a:extLst>
               <a:ext uri="{FF2B5EF4-FFF2-40B4-BE49-F238E27FC236}">
-                <a16:creationId xmlns:a16="http://schemas.microsoft.com/office/drawing/2014/main" id="{8C32BC67-660D-AA70-EE93-A0A21C3DC12B}"/>
+                <a16:creationId xmlns:a16="http://schemas.microsoft.com/office/drawing/2014/main" id="{BA80BADB-2598-FD64-5F5F-49C27C09791D}"/>
               </a:ext>
             </a:extLst>
           </p:cNvPr>
@@ -15775,42 +15643,12 @@
           </a:p>
         </p:txBody>
       </p:sp>
-    </p:spTree>
-    <p:extLst>
-      <p:ext uri="{BB962C8B-B14F-4D97-AF65-F5344CB8AC3E}">
-        <p14:creationId xmlns:p14="http://schemas.microsoft.com/office/powerpoint/2010/main" val="3591304339"/>
-      </p:ext>
-    </p:extLst>
-  </p:cSld>
-  <p:clrMapOvr>
-    <a:masterClrMapping/>
-  </p:clrMapOvr>
-</p:sld>
-</file>
-
-<file path=ppt/slides/slide11.xml><?xml version="1.0" encoding="utf-8"?>
-<p:sld xmlns:a="http://schemas.openxmlformats.org/drawingml/2006/main" xmlns:r="http://schemas.openxmlformats.org/officeDocument/2006/relationships" xmlns:p="http://schemas.openxmlformats.org/presentationml/2006/main">
-  <p:cSld>
-    <p:spTree>
-      <p:nvGrpSpPr>
-        <p:cNvPr id="1" name=""/>
-        <p:cNvGrpSpPr/>
-        <p:nvPr/>
-      </p:nvGrpSpPr>
-      <p:grpSpPr>
-        <a:xfrm>
-          <a:off x="0" y="0"/>
-          <a:ext cx="0" cy="0"/>
-          <a:chOff x="0" y="0"/>
-          <a:chExt cx="0" cy="0"/>
-        </a:xfrm>
-      </p:grpSpPr>
       <p:sp>
         <p:nvSpPr>
-          <p:cNvPr id="2" name="Title 1">
+          <p:cNvPr id="7" name="Title 1">
             <a:extLst>
               <a:ext uri="{FF2B5EF4-FFF2-40B4-BE49-F238E27FC236}">
-                <a16:creationId xmlns:a16="http://schemas.microsoft.com/office/drawing/2014/main" id="{AA2165BE-9639-A499-0376-EC9FE8767FB1}"/>
+                <a16:creationId xmlns:a16="http://schemas.microsoft.com/office/drawing/2014/main" id="{6B75723E-FD11-FC61-A869-CFD52F6FD460}"/>
               </a:ext>
             </a:extLst>
           </p:cNvPr>
@@ -15823,52 +15661,8 @@
         </p:nvSpPr>
         <p:spPr>
           <a:xfrm>
-            <a:off x="594361" y="189572"/>
-            <a:ext cx="5181972" cy="1593507"/>
-          </a:xfrm>
-        </p:spPr>
-        <p:txBody>
-          <a:bodyPr>
-            <a:normAutofit/>
-          </a:bodyPr>
-          <a:lstStyle/>
-          <a:p>
-            <a:r>
-              <a:rPr lang="en-US" altLang="zh-CN" sz="2400" dirty="0"/>
-              <a:t>Comparison of changes in classification accuracy by YOLO version using </a:t>
-            </a:r>
-            <a:r>
-              <a:rPr lang="en-US" altLang="zh-CN" sz="2400" dirty="0" err="1"/>
-              <a:t>VisDrone</a:t>
-            </a:r>
-            <a:r>
-              <a:rPr lang="en-US" altLang="zh-CN" sz="2400" dirty="0"/>
-              <a:t>-DET training data</a:t>
-            </a:r>
-            <a:endParaRPr lang="zh-CN" altLang="en-US" sz="2400" dirty="0"/>
-          </a:p>
-        </p:txBody>
-      </p:sp>
-      <p:sp>
-        <p:nvSpPr>
-          <p:cNvPr id="3" name="Text Placeholder 2">
-            <a:extLst>
-              <a:ext uri="{FF2B5EF4-FFF2-40B4-BE49-F238E27FC236}">
-                <a16:creationId xmlns:a16="http://schemas.microsoft.com/office/drawing/2014/main" id="{CB10283E-15C9-34FF-FCF5-12A2ADCB173F}"/>
-              </a:ext>
-            </a:extLst>
-          </p:cNvPr>
-          <p:cNvSpPr>
-            <a:spLocks noGrp="1"/>
-          </p:cNvSpPr>
-          <p:nvPr>
-            <p:ph type="body" idx="1"/>
-          </p:nvPr>
-        </p:nvSpPr>
-        <p:spPr>
-          <a:xfrm>
-            <a:off x="594360" y="2281918"/>
-            <a:ext cx="5271181" cy="3708517"/>
+            <a:off x="593724" y="188913"/>
+            <a:ext cx="11516499" cy="1593850"/>
           </a:xfrm>
         </p:spPr>
         <p:txBody>
@@ -15879,74 +15673,18 @@
           <a:p>
             <a:r>
               <a:rPr lang="en-US" altLang="zh-CN" dirty="0"/>
-              <a:t>It states that</a:t>
+              <a:t>Comparison of yolo11x training results between epochs=100 and epochs=200</a:t>
             </a:r>
-          </a:p>
-          <a:p>
-            <a:pPr lvl="1">
-              <a:buFont typeface="Wingdings" panose="05000000000000000000" pitchFamily="2" charset="2"/>
-              <a:buChar char="Ø"/>
-            </a:pPr>
-            <a:r>
-              <a:rPr lang="en-US" altLang="zh-CN" dirty="0"/>
-              <a:t>Image size is a high-performance parameter</a:t>
-            </a:r>
-          </a:p>
-          <a:p>
-            <a:pPr marL="558800" lvl="1" indent="0">
-              <a:buNone/>
-            </a:pPr>
-            <a:r>
-              <a:rPr lang="en-US" altLang="zh-CN" dirty="0"/>
-              <a:t>Then we notice we should change the image size to 1920 and the learning rate, things are going to be changed</a:t>
-            </a:r>
-          </a:p>
-        </p:txBody>
-      </p:sp>
-      <p:sp>
-        <p:nvSpPr>
-          <p:cNvPr id="4" name="Slide Number Placeholder 3">
-            <a:extLst>
-              <a:ext uri="{FF2B5EF4-FFF2-40B4-BE49-F238E27FC236}">
-                <a16:creationId xmlns:a16="http://schemas.microsoft.com/office/drawing/2014/main" id="{70ADB2EA-86D2-5E26-978F-D7518A175EFC}"/>
-              </a:ext>
-            </a:extLst>
-          </p:cNvPr>
-          <p:cNvSpPr>
-            <a:spLocks noGrp="1"/>
-          </p:cNvSpPr>
-          <p:nvPr>
-            <p:ph type="sldNum" idx="12"/>
-          </p:nvPr>
-        </p:nvSpPr>
-        <p:spPr/>
-        <p:txBody>
-          <a:bodyPr/>
-          <a:lstStyle/>
-          <a:p>
-            <a:pPr marL="0" lvl="0" indent="0" algn="l" rtl="0">
-              <a:spcBef>
-                <a:spcPts val="0"/>
-              </a:spcBef>
-              <a:spcAft>
-                <a:spcPts val="0"/>
-              </a:spcAft>
-              <a:buNone/>
-            </a:pPr>
-            <a:fld id="{00000000-1234-1234-1234-123412341234}" type="slidenum">
-              <a:rPr lang="en-US" smtClean="0"/>
-              <a:t>11</a:t>
-            </a:fld>
-            <a:endParaRPr lang="en-US"/>
+            <a:endParaRPr lang="zh-CN" altLang="en-US" dirty="0"/>
           </a:p>
         </p:txBody>
       </p:sp>
       <p:pic>
         <p:nvPicPr>
-          <p:cNvPr id="6" name="Picture 5">
+          <p:cNvPr id="8" name="Picture 7">
             <a:extLst>
               <a:ext uri="{FF2B5EF4-FFF2-40B4-BE49-F238E27FC236}">
-                <a16:creationId xmlns:a16="http://schemas.microsoft.com/office/drawing/2014/main" id="{19F1132F-10C8-F6D5-5E78-22E565F7E84D}"/>
+                <a16:creationId xmlns:a16="http://schemas.microsoft.com/office/drawing/2014/main" id="{26B95862-D55A-2D4C-777E-8B86A3458A25}"/>
               </a:ext>
             </a:extLst>
           </p:cNvPr>
@@ -15957,14 +15695,13 @@
         </p:nvPicPr>
         <p:blipFill>
           <a:blip r:embed="rId2"/>
-          <a:stretch>
-            <a:fillRect/>
-          </a:stretch>
+          <a:srcRect t="65650" r="35968"/>
+          <a:stretch/>
         </p:blipFill>
         <p:spPr>
           <a:xfrm>
-            <a:off x="6326460" y="351965"/>
-            <a:ext cx="5783766" cy="6104080"/>
+            <a:off x="594359" y="2772937"/>
+            <a:ext cx="5552497" cy="1806499"/>
           </a:xfrm>
           <a:prstGeom prst="rect">
             <a:avLst/>
@@ -15973,10 +15710,10 @@
       </p:pic>
       <p:pic>
         <p:nvPicPr>
-          <p:cNvPr id="8" name="Picture 7">
+          <p:cNvPr id="9" name="Picture 8">
             <a:extLst>
               <a:ext uri="{FF2B5EF4-FFF2-40B4-BE49-F238E27FC236}">
-                <a16:creationId xmlns:a16="http://schemas.microsoft.com/office/drawing/2014/main" id="{1056B7A6-BB26-DC43-E971-A1AE0C06B9CC}"/>
+                <a16:creationId xmlns:a16="http://schemas.microsoft.com/office/drawing/2014/main" id="{B2F691DB-E72F-7CC5-6536-BB2DBC906054}"/>
               </a:ext>
             </a:extLst>
           </p:cNvPr>
@@ -15987,258 +15724,25 @@
         </p:nvPicPr>
         <p:blipFill>
           <a:blip r:embed="rId3"/>
-          <a:stretch>
-            <a:fillRect/>
-          </a:stretch>
+          <a:srcRect l="-1" t="39068" r="55113" b="2824"/>
+          <a:stretch/>
         </p:blipFill>
         <p:spPr>
           <a:xfrm>
-            <a:off x="2687993" y="4643861"/>
-            <a:ext cx="3088340" cy="1845413"/>
+            <a:off x="6146856" y="2772937"/>
+            <a:ext cx="4895199" cy="1806499"/>
           </a:xfrm>
           <a:prstGeom prst="rect">
             <a:avLst/>
           </a:prstGeom>
         </p:spPr>
       </p:pic>
-    </p:spTree>
-    <p:extLst>
-      <p:ext uri="{BB962C8B-B14F-4D97-AF65-F5344CB8AC3E}">
-        <p14:creationId xmlns:p14="http://schemas.microsoft.com/office/powerpoint/2010/main" val="3679270149"/>
-      </p:ext>
-    </p:extLst>
-  </p:cSld>
-  <p:clrMapOvr>
-    <a:masterClrMapping/>
-  </p:clrMapOvr>
-</p:sld>
-</file>
-
-<file path=ppt/slides/slide12.xml><?xml version="1.0" encoding="utf-8"?>
-<p:sld xmlns:a="http://schemas.openxmlformats.org/drawingml/2006/main" xmlns:r="http://schemas.openxmlformats.org/officeDocument/2006/relationships" xmlns:p="http://schemas.openxmlformats.org/presentationml/2006/main">
-  <p:cSld>
-    <p:spTree>
-      <p:nvGrpSpPr>
-        <p:cNvPr id="1" name=""/>
-        <p:cNvGrpSpPr/>
-        <p:nvPr/>
-      </p:nvGrpSpPr>
-      <p:grpSpPr>
-        <a:xfrm>
-          <a:off x="0" y="0"/>
-          <a:ext cx="0" cy="0"/>
-          <a:chOff x="0" y="0"/>
-          <a:chExt cx="0" cy="0"/>
-        </a:xfrm>
-      </p:grpSpPr>
       <p:sp>
         <p:nvSpPr>
-          <p:cNvPr id="2" name="Title 1">
+          <p:cNvPr id="10" name="Title 1">
             <a:extLst>
               <a:ext uri="{FF2B5EF4-FFF2-40B4-BE49-F238E27FC236}">
-                <a16:creationId xmlns:a16="http://schemas.microsoft.com/office/drawing/2014/main" id="{8AF62734-5044-AD54-6918-1AE50766EAA4}"/>
-              </a:ext>
-            </a:extLst>
-          </p:cNvPr>
-          <p:cNvSpPr>
-            <a:spLocks noGrp="1"/>
-          </p:cNvSpPr>
-          <p:nvPr>
-            <p:ph type="title"/>
-          </p:nvPr>
-        </p:nvSpPr>
-        <p:spPr/>
-        <p:txBody>
-          <a:bodyPr/>
-          <a:lstStyle/>
-          <a:p>
-            <a:r>
-              <a:rPr lang="en-US" altLang="zh-CN" dirty="0"/>
-              <a:t>New Training</a:t>
-            </a:r>
-            <a:endParaRPr lang="zh-CN" altLang="en-US" dirty="0"/>
-          </a:p>
-        </p:txBody>
-      </p:sp>
-      <p:sp>
-        <p:nvSpPr>
-          <p:cNvPr id="3" name="Text Placeholder 2">
-            <a:extLst>
-              <a:ext uri="{FF2B5EF4-FFF2-40B4-BE49-F238E27FC236}">
-                <a16:creationId xmlns:a16="http://schemas.microsoft.com/office/drawing/2014/main" id="{FF60C99F-C843-34DE-73D3-049C2708952C}"/>
-              </a:ext>
-            </a:extLst>
-          </p:cNvPr>
-          <p:cNvSpPr>
-            <a:spLocks noGrp="1"/>
-          </p:cNvSpPr>
-          <p:nvPr>
-            <p:ph type="body" idx="1"/>
-          </p:nvPr>
-        </p:nvSpPr>
-        <p:spPr/>
-        <p:txBody>
-          <a:bodyPr/>
-          <a:lstStyle/>
-          <a:p>
-            <a:endParaRPr lang="zh-CN" altLang="en-US"/>
-          </a:p>
-        </p:txBody>
-      </p:sp>
-      <p:sp>
-        <p:nvSpPr>
-          <p:cNvPr id="4" name="Slide Number Placeholder 3">
-            <a:extLst>
-              <a:ext uri="{FF2B5EF4-FFF2-40B4-BE49-F238E27FC236}">
-                <a16:creationId xmlns:a16="http://schemas.microsoft.com/office/drawing/2014/main" id="{7354E784-A815-6E32-C90E-FD559E80AD8B}"/>
-              </a:ext>
-            </a:extLst>
-          </p:cNvPr>
-          <p:cNvSpPr>
-            <a:spLocks noGrp="1"/>
-          </p:cNvSpPr>
-          <p:nvPr>
-            <p:ph type="sldNum" idx="12"/>
-          </p:nvPr>
-        </p:nvSpPr>
-        <p:spPr/>
-        <p:txBody>
-          <a:bodyPr/>
-          <a:lstStyle/>
-          <a:p>
-            <a:pPr marL="0" lvl="0" indent="0" algn="l" rtl="0">
-              <a:spcBef>
-                <a:spcPts val="0"/>
-              </a:spcBef>
-              <a:spcAft>
-                <a:spcPts val="0"/>
-              </a:spcAft>
-              <a:buNone/>
-            </a:pPr>
-            <a:fld id="{00000000-1234-1234-1234-123412341234}" type="slidenum">
-              <a:rPr lang="en-US" smtClean="0"/>
-              <a:t>12</a:t>
-            </a:fld>
-            <a:endParaRPr lang="en-US"/>
-          </a:p>
-        </p:txBody>
-      </p:sp>
-    </p:spTree>
-    <p:extLst>
-      <p:ext uri="{BB962C8B-B14F-4D97-AF65-F5344CB8AC3E}">
-        <p14:creationId xmlns:p14="http://schemas.microsoft.com/office/powerpoint/2010/main" val="2962766465"/>
-      </p:ext>
-    </p:extLst>
-  </p:cSld>
-  <p:clrMapOvr>
-    <a:masterClrMapping/>
-  </p:clrMapOvr>
-</p:sld>
-</file>
-
-<file path=ppt/slides/slide13.xml><?xml version="1.0" encoding="utf-8"?>
-<p:sld xmlns:a="http://schemas.openxmlformats.org/drawingml/2006/main" xmlns:r="http://schemas.openxmlformats.org/officeDocument/2006/relationships" xmlns:p="http://schemas.openxmlformats.org/presentationml/2006/main">
-  <p:cSld>
-    <p:spTree>
-      <p:nvGrpSpPr>
-        <p:cNvPr id="1" name="">
-          <a:extLst>
-            <a:ext uri="{FF2B5EF4-FFF2-40B4-BE49-F238E27FC236}">
-              <a16:creationId xmlns:a16="http://schemas.microsoft.com/office/drawing/2014/main" id="{87DF1F07-D340-B8BD-BDC3-54C824B78C85}"/>
-            </a:ext>
-          </a:extLst>
-        </p:cNvPr>
-        <p:cNvGrpSpPr/>
-        <p:nvPr/>
-      </p:nvGrpSpPr>
-      <p:grpSpPr>
-        <a:xfrm>
-          <a:off x="0" y="0"/>
-          <a:ext cx="0" cy="0"/>
-          <a:chOff x="0" y="0"/>
-          <a:chExt cx="0" cy="0"/>
-        </a:xfrm>
-      </p:grpSpPr>
-      <p:sp>
-        <p:nvSpPr>
-          <p:cNvPr id="2" name="Title 1">
-            <a:extLst>
-              <a:ext uri="{FF2B5EF4-FFF2-40B4-BE49-F238E27FC236}">
-                <a16:creationId xmlns:a16="http://schemas.microsoft.com/office/drawing/2014/main" id="{BC6FD227-6C64-2D8A-4AB9-42A789C945F2}"/>
-              </a:ext>
-            </a:extLst>
-          </p:cNvPr>
-          <p:cNvSpPr>
-            <a:spLocks noGrp="1"/>
-          </p:cNvSpPr>
-          <p:nvPr>
-            <p:ph type="title"/>
-          </p:nvPr>
-        </p:nvSpPr>
-        <p:spPr>
-          <a:xfrm>
-            <a:off x="542319" y="154303"/>
-            <a:ext cx="11307708" cy="247651"/>
-          </a:xfrm>
-        </p:spPr>
-        <p:txBody>
-          <a:bodyPr>
-            <a:normAutofit/>
-          </a:bodyPr>
-          <a:lstStyle/>
-          <a:p>
-            <a:r>
-              <a:rPr lang="en-US" altLang="zh-CN" sz="1800" dirty="0"/>
-              <a:t>testing result of yolo11nano </a:t>
-            </a:r>
-            <a:endParaRPr lang="zh-CN" altLang="en-US" sz="1800" dirty="0"/>
-          </a:p>
-        </p:txBody>
-      </p:sp>
-      <p:sp>
-        <p:nvSpPr>
-          <p:cNvPr id="4" name="Slide Number Placeholder 3">
-            <a:extLst>
-              <a:ext uri="{FF2B5EF4-FFF2-40B4-BE49-F238E27FC236}">
-                <a16:creationId xmlns:a16="http://schemas.microsoft.com/office/drawing/2014/main" id="{A5B4A2FE-F8E5-AED4-DC6B-670EB02237B1}"/>
-              </a:ext>
-            </a:extLst>
-          </p:cNvPr>
-          <p:cNvSpPr>
-            <a:spLocks noGrp="1"/>
-          </p:cNvSpPr>
-          <p:nvPr>
-            <p:ph type="sldNum" idx="12"/>
-          </p:nvPr>
-        </p:nvSpPr>
-        <p:spPr/>
-        <p:txBody>
-          <a:bodyPr/>
-          <a:lstStyle/>
-          <a:p>
-            <a:pPr marL="0" lvl="0" indent="0" algn="l" rtl="0">
-              <a:spcBef>
-                <a:spcPts val="0"/>
-              </a:spcBef>
-              <a:spcAft>
-                <a:spcPts val="0"/>
-              </a:spcAft>
-              <a:buNone/>
-            </a:pPr>
-            <a:fld id="{00000000-1234-1234-1234-123412341234}" type="slidenum">
-              <a:rPr lang="en-US" smtClean="0"/>
-              <a:t>13</a:t>
-            </a:fld>
-            <a:endParaRPr lang="en-US"/>
-          </a:p>
-        </p:txBody>
-      </p:sp>
-      <p:sp>
-        <p:nvSpPr>
-          <p:cNvPr id="8" name="Title 1">
-            <a:extLst>
-              <a:ext uri="{FF2B5EF4-FFF2-40B4-BE49-F238E27FC236}">
-                <a16:creationId xmlns:a16="http://schemas.microsoft.com/office/drawing/2014/main" id="{C1DBCA47-C5F5-4224-C264-A67F88DFB11D}"/>
+                <a16:creationId xmlns:a16="http://schemas.microsoft.com/office/drawing/2014/main" id="{F57FAAD1-D478-7AEA-D8E1-F7DE3B12724F}"/>
               </a:ext>
             </a:extLst>
           </p:cNvPr>
@@ -16249,8 +15753,8 @@
         </p:nvSpPr>
         <p:spPr>
           <a:xfrm>
-            <a:off x="542318" y="2350046"/>
-            <a:ext cx="11307708" cy="247651"/>
+            <a:off x="593724" y="4579436"/>
+            <a:ext cx="5293497" cy="351039"/>
           </a:xfrm>
           <a:prstGeom prst="rect">
             <a:avLst/>
@@ -16514,7 +16018,7 @@
           <a:p>
             <a:r>
               <a:rPr lang="en-US" altLang="zh-CN" sz="1800" dirty="0"/>
-              <a:t>testing result of yolo11small </a:t>
+              <a:t>training result of yolo11xtra with epochs=100</a:t>
             </a:r>
             <a:endParaRPr lang="zh-CN" altLang="en-US" sz="1800" dirty="0"/>
           </a:p>
@@ -16522,10 +16026,10 @@
       </p:sp>
       <p:sp>
         <p:nvSpPr>
-          <p:cNvPr id="9" name="Title 1">
+          <p:cNvPr id="11" name="Title 1">
             <a:extLst>
               <a:ext uri="{FF2B5EF4-FFF2-40B4-BE49-F238E27FC236}">
-                <a16:creationId xmlns:a16="http://schemas.microsoft.com/office/drawing/2014/main" id="{757D6D2B-8849-7B5B-773B-00BB6DF7B632}"/>
+                <a16:creationId xmlns:a16="http://schemas.microsoft.com/office/drawing/2014/main" id="{5C9C5689-5AFD-E2E0-DC8A-66984C7FA98B}"/>
               </a:ext>
             </a:extLst>
           </p:cNvPr>
@@ -16536,8 +16040,8 @@
         </p:nvSpPr>
         <p:spPr>
           <a:xfrm>
-            <a:off x="542318" y="4365824"/>
-            <a:ext cx="11307708" cy="247651"/>
+            <a:off x="6045145" y="4579435"/>
+            <a:ext cx="5293497" cy="351039"/>
           </a:xfrm>
           <a:prstGeom prst="rect">
             <a:avLst/>
@@ -16801,7 +16305,7 @@
           <a:p>
             <a:r>
               <a:rPr lang="en-US" altLang="zh-CN" sz="1800" dirty="0"/>
-              <a:t>testing result of yolo11middle </a:t>
+              <a:t>training result of yolo11xtra with epochs=200</a:t>
             </a:r>
             <a:endParaRPr lang="zh-CN" altLang="en-US" sz="1800" dirty="0"/>
           </a:p>
@@ -16809,588 +16313,10 @@
       </p:sp>
       <p:sp>
         <p:nvSpPr>
-          <p:cNvPr id="11" name="Title 1">
+          <p:cNvPr id="12" name="TextBox 11">
             <a:extLst>
               <a:ext uri="{FF2B5EF4-FFF2-40B4-BE49-F238E27FC236}">
-                <a16:creationId xmlns:a16="http://schemas.microsoft.com/office/drawing/2014/main" id="{F00AEF5D-7326-747D-CE82-5BEC2B6A4F25}"/>
-              </a:ext>
-            </a:extLst>
-          </p:cNvPr>
-          <p:cNvSpPr txBox="1">
-            <a:spLocks/>
-          </p:cNvSpPr>
-          <p:nvPr/>
-        </p:nvSpPr>
-        <p:spPr>
-          <a:xfrm>
-            <a:off x="5868111" y="147379"/>
-            <a:ext cx="3397402" cy="289153"/>
-          </a:xfrm>
-          <a:prstGeom prst="rect">
-            <a:avLst/>
-          </a:prstGeom>
-          <a:noFill/>
-          <a:ln>
-            <a:noFill/>
-          </a:ln>
-        </p:spPr>
-        <p:txBody>
-          <a:bodyPr spcFirstLastPara="1" wrap="square" lIns="0" tIns="0" rIns="0" bIns="0" anchor="b" anchorCtr="0">
-            <a:normAutofit fontScale="85000" lnSpcReduction="10000"/>
-          </a:bodyPr>
-          <a:lstStyle>
-            <a:defPPr marR="0" lvl="0" algn="l" rtl="0">
-              <a:lnSpc>
-                <a:spcPct val="100000"/>
-              </a:lnSpc>
-              <a:spcBef>
-                <a:spcPts val="0"/>
-              </a:spcBef>
-              <a:spcAft>
-                <a:spcPts val="0"/>
-              </a:spcAft>
-            </a:defPPr>
-            <a:lvl1pPr marR="0" lvl="0" algn="l" rtl="0">
-              <a:lnSpc>
-                <a:spcPct val="80000"/>
-              </a:lnSpc>
-              <a:spcBef>
-                <a:spcPts val="0"/>
-              </a:spcBef>
-              <a:spcAft>
-                <a:spcPts val="0"/>
-              </a:spcAft>
-              <a:buClr>
-                <a:schemeClr val="dk1"/>
-              </a:buClr>
-              <a:buSzPts val="4400"/>
-              <a:buFont typeface="Arial"/>
-              <a:buNone/>
-              <a:defRPr sz="4400" b="1" i="0" u="none" strike="noStrike" cap="none">
-                <a:solidFill>
-                  <a:schemeClr val="dk1"/>
-                </a:solidFill>
-                <a:latin typeface="Arial"/>
-                <a:ea typeface="Arial"/>
-                <a:cs typeface="Arial"/>
-                <a:sym typeface="Arial"/>
-              </a:defRPr>
-            </a:lvl1pPr>
-            <a:lvl2pPr marR="0" lvl="1" algn="l" rtl="0">
-              <a:lnSpc>
-                <a:spcPct val="100000"/>
-              </a:lnSpc>
-              <a:spcBef>
-                <a:spcPts val="0"/>
-              </a:spcBef>
-              <a:spcAft>
-                <a:spcPts val="0"/>
-              </a:spcAft>
-              <a:buClr>
-                <a:srgbClr val="000000"/>
-              </a:buClr>
-              <a:buSzPts val="1400"/>
-              <a:buFont typeface="Arial"/>
-              <a:buNone/>
-              <a:defRPr sz="1800" b="0" i="0" u="none" strike="noStrike" cap="none">
-                <a:solidFill>
-                  <a:srgbClr val="000000"/>
-                </a:solidFill>
-                <a:latin typeface="Arial"/>
-                <a:ea typeface="Arial"/>
-                <a:cs typeface="Arial"/>
-                <a:sym typeface="Arial"/>
-              </a:defRPr>
-            </a:lvl2pPr>
-            <a:lvl3pPr marR="0" lvl="2" algn="l" rtl="0">
-              <a:lnSpc>
-                <a:spcPct val="100000"/>
-              </a:lnSpc>
-              <a:spcBef>
-                <a:spcPts val="0"/>
-              </a:spcBef>
-              <a:spcAft>
-                <a:spcPts val="0"/>
-              </a:spcAft>
-              <a:buClr>
-                <a:srgbClr val="000000"/>
-              </a:buClr>
-              <a:buSzPts val="1400"/>
-              <a:buFont typeface="Arial"/>
-              <a:buNone/>
-              <a:defRPr sz="1800" b="0" i="0" u="none" strike="noStrike" cap="none">
-                <a:solidFill>
-                  <a:srgbClr val="000000"/>
-                </a:solidFill>
-                <a:latin typeface="Arial"/>
-                <a:ea typeface="Arial"/>
-                <a:cs typeface="Arial"/>
-                <a:sym typeface="Arial"/>
-              </a:defRPr>
-            </a:lvl3pPr>
-            <a:lvl4pPr marR="0" lvl="3" algn="l" rtl="0">
-              <a:lnSpc>
-                <a:spcPct val="100000"/>
-              </a:lnSpc>
-              <a:spcBef>
-                <a:spcPts val="0"/>
-              </a:spcBef>
-              <a:spcAft>
-                <a:spcPts val="0"/>
-              </a:spcAft>
-              <a:buClr>
-                <a:srgbClr val="000000"/>
-              </a:buClr>
-              <a:buSzPts val="1400"/>
-              <a:buFont typeface="Arial"/>
-              <a:buNone/>
-              <a:defRPr sz="1800" b="0" i="0" u="none" strike="noStrike" cap="none">
-                <a:solidFill>
-                  <a:srgbClr val="000000"/>
-                </a:solidFill>
-                <a:latin typeface="Arial"/>
-                <a:ea typeface="Arial"/>
-                <a:cs typeface="Arial"/>
-                <a:sym typeface="Arial"/>
-              </a:defRPr>
-            </a:lvl4pPr>
-            <a:lvl5pPr marR="0" lvl="4" algn="l" rtl="0">
-              <a:lnSpc>
-                <a:spcPct val="100000"/>
-              </a:lnSpc>
-              <a:spcBef>
-                <a:spcPts val="0"/>
-              </a:spcBef>
-              <a:spcAft>
-                <a:spcPts val="0"/>
-              </a:spcAft>
-              <a:buClr>
-                <a:srgbClr val="000000"/>
-              </a:buClr>
-              <a:buSzPts val="1400"/>
-              <a:buFont typeface="Arial"/>
-              <a:buNone/>
-              <a:defRPr sz="1800" b="0" i="0" u="none" strike="noStrike" cap="none">
-                <a:solidFill>
-                  <a:srgbClr val="000000"/>
-                </a:solidFill>
-                <a:latin typeface="Arial"/>
-                <a:ea typeface="Arial"/>
-                <a:cs typeface="Arial"/>
-                <a:sym typeface="Arial"/>
-              </a:defRPr>
-            </a:lvl5pPr>
-            <a:lvl6pPr marR="0" lvl="5" algn="l" rtl="0">
-              <a:lnSpc>
-                <a:spcPct val="100000"/>
-              </a:lnSpc>
-              <a:spcBef>
-                <a:spcPts val="0"/>
-              </a:spcBef>
-              <a:spcAft>
-                <a:spcPts val="0"/>
-              </a:spcAft>
-              <a:buClr>
-                <a:srgbClr val="000000"/>
-              </a:buClr>
-              <a:buSzPts val="1400"/>
-              <a:buFont typeface="Arial"/>
-              <a:buNone/>
-              <a:defRPr sz="1800" b="0" i="0" u="none" strike="noStrike" cap="none">
-                <a:solidFill>
-                  <a:srgbClr val="000000"/>
-                </a:solidFill>
-                <a:latin typeface="Arial"/>
-                <a:ea typeface="Arial"/>
-                <a:cs typeface="Arial"/>
-                <a:sym typeface="Arial"/>
-              </a:defRPr>
-            </a:lvl6pPr>
-            <a:lvl7pPr marR="0" lvl="6" algn="l" rtl="0">
-              <a:lnSpc>
-                <a:spcPct val="100000"/>
-              </a:lnSpc>
-              <a:spcBef>
-                <a:spcPts val="0"/>
-              </a:spcBef>
-              <a:spcAft>
-                <a:spcPts val="0"/>
-              </a:spcAft>
-              <a:buClr>
-                <a:srgbClr val="000000"/>
-              </a:buClr>
-              <a:buSzPts val="1400"/>
-              <a:buFont typeface="Arial"/>
-              <a:buNone/>
-              <a:defRPr sz="1800" b="0" i="0" u="none" strike="noStrike" cap="none">
-                <a:solidFill>
-                  <a:srgbClr val="000000"/>
-                </a:solidFill>
-                <a:latin typeface="Arial"/>
-                <a:ea typeface="Arial"/>
-                <a:cs typeface="Arial"/>
-                <a:sym typeface="Arial"/>
-              </a:defRPr>
-            </a:lvl7pPr>
-            <a:lvl8pPr marR="0" lvl="7" algn="l" rtl="0">
-              <a:lnSpc>
-                <a:spcPct val="100000"/>
-              </a:lnSpc>
-              <a:spcBef>
-                <a:spcPts val="0"/>
-              </a:spcBef>
-              <a:spcAft>
-                <a:spcPts val="0"/>
-              </a:spcAft>
-              <a:buClr>
-                <a:srgbClr val="000000"/>
-              </a:buClr>
-              <a:buSzPts val="1400"/>
-              <a:buFont typeface="Arial"/>
-              <a:buNone/>
-              <a:defRPr sz="1800" b="0" i="0" u="none" strike="noStrike" cap="none">
-                <a:solidFill>
-                  <a:srgbClr val="000000"/>
-                </a:solidFill>
-                <a:latin typeface="Arial"/>
-                <a:ea typeface="Arial"/>
-                <a:cs typeface="Arial"/>
-                <a:sym typeface="Arial"/>
-              </a:defRPr>
-            </a:lvl8pPr>
-            <a:lvl9pPr marR="0" lvl="8" algn="l" rtl="0">
-              <a:lnSpc>
-                <a:spcPct val="100000"/>
-              </a:lnSpc>
-              <a:spcBef>
-                <a:spcPts val="0"/>
-              </a:spcBef>
-              <a:spcAft>
-                <a:spcPts val="0"/>
-              </a:spcAft>
-              <a:buClr>
-                <a:srgbClr val="000000"/>
-              </a:buClr>
-              <a:buSzPts val="1400"/>
-              <a:buFont typeface="Arial"/>
-              <a:buNone/>
-              <a:defRPr sz="1800" b="0" i="0" u="none" strike="noStrike" cap="none">
-                <a:solidFill>
-                  <a:srgbClr val="000000"/>
-                </a:solidFill>
-                <a:latin typeface="Arial"/>
-                <a:ea typeface="Arial"/>
-                <a:cs typeface="Arial"/>
-                <a:sym typeface="Arial"/>
-              </a:defRPr>
-            </a:lvl9pPr>
-          </a:lstStyle>
-          <a:p>
-            <a:r>
-              <a:rPr lang="en-US" altLang="zh-CN" sz="1800" dirty="0"/>
-              <a:t>testing result of yolo11large </a:t>
-            </a:r>
-            <a:r>
-              <a:rPr lang="en-US" altLang="zh-CN" sz="1800" dirty="0" err="1"/>
-              <a:t>mAP</a:t>
-            </a:r>
-            <a:endParaRPr lang="zh-CN" altLang="en-US" sz="1800" dirty="0"/>
-          </a:p>
-        </p:txBody>
-      </p:sp>
-      <p:sp>
-        <p:nvSpPr>
-          <p:cNvPr id="13" name="Title 1">
-            <a:extLst>
-              <a:ext uri="{FF2B5EF4-FFF2-40B4-BE49-F238E27FC236}">
-                <a16:creationId xmlns:a16="http://schemas.microsoft.com/office/drawing/2014/main" id="{625B91C1-3ED6-2E29-90BC-C13EEB6EA072}"/>
-              </a:ext>
-            </a:extLst>
-          </p:cNvPr>
-          <p:cNvSpPr txBox="1">
-            <a:spLocks/>
-          </p:cNvSpPr>
-          <p:nvPr/>
-        </p:nvSpPr>
-        <p:spPr>
-          <a:xfrm>
-            <a:off x="5868111" y="2300632"/>
-            <a:ext cx="3397402" cy="289153"/>
-          </a:xfrm>
-          <a:prstGeom prst="rect">
-            <a:avLst/>
-          </a:prstGeom>
-          <a:noFill/>
-          <a:ln>
-            <a:noFill/>
-          </a:ln>
-        </p:spPr>
-        <p:txBody>
-          <a:bodyPr spcFirstLastPara="1" wrap="square" lIns="0" tIns="0" rIns="0" bIns="0" anchor="b" anchorCtr="0">
-            <a:normAutofit/>
-          </a:bodyPr>
-          <a:lstStyle>
-            <a:defPPr marR="0" lvl="0" algn="l" rtl="0">
-              <a:lnSpc>
-                <a:spcPct val="100000"/>
-              </a:lnSpc>
-              <a:spcBef>
-                <a:spcPts val="0"/>
-              </a:spcBef>
-              <a:spcAft>
-                <a:spcPts val="0"/>
-              </a:spcAft>
-            </a:defPPr>
-            <a:lvl1pPr marR="0" lvl="0" algn="l" rtl="0">
-              <a:lnSpc>
-                <a:spcPct val="80000"/>
-              </a:lnSpc>
-              <a:spcBef>
-                <a:spcPts val="0"/>
-              </a:spcBef>
-              <a:spcAft>
-                <a:spcPts val="0"/>
-              </a:spcAft>
-              <a:buClr>
-                <a:schemeClr val="dk1"/>
-              </a:buClr>
-              <a:buSzPts val="4400"/>
-              <a:buFont typeface="Arial"/>
-              <a:buNone/>
-              <a:defRPr sz="4400" b="1" i="0" u="none" strike="noStrike" cap="none">
-                <a:solidFill>
-                  <a:schemeClr val="dk1"/>
-                </a:solidFill>
-                <a:latin typeface="Arial"/>
-                <a:ea typeface="Arial"/>
-                <a:cs typeface="Arial"/>
-                <a:sym typeface="Arial"/>
-              </a:defRPr>
-            </a:lvl1pPr>
-            <a:lvl2pPr marR="0" lvl="1" algn="l" rtl="0">
-              <a:lnSpc>
-                <a:spcPct val="100000"/>
-              </a:lnSpc>
-              <a:spcBef>
-                <a:spcPts val="0"/>
-              </a:spcBef>
-              <a:spcAft>
-                <a:spcPts val="0"/>
-              </a:spcAft>
-              <a:buClr>
-                <a:srgbClr val="000000"/>
-              </a:buClr>
-              <a:buSzPts val="1400"/>
-              <a:buFont typeface="Arial"/>
-              <a:buNone/>
-              <a:defRPr sz="1800" b="0" i="0" u="none" strike="noStrike" cap="none">
-                <a:solidFill>
-                  <a:srgbClr val="000000"/>
-                </a:solidFill>
-                <a:latin typeface="Arial"/>
-                <a:ea typeface="Arial"/>
-                <a:cs typeface="Arial"/>
-                <a:sym typeface="Arial"/>
-              </a:defRPr>
-            </a:lvl2pPr>
-            <a:lvl3pPr marR="0" lvl="2" algn="l" rtl="0">
-              <a:lnSpc>
-                <a:spcPct val="100000"/>
-              </a:lnSpc>
-              <a:spcBef>
-                <a:spcPts val="0"/>
-              </a:spcBef>
-              <a:spcAft>
-                <a:spcPts val="0"/>
-              </a:spcAft>
-              <a:buClr>
-                <a:srgbClr val="000000"/>
-              </a:buClr>
-              <a:buSzPts val="1400"/>
-              <a:buFont typeface="Arial"/>
-              <a:buNone/>
-              <a:defRPr sz="1800" b="0" i="0" u="none" strike="noStrike" cap="none">
-                <a:solidFill>
-                  <a:srgbClr val="000000"/>
-                </a:solidFill>
-                <a:latin typeface="Arial"/>
-                <a:ea typeface="Arial"/>
-                <a:cs typeface="Arial"/>
-                <a:sym typeface="Arial"/>
-              </a:defRPr>
-            </a:lvl3pPr>
-            <a:lvl4pPr marR="0" lvl="3" algn="l" rtl="0">
-              <a:lnSpc>
-                <a:spcPct val="100000"/>
-              </a:lnSpc>
-              <a:spcBef>
-                <a:spcPts val="0"/>
-              </a:spcBef>
-              <a:spcAft>
-                <a:spcPts val="0"/>
-              </a:spcAft>
-              <a:buClr>
-                <a:srgbClr val="000000"/>
-              </a:buClr>
-              <a:buSzPts val="1400"/>
-              <a:buFont typeface="Arial"/>
-              <a:buNone/>
-              <a:defRPr sz="1800" b="0" i="0" u="none" strike="noStrike" cap="none">
-                <a:solidFill>
-                  <a:srgbClr val="000000"/>
-                </a:solidFill>
-                <a:latin typeface="Arial"/>
-                <a:ea typeface="Arial"/>
-                <a:cs typeface="Arial"/>
-                <a:sym typeface="Arial"/>
-              </a:defRPr>
-            </a:lvl4pPr>
-            <a:lvl5pPr marR="0" lvl="4" algn="l" rtl="0">
-              <a:lnSpc>
-                <a:spcPct val="100000"/>
-              </a:lnSpc>
-              <a:spcBef>
-                <a:spcPts val="0"/>
-              </a:spcBef>
-              <a:spcAft>
-                <a:spcPts val="0"/>
-              </a:spcAft>
-              <a:buClr>
-                <a:srgbClr val="000000"/>
-              </a:buClr>
-              <a:buSzPts val="1400"/>
-              <a:buFont typeface="Arial"/>
-              <a:buNone/>
-              <a:defRPr sz="1800" b="0" i="0" u="none" strike="noStrike" cap="none">
-                <a:solidFill>
-                  <a:srgbClr val="000000"/>
-                </a:solidFill>
-                <a:latin typeface="Arial"/>
-                <a:ea typeface="Arial"/>
-                <a:cs typeface="Arial"/>
-                <a:sym typeface="Arial"/>
-              </a:defRPr>
-            </a:lvl5pPr>
-            <a:lvl6pPr marR="0" lvl="5" algn="l" rtl="0">
-              <a:lnSpc>
-                <a:spcPct val="100000"/>
-              </a:lnSpc>
-              <a:spcBef>
-                <a:spcPts val="0"/>
-              </a:spcBef>
-              <a:spcAft>
-                <a:spcPts val="0"/>
-              </a:spcAft>
-              <a:buClr>
-                <a:srgbClr val="000000"/>
-              </a:buClr>
-              <a:buSzPts val="1400"/>
-              <a:buFont typeface="Arial"/>
-              <a:buNone/>
-              <a:defRPr sz="1800" b="0" i="0" u="none" strike="noStrike" cap="none">
-                <a:solidFill>
-                  <a:srgbClr val="000000"/>
-                </a:solidFill>
-                <a:latin typeface="Arial"/>
-                <a:ea typeface="Arial"/>
-                <a:cs typeface="Arial"/>
-                <a:sym typeface="Arial"/>
-              </a:defRPr>
-            </a:lvl6pPr>
-            <a:lvl7pPr marR="0" lvl="6" algn="l" rtl="0">
-              <a:lnSpc>
-                <a:spcPct val="100000"/>
-              </a:lnSpc>
-              <a:spcBef>
-                <a:spcPts val="0"/>
-              </a:spcBef>
-              <a:spcAft>
-                <a:spcPts val="0"/>
-              </a:spcAft>
-              <a:buClr>
-                <a:srgbClr val="000000"/>
-              </a:buClr>
-              <a:buSzPts val="1400"/>
-              <a:buFont typeface="Arial"/>
-              <a:buNone/>
-              <a:defRPr sz="1800" b="0" i="0" u="none" strike="noStrike" cap="none">
-                <a:solidFill>
-                  <a:srgbClr val="000000"/>
-                </a:solidFill>
-                <a:latin typeface="Arial"/>
-                <a:ea typeface="Arial"/>
-                <a:cs typeface="Arial"/>
-                <a:sym typeface="Arial"/>
-              </a:defRPr>
-            </a:lvl7pPr>
-            <a:lvl8pPr marR="0" lvl="7" algn="l" rtl="0">
-              <a:lnSpc>
-                <a:spcPct val="100000"/>
-              </a:lnSpc>
-              <a:spcBef>
-                <a:spcPts val="0"/>
-              </a:spcBef>
-              <a:spcAft>
-                <a:spcPts val="0"/>
-              </a:spcAft>
-              <a:buClr>
-                <a:srgbClr val="000000"/>
-              </a:buClr>
-              <a:buSzPts val="1400"/>
-              <a:buFont typeface="Arial"/>
-              <a:buNone/>
-              <a:defRPr sz="1800" b="0" i="0" u="none" strike="noStrike" cap="none">
-                <a:solidFill>
-                  <a:srgbClr val="000000"/>
-                </a:solidFill>
-                <a:latin typeface="Arial"/>
-                <a:ea typeface="Arial"/>
-                <a:cs typeface="Arial"/>
-                <a:sym typeface="Arial"/>
-              </a:defRPr>
-            </a:lvl8pPr>
-            <a:lvl9pPr marR="0" lvl="8" algn="l" rtl="0">
-              <a:lnSpc>
-                <a:spcPct val="100000"/>
-              </a:lnSpc>
-              <a:spcBef>
-                <a:spcPts val="0"/>
-              </a:spcBef>
-              <a:spcAft>
-                <a:spcPts val="0"/>
-              </a:spcAft>
-              <a:buClr>
-                <a:srgbClr val="000000"/>
-              </a:buClr>
-              <a:buSzPts val="1400"/>
-              <a:buFont typeface="Arial"/>
-              <a:buNone/>
-              <a:defRPr sz="1800" b="0" i="0" u="none" strike="noStrike" cap="none">
-                <a:solidFill>
-                  <a:srgbClr val="000000"/>
-                </a:solidFill>
-                <a:latin typeface="Arial"/>
-                <a:ea typeface="Arial"/>
-                <a:cs typeface="Arial"/>
-                <a:sym typeface="Arial"/>
-              </a:defRPr>
-            </a:lvl9pPr>
-          </a:lstStyle>
-          <a:p>
-            <a:r>
-              <a:rPr lang="en-US" altLang="zh-CN" sz="1800" dirty="0"/>
-              <a:t>testing result of yolo11xtra</a:t>
-            </a:r>
-            <a:endParaRPr lang="zh-CN" altLang="en-US" sz="1800" dirty="0"/>
-          </a:p>
-        </p:txBody>
-      </p:sp>
-      <p:sp>
-        <p:nvSpPr>
-          <p:cNvPr id="16" name="TextBox 15">
-            <a:extLst>
-              <a:ext uri="{FF2B5EF4-FFF2-40B4-BE49-F238E27FC236}">
-                <a16:creationId xmlns:a16="http://schemas.microsoft.com/office/drawing/2014/main" id="{4A7D1C96-9DC7-607B-54B6-F8C8EA2900B1}"/>
+                <a16:creationId xmlns:a16="http://schemas.microsoft.com/office/drawing/2014/main" id="{FBA712E6-095B-BC10-0114-004C27A928A6}"/>
               </a:ext>
             </a:extLst>
           </p:cNvPr>
@@ -17399,8 +16325,8 @@
         </p:nvSpPr>
         <p:spPr>
           <a:xfrm>
-            <a:off x="5868111" y="4652151"/>
-            <a:ext cx="3104904" cy="2185214"/>
+            <a:off x="485567" y="5093541"/>
+            <a:ext cx="11029926" cy="1015663"/>
           </a:xfrm>
           <a:prstGeom prst="rect">
             <a:avLst/>
@@ -17414,382 +16340,30 @@
           <a:lstStyle/>
           <a:p>
             <a:r>
-              <a:rPr lang="en-US" altLang="zh-CN" sz="1600" dirty="0">
+              <a:rPr lang="en-US" altLang="zh-CN" sz="2000" b="1" dirty="0">
                 <a:solidFill>
                   <a:schemeClr val="accent5"/>
                 </a:solidFill>
               </a:rPr>
-              <a:t>This week:</a:t>
+              <a:t>Conclusion:</a:t>
             </a:r>
           </a:p>
           <a:p>
             <a:r>
-              <a:rPr lang="en-US" altLang="zh-CN" sz="1600" dirty="0" err="1">
+              <a:rPr lang="en-US" altLang="zh-CN" sz="2000" dirty="0">
                 <a:solidFill>
                   <a:schemeClr val="accent5"/>
                 </a:solidFill>
               </a:rPr>
-              <a:t>Image_size</a:t>
+              <a:t>While longer training improves performance on the training dataset, it can lead to overfitting, which reduces performance on unseen data.</a:t>
             </a:r>
-            <a:r>
-              <a:rPr lang="en-US" altLang="zh-CN" sz="1600" dirty="0">
-                <a:solidFill>
-                  <a:schemeClr val="accent5"/>
-                </a:solidFill>
-              </a:rPr>
-              <a:t>=1920</a:t>
-            </a:r>
-          </a:p>
-          <a:p>
-            <a:r>
-              <a:rPr lang="en-US" altLang="zh-CN" sz="1600" dirty="0">
-                <a:solidFill>
-                  <a:schemeClr val="accent5"/>
-                </a:solidFill>
-              </a:rPr>
-              <a:t>Epoch=100</a:t>
-            </a:r>
-          </a:p>
-          <a:p>
-            <a:r>
-              <a:rPr lang="en-US" altLang="zh-CN" sz="1600" dirty="0">
-                <a:solidFill>
-                  <a:schemeClr val="accent5"/>
-                </a:solidFill>
-              </a:rPr>
-              <a:t>Initial learning rate =  0.01</a:t>
-            </a:r>
-          </a:p>
-          <a:p>
-            <a:r>
-              <a:rPr lang="en-US" altLang="zh-CN" sz="1600" dirty="0">
-                <a:solidFill>
-                  <a:schemeClr val="accent5"/>
-                </a:solidFill>
-              </a:rPr>
-              <a:t>Highest  mAP50 = 49.9%</a:t>
-            </a:r>
-          </a:p>
-          <a:p>
-            <a:r>
-              <a:rPr lang="en-US" altLang="zh-CN" sz="1600" dirty="0">
-                <a:solidFill>
-                  <a:schemeClr val="accent5"/>
-                </a:solidFill>
-              </a:rPr>
-              <a:t>Highest </a:t>
-            </a:r>
-            <a:r>
-              <a:rPr lang="en-US" altLang="zh-CN" sz="1600" dirty="0" err="1">
-                <a:solidFill>
-                  <a:schemeClr val="accent5"/>
-                </a:solidFill>
-              </a:rPr>
-              <a:t>mAP</a:t>
-            </a:r>
-            <a:r>
-              <a:rPr lang="en-US" altLang="zh-CN" sz="1600" dirty="0">
-                <a:solidFill>
-                  <a:schemeClr val="accent5"/>
-                </a:solidFill>
-              </a:rPr>
-              <a:t> = 30.9%</a:t>
-            </a:r>
-          </a:p>
-          <a:p>
-            <a:endParaRPr lang="en-US" altLang="zh-CN" sz="2000" dirty="0">
-              <a:solidFill>
-                <a:schemeClr val="accent5"/>
-              </a:solidFill>
-            </a:endParaRPr>
-          </a:p>
-          <a:p>
-            <a:r>
-              <a:rPr lang="en-US" altLang="zh-CN" sz="2000" dirty="0">
-                <a:solidFill>
-                  <a:schemeClr val="accent5"/>
-                </a:solidFill>
-              </a:rPr>
-              <a:t>The result improves a lot!</a:t>
-            </a:r>
-            <a:endParaRPr lang="zh-CN" altLang="en-US" sz="2000" dirty="0">
-              <a:solidFill>
-                <a:schemeClr val="accent5"/>
-              </a:solidFill>
-            </a:endParaRPr>
-          </a:p>
-        </p:txBody>
-      </p:sp>
-      <p:pic>
-        <p:nvPicPr>
-          <p:cNvPr id="6" name="Picture 5">
-            <a:extLst>
-              <a:ext uri="{FF2B5EF4-FFF2-40B4-BE49-F238E27FC236}">
-                <a16:creationId xmlns:a16="http://schemas.microsoft.com/office/drawing/2014/main" id="{9C3A1A32-7E02-3A60-ACA0-05C2A5FAC9A5}"/>
-              </a:ext>
-            </a:extLst>
-          </p:cNvPr>
-          <p:cNvPicPr>
-            <a:picLocks noChangeAspect="1"/>
-          </p:cNvPicPr>
-          <p:nvPr/>
-        </p:nvPicPr>
-        <p:blipFill>
-          <a:blip r:embed="rId2"/>
-          <a:stretch>
-            <a:fillRect/>
-          </a:stretch>
-        </p:blipFill>
-        <p:spPr>
-          <a:xfrm>
-            <a:off x="5868111" y="2619464"/>
-            <a:ext cx="5501732" cy="2000185"/>
-          </a:xfrm>
-          <a:prstGeom prst="rect">
-            <a:avLst/>
-          </a:prstGeom>
-        </p:spPr>
-      </p:pic>
-      <p:pic>
-        <p:nvPicPr>
-          <p:cNvPr id="19" name="Picture 18">
-            <a:extLst>
-              <a:ext uri="{FF2B5EF4-FFF2-40B4-BE49-F238E27FC236}">
-                <a16:creationId xmlns:a16="http://schemas.microsoft.com/office/drawing/2014/main" id="{FC593B26-935E-5B64-B13B-A6AA5FBB9E95}"/>
-              </a:ext>
-            </a:extLst>
-          </p:cNvPr>
-          <p:cNvPicPr>
-            <a:picLocks noChangeAspect="1"/>
-          </p:cNvPicPr>
-          <p:nvPr/>
-        </p:nvPicPr>
-        <p:blipFill>
-          <a:blip r:embed="rId3"/>
-          <a:stretch>
-            <a:fillRect/>
-          </a:stretch>
-        </p:blipFill>
-        <p:spPr>
-          <a:xfrm>
-            <a:off x="5868111" y="516494"/>
-            <a:ext cx="5647382" cy="1803873"/>
-          </a:xfrm>
-          <a:prstGeom prst="rect">
-            <a:avLst/>
-          </a:prstGeom>
-        </p:spPr>
-      </p:pic>
-      <p:pic>
-        <p:nvPicPr>
-          <p:cNvPr id="21" name="Picture 20">
-            <a:extLst>
-              <a:ext uri="{FF2B5EF4-FFF2-40B4-BE49-F238E27FC236}">
-                <a16:creationId xmlns:a16="http://schemas.microsoft.com/office/drawing/2014/main" id="{ABC820EB-F8D0-E7D8-4485-B079AD5632D5}"/>
-              </a:ext>
-            </a:extLst>
-          </p:cNvPr>
-          <p:cNvPicPr>
-            <a:picLocks noChangeAspect="1"/>
-          </p:cNvPicPr>
-          <p:nvPr/>
-        </p:nvPicPr>
-        <p:blipFill>
-          <a:blip r:embed="rId4"/>
-          <a:stretch>
-            <a:fillRect/>
-          </a:stretch>
-        </p:blipFill>
-        <p:spPr>
-          <a:xfrm>
-            <a:off x="510447" y="4835414"/>
-            <a:ext cx="5265885" cy="1764966"/>
-          </a:xfrm>
-          <a:prstGeom prst="rect">
-            <a:avLst/>
-          </a:prstGeom>
-        </p:spPr>
-      </p:pic>
-      <p:pic>
-        <p:nvPicPr>
-          <p:cNvPr id="23" name="Picture 22">
-            <a:extLst>
-              <a:ext uri="{FF2B5EF4-FFF2-40B4-BE49-F238E27FC236}">
-                <a16:creationId xmlns:a16="http://schemas.microsoft.com/office/drawing/2014/main" id="{06BB35B2-6A26-050D-E0C1-8E1CE232D9AE}"/>
-              </a:ext>
-            </a:extLst>
-          </p:cNvPr>
-          <p:cNvPicPr>
-            <a:picLocks noChangeAspect="1"/>
-          </p:cNvPicPr>
-          <p:nvPr/>
-        </p:nvPicPr>
-        <p:blipFill>
-          <a:blip r:embed="rId5"/>
-          <a:stretch>
-            <a:fillRect/>
-          </a:stretch>
-        </p:blipFill>
-        <p:spPr>
-          <a:xfrm>
-            <a:off x="511914" y="2597697"/>
-            <a:ext cx="5041393" cy="1764966"/>
-          </a:xfrm>
-          <a:prstGeom prst="rect">
-            <a:avLst/>
-          </a:prstGeom>
-        </p:spPr>
-      </p:pic>
-      <p:pic>
-        <p:nvPicPr>
-          <p:cNvPr id="25" name="Picture 24">
-            <a:extLst>
-              <a:ext uri="{FF2B5EF4-FFF2-40B4-BE49-F238E27FC236}">
-                <a16:creationId xmlns:a16="http://schemas.microsoft.com/office/drawing/2014/main" id="{71B889EC-6BC0-4F7F-12AA-62CEE23D79C1}"/>
-              </a:ext>
-            </a:extLst>
-          </p:cNvPr>
-          <p:cNvPicPr>
-            <a:picLocks noChangeAspect="1"/>
-          </p:cNvPicPr>
-          <p:nvPr/>
-        </p:nvPicPr>
-        <p:blipFill>
-          <a:blip r:embed="rId6"/>
-          <a:stretch>
-            <a:fillRect/>
-          </a:stretch>
-        </p:blipFill>
-        <p:spPr>
-          <a:xfrm>
-            <a:off x="511914" y="477521"/>
-            <a:ext cx="4974486" cy="1747543"/>
-          </a:xfrm>
-          <a:prstGeom prst="rect">
-            <a:avLst/>
-          </a:prstGeom>
-        </p:spPr>
-      </p:pic>
-      <p:sp>
-        <p:nvSpPr>
-          <p:cNvPr id="26" name="TextBox 25">
-            <a:extLst>
-              <a:ext uri="{FF2B5EF4-FFF2-40B4-BE49-F238E27FC236}">
-                <a16:creationId xmlns:a16="http://schemas.microsoft.com/office/drawing/2014/main" id="{F7AE9C71-1EDA-3427-C650-FFD75A902482}"/>
-              </a:ext>
-            </a:extLst>
-          </p:cNvPr>
-          <p:cNvSpPr txBox="1"/>
-          <p:nvPr/>
-        </p:nvSpPr>
-        <p:spPr>
-          <a:xfrm>
-            <a:off x="8727688" y="4720684"/>
-            <a:ext cx="3828585" cy="1600438"/>
-          </a:xfrm>
-          <a:prstGeom prst="rect">
-            <a:avLst/>
-          </a:prstGeom>
-          <a:noFill/>
-        </p:spPr>
-        <p:txBody>
-          <a:bodyPr wrap="square" rtlCol="0">
-            <a:spAutoFit/>
-          </a:bodyPr>
-          <a:lstStyle/>
-          <a:p>
-            <a:r>
-              <a:rPr lang="en-US" altLang="zh-CN" sz="1400" dirty="0">
-                <a:solidFill>
-                  <a:schemeClr val="accent5"/>
-                </a:solidFill>
-              </a:rPr>
-              <a:t>Last week:</a:t>
-            </a:r>
-          </a:p>
-          <a:p>
-            <a:r>
-              <a:rPr lang="en-US" altLang="zh-CN" sz="1400" dirty="0" err="1">
-                <a:solidFill>
-                  <a:schemeClr val="accent5"/>
-                </a:solidFill>
-              </a:rPr>
-              <a:t>Image_size</a:t>
-            </a:r>
-            <a:r>
-              <a:rPr lang="en-US" altLang="zh-CN" sz="1400" dirty="0">
-                <a:solidFill>
-                  <a:schemeClr val="accent5"/>
-                </a:solidFill>
-              </a:rPr>
-              <a:t>=640</a:t>
-            </a:r>
-          </a:p>
-          <a:p>
-            <a:r>
-              <a:rPr lang="en-US" altLang="zh-CN" sz="1400" dirty="0">
-                <a:solidFill>
-                  <a:schemeClr val="accent5"/>
-                </a:solidFill>
-              </a:rPr>
-              <a:t>Epoch=100</a:t>
-            </a:r>
-          </a:p>
-          <a:p>
-            <a:r>
-              <a:rPr lang="en-US" altLang="zh-CN" sz="1400" dirty="0">
-                <a:solidFill>
-                  <a:schemeClr val="accent5"/>
-                </a:solidFill>
-              </a:rPr>
-              <a:t>Initial learning rate =  0.01</a:t>
-            </a:r>
-          </a:p>
-          <a:p>
-            <a:r>
-              <a:rPr lang="en-US" altLang="zh-CN" sz="1400" dirty="0">
-                <a:solidFill>
-                  <a:schemeClr val="accent5"/>
-                </a:solidFill>
-              </a:rPr>
-              <a:t>Highest  mAP50 = 39%</a:t>
-            </a:r>
-          </a:p>
-          <a:p>
-            <a:r>
-              <a:rPr lang="en-US" altLang="zh-CN" sz="1400" dirty="0">
-                <a:solidFill>
-                  <a:schemeClr val="accent5"/>
-                </a:solidFill>
-              </a:rPr>
-              <a:t>Highest </a:t>
-            </a:r>
-            <a:r>
-              <a:rPr lang="en-US" altLang="zh-CN" sz="1400" dirty="0" err="1">
-                <a:solidFill>
-                  <a:schemeClr val="accent5"/>
-                </a:solidFill>
-              </a:rPr>
-              <a:t>mAP</a:t>
-            </a:r>
-            <a:r>
-              <a:rPr lang="en-US" altLang="zh-CN" sz="1400" dirty="0">
-                <a:solidFill>
-                  <a:schemeClr val="accent5"/>
-                </a:solidFill>
-              </a:rPr>
-              <a:t> = 23.7%</a:t>
-            </a:r>
-          </a:p>
-          <a:p>
-            <a:endParaRPr lang="zh-CN" altLang="en-US" dirty="0"/>
           </a:p>
         </p:txBody>
       </p:sp>
     </p:spTree>
     <p:extLst>
       <p:ext uri="{BB962C8B-B14F-4D97-AF65-F5344CB8AC3E}">
-        <p14:creationId xmlns:p14="http://schemas.microsoft.com/office/powerpoint/2010/main" val="2506631146"/>
+        <p14:creationId xmlns:p14="http://schemas.microsoft.com/office/powerpoint/2010/main" val="246212475"/>
       </p:ext>
     </p:extLst>
   </p:cSld>
@@ -17799,18 +16373,12 @@
 </p:sld>
 </file>
 
-<file path=ppt/slides/slide14.xml><?xml version="1.0" encoding="utf-8"?>
+<file path=ppt/slides/slide11.xml><?xml version="1.0" encoding="utf-8"?>
 <p:sld xmlns:a="http://schemas.openxmlformats.org/drawingml/2006/main" xmlns:r="http://schemas.openxmlformats.org/officeDocument/2006/relationships" xmlns:p="http://schemas.openxmlformats.org/presentationml/2006/main">
   <p:cSld>
     <p:spTree>
       <p:nvGrpSpPr>
-        <p:cNvPr id="1" name="">
-          <a:extLst>
-            <a:ext uri="{FF2B5EF4-FFF2-40B4-BE49-F238E27FC236}">
-              <a16:creationId xmlns:a16="http://schemas.microsoft.com/office/drawing/2014/main" id="{AADF25D9-0361-AA52-FF76-AAB3523CA456}"/>
-            </a:ext>
-          </a:extLst>
-        </p:cNvPr>
+        <p:cNvPr id="1" name="Shape 415"/>
         <p:cNvGrpSpPr/>
         <p:nvPr/>
       </p:nvGrpSpPr>
@@ -17824,96 +16392,14 @@
       </p:grpSpPr>
       <p:sp>
         <p:nvSpPr>
-          <p:cNvPr id="2" name="Title 1">
-            <a:extLst>
-              <a:ext uri="{FF2B5EF4-FFF2-40B4-BE49-F238E27FC236}">
-                <a16:creationId xmlns:a16="http://schemas.microsoft.com/office/drawing/2014/main" id="{5BD7C9B0-048B-5BB8-4389-EA3954B43263}"/>
-              </a:ext>
-            </a:extLst>
-          </p:cNvPr>
-          <p:cNvSpPr>
-            <a:spLocks noGrp="1"/>
-          </p:cNvSpPr>
-          <p:nvPr>
-            <p:ph type="title"/>
-          </p:nvPr>
-        </p:nvSpPr>
-        <p:spPr>
-          <a:xfrm>
-            <a:off x="594360" y="189572"/>
-            <a:ext cx="11478694" cy="1593507"/>
-          </a:xfrm>
-        </p:spPr>
-        <p:txBody>
-          <a:bodyPr>
-            <a:normAutofit/>
-          </a:bodyPr>
-          <a:lstStyle/>
-          <a:p>
-            <a:r>
-              <a:rPr lang="en-US" altLang="zh-CN" dirty="0"/>
-              <a:t>Testing results of Yolo11x epoch = 100 and epoch = 150, others are same, lr0=0.01</a:t>
-            </a:r>
-            <a:endParaRPr lang="zh-CN" altLang="en-US" dirty="0"/>
-          </a:p>
-        </p:txBody>
-      </p:sp>
-      <p:sp>
-        <p:nvSpPr>
-          <p:cNvPr id="4" name="Slide Number Placeholder 3">
-            <a:extLst>
-              <a:ext uri="{FF2B5EF4-FFF2-40B4-BE49-F238E27FC236}">
-                <a16:creationId xmlns:a16="http://schemas.microsoft.com/office/drawing/2014/main" id="{101CF98C-19FD-1C90-2F4E-EED9CA24588C}"/>
-              </a:ext>
-            </a:extLst>
-          </p:cNvPr>
-          <p:cNvSpPr>
-            <a:spLocks noGrp="1"/>
-          </p:cNvSpPr>
-          <p:nvPr>
-            <p:ph type="sldNum" idx="12"/>
-          </p:nvPr>
-        </p:nvSpPr>
-        <p:spPr/>
-        <p:txBody>
-          <a:bodyPr/>
-          <a:lstStyle/>
-          <a:p>
-            <a:pPr marL="0" lvl="0" indent="0" algn="l" rtl="0">
-              <a:spcBef>
-                <a:spcPts val="0"/>
-              </a:spcBef>
-              <a:spcAft>
-                <a:spcPts val="0"/>
-              </a:spcAft>
-              <a:buNone/>
-            </a:pPr>
-            <a:fld id="{00000000-1234-1234-1234-123412341234}" type="slidenum">
-              <a:rPr lang="en-US" smtClean="0"/>
-              <a:t>14</a:t>
-            </a:fld>
-            <a:endParaRPr lang="en-US"/>
-          </a:p>
-        </p:txBody>
-      </p:sp>
-      <p:sp>
-        <p:nvSpPr>
-          <p:cNvPr id="7" name="Title 1">
-            <a:extLst>
-              <a:ext uri="{FF2B5EF4-FFF2-40B4-BE49-F238E27FC236}">
-                <a16:creationId xmlns:a16="http://schemas.microsoft.com/office/drawing/2014/main" id="{D86684D4-ED4A-6870-164E-D4BCC6885E0B}"/>
-              </a:ext>
-            </a:extLst>
-          </p:cNvPr>
-          <p:cNvSpPr txBox="1">
-            <a:spLocks/>
-          </p:cNvSpPr>
+          <p:cNvPr id="416" name="Google Shape;416;p12"/>
+          <p:cNvSpPr txBox="1"/>
           <p:nvPr/>
         </p:nvSpPr>
         <p:spPr>
           <a:xfrm>
-            <a:off x="590830" y="4414249"/>
-            <a:ext cx="5293497" cy="570838"/>
+            <a:off x="840104" y="4205000"/>
+            <a:ext cx="5633400" cy="523200"/>
           </a:xfrm>
           <a:prstGeom prst="rect">
             <a:avLst/>
@@ -17924,297 +16410,108 @@
           </a:ln>
         </p:spPr>
         <p:txBody>
-          <a:bodyPr spcFirstLastPara="1" wrap="square" lIns="0" tIns="0" rIns="0" bIns="0" anchor="b" anchorCtr="0">
-            <a:normAutofit/>
+          <a:bodyPr spcFirstLastPara="1" wrap="square" lIns="91425" tIns="45700" rIns="91425" bIns="45700" anchor="t" anchorCtr="0">
+            <a:spAutoFit/>
           </a:bodyPr>
-          <a:lstStyle>
-            <a:defPPr marR="0" lvl="0" algn="l" rtl="0">
-              <a:lnSpc>
-                <a:spcPct val="100000"/>
-              </a:lnSpc>
-              <a:spcBef>
-                <a:spcPts val="0"/>
-              </a:spcBef>
-              <a:spcAft>
-                <a:spcPts val="0"/>
-              </a:spcAft>
-            </a:defPPr>
-            <a:lvl1pPr marR="0" lvl="0" algn="l" rtl="0">
-              <a:lnSpc>
-                <a:spcPct val="80000"/>
-              </a:lnSpc>
-              <a:spcBef>
-                <a:spcPts val="0"/>
-              </a:spcBef>
-              <a:spcAft>
-                <a:spcPts val="0"/>
-              </a:spcAft>
-              <a:buClr>
+          <a:lstStyle/>
+          <a:p>
+            <a:pPr marL="0" marR="0" lvl="0" indent="0" algn="l" rtl="0">
+              <a:spcBef>
+                <a:spcPts val="0"/>
+              </a:spcBef>
+              <a:spcAft>
+                <a:spcPts val="0"/>
+              </a:spcAft>
+              <a:buNone/>
+            </a:pPr>
+            <a:r>
+              <a:rPr lang="en-US" sz="2800" dirty="0">
+                <a:solidFill>
+                  <a:schemeClr val="dk1"/>
+                </a:solidFill>
+                <a:latin typeface="Libre Franklin"/>
+                <a:ea typeface="Libre Franklin"/>
+                <a:cs typeface="Libre Franklin"/>
+                <a:sym typeface="Libre Franklin"/>
+              </a:rPr>
+              <a:t>Presented by UAV group </a:t>
+            </a:r>
+            <a:endParaRPr sz="2800" dirty="0">
+              <a:solidFill>
                 <a:schemeClr val="dk1"/>
-              </a:buClr>
-              <a:buSzPts val="4400"/>
-              <a:buFont typeface="Arial"/>
-              <a:buNone/>
-              <a:defRPr sz="4400" b="1" i="0" u="none" strike="noStrike" cap="none">
-                <a:solidFill>
-                  <a:schemeClr val="dk1"/>
-                </a:solidFill>
-                <a:latin typeface="Arial"/>
-                <a:ea typeface="Arial"/>
-                <a:cs typeface="Arial"/>
-                <a:sym typeface="Arial"/>
-              </a:defRPr>
-            </a:lvl1pPr>
-            <a:lvl2pPr marR="0" lvl="1" algn="l" rtl="0">
-              <a:lnSpc>
-                <a:spcPct val="100000"/>
-              </a:lnSpc>
-              <a:spcBef>
-                <a:spcPts val="0"/>
-              </a:spcBef>
-              <a:spcAft>
-                <a:spcPts val="0"/>
-              </a:spcAft>
-              <a:buClr>
-                <a:srgbClr val="000000"/>
-              </a:buClr>
-              <a:buSzPts val="1400"/>
-              <a:buFont typeface="Arial"/>
-              <a:buNone/>
-              <a:defRPr sz="1800" b="0" i="0" u="none" strike="noStrike" cap="none">
-                <a:solidFill>
-                  <a:srgbClr val="000000"/>
-                </a:solidFill>
-                <a:latin typeface="Arial"/>
-                <a:ea typeface="Arial"/>
-                <a:cs typeface="Arial"/>
-                <a:sym typeface="Arial"/>
-              </a:defRPr>
-            </a:lvl2pPr>
-            <a:lvl3pPr marR="0" lvl="2" algn="l" rtl="0">
-              <a:lnSpc>
-                <a:spcPct val="100000"/>
-              </a:lnSpc>
-              <a:spcBef>
-                <a:spcPts val="0"/>
-              </a:spcBef>
-              <a:spcAft>
-                <a:spcPts val="0"/>
-              </a:spcAft>
-              <a:buClr>
-                <a:srgbClr val="000000"/>
-              </a:buClr>
-              <a:buSzPts val="1400"/>
-              <a:buFont typeface="Arial"/>
-              <a:buNone/>
-              <a:defRPr sz="1800" b="0" i="0" u="none" strike="noStrike" cap="none">
-                <a:solidFill>
-                  <a:srgbClr val="000000"/>
-                </a:solidFill>
-                <a:latin typeface="Arial"/>
-                <a:ea typeface="Arial"/>
-                <a:cs typeface="Arial"/>
-                <a:sym typeface="Arial"/>
-              </a:defRPr>
-            </a:lvl3pPr>
-            <a:lvl4pPr marR="0" lvl="3" algn="l" rtl="0">
-              <a:lnSpc>
-                <a:spcPct val="100000"/>
-              </a:lnSpc>
-              <a:spcBef>
-                <a:spcPts val="0"/>
-              </a:spcBef>
-              <a:spcAft>
-                <a:spcPts val="0"/>
-              </a:spcAft>
-              <a:buClr>
-                <a:srgbClr val="000000"/>
-              </a:buClr>
-              <a:buSzPts val="1400"/>
-              <a:buFont typeface="Arial"/>
-              <a:buNone/>
-              <a:defRPr sz="1800" b="0" i="0" u="none" strike="noStrike" cap="none">
-                <a:solidFill>
-                  <a:srgbClr val="000000"/>
-                </a:solidFill>
-                <a:latin typeface="Arial"/>
-                <a:ea typeface="Arial"/>
-                <a:cs typeface="Arial"/>
-                <a:sym typeface="Arial"/>
-              </a:defRPr>
-            </a:lvl4pPr>
-            <a:lvl5pPr marR="0" lvl="4" algn="l" rtl="0">
-              <a:lnSpc>
-                <a:spcPct val="100000"/>
-              </a:lnSpc>
-              <a:spcBef>
-                <a:spcPts val="0"/>
-              </a:spcBef>
-              <a:spcAft>
-                <a:spcPts val="0"/>
-              </a:spcAft>
-              <a:buClr>
-                <a:srgbClr val="000000"/>
-              </a:buClr>
-              <a:buSzPts val="1400"/>
-              <a:buFont typeface="Arial"/>
-              <a:buNone/>
-              <a:defRPr sz="1800" b="0" i="0" u="none" strike="noStrike" cap="none">
-                <a:solidFill>
-                  <a:srgbClr val="000000"/>
-                </a:solidFill>
-                <a:latin typeface="Arial"/>
-                <a:ea typeface="Arial"/>
-                <a:cs typeface="Arial"/>
-                <a:sym typeface="Arial"/>
-              </a:defRPr>
-            </a:lvl5pPr>
-            <a:lvl6pPr marR="0" lvl="5" algn="l" rtl="0">
-              <a:lnSpc>
-                <a:spcPct val="100000"/>
-              </a:lnSpc>
-              <a:spcBef>
-                <a:spcPts val="0"/>
-              </a:spcBef>
-              <a:spcAft>
-                <a:spcPts val="0"/>
-              </a:spcAft>
-              <a:buClr>
-                <a:srgbClr val="000000"/>
-              </a:buClr>
-              <a:buSzPts val="1400"/>
-              <a:buFont typeface="Arial"/>
-              <a:buNone/>
-              <a:defRPr sz="1800" b="0" i="0" u="none" strike="noStrike" cap="none">
-                <a:solidFill>
-                  <a:srgbClr val="000000"/>
-                </a:solidFill>
-                <a:latin typeface="Arial"/>
-                <a:ea typeface="Arial"/>
-                <a:cs typeface="Arial"/>
-                <a:sym typeface="Arial"/>
-              </a:defRPr>
-            </a:lvl6pPr>
-            <a:lvl7pPr marR="0" lvl="6" algn="l" rtl="0">
-              <a:lnSpc>
-                <a:spcPct val="100000"/>
-              </a:lnSpc>
-              <a:spcBef>
-                <a:spcPts val="0"/>
-              </a:spcBef>
-              <a:spcAft>
-                <a:spcPts val="0"/>
-              </a:spcAft>
-              <a:buClr>
-                <a:srgbClr val="000000"/>
-              </a:buClr>
-              <a:buSzPts val="1400"/>
-              <a:buFont typeface="Arial"/>
-              <a:buNone/>
-              <a:defRPr sz="1800" b="0" i="0" u="none" strike="noStrike" cap="none">
-                <a:solidFill>
-                  <a:srgbClr val="000000"/>
-                </a:solidFill>
-                <a:latin typeface="Arial"/>
-                <a:ea typeface="Arial"/>
-                <a:cs typeface="Arial"/>
-                <a:sym typeface="Arial"/>
-              </a:defRPr>
-            </a:lvl7pPr>
-            <a:lvl8pPr marR="0" lvl="7" algn="l" rtl="0">
-              <a:lnSpc>
-                <a:spcPct val="100000"/>
-              </a:lnSpc>
-              <a:spcBef>
-                <a:spcPts val="0"/>
-              </a:spcBef>
-              <a:spcAft>
-                <a:spcPts val="0"/>
-              </a:spcAft>
-              <a:buClr>
-                <a:srgbClr val="000000"/>
-              </a:buClr>
-              <a:buSzPts val="1400"/>
-              <a:buFont typeface="Arial"/>
-              <a:buNone/>
-              <a:defRPr sz="1800" b="0" i="0" u="none" strike="noStrike" cap="none">
-                <a:solidFill>
-                  <a:srgbClr val="000000"/>
-                </a:solidFill>
-                <a:latin typeface="Arial"/>
-                <a:ea typeface="Arial"/>
-                <a:cs typeface="Arial"/>
-                <a:sym typeface="Arial"/>
-              </a:defRPr>
-            </a:lvl8pPr>
-            <a:lvl9pPr marR="0" lvl="8" algn="l" rtl="0">
-              <a:lnSpc>
-                <a:spcPct val="100000"/>
-              </a:lnSpc>
-              <a:spcBef>
-                <a:spcPts val="0"/>
-              </a:spcBef>
-              <a:spcAft>
-                <a:spcPts val="0"/>
-              </a:spcAft>
-              <a:buClr>
-                <a:srgbClr val="000000"/>
-              </a:buClr>
-              <a:buSzPts val="1400"/>
-              <a:buFont typeface="Arial"/>
-              <a:buNone/>
-              <a:defRPr sz="1800" b="0" i="0" u="none" strike="noStrike" cap="none">
-                <a:solidFill>
-                  <a:srgbClr val="000000"/>
-                </a:solidFill>
-                <a:latin typeface="Arial"/>
-                <a:ea typeface="Arial"/>
-                <a:cs typeface="Arial"/>
-                <a:sym typeface="Arial"/>
-              </a:defRPr>
-            </a:lvl9pPr>
-          </a:lstStyle>
-          <a:p>
-            <a:r>
-              <a:rPr lang="en-US" altLang="zh-CN" sz="1800" dirty="0"/>
-              <a:t>testing result of yolo11xtra with epochs=100</a:t>
-            </a:r>
-          </a:p>
-          <a:p>
-            <a:r>
-              <a:rPr lang="en-US" altLang="zh-CN" sz="1800" dirty="0"/>
-              <a:t>mAP50=49.9%, </a:t>
-            </a:r>
-            <a:r>
-              <a:rPr lang="en-US" altLang="zh-CN" sz="1800" dirty="0" err="1"/>
-              <a:t>mAP</a:t>
-            </a:r>
-            <a:r>
-              <a:rPr lang="en-US" altLang="zh-CN" sz="1800" dirty="0"/>
-              <a:t>=30.9%</a:t>
-            </a:r>
-            <a:endParaRPr lang="zh-CN" altLang="en-US" sz="1800" dirty="0"/>
+              </a:solidFill>
+              <a:latin typeface="Libre Franklin"/>
+              <a:ea typeface="Libre Franklin"/>
+              <a:cs typeface="Libre Franklin"/>
+              <a:sym typeface="Libre Franklin"/>
+            </a:endParaRPr>
           </a:p>
         </p:txBody>
       </p:sp>
       <p:sp>
         <p:nvSpPr>
-          <p:cNvPr id="8" name="Title 1">
-            <a:extLst>
-              <a:ext uri="{FF2B5EF4-FFF2-40B4-BE49-F238E27FC236}">
-                <a16:creationId xmlns:a16="http://schemas.microsoft.com/office/drawing/2014/main" id="{283457F8-28AC-5ED2-B156-EF3BAB4F8FD8}"/>
-              </a:ext>
-            </a:extLst>
-          </p:cNvPr>
+          <p:cNvPr id="417" name="Google Shape;417;p12"/>
           <p:cNvSpPr txBox="1">
-            <a:spLocks/>
+            <a:spLocks noGrp="1"/>
           </p:cNvSpPr>
-          <p:nvPr/>
+          <p:nvPr>
+            <p:ph type="sldNum" idx="12"/>
+          </p:nvPr>
         </p:nvSpPr>
         <p:spPr>
           <a:xfrm>
-            <a:off x="5891387" y="4369491"/>
-            <a:ext cx="5293497" cy="615596"/>
+            <a:off x="11409045" y="6333134"/>
+            <a:ext cx="731700" cy="525000"/>
+          </a:xfrm>
+          <a:prstGeom prst="rect">
+            <a:avLst/>
+          </a:prstGeom>
+        </p:spPr>
+        <p:txBody>
+          <a:bodyPr spcFirstLastPara="1" wrap="square" lIns="0" tIns="0" rIns="0" bIns="0" anchor="t" anchorCtr="0">
+            <a:noAutofit/>
+          </a:bodyPr>
+          <a:lstStyle/>
+          <a:p>
+            <a:pPr marL="0" lvl="0" indent="0" algn="r" rtl="0">
+              <a:spcBef>
+                <a:spcPts val="0"/>
+              </a:spcBef>
+              <a:spcAft>
+                <a:spcPts val="0"/>
+              </a:spcAft>
+              <a:buNone/>
+            </a:pPr>
+            <a:fld id="{00000000-1234-1234-1234-123412341234}" type="slidenum">
+              <a:rPr lang="en-US">
+                <a:solidFill>
+                  <a:srgbClr val="5D7C3F"/>
+                </a:solidFill>
+              </a:rPr>
+              <a:t>11</a:t>
+            </a:fld>
+            <a:endParaRPr>
+              <a:solidFill>
+                <a:srgbClr val="5D7C3F"/>
+              </a:solidFill>
+            </a:endParaRPr>
+          </a:p>
+        </p:txBody>
+      </p:sp>
+      <p:sp>
+        <p:nvSpPr>
+          <p:cNvPr id="418" name="Google Shape;418;p12"/>
+          <p:cNvSpPr txBox="1">
+            <a:spLocks noGrp="1"/>
+          </p:cNvSpPr>
+          <p:nvPr>
+            <p:ph type="ctrTitle"/>
+          </p:nvPr>
+        </p:nvSpPr>
+        <p:spPr>
+          <a:xfrm>
+            <a:off x="89761" y="381000"/>
+            <a:ext cx="12902100" cy="3291900"/>
           </a:xfrm>
           <a:prstGeom prst="rect">
             <a:avLst/>
@@ -18223,24 +16520,21 @@
           <a:ln>
             <a:noFill/>
           </a:ln>
+          <a:effectLst>
+            <a:outerShdw blurRad="57150" dist="19050" dir="5400000" algn="bl" rotWithShape="0">
+              <a:srgbClr val="000000">
+                <a:alpha val="50000"/>
+              </a:srgbClr>
+            </a:outerShdw>
+          </a:effectLst>
         </p:spPr>
         <p:txBody>
           <a:bodyPr spcFirstLastPara="1" wrap="square" lIns="0" tIns="0" rIns="0" bIns="0" anchor="b" anchorCtr="0">
-            <a:normAutofit/>
+            <a:noAutofit/>
           </a:bodyPr>
-          <a:lstStyle>
-            <a:defPPr marR="0" lvl="0" algn="l" rtl="0">
-              <a:lnSpc>
-                <a:spcPct val="100000"/>
-              </a:lnSpc>
-              <a:spcBef>
-                <a:spcPts val="0"/>
-              </a:spcBef>
-              <a:spcAft>
-                <a:spcPts val="0"/>
-              </a:spcAft>
-            </a:defPPr>
-            <a:lvl1pPr marR="0" lvl="0" algn="l" rtl="0">
+          <a:lstStyle/>
+          <a:p>
+            <a:pPr marL="0" marR="0" lvl="0" indent="0" algn="l" rtl="0">
               <a:lnSpc>
                 <a:spcPct val="80000"/>
               </a:lnSpc>
@@ -18253,1803 +16547,126 @@
               <a:buClr>
                 <a:schemeClr val="dk1"/>
               </a:buClr>
-              <a:buSzPts val="4400"/>
-              <a:buFont typeface="Arial"/>
-              <a:buNone/>
-              <a:defRPr sz="4400" b="1" i="0" u="none" strike="noStrike" cap="none">
-                <a:solidFill>
-                  <a:schemeClr val="dk1"/>
-                </a:solidFill>
-                <a:latin typeface="Arial"/>
-                <a:ea typeface="Arial"/>
-                <a:cs typeface="Arial"/>
-                <a:sym typeface="Arial"/>
-              </a:defRPr>
-            </a:lvl1pPr>
-            <a:lvl2pPr marR="0" lvl="1" algn="l" rtl="0">
-              <a:lnSpc>
-                <a:spcPct val="100000"/>
-              </a:lnSpc>
-              <a:spcBef>
-                <a:spcPts val="0"/>
-              </a:spcBef>
-              <a:spcAft>
-                <a:spcPts val="0"/>
-              </a:spcAft>
-              <a:buClr>
-                <a:srgbClr val="000000"/>
-              </a:buClr>
-              <a:buSzPts val="1400"/>
-              <a:buFont typeface="Arial"/>
-              <a:buNone/>
-              <a:defRPr sz="1800" b="0" i="0" u="none" strike="noStrike" cap="none">
-                <a:solidFill>
-                  <a:srgbClr val="000000"/>
-                </a:solidFill>
-                <a:latin typeface="Arial"/>
-                <a:ea typeface="Arial"/>
-                <a:cs typeface="Arial"/>
-                <a:sym typeface="Arial"/>
-              </a:defRPr>
-            </a:lvl2pPr>
-            <a:lvl3pPr marR="0" lvl="2" algn="l" rtl="0">
-              <a:lnSpc>
-                <a:spcPct val="100000"/>
-              </a:lnSpc>
-              <a:spcBef>
-                <a:spcPts val="0"/>
-              </a:spcBef>
-              <a:spcAft>
-                <a:spcPts val="0"/>
-              </a:spcAft>
-              <a:buClr>
-                <a:srgbClr val="000000"/>
-              </a:buClr>
-              <a:buSzPts val="1400"/>
-              <a:buFont typeface="Arial"/>
-              <a:buNone/>
-              <a:defRPr sz="1800" b="0" i="0" u="none" strike="noStrike" cap="none">
-                <a:solidFill>
-                  <a:srgbClr val="000000"/>
-                </a:solidFill>
-                <a:latin typeface="Arial"/>
-                <a:ea typeface="Arial"/>
-                <a:cs typeface="Arial"/>
-                <a:sym typeface="Arial"/>
-              </a:defRPr>
-            </a:lvl3pPr>
-            <a:lvl4pPr marR="0" lvl="3" algn="l" rtl="0">
-              <a:lnSpc>
-                <a:spcPct val="100000"/>
-              </a:lnSpc>
-              <a:spcBef>
-                <a:spcPts val="0"/>
-              </a:spcBef>
-              <a:spcAft>
-                <a:spcPts val="0"/>
-              </a:spcAft>
-              <a:buClr>
-                <a:srgbClr val="000000"/>
-              </a:buClr>
-              <a:buSzPts val="1400"/>
-              <a:buFont typeface="Arial"/>
-              <a:buNone/>
-              <a:defRPr sz="1800" b="0" i="0" u="none" strike="noStrike" cap="none">
-                <a:solidFill>
-                  <a:srgbClr val="000000"/>
-                </a:solidFill>
-                <a:latin typeface="Arial"/>
-                <a:ea typeface="Arial"/>
-                <a:cs typeface="Arial"/>
-                <a:sym typeface="Arial"/>
-              </a:defRPr>
-            </a:lvl4pPr>
-            <a:lvl5pPr marR="0" lvl="4" algn="l" rtl="0">
-              <a:lnSpc>
-                <a:spcPct val="100000"/>
-              </a:lnSpc>
-              <a:spcBef>
-                <a:spcPts val="0"/>
-              </a:spcBef>
-              <a:spcAft>
-                <a:spcPts val="0"/>
-              </a:spcAft>
-              <a:buClr>
-                <a:srgbClr val="000000"/>
-              </a:buClr>
-              <a:buSzPts val="1400"/>
-              <a:buFont typeface="Arial"/>
-              <a:buNone/>
-              <a:defRPr sz="1800" b="0" i="0" u="none" strike="noStrike" cap="none">
-                <a:solidFill>
-                  <a:srgbClr val="000000"/>
-                </a:solidFill>
-                <a:latin typeface="Arial"/>
-                <a:ea typeface="Arial"/>
-                <a:cs typeface="Arial"/>
-                <a:sym typeface="Arial"/>
-              </a:defRPr>
-            </a:lvl5pPr>
-            <a:lvl6pPr marR="0" lvl="5" algn="l" rtl="0">
-              <a:lnSpc>
-                <a:spcPct val="100000"/>
-              </a:lnSpc>
-              <a:spcBef>
-                <a:spcPts val="0"/>
-              </a:spcBef>
-              <a:spcAft>
-                <a:spcPts val="0"/>
-              </a:spcAft>
-              <a:buClr>
-                <a:srgbClr val="000000"/>
-              </a:buClr>
-              <a:buSzPts val="1400"/>
-              <a:buFont typeface="Arial"/>
-              <a:buNone/>
-              <a:defRPr sz="1800" b="0" i="0" u="none" strike="noStrike" cap="none">
-                <a:solidFill>
-                  <a:srgbClr val="000000"/>
-                </a:solidFill>
-                <a:latin typeface="Arial"/>
-                <a:ea typeface="Arial"/>
-                <a:cs typeface="Arial"/>
-                <a:sym typeface="Arial"/>
-              </a:defRPr>
-            </a:lvl6pPr>
-            <a:lvl7pPr marR="0" lvl="6" algn="l" rtl="0">
-              <a:lnSpc>
-                <a:spcPct val="100000"/>
-              </a:lnSpc>
-              <a:spcBef>
-                <a:spcPts val="0"/>
-              </a:spcBef>
-              <a:spcAft>
-                <a:spcPts val="0"/>
-              </a:spcAft>
-              <a:buClr>
-                <a:srgbClr val="000000"/>
-              </a:buClr>
-              <a:buSzPts val="1400"/>
-              <a:buFont typeface="Arial"/>
-              <a:buNone/>
-              <a:defRPr sz="1800" b="0" i="0" u="none" strike="noStrike" cap="none">
-                <a:solidFill>
-                  <a:srgbClr val="000000"/>
-                </a:solidFill>
-                <a:latin typeface="Arial"/>
-                <a:ea typeface="Arial"/>
-                <a:cs typeface="Arial"/>
-                <a:sym typeface="Arial"/>
-              </a:defRPr>
-            </a:lvl7pPr>
-            <a:lvl8pPr marR="0" lvl="7" algn="l" rtl="0">
-              <a:lnSpc>
-                <a:spcPct val="100000"/>
-              </a:lnSpc>
-              <a:spcBef>
-                <a:spcPts val="0"/>
-              </a:spcBef>
-              <a:spcAft>
-                <a:spcPts val="0"/>
-              </a:spcAft>
-              <a:buClr>
-                <a:srgbClr val="000000"/>
-              </a:buClr>
-              <a:buSzPts val="1400"/>
-              <a:buFont typeface="Arial"/>
-              <a:buNone/>
-              <a:defRPr sz="1800" b="0" i="0" u="none" strike="noStrike" cap="none">
-                <a:solidFill>
-                  <a:srgbClr val="000000"/>
-                </a:solidFill>
-                <a:latin typeface="Arial"/>
-                <a:ea typeface="Arial"/>
-                <a:cs typeface="Arial"/>
-                <a:sym typeface="Arial"/>
-              </a:defRPr>
-            </a:lvl8pPr>
-            <a:lvl9pPr marR="0" lvl="8" algn="l" rtl="0">
-              <a:lnSpc>
-                <a:spcPct val="100000"/>
-              </a:lnSpc>
-              <a:spcBef>
-                <a:spcPts val="0"/>
-              </a:spcBef>
-              <a:spcAft>
-                <a:spcPts val="0"/>
-              </a:spcAft>
-              <a:buClr>
-                <a:srgbClr val="000000"/>
-              </a:buClr>
-              <a:buSzPts val="1400"/>
-              <a:buFont typeface="Arial"/>
-              <a:buNone/>
-              <a:defRPr sz="1800" b="0" i="0" u="none" strike="noStrike" cap="none">
-                <a:solidFill>
-                  <a:srgbClr val="000000"/>
-                </a:solidFill>
-                <a:latin typeface="Arial"/>
-                <a:ea typeface="Arial"/>
-                <a:cs typeface="Arial"/>
-                <a:sym typeface="Arial"/>
-              </a:defRPr>
-            </a:lvl9pPr>
-          </a:lstStyle>
-          <a:p>
+              <a:buSzPts val="6600"/>
+              <a:buFont typeface="Times New Roman"/>
+              <a:buNone/>
+            </a:pPr>
             <a:r>
-              <a:rPr lang="en-US" altLang="zh-CN" sz="1800" dirty="0"/>
-              <a:t>testing result of yolo11xtra with epochs=150</a:t>
+              <a:rPr lang="en-US" sz="14800" dirty="0">
+                <a:latin typeface="Libre Franklin"/>
+                <a:ea typeface="Libre Franklin"/>
+                <a:cs typeface="Libre Franklin"/>
+                <a:sym typeface="Libre Franklin"/>
+              </a:rPr>
+              <a:t>Thank Y   u! :) </a:t>
             </a:r>
-          </a:p>
-          <a:p>
-            <a:r>
-              <a:rPr lang="en-US" altLang="zh-CN" sz="1800" dirty="0"/>
-              <a:t>mAP50=50.3%, </a:t>
-            </a:r>
-            <a:r>
-              <a:rPr lang="en-US" altLang="zh-CN" sz="1800" dirty="0" err="1"/>
-              <a:t>mAP</a:t>
-            </a:r>
-            <a:r>
-              <a:rPr lang="en-US" altLang="zh-CN" sz="1800" dirty="0"/>
-              <a:t>=31.3%</a:t>
-            </a:r>
+            <a:endParaRPr sz="14800" i="0" u="none" strike="noStrike" cap="none" dirty="0">
+              <a:solidFill>
+                <a:schemeClr val="dk1"/>
+              </a:solidFill>
+              <a:latin typeface="Libre Franklin"/>
+              <a:ea typeface="Libre Franklin"/>
+              <a:cs typeface="Libre Franklin"/>
+              <a:sym typeface="Libre Franklin"/>
+            </a:endParaRPr>
           </a:p>
         </p:txBody>
       </p:sp>
       <p:pic>
         <p:nvPicPr>
-          <p:cNvPr id="9" name="Picture 8">
+          <p:cNvPr id="2" name="Picture 4" descr="VisDrone (VisDrone) · GitHub">
             <a:extLst>
               <a:ext uri="{FF2B5EF4-FFF2-40B4-BE49-F238E27FC236}">
-                <a16:creationId xmlns:a16="http://schemas.microsoft.com/office/drawing/2014/main" id="{2E06CFDC-BE71-C4CB-336B-E3651C3A34BE}"/>
+                <a16:creationId xmlns:a16="http://schemas.microsoft.com/office/drawing/2014/main" id="{C3FB9D4B-DE80-4958-0074-69D92766F49C}"/>
               </a:ext>
             </a:extLst>
           </p:cNvPr>
           <p:cNvPicPr>
-            <a:picLocks noChangeAspect="1"/>
+            <a:picLocks noChangeAspect="1" noChangeArrowheads="1"/>
           </p:cNvPicPr>
           <p:nvPr/>
         </p:nvPicPr>
         <p:blipFill>
-          <a:blip r:embed="rId2"/>
+          <a:blip r:embed="rId3">
+            <a:extLst>
+              <a:ext uri="{28A0092B-C50C-407E-A947-70E740481C1C}">
+                <a14:useLocalDpi xmlns:a14="http://schemas.microsoft.com/office/drawing/2010/main" val="0"/>
+              </a:ext>
+            </a:extLst>
+          </a:blip>
+          <a:srcRect/>
           <a:stretch>
             <a:fillRect/>
           </a:stretch>
         </p:blipFill>
-        <p:spPr>
+        <p:spPr bwMode="auto">
           <a:xfrm>
-            <a:off x="5891387" y="2116102"/>
-            <a:ext cx="6117513" cy="2208631"/>
-          </a:xfrm>
-          <a:prstGeom prst="rect">
-            <a:avLst/>
-          </a:prstGeom>
-        </p:spPr>
-      </p:pic>
-      <p:pic>
-        <p:nvPicPr>
-          <p:cNvPr id="11" name="Picture 10">
-            <a:extLst>
-              <a:ext uri="{FF2B5EF4-FFF2-40B4-BE49-F238E27FC236}">
-                <a16:creationId xmlns:a16="http://schemas.microsoft.com/office/drawing/2014/main" id="{BE119A6E-D1F2-59DB-4060-C674F9A98048}"/>
-              </a:ext>
-            </a:extLst>
-          </p:cNvPr>
-          <p:cNvPicPr>
-            <a:picLocks noChangeAspect="1"/>
-          </p:cNvPicPr>
-          <p:nvPr/>
-        </p:nvPicPr>
-        <p:blipFill>
-          <a:blip r:embed="rId3"/>
-          <a:stretch>
-            <a:fillRect/>
-          </a:stretch>
-        </p:blipFill>
-        <p:spPr>
-          <a:xfrm>
-            <a:off x="594268" y="2369306"/>
-            <a:ext cx="5501732" cy="2000185"/>
-          </a:xfrm>
-          <a:prstGeom prst="rect">
-            <a:avLst/>
-          </a:prstGeom>
-        </p:spPr>
-      </p:pic>
-      <p:sp>
-        <p:nvSpPr>
-          <p:cNvPr id="12" name="TextBox 11">
-            <a:extLst>
-              <a:ext uri="{FF2B5EF4-FFF2-40B4-BE49-F238E27FC236}">
-                <a16:creationId xmlns:a16="http://schemas.microsoft.com/office/drawing/2014/main" id="{4249AE18-5A12-09F5-E2E7-13ECCEF52A14}"/>
-              </a:ext>
-            </a:extLst>
-          </p:cNvPr>
-          <p:cNvSpPr txBox="1"/>
-          <p:nvPr/>
-        </p:nvSpPr>
-        <p:spPr>
-          <a:xfrm>
-            <a:off x="598264" y="5226205"/>
-            <a:ext cx="11601170" cy="307777"/>
+            <a:off x="7462200" y="2202411"/>
+            <a:ext cx="1157693" cy="1157693"/>
           </a:xfrm>
           <a:prstGeom prst="rect">
             <a:avLst/>
           </a:prstGeom>
           <a:noFill/>
-        </p:spPr>
-        <p:txBody>
-          <a:bodyPr wrap="square" rtlCol="0">
-            <a:spAutoFit/>
-          </a:bodyPr>
-          <a:lstStyle/>
-          <a:p>
-            <a:r>
-              <a:rPr lang="en-US" altLang="zh-CN" dirty="0"/>
-              <a:t>This week, after we train it in 150 epochs, result gets better </a:t>
-            </a:r>
-            <a:endParaRPr lang="zh-CN" altLang="en-US" dirty="0"/>
-          </a:p>
-        </p:txBody>
-      </p:sp>
-    </p:spTree>
-    <p:extLst>
-      <p:ext uri="{BB962C8B-B14F-4D97-AF65-F5344CB8AC3E}">
-        <p14:creationId xmlns:p14="http://schemas.microsoft.com/office/powerpoint/2010/main" val="2614113339"/>
-      </p:ext>
-    </p:extLst>
-  </p:cSld>
-  <p:clrMapOvr>
-    <a:masterClrMapping/>
-  </p:clrMapOvr>
-</p:sld>
-</file>
-
-<file path=ppt/slides/slide15.xml><?xml version="1.0" encoding="utf-8"?>
-<p:sld xmlns:a="http://schemas.openxmlformats.org/drawingml/2006/main" xmlns:r="http://schemas.openxmlformats.org/officeDocument/2006/relationships" xmlns:p="http://schemas.openxmlformats.org/presentationml/2006/main">
-  <p:cSld>
-    <p:spTree>
-      <p:nvGrpSpPr>
-        <p:cNvPr id="1" name="">
           <a:extLst>
-            <a:ext uri="{FF2B5EF4-FFF2-40B4-BE49-F238E27FC236}">
-              <a16:creationId xmlns:a16="http://schemas.microsoft.com/office/drawing/2014/main" id="{323E16ED-0C8B-981A-AD4B-879D22AEF595}"/>
+            <a:ext uri="{909E8E84-426E-40DD-AFC4-6F175D3DCCD1}">
+              <a14:hiddenFill xmlns:a14="http://schemas.microsoft.com/office/drawing/2010/main">
+                <a:solidFill>
+                  <a:srgbClr val="FFFFFF"/>
+                </a:solidFill>
+              </a14:hiddenFill>
             </a:ext>
           </a:extLst>
-        </p:cNvPr>
-        <p:cNvGrpSpPr/>
-        <p:nvPr/>
-      </p:nvGrpSpPr>
-      <p:grpSpPr>
-        <a:xfrm>
-          <a:off x="0" y="0"/>
-          <a:ext cx="0" cy="0"/>
-          <a:chOff x="0" y="0"/>
-          <a:chExt cx="0" cy="0"/>
-        </a:xfrm>
-      </p:grpSpPr>
-      <p:sp>
-        <p:nvSpPr>
-          <p:cNvPr id="2" name="Title 1">
+        </p:spPr>
+      </p:pic>
+      <p:pic>
+        <p:nvPicPr>
+          <p:cNvPr id="3" name="Picture 2" descr="Ultralytics YOLO11 Has Arrived! Redefine What's Possible in AI!">
             <a:extLst>
               <a:ext uri="{FF2B5EF4-FFF2-40B4-BE49-F238E27FC236}">
-                <a16:creationId xmlns:a16="http://schemas.microsoft.com/office/drawing/2014/main" id="{DF3C978C-6DF8-4939-6A0F-76ECC92FD2AE}"/>
+                <a16:creationId xmlns:a16="http://schemas.microsoft.com/office/drawing/2014/main" id="{7660E06B-CB0D-0951-264D-5D1B523581A8}"/>
               </a:ext>
             </a:extLst>
           </p:cNvPr>
-          <p:cNvSpPr>
-            <a:spLocks noGrp="1"/>
-          </p:cNvSpPr>
-          <p:nvPr>
-            <p:ph type="title"/>
-          </p:nvPr>
-        </p:nvSpPr>
-        <p:spPr>
-          <a:xfrm>
-            <a:off x="594360" y="189572"/>
-            <a:ext cx="11478694" cy="1593507"/>
-          </a:xfrm>
-        </p:spPr>
-        <p:txBody>
-          <a:bodyPr>
-            <a:normAutofit/>
-          </a:bodyPr>
-          <a:lstStyle/>
-          <a:p>
-            <a:r>
-              <a:rPr lang="en-US" altLang="zh-CN" dirty="0"/>
-              <a:t>Testing results of Yolo11x lr0 = 0.01 and lr0 = 0.001, others are same, epoch=100</a:t>
-            </a:r>
-            <a:endParaRPr lang="zh-CN" altLang="en-US" dirty="0"/>
-          </a:p>
-        </p:txBody>
-      </p:sp>
-      <p:sp>
-        <p:nvSpPr>
-          <p:cNvPr id="4" name="Slide Number Placeholder 3">
+          <p:cNvPicPr>
+            <a:picLocks noChangeAspect="1" noChangeArrowheads="1"/>
+          </p:cNvPicPr>
+          <p:nvPr/>
+        </p:nvPicPr>
+        <p:blipFill>
+          <a:blip r:embed="rId4">
             <a:extLst>
-              <a:ext uri="{FF2B5EF4-FFF2-40B4-BE49-F238E27FC236}">
-                <a16:creationId xmlns:a16="http://schemas.microsoft.com/office/drawing/2014/main" id="{0AD96C63-B74D-8EA3-7B43-E665859FC5CA}"/>
+              <a:ext uri="{28A0092B-C50C-407E-A947-70E740481C1C}">
+                <a14:useLocalDpi xmlns:a14="http://schemas.microsoft.com/office/drawing/2010/main" val="0"/>
               </a:ext>
             </a:extLst>
-          </p:cNvPr>
-          <p:cNvSpPr>
-            <a:spLocks noGrp="1"/>
-          </p:cNvSpPr>
-          <p:nvPr>
-            <p:ph type="sldNum" idx="12"/>
-          </p:nvPr>
-        </p:nvSpPr>
-        <p:spPr/>
-        <p:txBody>
-          <a:bodyPr/>
-          <a:lstStyle/>
-          <a:p>
-            <a:pPr marL="0" lvl="0" indent="0" algn="l" rtl="0">
-              <a:spcBef>
-                <a:spcPts val="0"/>
-              </a:spcBef>
-              <a:spcAft>
-                <a:spcPts val="0"/>
-              </a:spcAft>
-              <a:buNone/>
-            </a:pPr>
-            <a:fld id="{00000000-1234-1234-1234-123412341234}" type="slidenum">
-              <a:rPr lang="en-US" smtClean="0"/>
-              <a:t>15</a:t>
-            </a:fld>
-            <a:endParaRPr lang="en-US"/>
-          </a:p>
-        </p:txBody>
-      </p:sp>
-      <p:sp>
-        <p:nvSpPr>
-          <p:cNvPr id="7" name="Title 1">
-            <a:extLst>
-              <a:ext uri="{FF2B5EF4-FFF2-40B4-BE49-F238E27FC236}">
-                <a16:creationId xmlns:a16="http://schemas.microsoft.com/office/drawing/2014/main" id="{191D2798-EBAF-2416-0DD4-5261D1D2188D}"/>
-              </a:ext>
-            </a:extLst>
-          </p:cNvPr>
-          <p:cNvSpPr txBox="1">
-            <a:spLocks/>
-          </p:cNvSpPr>
-          <p:nvPr/>
-        </p:nvSpPr>
-        <p:spPr>
+          </a:blip>
+          <a:srcRect/>
+          <a:stretch>
+            <a:fillRect/>
+          </a:stretch>
+        </p:blipFill>
+        <p:spPr bwMode="auto">
           <a:xfrm>
-            <a:off x="590830" y="4414249"/>
-            <a:ext cx="5293497" cy="570838"/>
+            <a:off x="6540811" y="3527549"/>
+            <a:ext cx="3753430" cy="2136340"/>
           </a:xfrm>
           <a:prstGeom prst="rect">
             <a:avLst/>
           </a:prstGeom>
           <a:noFill/>
-          <a:ln>
-            <a:noFill/>
-          </a:ln>
-        </p:spPr>
-        <p:txBody>
-          <a:bodyPr spcFirstLastPara="1" wrap="square" lIns="0" tIns="0" rIns="0" bIns="0" anchor="b" anchorCtr="0">
-            <a:normAutofit/>
-          </a:bodyPr>
-          <a:lstStyle>
-            <a:defPPr marR="0" lvl="0" algn="l" rtl="0">
-              <a:lnSpc>
-                <a:spcPct val="100000"/>
-              </a:lnSpc>
-              <a:spcBef>
-                <a:spcPts val="0"/>
-              </a:spcBef>
-              <a:spcAft>
-                <a:spcPts val="0"/>
-              </a:spcAft>
-            </a:defPPr>
-            <a:lvl1pPr marR="0" lvl="0" algn="l" rtl="0">
-              <a:lnSpc>
-                <a:spcPct val="80000"/>
-              </a:lnSpc>
-              <a:spcBef>
-                <a:spcPts val="0"/>
-              </a:spcBef>
-              <a:spcAft>
-                <a:spcPts val="0"/>
-              </a:spcAft>
-              <a:buClr>
-                <a:schemeClr val="dk1"/>
-              </a:buClr>
-              <a:buSzPts val="4400"/>
-              <a:buFont typeface="Arial"/>
-              <a:buNone/>
-              <a:defRPr sz="4400" b="1" i="0" u="none" strike="noStrike" cap="none">
-                <a:solidFill>
-                  <a:schemeClr val="dk1"/>
-                </a:solidFill>
-                <a:latin typeface="Arial"/>
-                <a:ea typeface="Arial"/>
-                <a:cs typeface="Arial"/>
-                <a:sym typeface="Arial"/>
-              </a:defRPr>
-            </a:lvl1pPr>
-            <a:lvl2pPr marR="0" lvl="1" algn="l" rtl="0">
-              <a:lnSpc>
-                <a:spcPct val="100000"/>
-              </a:lnSpc>
-              <a:spcBef>
-                <a:spcPts val="0"/>
-              </a:spcBef>
-              <a:spcAft>
-                <a:spcPts val="0"/>
-              </a:spcAft>
-              <a:buClr>
-                <a:srgbClr val="000000"/>
-              </a:buClr>
-              <a:buSzPts val="1400"/>
-              <a:buFont typeface="Arial"/>
-              <a:buNone/>
-              <a:defRPr sz="1800" b="0" i="0" u="none" strike="noStrike" cap="none">
-                <a:solidFill>
-                  <a:srgbClr val="000000"/>
-                </a:solidFill>
-                <a:latin typeface="Arial"/>
-                <a:ea typeface="Arial"/>
-                <a:cs typeface="Arial"/>
-                <a:sym typeface="Arial"/>
-              </a:defRPr>
-            </a:lvl2pPr>
-            <a:lvl3pPr marR="0" lvl="2" algn="l" rtl="0">
-              <a:lnSpc>
-                <a:spcPct val="100000"/>
-              </a:lnSpc>
-              <a:spcBef>
-                <a:spcPts val="0"/>
-              </a:spcBef>
-              <a:spcAft>
-                <a:spcPts val="0"/>
-              </a:spcAft>
-              <a:buClr>
-                <a:srgbClr val="000000"/>
-              </a:buClr>
-              <a:buSzPts val="1400"/>
-              <a:buFont typeface="Arial"/>
-              <a:buNone/>
-              <a:defRPr sz="1800" b="0" i="0" u="none" strike="noStrike" cap="none">
-                <a:solidFill>
-                  <a:srgbClr val="000000"/>
-                </a:solidFill>
-                <a:latin typeface="Arial"/>
-                <a:ea typeface="Arial"/>
-                <a:cs typeface="Arial"/>
-                <a:sym typeface="Arial"/>
-              </a:defRPr>
-            </a:lvl3pPr>
-            <a:lvl4pPr marR="0" lvl="3" algn="l" rtl="0">
-              <a:lnSpc>
-                <a:spcPct val="100000"/>
-              </a:lnSpc>
-              <a:spcBef>
-                <a:spcPts val="0"/>
-              </a:spcBef>
-              <a:spcAft>
-                <a:spcPts val="0"/>
-              </a:spcAft>
-              <a:buClr>
-                <a:srgbClr val="000000"/>
-              </a:buClr>
-              <a:buSzPts val="1400"/>
-              <a:buFont typeface="Arial"/>
-              <a:buNone/>
-              <a:defRPr sz="1800" b="0" i="0" u="none" strike="noStrike" cap="none">
-                <a:solidFill>
-                  <a:srgbClr val="000000"/>
-                </a:solidFill>
-                <a:latin typeface="Arial"/>
-                <a:ea typeface="Arial"/>
-                <a:cs typeface="Arial"/>
-                <a:sym typeface="Arial"/>
-              </a:defRPr>
-            </a:lvl4pPr>
-            <a:lvl5pPr marR="0" lvl="4" algn="l" rtl="0">
-              <a:lnSpc>
-                <a:spcPct val="100000"/>
-              </a:lnSpc>
-              <a:spcBef>
-                <a:spcPts val="0"/>
-              </a:spcBef>
-              <a:spcAft>
-                <a:spcPts val="0"/>
-              </a:spcAft>
-              <a:buClr>
-                <a:srgbClr val="000000"/>
-              </a:buClr>
-              <a:buSzPts val="1400"/>
-              <a:buFont typeface="Arial"/>
-              <a:buNone/>
-              <a:defRPr sz="1800" b="0" i="0" u="none" strike="noStrike" cap="none">
-                <a:solidFill>
-                  <a:srgbClr val="000000"/>
-                </a:solidFill>
-                <a:latin typeface="Arial"/>
-                <a:ea typeface="Arial"/>
-                <a:cs typeface="Arial"/>
-                <a:sym typeface="Arial"/>
-              </a:defRPr>
-            </a:lvl5pPr>
-            <a:lvl6pPr marR="0" lvl="5" algn="l" rtl="0">
-              <a:lnSpc>
-                <a:spcPct val="100000"/>
-              </a:lnSpc>
-              <a:spcBef>
-                <a:spcPts val="0"/>
-              </a:spcBef>
-              <a:spcAft>
-                <a:spcPts val="0"/>
-              </a:spcAft>
-              <a:buClr>
-                <a:srgbClr val="000000"/>
-              </a:buClr>
-              <a:buSzPts val="1400"/>
-              <a:buFont typeface="Arial"/>
-              <a:buNone/>
-              <a:defRPr sz="1800" b="0" i="0" u="none" strike="noStrike" cap="none">
-                <a:solidFill>
-                  <a:srgbClr val="000000"/>
-                </a:solidFill>
-                <a:latin typeface="Arial"/>
-                <a:ea typeface="Arial"/>
-                <a:cs typeface="Arial"/>
-                <a:sym typeface="Arial"/>
-              </a:defRPr>
-            </a:lvl6pPr>
-            <a:lvl7pPr marR="0" lvl="6" algn="l" rtl="0">
-              <a:lnSpc>
-                <a:spcPct val="100000"/>
-              </a:lnSpc>
-              <a:spcBef>
-                <a:spcPts val="0"/>
-              </a:spcBef>
-              <a:spcAft>
-                <a:spcPts val="0"/>
-              </a:spcAft>
-              <a:buClr>
-                <a:srgbClr val="000000"/>
-              </a:buClr>
-              <a:buSzPts val="1400"/>
-              <a:buFont typeface="Arial"/>
-              <a:buNone/>
-              <a:defRPr sz="1800" b="0" i="0" u="none" strike="noStrike" cap="none">
-                <a:solidFill>
-                  <a:srgbClr val="000000"/>
-                </a:solidFill>
-                <a:latin typeface="Arial"/>
-                <a:ea typeface="Arial"/>
-                <a:cs typeface="Arial"/>
-                <a:sym typeface="Arial"/>
-              </a:defRPr>
-            </a:lvl7pPr>
-            <a:lvl8pPr marR="0" lvl="7" algn="l" rtl="0">
-              <a:lnSpc>
-                <a:spcPct val="100000"/>
-              </a:lnSpc>
-              <a:spcBef>
-                <a:spcPts val="0"/>
-              </a:spcBef>
-              <a:spcAft>
-                <a:spcPts val="0"/>
-              </a:spcAft>
-              <a:buClr>
-                <a:srgbClr val="000000"/>
-              </a:buClr>
-              <a:buSzPts val="1400"/>
-              <a:buFont typeface="Arial"/>
-              <a:buNone/>
-              <a:defRPr sz="1800" b="0" i="0" u="none" strike="noStrike" cap="none">
-                <a:solidFill>
-                  <a:srgbClr val="000000"/>
-                </a:solidFill>
-                <a:latin typeface="Arial"/>
-                <a:ea typeface="Arial"/>
-                <a:cs typeface="Arial"/>
-                <a:sym typeface="Arial"/>
-              </a:defRPr>
-            </a:lvl8pPr>
-            <a:lvl9pPr marR="0" lvl="8" algn="l" rtl="0">
-              <a:lnSpc>
-                <a:spcPct val="100000"/>
-              </a:lnSpc>
-              <a:spcBef>
-                <a:spcPts val="0"/>
-              </a:spcBef>
-              <a:spcAft>
-                <a:spcPts val="0"/>
-              </a:spcAft>
-              <a:buClr>
-                <a:srgbClr val="000000"/>
-              </a:buClr>
-              <a:buSzPts val="1400"/>
-              <a:buFont typeface="Arial"/>
-              <a:buNone/>
-              <a:defRPr sz="1800" b="0" i="0" u="none" strike="noStrike" cap="none">
-                <a:solidFill>
-                  <a:srgbClr val="000000"/>
-                </a:solidFill>
-                <a:latin typeface="Arial"/>
-                <a:ea typeface="Arial"/>
-                <a:cs typeface="Arial"/>
-                <a:sym typeface="Arial"/>
-              </a:defRPr>
-            </a:lvl9pPr>
-          </a:lstStyle>
-          <a:p>
-            <a:r>
-              <a:rPr lang="en-US" altLang="zh-CN" sz="1800" dirty="0"/>
-              <a:t>testing result of yolo11xtra with lr0=0.01</a:t>
-            </a:r>
-          </a:p>
-          <a:p>
-            <a:r>
-              <a:rPr lang="en-US" altLang="zh-CN" sz="1800" dirty="0"/>
-              <a:t>mAP50=49.9%, </a:t>
-            </a:r>
-            <a:r>
-              <a:rPr lang="en-US" altLang="zh-CN" sz="1800" dirty="0" err="1"/>
-              <a:t>mAP</a:t>
-            </a:r>
-            <a:r>
-              <a:rPr lang="en-US" altLang="zh-CN" sz="1800" dirty="0"/>
-              <a:t>=30.9%</a:t>
-            </a:r>
-            <a:endParaRPr lang="zh-CN" altLang="en-US" sz="1800" dirty="0"/>
-          </a:p>
-        </p:txBody>
-      </p:sp>
-      <p:sp>
-        <p:nvSpPr>
-          <p:cNvPr id="8" name="Title 1">
-            <a:extLst>
-              <a:ext uri="{FF2B5EF4-FFF2-40B4-BE49-F238E27FC236}">
-                <a16:creationId xmlns:a16="http://schemas.microsoft.com/office/drawing/2014/main" id="{CBF89BC8-BC68-485E-44AB-2EF3C0ACC599}"/>
-              </a:ext>
-            </a:extLst>
-          </p:cNvPr>
-          <p:cNvSpPr txBox="1">
-            <a:spLocks/>
-          </p:cNvSpPr>
-          <p:nvPr/>
-        </p:nvSpPr>
-        <p:spPr>
-          <a:xfrm>
-            <a:off x="5891387" y="4369491"/>
-            <a:ext cx="5293497" cy="615596"/>
-          </a:xfrm>
-          <a:prstGeom prst="rect">
-            <a:avLst/>
-          </a:prstGeom>
-          <a:noFill/>
-          <a:ln>
-            <a:noFill/>
-          </a:ln>
-        </p:spPr>
-        <p:txBody>
-          <a:bodyPr spcFirstLastPara="1" wrap="square" lIns="0" tIns="0" rIns="0" bIns="0" anchor="b" anchorCtr="0">
-            <a:normAutofit/>
-          </a:bodyPr>
-          <a:lstStyle>
-            <a:defPPr marR="0" lvl="0" algn="l" rtl="0">
-              <a:lnSpc>
-                <a:spcPct val="100000"/>
-              </a:lnSpc>
-              <a:spcBef>
-                <a:spcPts val="0"/>
-              </a:spcBef>
-              <a:spcAft>
-                <a:spcPts val="0"/>
-              </a:spcAft>
-            </a:defPPr>
-            <a:lvl1pPr marR="0" lvl="0" algn="l" rtl="0">
-              <a:lnSpc>
-                <a:spcPct val="80000"/>
-              </a:lnSpc>
-              <a:spcBef>
-                <a:spcPts val="0"/>
-              </a:spcBef>
-              <a:spcAft>
-                <a:spcPts val="0"/>
-              </a:spcAft>
-              <a:buClr>
-                <a:schemeClr val="dk1"/>
-              </a:buClr>
-              <a:buSzPts val="4400"/>
-              <a:buFont typeface="Arial"/>
-              <a:buNone/>
-              <a:defRPr sz="4400" b="1" i="0" u="none" strike="noStrike" cap="none">
-                <a:solidFill>
-                  <a:schemeClr val="dk1"/>
-                </a:solidFill>
-                <a:latin typeface="Arial"/>
-                <a:ea typeface="Arial"/>
-                <a:cs typeface="Arial"/>
-                <a:sym typeface="Arial"/>
-              </a:defRPr>
-            </a:lvl1pPr>
-            <a:lvl2pPr marR="0" lvl="1" algn="l" rtl="0">
-              <a:lnSpc>
-                <a:spcPct val="100000"/>
-              </a:lnSpc>
-              <a:spcBef>
-                <a:spcPts val="0"/>
-              </a:spcBef>
-              <a:spcAft>
-                <a:spcPts val="0"/>
-              </a:spcAft>
-              <a:buClr>
-                <a:srgbClr val="000000"/>
-              </a:buClr>
-              <a:buSzPts val="1400"/>
-              <a:buFont typeface="Arial"/>
-              <a:buNone/>
-              <a:defRPr sz="1800" b="0" i="0" u="none" strike="noStrike" cap="none">
-                <a:solidFill>
-                  <a:srgbClr val="000000"/>
-                </a:solidFill>
-                <a:latin typeface="Arial"/>
-                <a:ea typeface="Arial"/>
-                <a:cs typeface="Arial"/>
-                <a:sym typeface="Arial"/>
-              </a:defRPr>
-            </a:lvl2pPr>
-            <a:lvl3pPr marR="0" lvl="2" algn="l" rtl="0">
-              <a:lnSpc>
-                <a:spcPct val="100000"/>
-              </a:lnSpc>
-              <a:spcBef>
-                <a:spcPts val="0"/>
-              </a:spcBef>
-              <a:spcAft>
-                <a:spcPts val="0"/>
-              </a:spcAft>
-              <a:buClr>
-                <a:srgbClr val="000000"/>
-              </a:buClr>
-              <a:buSzPts val="1400"/>
-              <a:buFont typeface="Arial"/>
-              <a:buNone/>
-              <a:defRPr sz="1800" b="0" i="0" u="none" strike="noStrike" cap="none">
-                <a:solidFill>
-                  <a:srgbClr val="000000"/>
-                </a:solidFill>
-                <a:latin typeface="Arial"/>
-                <a:ea typeface="Arial"/>
-                <a:cs typeface="Arial"/>
-                <a:sym typeface="Arial"/>
-              </a:defRPr>
-            </a:lvl3pPr>
-            <a:lvl4pPr marR="0" lvl="3" algn="l" rtl="0">
-              <a:lnSpc>
-                <a:spcPct val="100000"/>
-              </a:lnSpc>
-              <a:spcBef>
-                <a:spcPts val="0"/>
-              </a:spcBef>
-              <a:spcAft>
-                <a:spcPts val="0"/>
-              </a:spcAft>
-              <a:buClr>
-                <a:srgbClr val="000000"/>
-              </a:buClr>
-              <a:buSzPts val="1400"/>
-              <a:buFont typeface="Arial"/>
-              <a:buNone/>
-              <a:defRPr sz="1800" b="0" i="0" u="none" strike="noStrike" cap="none">
-                <a:solidFill>
-                  <a:srgbClr val="000000"/>
-                </a:solidFill>
-                <a:latin typeface="Arial"/>
-                <a:ea typeface="Arial"/>
-                <a:cs typeface="Arial"/>
-                <a:sym typeface="Arial"/>
-              </a:defRPr>
-            </a:lvl4pPr>
-            <a:lvl5pPr marR="0" lvl="4" algn="l" rtl="0">
-              <a:lnSpc>
-                <a:spcPct val="100000"/>
-              </a:lnSpc>
-              <a:spcBef>
-                <a:spcPts val="0"/>
-              </a:spcBef>
-              <a:spcAft>
-                <a:spcPts val="0"/>
-              </a:spcAft>
-              <a:buClr>
-                <a:srgbClr val="000000"/>
-              </a:buClr>
-              <a:buSzPts val="1400"/>
-              <a:buFont typeface="Arial"/>
-              <a:buNone/>
-              <a:defRPr sz="1800" b="0" i="0" u="none" strike="noStrike" cap="none">
-                <a:solidFill>
-                  <a:srgbClr val="000000"/>
-                </a:solidFill>
-                <a:latin typeface="Arial"/>
-                <a:ea typeface="Arial"/>
-                <a:cs typeface="Arial"/>
-                <a:sym typeface="Arial"/>
-              </a:defRPr>
-            </a:lvl5pPr>
-            <a:lvl6pPr marR="0" lvl="5" algn="l" rtl="0">
-              <a:lnSpc>
-                <a:spcPct val="100000"/>
-              </a:lnSpc>
-              <a:spcBef>
-                <a:spcPts val="0"/>
-              </a:spcBef>
-              <a:spcAft>
-                <a:spcPts val="0"/>
-              </a:spcAft>
-              <a:buClr>
-                <a:srgbClr val="000000"/>
-              </a:buClr>
-              <a:buSzPts val="1400"/>
-              <a:buFont typeface="Arial"/>
-              <a:buNone/>
-              <a:defRPr sz="1800" b="0" i="0" u="none" strike="noStrike" cap="none">
-                <a:solidFill>
-                  <a:srgbClr val="000000"/>
-                </a:solidFill>
-                <a:latin typeface="Arial"/>
-                <a:ea typeface="Arial"/>
-                <a:cs typeface="Arial"/>
-                <a:sym typeface="Arial"/>
-              </a:defRPr>
-            </a:lvl6pPr>
-            <a:lvl7pPr marR="0" lvl="6" algn="l" rtl="0">
-              <a:lnSpc>
-                <a:spcPct val="100000"/>
-              </a:lnSpc>
-              <a:spcBef>
-                <a:spcPts val="0"/>
-              </a:spcBef>
-              <a:spcAft>
-                <a:spcPts val="0"/>
-              </a:spcAft>
-              <a:buClr>
-                <a:srgbClr val="000000"/>
-              </a:buClr>
-              <a:buSzPts val="1400"/>
-              <a:buFont typeface="Arial"/>
-              <a:buNone/>
-              <a:defRPr sz="1800" b="0" i="0" u="none" strike="noStrike" cap="none">
-                <a:solidFill>
-                  <a:srgbClr val="000000"/>
-                </a:solidFill>
-                <a:latin typeface="Arial"/>
-                <a:ea typeface="Arial"/>
-                <a:cs typeface="Arial"/>
-                <a:sym typeface="Arial"/>
-              </a:defRPr>
-            </a:lvl7pPr>
-            <a:lvl8pPr marR="0" lvl="7" algn="l" rtl="0">
-              <a:lnSpc>
-                <a:spcPct val="100000"/>
-              </a:lnSpc>
-              <a:spcBef>
-                <a:spcPts val="0"/>
-              </a:spcBef>
-              <a:spcAft>
-                <a:spcPts val="0"/>
-              </a:spcAft>
-              <a:buClr>
-                <a:srgbClr val="000000"/>
-              </a:buClr>
-              <a:buSzPts val="1400"/>
-              <a:buFont typeface="Arial"/>
-              <a:buNone/>
-              <a:defRPr sz="1800" b="0" i="0" u="none" strike="noStrike" cap="none">
-                <a:solidFill>
-                  <a:srgbClr val="000000"/>
-                </a:solidFill>
-                <a:latin typeface="Arial"/>
-                <a:ea typeface="Arial"/>
-                <a:cs typeface="Arial"/>
-                <a:sym typeface="Arial"/>
-              </a:defRPr>
-            </a:lvl8pPr>
-            <a:lvl9pPr marR="0" lvl="8" algn="l" rtl="0">
-              <a:lnSpc>
-                <a:spcPct val="100000"/>
-              </a:lnSpc>
-              <a:spcBef>
-                <a:spcPts val="0"/>
-              </a:spcBef>
-              <a:spcAft>
-                <a:spcPts val="0"/>
-              </a:spcAft>
-              <a:buClr>
-                <a:srgbClr val="000000"/>
-              </a:buClr>
-              <a:buSzPts val="1400"/>
-              <a:buFont typeface="Arial"/>
-              <a:buNone/>
-              <a:defRPr sz="1800" b="0" i="0" u="none" strike="noStrike" cap="none">
-                <a:solidFill>
-                  <a:srgbClr val="000000"/>
-                </a:solidFill>
-                <a:latin typeface="Arial"/>
-                <a:ea typeface="Arial"/>
-                <a:cs typeface="Arial"/>
-                <a:sym typeface="Arial"/>
-              </a:defRPr>
-            </a:lvl9pPr>
-          </a:lstStyle>
-          <a:p>
-            <a:r>
-              <a:rPr lang="en-US" altLang="zh-CN" sz="1800" dirty="0"/>
-              <a:t>testing result of yolo11xtra with lr0=0.001</a:t>
-            </a:r>
-          </a:p>
-          <a:p>
-            <a:r>
-              <a:rPr lang="en-US" altLang="zh-CN" sz="1800" dirty="0"/>
-              <a:t>mAP50=53.9%, </a:t>
-            </a:r>
-            <a:r>
-              <a:rPr lang="en-US" altLang="zh-CN" sz="1800" dirty="0" err="1"/>
-              <a:t>mAP</a:t>
-            </a:r>
-            <a:r>
-              <a:rPr lang="en-US" altLang="zh-CN" sz="1800" dirty="0"/>
-              <a:t>=33.3%</a:t>
-            </a:r>
-          </a:p>
-        </p:txBody>
-      </p:sp>
-      <p:pic>
-        <p:nvPicPr>
-          <p:cNvPr id="11" name="Picture 10">
-            <a:extLst>
-              <a:ext uri="{FF2B5EF4-FFF2-40B4-BE49-F238E27FC236}">
-                <a16:creationId xmlns:a16="http://schemas.microsoft.com/office/drawing/2014/main" id="{B9D551AD-92EA-832A-22B2-DEEE3D81D010}"/>
-              </a:ext>
-            </a:extLst>
-          </p:cNvPr>
-          <p:cNvPicPr>
-            <a:picLocks noChangeAspect="1"/>
-          </p:cNvPicPr>
-          <p:nvPr/>
-        </p:nvPicPr>
-        <p:blipFill>
-          <a:blip r:embed="rId2"/>
-          <a:stretch>
-            <a:fillRect/>
-          </a:stretch>
-        </p:blipFill>
-        <p:spPr>
-          <a:xfrm>
-            <a:off x="594268" y="2369306"/>
-            <a:ext cx="5501732" cy="2000185"/>
-          </a:xfrm>
-          <a:prstGeom prst="rect">
-            <a:avLst/>
-          </a:prstGeom>
-        </p:spPr>
-      </p:pic>
-      <p:pic>
-        <p:nvPicPr>
-          <p:cNvPr id="5" name="Picture 4">
-            <a:extLst>
-              <a:ext uri="{FF2B5EF4-FFF2-40B4-BE49-F238E27FC236}">
-                <a16:creationId xmlns:a16="http://schemas.microsoft.com/office/drawing/2014/main" id="{5A9C065E-4CBE-12B5-C75E-3CD9AEA4C268}"/>
-              </a:ext>
-            </a:extLst>
-          </p:cNvPr>
-          <p:cNvPicPr>
-            <a:picLocks noChangeAspect="1"/>
-          </p:cNvPicPr>
-          <p:nvPr/>
-        </p:nvPicPr>
-        <p:blipFill>
-          <a:blip r:embed="rId3"/>
-          <a:stretch>
-            <a:fillRect/>
-          </a:stretch>
-        </p:blipFill>
-        <p:spPr>
-          <a:xfrm>
-            <a:off x="6096000" y="2324548"/>
-            <a:ext cx="6017457" cy="2000185"/>
-          </a:xfrm>
-          <a:prstGeom prst="rect">
-            <a:avLst/>
-          </a:prstGeom>
-        </p:spPr>
-      </p:pic>
-      <p:sp>
-        <p:nvSpPr>
-          <p:cNvPr id="6" name="TextBox 5">
-            <a:extLst>
-              <a:ext uri="{FF2B5EF4-FFF2-40B4-BE49-F238E27FC236}">
-                <a16:creationId xmlns:a16="http://schemas.microsoft.com/office/drawing/2014/main" id="{A0051CE1-8629-A164-9296-2352A69543F8}"/>
-              </a:ext>
-            </a:extLst>
-          </p:cNvPr>
-          <p:cNvSpPr txBox="1"/>
-          <p:nvPr/>
-        </p:nvSpPr>
-        <p:spPr>
-          <a:xfrm>
-            <a:off x="598264" y="5226205"/>
-            <a:ext cx="11601170" cy="307777"/>
-          </a:xfrm>
-          <a:prstGeom prst="rect">
-            <a:avLst/>
-          </a:prstGeom>
-          <a:noFill/>
-        </p:spPr>
-        <p:txBody>
-          <a:bodyPr wrap="square" rtlCol="0">
-            <a:spAutoFit/>
-          </a:bodyPr>
-          <a:lstStyle/>
-          <a:p>
-            <a:r>
-              <a:rPr lang="en-US" altLang="zh-CN" dirty="0"/>
-              <a:t>This week, after we train it using initial learning rate 0.001, result gets much better </a:t>
-            </a:r>
-            <a:endParaRPr lang="zh-CN" altLang="en-US" dirty="0"/>
-          </a:p>
-        </p:txBody>
-      </p:sp>
-    </p:spTree>
-    <p:extLst>
-      <p:ext uri="{BB962C8B-B14F-4D97-AF65-F5344CB8AC3E}">
-        <p14:creationId xmlns:p14="http://schemas.microsoft.com/office/powerpoint/2010/main" val="2106062362"/>
-      </p:ext>
-    </p:extLst>
-  </p:cSld>
-  <p:clrMapOvr>
-    <a:masterClrMapping/>
-  </p:clrMapOvr>
-</p:sld>
-</file>
-
-<file path=ppt/slides/slide16.xml><?xml version="1.0" encoding="utf-8"?>
-<p:sld xmlns:a="http://schemas.openxmlformats.org/drawingml/2006/main" xmlns:r="http://schemas.openxmlformats.org/officeDocument/2006/relationships" xmlns:p="http://schemas.openxmlformats.org/presentationml/2006/main">
-  <p:cSld>
-    <p:spTree>
-      <p:nvGrpSpPr>
-        <p:cNvPr id="1" name=""/>
-        <p:cNvGrpSpPr/>
-        <p:nvPr/>
-      </p:nvGrpSpPr>
-      <p:grpSpPr>
-        <a:xfrm>
-          <a:off x="0" y="0"/>
-          <a:ext cx="0" cy="0"/>
-          <a:chOff x="0" y="0"/>
-          <a:chExt cx="0" cy="0"/>
-        </a:xfrm>
-      </p:grpSpPr>
-      <p:sp>
-        <p:nvSpPr>
-          <p:cNvPr id="2" name="Title 1">
-            <a:extLst>
-              <a:ext uri="{FF2B5EF4-FFF2-40B4-BE49-F238E27FC236}">
-                <a16:creationId xmlns:a16="http://schemas.microsoft.com/office/drawing/2014/main" id="{0039DECC-ED47-FDCB-E182-79F141306F37}"/>
-              </a:ext>
-            </a:extLst>
-          </p:cNvPr>
-          <p:cNvSpPr>
-            <a:spLocks noGrp="1"/>
-          </p:cNvSpPr>
-          <p:nvPr>
-            <p:ph type="title"/>
-          </p:nvPr>
-        </p:nvSpPr>
-        <p:spPr>
-          <a:xfrm>
-            <a:off x="594359" y="353695"/>
-            <a:ext cx="6787747" cy="1593507"/>
-          </a:xfrm>
-        </p:spPr>
-        <p:txBody>
-          <a:bodyPr/>
-          <a:lstStyle/>
-          <a:p>
-            <a:r>
-              <a:rPr lang="en-US" altLang="zh-CN" dirty="0"/>
-              <a:t>Analysis</a:t>
-            </a:r>
-            <a:endParaRPr lang="zh-CN" altLang="en-US" dirty="0"/>
-          </a:p>
-        </p:txBody>
-      </p:sp>
-      <p:sp>
-        <p:nvSpPr>
-          <p:cNvPr id="3" name="Text Placeholder 2">
-            <a:extLst>
-              <a:ext uri="{FF2B5EF4-FFF2-40B4-BE49-F238E27FC236}">
-                <a16:creationId xmlns:a16="http://schemas.microsoft.com/office/drawing/2014/main" id="{A59BEBFF-A1CD-DF57-3724-8E7D3A369DED}"/>
-              </a:ext>
-            </a:extLst>
-          </p:cNvPr>
-          <p:cNvSpPr>
-            <a:spLocks noGrp="1"/>
-          </p:cNvSpPr>
-          <p:nvPr>
-            <p:ph type="body" idx="1"/>
-          </p:nvPr>
-        </p:nvSpPr>
-        <p:spPr/>
-        <p:txBody>
-          <a:bodyPr/>
-          <a:lstStyle/>
-          <a:p>
-            <a:endParaRPr lang="zh-CN" altLang="en-US"/>
-          </a:p>
-        </p:txBody>
-      </p:sp>
-      <p:sp>
-        <p:nvSpPr>
-          <p:cNvPr id="4" name="Slide Number Placeholder 3">
-            <a:extLst>
-              <a:ext uri="{FF2B5EF4-FFF2-40B4-BE49-F238E27FC236}">
-                <a16:creationId xmlns:a16="http://schemas.microsoft.com/office/drawing/2014/main" id="{BD047DA3-D532-004B-C738-DB199A7C43F1}"/>
-              </a:ext>
-            </a:extLst>
-          </p:cNvPr>
-          <p:cNvSpPr>
-            <a:spLocks noGrp="1"/>
-          </p:cNvSpPr>
-          <p:nvPr>
-            <p:ph type="sldNum" idx="12"/>
-          </p:nvPr>
-        </p:nvSpPr>
-        <p:spPr/>
-        <p:txBody>
-          <a:bodyPr/>
-          <a:lstStyle/>
-          <a:p>
-            <a:pPr marL="0" lvl="0" indent="0" algn="l" rtl="0">
-              <a:spcBef>
-                <a:spcPts val="0"/>
-              </a:spcBef>
-              <a:spcAft>
-                <a:spcPts val="0"/>
-              </a:spcAft>
-              <a:buNone/>
-            </a:pPr>
-            <a:fld id="{00000000-1234-1234-1234-123412341234}" type="slidenum">
-              <a:rPr lang="en-US" smtClean="0"/>
-              <a:t>16</a:t>
-            </a:fld>
-            <a:endParaRPr lang="en-US"/>
-          </a:p>
-        </p:txBody>
-      </p:sp>
-    </p:spTree>
-    <p:extLst>
-      <p:ext uri="{BB962C8B-B14F-4D97-AF65-F5344CB8AC3E}">
-        <p14:creationId xmlns:p14="http://schemas.microsoft.com/office/powerpoint/2010/main" val="2649701935"/>
-      </p:ext>
-    </p:extLst>
-  </p:cSld>
-  <p:clrMapOvr>
-    <a:masterClrMapping/>
-  </p:clrMapOvr>
-</p:sld>
-</file>
-
-<file path=ppt/slides/slide17.xml><?xml version="1.0" encoding="utf-8"?>
-<p:sld xmlns:a="http://schemas.openxmlformats.org/drawingml/2006/main" xmlns:r="http://schemas.openxmlformats.org/officeDocument/2006/relationships" xmlns:p="http://schemas.openxmlformats.org/presentationml/2006/main">
-  <p:cSld>
-    <p:spTree>
-      <p:nvGrpSpPr>
-        <p:cNvPr id="1" name=""/>
-        <p:cNvGrpSpPr/>
-        <p:nvPr/>
-      </p:nvGrpSpPr>
-      <p:grpSpPr>
-        <a:xfrm>
-          <a:off x="0" y="0"/>
-          <a:ext cx="0" cy="0"/>
-          <a:chOff x="0" y="0"/>
-          <a:chExt cx="0" cy="0"/>
-        </a:xfrm>
-      </p:grpSpPr>
-      <p:sp>
-        <p:nvSpPr>
-          <p:cNvPr id="2" name="Title 1">
-            <a:extLst>
-              <a:ext uri="{FF2B5EF4-FFF2-40B4-BE49-F238E27FC236}">
-                <a16:creationId xmlns:a16="http://schemas.microsoft.com/office/drawing/2014/main" id="{71AB2CD8-D13A-2FF2-4967-C436A3BF0589}"/>
-              </a:ext>
-            </a:extLst>
-          </p:cNvPr>
-          <p:cNvSpPr>
-            <a:spLocks noGrp="1"/>
-          </p:cNvSpPr>
-          <p:nvPr>
-            <p:ph type="title"/>
-          </p:nvPr>
-        </p:nvSpPr>
-        <p:spPr>
-          <a:xfrm>
-            <a:off x="594359" y="189572"/>
-            <a:ext cx="11352313" cy="1593507"/>
-          </a:xfrm>
-        </p:spPr>
-        <p:txBody>
-          <a:bodyPr>
-            <a:normAutofit/>
-          </a:bodyPr>
-          <a:lstStyle/>
-          <a:p>
-            <a:r>
-              <a:rPr lang="en-US" altLang="zh-CN" dirty="0"/>
-              <a:t>IMAGE SIZE MATTERS IN DRONE-BASED OBJECT DETECTION</a:t>
-            </a:r>
-            <a:endParaRPr lang="zh-CN" altLang="en-US" dirty="0"/>
-          </a:p>
-        </p:txBody>
-      </p:sp>
-      <p:sp>
-        <p:nvSpPr>
-          <p:cNvPr id="3" name="Text Placeholder 2">
-            <a:extLst>
-              <a:ext uri="{FF2B5EF4-FFF2-40B4-BE49-F238E27FC236}">
-                <a16:creationId xmlns:a16="http://schemas.microsoft.com/office/drawing/2014/main" id="{3AC0CE40-B977-549D-22B3-A17E6B048CAA}"/>
-              </a:ext>
-            </a:extLst>
-          </p:cNvPr>
-          <p:cNvSpPr>
-            <a:spLocks noGrp="1"/>
-          </p:cNvSpPr>
-          <p:nvPr>
-            <p:ph type="body" idx="1"/>
-          </p:nvPr>
-        </p:nvSpPr>
-        <p:spPr/>
-        <p:txBody>
-          <a:bodyPr/>
-          <a:lstStyle/>
-          <a:p>
-            <a:r>
-              <a:rPr lang="en-US" altLang="zh-CN" dirty="0"/>
-              <a:t>Large scale variations</a:t>
-            </a:r>
-          </a:p>
-          <a:p>
-            <a:r>
-              <a:rPr lang="en-US" altLang="zh-CN" dirty="0"/>
-              <a:t>Occlusion</a:t>
-            </a:r>
-          </a:p>
-          <a:p>
-            <a:r>
-              <a:rPr lang="en-US" altLang="zh-CN" dirty="0"/>
-              <a:t>Class imbalance</a:t>
-            </a:r>
-          </a:p>
-          <a:p>
-            <a:endParaRPr lang="zh-CN" altLang="en-US" dirty="0"/>
-          </a:p>
-        </p:txBody>
-      </p:sp>
-      <p:sp>
-        <p:nvSpPr>
-          <p:cNvPr id="4" name="Slide Number Placeholder 3">
-            <a:extLst>
-              <a:ext uri="{FF2B5EF4-FFF2-40B4-BE49-F238E27FC236}">
-                <a16:creationId xmlns:a16="http://schemas.microsoft.com/office/drawing/2014/main" id="{03B8A6FC-CD74-BBB6-2A24-1BDCB06A7AFE}"/>
-              </a:ext>
-            </a:extLst>
-          </p:cNvPr>
-          <p:cNvSpPr>
-            <a:spLocks noGrp="1"/>
-          </p:cNvSpPr>
-          <p:nvPr>
-            <p:ph type="sldNum" idx="12"/>
-          </p:nvPr>
-        </p:nvSpPr>
-        <p:spPr/>
-        <p:txBody>
-          <a:bodyPr/>
-          <a:lstStyle/>
-          <a:p>
-            <a:pPr marL="0" lvl="0" indent="0" algn="l" rtl="0">
-              <a:spcBef>
-                <a:spcPts val="0"/>
-              </a:spcBef>
-              <a:spcAft>
-                <a:spcPts val="0"/>
-              </a:spcAft>
-              <a:buNone/>
-            </a:pPr>
-            <a:fld id="{00000000-1234-1234-1234-123412341234}" type="slidenum">
-              <a:rPr lang="en-US" smtClean="0"/>
-              <a:t>17</a:t>
-            </a:fld>
-            <a:endParaRPr lang="en-US"/>
-          </a:p>
-        </p:txBody>
-      </p:sp>
-      <p:pic>
-        <p:nvPicPr>
-          <p:cNvPr id="6" name="Picture 5">
-            <a:extLst>
-              <a:ext uri="{FF2B5EF4-FFF2-40B4-BE49-F238E27FC236}">
-                <a16:creationId xmlns:a16="http://schemas.microsoft.com/office/drawing/2014/main" id="{86C4B346-8A92-05FE-CF13-FF6BB9F3B3EE}"/>
-              </a:ext>
-            </a:extLst>
-          </p:cNvPr>
-          <p:cNvPicPr>
-            <a:picLocks noChangeAspect="1"/>
-          </p:cNvPicPr>
-          <p:nvPr/>
-        </p:nvPicPr>
-        <p:blipFill>
-          <a:blip r:embed="rId2"/>
-          <a:stretch>
-            <a:fillRect/>
-          </a:stretch>
-        </p:blipFill>
-        <p:spPr>
-          <a:xfrm>
-            <a:off x="2995180" y="2395393"/>
-            <a:ext cx="6201640" cy="2067213"/>
-          </a:xfrm>
-          <a:prstGeom prst="rect">
-            <a:avLst/>
-          </a:prstGeom>
-        </p:spPr>
-      </p:pic>
-      <p:pic>
-        <p:nvPicPr>
-          <p:cNvPr id="8" name="Picture 7">
-            <a:extLst>
-              <a:ext uri="{FF2B5EF4-FFF2-40B4-BE49-F238E27FC236}">
-                <a16:creationId xmlns:a16="http://schemas.microsoft.com/office/drawing/2014/main" id="{940E3622-B5E4-4446-6A40-6CAFA1BDBD6A}"/>
-              </a:ext>
-            </a:extLst>
-          </p:cNvPr>
-          <p:cNvPicPr>
-            <a:picLocks noChangeAspect="1"/>
-          </p:cNvPicPr>
-          <p:nvPr/>
-        </p:nvPicPr>
-        <p:blipFill>
-          <a:blip r:embed="rId3"/>
-          <a:stretch>
-            <a:fillRect/>
-          </a:stretch>
-        </p:blipFill>
-        <p:spPr>
-          <a:xfrm>
-            <a:off x="4074800" y="0"/>
-            <a:ext cx="4042399" cy="6858000"/>
-          </a:xfrm>
-          <a:prstGeom prst="rect">
-            <a:avLst/>
-          </a:prstGeom>
+          <a:extLst>
+            <a:ext uri="{909E8E84-426E-40DD-AFC4-6F175D3DCCD1}">
+              <a14:hiddenFill xmlns:a14="http://schemas.microsoft.com/office/drawing/2010/main">
+                <a:solidFill>
+                  <a:srgbClr val="FFFFFF"/>
+                </a:solidFill>
+              </a14:hiddenFill>
+            </a:ext>
+          </a:extLst>
         </p:spPr>
       </p:pic>
     </p:spTree>
-    <p:extLst>
-      <p:ext uri="{BB962C8B-B14F-4D97-AF65-F5344CB8AC3E}">
-        <p14:creationId xmlns:p14="http://schemas.microsoft.com/office/powerpoint/2010/main" val="4095083096"/>
-      </p:ext>
-    </p:extLst>
-  </p:cSld>
-  <p:clrMapOvr>
-    <a:masterClrMapping/>
-  </p:clrMapOvr>
-</p:sld>
-</file>
-
-<file path=ppt/slides/slide18.xml><?xml version="1.0" encoding="utf-8"?>
-<p:sld xmlns:a="http://schemas.openxmlformats.org/drawingml/2006/main" xmlns:r="http://schemas.openxmlformats.org/officeDocument/2006/relationships" xmlns:p="http://schemas.openxmlformats.org/presentationml/2006/main">
-  <p:cSld>
-    <p:spTree>
-      <p:nvGrpSpPr>
-        <p:cNvPr id="1" name=""/>
-        <p:cNvGrpSpPr/>
-        <p:nvPr/>
-      </p:nvGrpSpPr>
-      <p:grpSpPr>
-        <a:xfrm>
-          <a:off x="0" y="0"/>
-          <a:ext cx="0" cy="0"/>
-          <a:chOff x="0" y="0"/>
-          <a:chExt cx="0" cy="0"/>
-        </a:xfrm>
-      </p:grpSpPr>
-      <p:sp>
-        <p:nvSpPr>
-          <p:cNvPr id="2" name="Title 1">
-            <a:extLst>
-              <a:ext uri="{FF2B5EF4-FFF2-40B4-BE49-F238E27FC236}">
-                <a16:creationId xmlns:a16="http://schemas.microsoft.com/office/drawing/2014/main" id="{B3275978-164F-1328-1227-18F65FA2C733}"/>
-              </a:ext>
-            </a:extLst>
-          </p:cNvPr>
-          <p:cNvSpPr>
-            <a:spLocks noGrp="1"/>
-          </p:cNvSpPr>
-          <p:nvPr>
-            <p:ph type="title"/>
-          </p:nvPr>
-        </p:nvSpPr>
-        <p:spPr/>
-        <p:txBody>
-          <a:bodyPr/>
-          <a:lstStyle/>
-          <a:p>
-            <a:r>
-              <a:rPr lang="en-US" altLang="zh-CN" dirty="0"/>
-              <a:t>Feature fusion</a:t>
-            </a:r>
-            <a:endParaRPr lang="zh-CN" altLang="en-US" dirty="0"/>
-          </a:p>
-        </p:txBody>
-      </p:sp>
-      <p:sp>
-        <p:nvSpPr>
-          <p:cNvPr id="3" name="Text Placeholder 2">
-            <a:extLst>
-              <a:ext uri="{FF2B5EF4-FFF2-40B4-BE49-F238E27FC236}">
-                <a16:creationId xmlns:a16="http://schemas.microsoft.com/office/drawing/2014/main" id="{DCAFC347-C91E-6B7D-BFFB-E36F07E3E2CA}"/>
-              </a:ext>
-            </a:extLst>
-          </p:cNvPr>
-          <p:cNvSpPr>
-            <a:spLocks noGrp="1"/>
-          </p:cNvSpPr>
-          <p:nvPr>
-            <p:ph type="body" idx="1"/>
-          </p:nvPr>
-        </p:nvSpPr>
-        <p:spPr>
-          <a:xfrm>
-            <a:off x="594359" y="2281918"/>
-            <a:ext cx="11003281" cy="4576082"/>
-          </a:xfrm>
-        </p:spPr>
-        <p:txBody>
-          <a:bodyPr>
-            <a:normAutofit/>
-          </a:bodyPr>
-          <a:lstStyle/>
-          <a:p>
-            <a:r>
-              <a:rPr lang="en-US" altLang="zh-CN" dirty="0"/>
-              <a:t>The neck is designed to extract as much information as possible from the backbone feature maps</a:t>
-            </a:r>
-          </a:p>
-          <a:p>
-            <a:r>
-              <a:rPr lang="en-US" altLang="zh-CN" dirty="0"/>
-              <a:t>So if the localization and semantic features are bad, what the neck aggregated are also bad</a:t>
-            </a:r>
-          </a:p>
-          <a:p>
-            <a:r>
-              <a:rPr lang="en-US" altLang="zh-CN" dirty="0"/>
-              <a:t>That’s why we need to improve the image size, otherwise the feature maps all contain low semantics and low spatial information</a:t>
-            </a:r>
-          </a:p>
-          <a:p>
-            <a:endParaRPr lang="en-US" altLang="zh-CN" dirty="0"/>
-          </a:p>
-          <a:p>
-            <a:r>
-              <a:rPr lang="en-US" altLang="zh-CN" dirty="0"/>
-              <a:t>Image from Path Aggregation Network for Instance Segmentation </a:t>
-            </a:r>
-          </a:p>
-        </p:txBody>
-      </p:sp>
-      <p:sp>
-        <p:nvSpPr>
-          <p:cNvPr id="4" name="Slide Number Placeholder 3">
-            <a:extLst>
-              <a:ext uri="{FF2B5EF4-FFF2-40B4-BE49-F238E27FC236}">
-                <a16:creationId xmlns:a16="http://schemas.microsoft.com/office/drawing/2014/main" id="{FD85280D-BE1F-EB1B-C239-9C36F29C5E3E}"/>
-              </a:ext>
-            </a:extLst>
-          </p:cNvPr>
-          <p:cNvSpPr>
-            <a:spLocks noGrp="1"/>
-          </p:cNvSpPr>
-          <p:nvPr>
-            <p:ph type="sldNum" idx="12"/>
-          </p:nvPr>
-        </p:nvSpPr>
-        <p:spPr/>
-        <p:txBody>
-          <a:bodyPr/>
-          <a:lstStyle/>
-          <a:p>
-            <a:pPr marL="0" lvl="0" indent="0" algn="l" rtl="0">
-              <a:spcBef>
-                <a:spcPts val="0"/>
-              </a:spcBef>
-              <a:spcAft>
-                <a:spcPts val="0"/>
-              </a:spcAft>
-              <a:buNone/>
-            </a:pPr>
-            <a:fld id="{00000000-1234-1234-1234-123412341234}" type="slidenum">
-              <a:rPr lang="en-US" smtClean="0"/>
-              <a:t>18</a:t>
-            </a:fld>
-            <a:endParaRPr lang="en-US"/>
-          </a:p>
-        </p:txBody>
-      </p:sp>
-      <p:pic>
-        <p:nvPicPr>
-          <p:cNvPr id="6" name="Picture 5">
-            <a:extLst>
-              <a:ext uri="{FF2B5EF4-FFF2-40B4-BE49-F238E27FC236}">
-                <a16:creationId xmlns:a16="http://schemas.microsoft.com/office/drawing/2014/main" id="{F2F5EAAD-6DFF-6796-44A7-1E18190E1AB2}"/>
-              </a:ext>
-            </a:extLst>
-          </p:cNvPr>
-          <p:cNvPicPr>
-            <a:picLocks noChangeAspect="1"/>
-          </p:cNvPicPr>
-          <p:nvPr/>
-        </p:nvPicPr>
-        <p:blipFill>
-          <a:blip r:embed="rId2"/>
-          <a:stretch>
-            <a:fillRect/>
-          </a:stretch>
-        </p:blipFill>
-        <p:spPr>
-          <a:xfrm>
-            <a:off x="4737696" y="189572"/>
-            <a:ext cx="7411346" cy="2559796"/>
-          </a:xfrm>
-          <a:prstGeom prst="rect">
-            <a:avLst/>
-          </a:prstGeom>
-        </p:spPr>
-      </p:pic>
-    </p:spTree>
-    <p:extLst>
-      <p:ext uri="{BB962C8B-B14F-4D97-AF65-F5344CB8AC3E}">
-        <p14:creationId xmlns:p14="http://schemas.microsoft.com/office/powerpoint/2010/main" val="3762035337"/>
-      </p:ext>
-    </p:extLst>
-  </p:cSld>
-  <p:clrMapOvr>
-    <a:masterClrMapping/>
-  </p:clrMapOvr>
-</p:sld>
-</file>
-
-<file path=ppt/slides/slide19.xml><?xml version="1.0" encoding="utf-8"?>
-<p:sld xmlns:a="http://schemas.openxmlformats.org/drawingml/2006/main" xmlns:r="http://schemas.openxmlformats.org/officeDocument/2006/relationships" xmlns:p="http://schemas.openxmlformats.org/presentationml/2006/main">
-  <p:cSld>
-    <p:spTree>
-      <p:nvGrpSpPr>
-        <p:cNvPr id="1" name=""/>
-        <p:cNvGrpSpPr/>
-        <p:nvPr/>
-      </p:nvGrpSpPr>
-      <p:grpSpPr>
-        <a:xfrm>
-          <a:off x="0" y="0"/>
-          <a:ext cx="0" cy="0"/>
-          <a:chOff x="0" y="0"/>
-          <a:chExt cx="0" cy="0"/>
-        </a:xfrm>
-      </p:grpSpPr>
-      <p:sp>
-        <p:nvSpPr>
-          <p:cNvPr id="2" name="Title 1">
-            <a:extLst>
-              <a:ext uri="{FF2B5EF4-FFF2-40B4-BE49-F238E27FC236}">
-                <a16:creationId xmlns:a16="http://schemas.microsoft.com/office/drawing/2014/main" id="{73CA44D5-8D2C-7937-6D26-E865F342CC7C}"/>
-              </a:ext>
-            </a:extLst>
-          </p:cNvPr>
-          <p:cNvSpPr>
-            <a:spLocks noGrp="1"/>
-          </p:cNvSpPr>
-          <p:nvPr>
-            <p:ph type="title"/>
-          </p:nvPr>
-        </p:nvSpPr>
-        <p:spPr>
-          <a:xfrm>
-            <a:off x="594360" y="189572"/>
-            <a:ext cx="10750147" cy="1593507"/>
-          </a:xfrm>
-        </p:spPr>
-        <p:txBody>
-          <a:bodyPr/>
-          <a:lstStyle/>
-          <a:p>
-            <a:r>
-              <a:rPr lang="en-US" altLang="zh-CN" dirty="0"/>
-              <a:t>Our best testing result on yolo11x </a:t>
-            </a:r>
-            <a:endParaRPr lang="zh-CN" altLang="en-US" dirty="0"/>
-          </a:p>
-        </p:txBody>
-      </p:sp>
-      <p:sp>
-        <p:nvSpPr>
-          <p:cNvPr id="3" name="Text Placeholder 2">
-            <a:extLst>
-              <a:ext uri="{FF2B5EF4-FFF2-40B4-BE49-F238E27FC236}">
-                <a16:creationId xmlns:a16="http://schemas.microsoft.com/office/drawing/2014/main" id="{301CEE87-8C76-60A9-07E1-20067582FD0E}"/>
-              </a:ext>
-            </a:extLst>
-          </p:cNvPr>
-          <p:cNvSpPr>
-            <a:spLocks noGrp="1"/>
-          </p:cNvSpPr>
-          <p:nvPr>
-            <p:ph type="body" idx="1"/>
-          </p:nvPr>
-        </p:nvSpPr>
-        <p:spPr/>
-        <p:txBody>
-          <a:bodyPr/>
-          <a:lstStyle/>
-          <a:p>
-            <a:endParaRPr lang="zh-CN" altLang="en-US" dirty="0"/>
-          </a:p>
-        </p:txBody>
-      </p:sp>
-      <p:sp>
-        <p:nvSpPr>
-          <p:cNvPr id="4" name="Slide Number Placeholder 3">
-            <a:extLst>
-              <a:ext uri="{FF2B5EF4-FFF2-40B4-BE49-F238E27FC236}">
-                <a16:creationId xmlns:a16="http://schemas.microsoft.com/office/drawing/2014/main" id="{6B3AE16C-07DB-05F9-5CDD-6BC423E8D0D0}"/>
-              </a:ext>
-            </a:extLst>
-          </p:cNvPr>
-          <p:cNvSpPr>
-            <a:spLocks noGrp="1"/>
-          </p:cNvSpPr>
-          <p:nvPr>
-            <p:ph type="sldNum" idx="12"/>
-          </p:nvPr>
-        </p:nvSpPr>
-        <p:spPr/>
-        <p:txBody>
-          <a:bodyPr/>
-          <a:lstStyle/>
-          <a:p>
-            <a:pPr marL="0" lvl="0" indent="0" algn="l" rtl="0">
-              <a:spcBef>
-                <a:spcPts val="0"/>
-              </a:spcBef>
-              <a:spcAft>
-                <a:spcPts val="0"/>
-              </a:spcAft>
-              <a:buNone/>
-            </a:pPr>
-            <a:fld id="{00000000-1234-1234-1234-123412341234}" type="slidenum">
-              <a:rPr lang="en-US" smtClean="0"/>
-              <a:t>19</a:t>
-            </a:fld>
-            <a:endParaRPr lang="en-US"/>
-          </a:p>
-        </p:txBody>
-      </p:sp>
-    </p:spTree>
-    <p:extLst>
-      <p:ext uri="{BB962C8B-B14F-4D97-AF65-F5344CB8AC3E}">
-        <p14:creationId xmlns:p14="http://schemas.microsoft.com/office/powerpoint/2010/main" val="538862853"/>
-      </p:ext>
-    </p:extLst>
   </p:cSld>
   <p:clrMapOvr>
     <a:masterClrMapping/>
@@ -20134,9 +16751,45 @@
           <a:bodyPr/>
           <a:lstStyle/>
           <a:p>
-            <a:pPr marL="76200" indent="0" algn="l">
-              <a:buNone/>
-            </a:pPr>
+            <a:pPr algn="l"/>
+            <a:r>
+              <a:rPr lang="en-US" altLang="zh-CN" dirty="0">
+                <a:solidFill>
+                  <a:schemeClr val="tx1"/>
+                </a:solidFill>
+              </a:rPr>
+              <a:t>We choose </a:t>
+            </a:r>
+            <a:r>
+              <a:rPr lang="en-US" altLang="zh-CN" b="1" i="0" dirty="0">
+                <a:solidFill>
+                  <a:srgbClr val="1F2328"/>
+                </a:solidFill>
+                <a:effectLst/>
+                <a:latin typeface="-apple-system"/>
+              </a:rPr>
+              <a:t>Task 1: Object Detection in Images from </a:t>
+            </a:r>
+            <a:r>
+              <a:rPr lang="en-US" altLang="zh-CN" b="1" i="0" dirty="0" err="1">
+                <a:solidFill>
+                  <a:srgbClr val="1F2328"/>
+                </a:solidFill>
+                <a:effectLst/>
+                <a:latin typeface="-apple-system"/>
+              </a:rPr>
+              <a:t>VisDrone</a:t>
+            </a:r>
+            <a:r>
+              <a:rPr lang="en-US" altLang="zh-CN" b="1" i="0" dirty="0">
+                <a:solidFill>
+                  <a:srgbClr val="1F2328"/>
+                </a:solidFill>
+                <a:effectLst/>
+                <a:latin typeface="-apple-system"/>
+              </a:rPr>
+              <a:t> dataset </a:t>
+            </a:r>
             <a:endParaRPr lang="en-US" altLang="zh-CN" dirty="0"/>
           </a:p>
           <a:p>
@@ -20150,7 +16803,7 @@
                   <a:schemeClr val="tx1"/>
                 </a:solidFill>
               </a:rPr>
-              <a:t>Experimental comparison according to the papers</a:t>
+              <a:t>Yolo command</a:t>
             </a:r>
           </a:p>
           <a:p>
@@ -20164,7 +16817,7 @@
                   <a:schemeClr val="tx1"/>
                 </a:solidFill>
               </a:rPr>
-              <a:t>Train the model based on some hyperparameters</a:t>
+              <a:t>NSCC PBS script</a:t>
             </a:r>
           </a:p>
           <a:p>
@@ -20178,21 +16831,7 @@
                   <a:schemeClr val="tx1"/>
                 </a:solidFill>
               </a:rPr>
-              <a:t>Analysis of the different performance</a:t>
-            </a:r>
-          </a:p>
-          <a:p>
-            <a:pPr>
-              <a:buFontTx/>
-              <a:buChar char="-"/>
-            </a:pPr>
-            <a:r>
-              <a:rPr lang="en-US" altLang="zh-CN" dirty="0">
-                <a:solidFill>
-                  <a:schemeClr val="tx1"/>
-                </a:solidFill>
-              </a:rPr>
-              <a:t>Confusions</a:t>
+              <a:t>Testing</a:t>
             </a:r>
           </a:p>
         </p:txBody>
@@ -20241,455 +16880,6 @@
         <p14:creationId xmlns:p14="http://schemas.microsoft.com/office/powerpoint/2010/main" val="3008745589"/>
       </p:ext>
     </p:extLst>
-  </p:cSld>
-  <p:clrMapOvr>
-    <a:masterClrMapping/>
-  </p:clrMapOvr>
-</p:sld>
-</file>
-
-<file path=ppt/slides/slide20.xml><?xml version="1.0" encoding="utf-8"?>
-<p:sld xmlns:a="http://schemas.openxmlformats.org/drawingml/2006/main" xmlns:r="http://schemas.openxmlformats.org/officeDocument/2006/relationships" xmlns:p="http://schemas.openxmlformats.org/presentationml/2006/main">
-  <p:cSld>
-    <p:spTree>
-      <p:nvGrpSpPr>
-        <p:cNvPr id="1" name=""/>
-        <p:cNvGrpSpPr/>
-        <p:nvPr/>
-      </p:nvGrpSpPr>
-      <p:grpSpPr>
-        <a:xfrm>
-          <a:off x="0" y="0"/>
-          <a:ext cx="0" cy="0"/>
-          <a:chOff x="0" y="0"/>
-          <a:chExt cx="0" cy="0"/>
-        </a:xfrm>
-      </p:grpSpPr>
-      <p:sp>
-        <p:nvSpPr>
-          <p:cNvPr id="2" name="Title 1">
-            <a:extLst>
-              <a:ext uri="{FF2B5EF4-FFF2-40B4-BE49-F238E27FC236}">
-                <a16:creationId xmlns:a16="http://schemas.microsoft.com/office/drawing/2014/main" id="{76B99E71-F25F-426B-B477-D0A2635B72DB}"/>
-              </a:ext>
-            </a:extLst>
-          </p:cNvPr>
-          <p:cNvSpPr>
-            <a:spLocks noGrp="1"/>
-          </p:cNvSpPr>
-          <p:nvPr>
-            <p:ph type="title"/>
-          </p:nvPr>
-        </p:nvSpPr>
-        <p:spPr/>
-        <p:txBody>
-          <a:bodyPr/>
-          <a:lstStyle/>
-          <a:p>
-            <a:r>
-              <a:rPr lang="en-US" altLang="zh-CN" dirty="0"/>
-              <a:t>Confusions</a:t>
-            </a:r>
-            <a:br>
-              <a:rPr lang="en-US" altLang="zh-CN" dirty="0"/>
-            </a:br>
-            <a:endParaRPr lang="zh-CN" altLang="en-US" dirty="0"/>
-          </a:p>
-        </p:txBody>
-      </p:sp>
-      <p:sp>
-        <p:nvSpPr>
-          <p:cNvPr id="3" name="Text Placeholder 2">
-            <a:extLst>
-              <a:ext uri="{FF2B5EF4-FFF2-40B4-BE49-F238E27FC236}">
-                <a16:creationId xmlns:a16="http://schemas.microsoft.com/office/drawing/2014/main" id="{90BDF1C8-9070-BACE-B93B-24A6CDDBFE7C}"/>
-              </a:ext>
-            </a:extLst>
-          </p:cNvPr>
-          <p:cNvSpPr>
-            <a:spLocks noGrp="1"/>
-          </p:cNvSpPr>
-          <p:nvPr>
-            <p:ph type="body" idx="1"/>
-          </p:nvPr>
-        </p:nvSpPr>
-        <p:spPr>
-          <a:xfrm>
-            <a:off x="594359" y="2281918"/>
-            <a:ext cx="10965739" cy="3708517"/>
-          </a:xfrm>
-        </p:spPr>
-        <p:txBody>
-          <a:bodyPr/>
-          <a:lstStyle/>
-          <a:p>
-            <a:r>
-              <a:rPr lang="en-US" altLang="zh-CN" dirty="0"/>
-              <a:t>Phenomenon:</a:t>
-            </a:r>
-          </a:p>
-          <a:p>
-            <a:pPr marL="76200" indent="0">
-              <a:buNone/>
-            </a:pPr>
-            <a:r>
-              <a:rPr lang="en-US" altLang="zh-CN" dirty="0"/>
-              <a:t>	Even though we reselect the hyperparameters: image size = 1920, 	optimizer = ‘Adam’, learning rate = 0.001, epoch = 200, our 	testing result is still worse than the results shown in the paper</a:t>
-            </a:r>
-          </a:p>
-          <a:p>
-            <a:r>
-              <a:rPr lang="en-US" altLang="zh-CN" dirty="0"/>
-              <a:t>Q: What possible reasons cause this situation? </a:t>
-            </a:r>
-          </a:p>
-        </p:txBody>
-      </p:sp>
-      <p:sp>
-        <p:nvSpPr>
-          <p:cNvPr id="4" name="Slide Number Placeholder 3">
-            <a:extLst>
-              <a:ext uri="{FF2B5EF4-FFF2-40B4-BE49-F238E27FC236}">
-                <a16:creationId xmlns:a16="http://schemas.microsoft.com/office/drawing/2014/main" id="{18BAE405-07FC-3F29-0802-59FE3D970925}"/>
-              </a:ext>
-            </a:extLst>
-          </p:cNvPr>
-          <p:cNvSpPr>
-            <a:spLocks noGrp="1"/>
-          </p:cNvSpPr>
-          <p:nvPr>
-            <p:ph type="sldNum" idx="12"/>
-          </p:nvPr>
-        </p:nvSpPr>
-        <p:spPr/>
-        <p:txBody>
-          <a:bodyPr/>
-          <a:lstStyle/>
-          <a:p>
-            <a:pPr marL="0" lvl="0" indent="0" algn="l" rtl="0">
-              <a:spcBef>
-                <a:spcPts val="0"/>
-              </a:spcBef>
-              <a:spcAft>
-                <a:spcPts val="0"/>
-              </a:spcAft>
-              <a:buNone/>
-            </a:pPr>
-            <a:fld id="{00000000-1234-1234-1234-123412341234}" type="slidenum">
-              <a:rPr lang="en-US" smtClean="0"/>
-              <a:t>20</a:t>
-            </a:fld>
-            <a:endParaRPr lang="en-US"/>
-          </a:p>
-        </p:txBody>
-      </p:sp>
-    </p:spTree>
-    <p:extLst>
-      <p:ext uri="{BB962C8B-B14F-4D97-AF65-F5344CB8AC3E}">
-        <p14:creationId xmlns:p14="http://schemas.microsoft.com/office/powerpoint/2010/main" val="527616891"/>
-      </p:ext>
-    </p:extLst>
-  </p:cSld>
-  <p:clrMapOvr>
-    <a:masterClrMapping/>
-  </p:clrMapOvr>
-</p:sld>
-</file>
-
-<file path=ppt/slides/slide21.xml><?xml version="1.0" encoding="utf-8"?>
-<p:sld xmlns:a="http://schemas.openxmlformats.org/drawingml/2006/main" xmlns:r="http://schemas.openxmlformats.org/officeDocument/2006/relationships" xmlns:p="http://schemas.openxmlformats.org/presentationml/2006/main">
-  <p:cSld>
-    <p:spTree>
-      <p:nvGrpSpPr>
-        <p:cNvPr id="1" name="Shape 415"/>
-        <p:cNvGrpSpPr/>
-        <p:nvPr/>
-      </p:nvGrpSpPr>
-      <p:grpSpPr>
-        <a:xfrm>
-          <a:off x="0" y="0"/>
-          <a:ext cx="0" cy="0"/>
-          <a:chOff x="0" y="0"/>
-          <a:chExt cx="0" cy="0"/>
-        </a:xfrm>
-      </p:grpSpPr>
-      <p:sp>
-        <p:nvSpPr>
-          <p:cNvPr id="416" name="Google Shape;416;p12"/>
-          <p:cNvSpPr txBox="1"/>
-          <p:nvPr/>
-        </p:nvSpPr>
-        <p:spPr>
-          <a:xfrm>
-            <a:off x="840104" y="4205000"/>
-            <a:ext cx="5633400" cy="523200"/>
-          </a:xfrm>
-          <a:prstGeom prst="rect">
-            <a:avLst/>
-          </a:prstGeom>
-          <a:noFill/>
-          <a:ln>
-            <a:noFill/>
-          </a:ln>
-        </p:spPr>
-        <p:txBody>
-          <a:bodyPr spcFirstLastPara="1" wrap="square" lIns="91425" tIns="45700" rIns="91425" bIns="45700" anchor="t" anchorCtr="0">
-            <a:spAutoFit/>
-          </a:bodyPr>
-          <a:lstStyle/>
-          <a:p>
-            <a:pPr marL="0" marR="0" lvl="0" indent="0" algn="l" rtl="0">
-              <a:spcBef>
-                <a:spcPts val="0"/>
-              </a:spcBef>
-              <a:spcAft>
-                <a:spcPts val="0"/>
-              </a:spcAft>
-              <a:buNone/>
-            </a:pPr>
-            <a:r>
-              <a:rPr lang="en-US" sz="2800" dirty="0">
-                <a:solidFill>
-                  <a:schemeClr val="dk1"/>
-                </a:solidFill>
-                <a:latin typeface="Libre Franklin"/>
-                <a:ea typeface="Libre Franklin"/>
-                <a:cs typeface="Libre Franklin"/>
-                <a:sym typeface="Libre Franklin"/>
-              </a:rPr>
-              <a:t>Presented by UAV group </a:t>
-            </a:r>
-            <a:endParaRPr sz="2800" dirty="0">
-              <a:solidFill>
-                <a:schemeClr val="dk1"/>
-              </a:solidFill>
-              <a:latin typeface="Libre Franklin"/>
-              <a:ea typeface="Libre Franklin"/>
-              <a:cs typeface="Libre Franklin"/>
-              <a:sym typeface="Libre Franklin"/>
-            </a:endParaRPr>
-          </a:p>
-        </p:txBody>
-      </p:sp>
-      <p:sp>
-        <p:nvSpPr>
-          <p:cNvPr id="417" name="Google Shape;417;p12"/>
-          <p:cNvSpPr txBox="1">
-            <a:spLocks noGrp="1"/>
-          </p:cNvSpPr>
-          <p:nvPr>
-            <p:ph type="sldNum" idx="12"/>
-          </p:nvPr>
-        </p:nvSpPr>
-        <p:spPr>
-          <a:xfrm>
-            <a:off x="11409045" y="6333134"/>
-            <a:ext cx="731700" cy="525000"/>
-          </a:xfrm>
-          <a:prstGeom prst="rect">
-            <a:avLst/>
-          </a:prstGeom>
-        </p:spPr>
-        <p:txBody>
-          <a:bodyPr spcFirstLastPara="1" wrap="square" lIns="0" tIns="0" rIns="0" bIns="0" anchor="t" anchorCtr="0">
-            <a:noAutofit/>
-          </a:bodyPr>
-          <a:lstStyle/>
-          <a:p>
-            <a:pPr marL="0" lvl="0" indent="0" algn="r" rtl="0">
-              <a:spcBef>
-                <a:spcPts val="0"/>
-              </a:spcBef>
-              <a:spcAft>
-                <a:spcPts val="0"/>
-              </a:spcAft>
-              <a:buNone/>
-            </a:pPr>
-            <a:fld id="{00000000-1234-1234-1234-123412341234}" type="slidenum">
-              <a:rPr lang="en-US">
-                <a:solidFill>
-                  <a:srgbClr val="5D7C3F"/>
-                </a:solidFill>
-              </a:rPr>
-              <a:t>21</a:t>
-            </a:fld>
-            <a:endParaRPr>
-              <a:solidFill>
-                <a:srgbClr val="5D7C3F"/>
-              </a:solidFill>
-            </a:endParaRPr>
-          </a:p>
-        </p:txBody>
-      </p:sp>
-      <p:sp>
-        <p:nvSpPr>
-          <p:cNvPr id="418" name="Google Shape;418;p12"/>
-          <p:cNvSpPr txBox="1">
-            <a:spLocks noGrp="1"/>
-          </p:cNvSpPr>
-          <p:nvPr>
-            <p:ph type="ctrTitle"/>
-          </p:nvPr>
-        </p:nvSpPr>
-        <p:spPr>
-          <a:xfrm>
-            <a:off x="89761" y="381000"/>
-            <a:ext cx="12902100" cy="3291900"/>
-          </a:xfrm>
-          <a:prstGeom prst="rect">
-            <a:avLst/>
-          </a:prstGeom>
-          <a:noFill/>
-          <a:ln>
-            <a:noFill/>
-          </a:ln>
-          <a:effectLst>
-            <a:outerShdw blurRad="57150" dist="19050" dir="5400000" algn="bl" rotWithShape="0">
-              <a:srgbClr val="000000">
-                <a:alpha val="50000"/>
-              </a:srgbClr>
-            </a:outerShdw>
-          </a:effectLst>
-        </p:spPr>
-        <p:txBody>
-          <a:bodyPr spcFirstLastPara="1" wrap="square" lIns="0" tIns="0" rIns="0" bIns="0" anchor="b" anchorCtr="0">
-            <a:noAutofit/>
-          </a:bodyPr>
-          <a:lstStyle/>
-          <a:p>
-            <a:pPr marL="0" marR="0" lvl="0" indent="0" algn="l" rtl="0">
-              <a:lnSpc>
-                <a:spcPct val="80000"/>
-              </a:lnSpc>
-              <a:spcBef>
-                <a:spcPts val="0"/>
-              </a:spcBef>
-              <a:spcAft>
-                <a:spcPts val="0"/>
-              </a:spcAft>
-              <a:buClr>
-                <a:schemeClr val="dk1"/>
-              </a:buClr>
-              <a:buSzPts val="6600"/>
-              <a:buFont typeface="Times New Roman"/>
-              <a:buNone/>
-            </a:pPr>
-            <a:r>
-              <a:rPr lang="en-US" sz="14800" dirty="0">
-                <a:latin typeface="Libre Franklin"/>
-                <a:ea typeface="Libre Franklin"/>
-                <a:cs typeface="Libre Franklin"/>
-                <a:sym typeface="Libre Franklin"/>
-              </a:rPr>
-              <a:t>Thank Y   u! :) </a:t>
-            </a:r>
-            <a:endParaRPr sz="14800" i="0" u="none" strike="noStrike" cap="none" dirty="0">
-              <a:solidFill>
-                <a:schemeClr val="dk1"/>
-              </a:solidFill>
-              <a:latin typeface="Libre Franklin"/>
-              <a:ea typeface="Libre Franklin"/>
-              <a:cs typeface="Libre Franklin"/>
-              <a:sym typeface="Libre Franklin"/>
-            </a:endParaRPr>
-          </a:p>
-        </p:txBody>
-      </p:sp>
-      <p:pic>
-        <p:nvPicPr>
-          <p:cNvPr id="2" name="Picture 4" descr="VisDrone (VisDrone) · GitHub">
-            <a:extLst>
-              <a:ext uri="{FF2B5EF4-FFF2-40B4-BE49-F238E27FC236}">
-                <a16:creationId xmlns:a16="http://schemas.microsoft.com/office/drawing/2014/main" id="{C3FB9D4B-DE80-4958-0074-69D92766F49C}"/>
-              </a:ext>
-            </a:extLst>
-          </p:cNvPr>
-          <p:cNvPicPr>
-            <a:picLocks noChangeAspect="1" noChangeArrowheads="1"/>
-          </p:cNvPicPr>
-          <p:nvPr/>
-        </p:nvPicPr>
-        <p:blipFill>
-          <a:blip r:embed="rId3">
-            <a:extLst>
-              <a:ext uri="{28A0092B-C50C-407E-A947-70E740481C1C}">
-                <a14:useLocalDpi xmlns:a14="http://schemas.microsoft.com/office/drawing/2010/main" val="0"/>
-              </a:ext>
-            </a:extLst>
-          </a:blip>
-          <a:srcRect/>
-          <a:stretch>
-            <a:fillRect/>
-          </a:stretch>
-        </p:blipFill>
-        <p:spPr bwMode="auto">
-          <a:xfrm>
-            <a:off x="7462200" y="2202411"/>
-            <a:ext cx="1157693" cy="1157693"/>
-          </a:xfrm>
-          <a:prstGeom prst="rect">
-            <a:avLst/>
-          </a:prstGeom>
-          <a:noFill/>
-          <a:extLst>
-            <a:ext uri="{909E8E84-426E-40DD-AFC4-6F175D3DCCD1}">
-              <a14:hiddenFill xmlns:a14="http://schemas.microsoft.com/office/drawing/2010/main">
-                <a:solidFill>
-                  <a:srgbClr val="FFFFFF"/>
-                </a:solidFill>
-              </a14:hiddenFill>
-            </a:ext>
-          </a:extLst>
-        </p:spPr>
-      </p:pic>
-      <p:pic>
-        <p:nvPicPr>
-          <p:cNvPr id="3" name="Picture 2" descr="Ultralytics YOLO11 Has Arrived! Redefine What's Possible in AI!">
-            <a:extLst>
-              <a:ext uri="{FF2B5EF4-FFF2-40B4-BE49-F238E27FC236}">
-                <a16:creationId xmlns:a16="http://schemas.microsoft.com/office/drawing/2014/main" id="{7660E06B-CB0D-0951-264D-5D1B523581A8}"/>
-              </a:ext>
-            </a:extLst>
-          </p:cNvPr>
-          <p:cNvPicPr>
-            <a:picLocks noChangeAspect="1" noChangeArrowheads="1"/>
-          </p:cNvPicPr>
-          <p:nvPr/>
-        </p:nvPicPr>
-        <p:blipFill>
-          <a:blip r:embed="rId4">
-            <a:extLst>
-              <a:ext uri="{28A0092B-C50C-407E-A947-70E740481C1C}">
-                <a14:useLocalDpi xmlns:a14="http://schemas.microsoft.com/office/drawing/2010/main" val="0"/>
-              </a:ext>
-            </a:extLst>
-          </a:blip>
-          <a:srcRect/>
-          <a:stretch>
-            <a:fillRect/>
-          </a:stretch>
-        </p:blipFill>
-        <p:spPr bwMode="auto">
-          <a:xfrm>
-            <a:off x="6540811" y="3527549"/>
-            <a:ext cx="3753430" cy="2136340"/>
-          </a:xfrm>
-          <a:prstGeom prst="rect">
-            <a:avLst/>
-          </a:prstGeom>
-          <a:noFill/>
-          <a:extLst>
-            <a:ext uri="{909E8E84-426E-40DD-AFC4-6F175D3DCCD1}">
-              <a14:hiddenFill xmlns:a14="http://schemas.microsoft.com/office/drawing/2010/main">
-                <a:solidFill>
-                  <a:srgbClr val="FFFFFF"/>
-                </a:solidFill>
-              </a14:hiddenFill>
-            </a:ext>
-          </a:extLst>
-        </p:spPr>
-      </p:pic>
-    </p:spTree>
   </p:cSld>
   <p:clrMapOvr>
     <a:masterClrMapping/>
@@ -20719,7 +16909,7 @@
           <p:cNvPr id="2" name="Title 1">
             <a:extLst>
               <a:ext uri="{FF2B5EF4-FFF2-40B4-BE49-F238E27FC236}">
-                <a16:creationId xmlns:a16="http://schemas.microsoft.com/office/drawing/2014/main" id="{6C05565E-58EE-901D-534E-39C5F9A05580}"/>
+                <a16:creationId xmlns:a16="http://schemas.microsoft.com/office/drawing/2014/main" id="{023C0982-75B5-7C86-BB1B-5F83BC6C206C}"/>
               </a:ext>
             </a:extLst>
           </p:cNvPr>
@@ -20737,7 +16927,7 @@
           <a:p>
             <a:r>
               <a:rPr lang="en-US" altLang="zh-CN" dirty="0"/>
-              <a:t>Experiment comparison</a:t>
+              <a:t>Yolo command pattern</a:t>
             </a:r>
             <a:endParaRPr lang="zh-CN" altLang="en-US" dirty="0"/>
           </a:p>
@@ -20748,7 +16938,7 @@
           <p:cNvPr id="3" name="Text Placeholder 2">
             <a:extLst>
               <a:ext uri="{FF2B5EF4-FFF2-40B4-BE49-F238E27FC236}">
-                <a16:creationId xmlns:a16="http://schemas.microsoft.com/office/drawing/2014/main" id="{533A3EAD-0373-943E-FB8A-7576F67C6270}"/>
+                <a16:creationId xmlns:a16="http://schemas.microsoft.com/office/drawing/2014/main" id="{B184CDF4-E07F-1056-83AF-4CF25941EDA4}"/>
               </a:ext>
             </a:extLst>
           </p:cNvPr>
@@ -20759,14 +16949,72 @@
             <p:ph type="body" idx="1"/>
           </p:nvPr>
         </p:nvSpPr>
-        <p:spPr/>
+        <p:spPr>
+          <a:xfrm>
+            <a:off x="594359" y="2281918"/>
+            <a:ext cx="6787747" cy="3708517"/>
+          </a:xfrm>
+        </p:spPr>
         <p:txBody>
           <a:bodyPr/>
           <a:lstStyle/>
           <a:p>
             <a:r>
               <a:rPr lang="en-US" altLang="zh-CN" dirty="0"/>
-              <a:t>Last week</a:t>
+              <a:t>yolo TASK MODE ARGS</a:t>
+            </a:r>
+          </a:p>
+          <a:p>
+            <a:pPr lvl="1"/>
+            <a:r>
+              <a:rPr lang="en-US" altLang="zh-CN" dirty="0"/>
+              <a:t>TASK (optional) is one of {'segment', '</a:t>
+            </a:r>
+            <a:r>
+              <a:rPr lang="en-US" altLang="zh-CN" dirty="0" err="1"/>
+              <a:t>obb</a:t>
+            </a:r>
+            <a:r>
+              <a:rPr lang="en-US" altLang="zh-CN" dirty="0"/>
+              <a:t>', 'detect', 'classify', 'pose’}</a:t>
+            </a:r>
+          </a:p>
+          <a:p>
+            <a:pPr lvl="1"/>
+            <a:r>
+              <a:rPr lang="en-US" altLang="zh-CN" dirty="0"/>
+              <a:t>MODE (required) is one of {'predict', 'track', 'benchmark', '</a:t>
+            </a:r>
+            <a:r>
+              <a:rPr lang="en-US" altLang="zh-CN" dirty="0" err="1"/>
+              <a:t>val</a:t>
+            </a:r>
+            <a:r>
+              <a:rPr lang="en-US" altLang="zh-CN" dirty="0"/>
+              <a:t>', 'export', 'train'}</a:t>
+            </a:r>
+          </a:p>
+          <a:p>
+            <a:pPr lvl="1"/>
+            <a:r>
+              <a:rPr lang="en-US" altLang="zh-CN" dirty="0"/>
+              <a:t>ARGS (optional) are any number of custom '</a:t>
+            </a:r>
+            <a:r>
+              <a:rPr lang="en-US" altLang="zh-CN" dirty="0" err="1"/>
+              <a:t>arg</a:t>
+            </a:r>
+            <a:r>
+              <a:rPr lang="en-US" altLang="zh-CN" dirty="0"/>
+              <a:t>=value' pairs like '</a:t>
+            </a:r>
+            <a:r>
+              <a:rPr lang="en-US" altLang="zh-CN" dirty="0" err="1"/>
+              <a:t>imgsz</a:t>
+            </a:r>
+            <a:r>
+              <a:rPr lang="en-US" altLang="zh-CN" dirty="0"/>
+              <a:t>=320' that override defaults, each task and mode will have different corresponding argument such as the hyperparameters during training</a:t>
             </a:r>
             <a:endParaRPr lang="zh-CN" altLang="en-US" dirty="0"/>
           </a:p>
@@ -20777,7 +17025,7 @@
           <p:cNvPr id="4" name="Slide Number Placeholder 3">
             <a:extLst>
               <a:ext uri="{FF2B5EF4-FFF2-40B4-BE49-F238E27FC236}">
-                <a16:creationId xmlns:a16="http://schemas.microsoft.com/office/drawing/2014/main" id="{B700FB45-306D-1357-B2CD-3511521857E6}"/>
+                <a16:creationId xmlns:a16="http://schemas.microsoft.com/office/drawing/2014/main" id="{A17E42ED-54A5-5EC6-7FF2-FC56472072C2}"/>
               </a:ext>
             </a:extLst>
           </p:cNvPr>
@@ -20813,7 +17061,7 @@
     </p:spTree>
     <p:extLst>
       <p:ext uri="{BB962C8B-B14F-4D97-AF65-F5344CB8AC3E}">
-        <p14:creationId xmlns:p14="http://schemas.microsoft.com/office/powerpoint/2010/main" val="1453977725"/>
+        <p14:creationId xmlns:p14="http://schemas.microsoft.com/office/powerpoint/2010/main" val="3676562063"/>
       </p:ext>
     </p:extLst>
   </p:cSld>
@@ -20824,6 +17072,832 @@
 </file>
 
 <file path=ppt/slides/slide4.xml><?xml version="1.0" encoding="utf-8"?>
+<p:sld xmlns:a="http://schemas.openxmlformats.org/drawingml/2006/main" xmlns:r="http://schemas.openxmlformats.org/officeDocument/2006/relationships" xmlns:p="http://schemas.openxmlformats.org/presentationml/2006/main">
+  <p:cSld>
+    <p:spTree>
+      <p:nvGrpSpPr>
+        <p:cNvPr id="1" name=""/>
+        <p:cNvGrpSpPr/>
+        <p:nvPr/>
+      </p:nvGrpSpPr>
+      <p:grpSpPr>
+        <a:xfrm>
+          <a:off x="0" y="0"/>
+          <a:ext cx="0" cy="0"/>
+          <a:chOff x="0" y="0"/>
+          <a:chExt cx="0" cy="0"/>
+        </a:xfrm>
+      </p:grpSpPr>
+      <p:sp>
+        <p:nvSpPr>
+          <p:cNvPr id="2" name="Title 1">
+            <a:extLst>
+              <a:ext uri="{FF2B5EF4-FFF2-40B4-BE49-F238E27FC236}">
+                <a16:creationId xmlns:a16="http://schemas.microsoft.com/office/drawing/2014/main" id="{542C2163-9BC7-EF68-87CC-1207278B5078}"/>
+              </a:ext>
+            </a:extLst>
+          </p:cNvPr>
+          <p:cNvSpPr>
+            <a:spLocks noGrp="1"/>
+          </p:cNvSpPr>
+          <p:nvPr>
+            <p:ph type="title"/>
+          </p:nvPr>
+        </p:nvSpPr>
+        <p:spPr>
+          <a:xfrm>
+            <a:off x="467792" y="278129"/>
+            <a:ext cx="7564854" cy="612292"/>
+          </a:xfrm>
+        </p:spPr>
+        <p:txBody>
+          <a:bodyPr/>
+          <a:lstStyle/>
+          <a:p>
+            <a:r>
+              <a:rPr lang="en-US" altLang="zh-CN" dirty="0"/>
+              <a:t>NSCC PBS Script</a:t>
+            </a:r>
+            <a:endParaRPr lang="zh-CN" altLang="en-US" dirty="0"/>
+          </a:p>
+        </p:txBody>
+      </p:sp>
+      <p:sp>
+        <p:nvSpPr>
+          <p:cNvPr id="3" name="Text Placeholder 2">
+            <a:extLst>
+              <a:ext uri="{FF2B5EF4-FFF2-40B4-BE49-F238E27FC236}">
+                <a16:creationId xmlns:a16="http://schemas.microsoft.com/office/drawing/2014/main" id="{B799C069-8985-C5C3-B11E-B3968D6F8D4E}"/>
+              </a:ext>
+            </a:extLst>
+          </p:cNvPr>
+          <p:cNvSpPr>
+            <a:spLocks noGrp="1"/>
+          </p:cNvSpPr>
+          <p:nvPr>
+            <p:ph type="body" idx="1"/>
+          </p:nvPr>
+        </p:nvSpPr>
+        <p:spPr>
+          <a:xfrm>
+            <a:off x="467792" y="545307"/>
+            <a:ext cx="6787747" cy="3708517"/>
+          </a:xfrm>
+        </p:spPr>
+        <p:txBody>
+          <a:bodyPr/>
+          <a:lstStyle/>
+          <a:p>
+            <a:r>
+              <a:rPr lang="en-US" altLang="zh-CN" dirty="0"/>
+              <a:t>We learn the basic PBS command and how to submit the .pbs job script file to the scheduler</a:t>
+            </a:r>
+          </a:p>
+          <a:p>
+            <a:endParaRPr lang="zh-CN" altLang="en-US" dirty="0"/>
+          </a:p>
+        </p:txBody>
+      </p:sp>
+      <p:sp>
+        <p:nvSpPr>
+          <p:cNvPr id="4" name="Slide Number Placeholder 3">
+            <a:extLst>
+              <a:ext uri="{FF2B5EF4-FFF2-40B4-BE49-F238E27FC236}">
+                <a16:creationId xmlns:a16="http://schemas.microsoft.com/office/drawing/2014/main" id="{7EC6F59D-C4E6-F07A-CA52-2162D7E2CE23}"/>
+              </a:ext>
+            </a:extLst>
+          </p:cNvPr>
+          <p:cNvSpPr>
+            <a:spLocks noGrp="1"/>
+          </p:cNvSpPr>
+          <p:nvPr>
+            <p:ph type="sldNum" idx="12"/>
+          </p:nvPr>
+        </p:nvSpPr>
+        <p:spPr/>
+        <p:txBody>
+          <a:bodyPr/>
+          <a:lstStyle/>
+          <a:p>
+            <a:pPr marL="0" lvl="0" indent="0" algn="l" rtl="0">
+              <a:spcBef>
+                <a:spcPts val="0"/>
+              </a:spcBef>
+              <a:spcAft>
+                <a:spcPts val="0"/>
+              </a:spcAft>
+              <a:buNone/>
+            </a:pPr>
+            <a:fld id="{00000000-1234-1234-1234-123412341234}" type="slidenum">
+              <a:rPr lang="en-US" smtClean="0"/>
+              <a:t>4</a:t>
+            </a:fld>
+            <a:endParaRPr lang="en-US"/>
+          </a:p>
+        </p:txBody>
+      </p:sp>
+      <p:pic>
+        <p:nvPicPr>
+          <p:cNvPr id="6" name="Picture 5">
+            <a:extLst>
+              <a:ext uri="{FF2B5EF4-FFF2-40B4-BE49-F238E27FC236}">
+                <a16:creationId xmlns:a16="http://schemas.microsoft.com/office/drawing/2014/main" id="{7C93CEDE-2EDC-465F-B0CD-48CD53FCFADC}"/>
+              </a:ext>
+            </a:extLst>
+          </p:cNvPr>
+          <p:cNvPicPr>
+            <a:picLocks noChangeAspect="1"/>
+          </p:cNvPicPr>
+          <p:nvPr/>
+        </p:nvPicPr>
+        <p:blipFill>
+          <a:blip r:embed="rId2"/>
+          <a:srcRect r="836" b="48299"/>
+          <a:stretch/>
+        </p:blipFill>
+        <p:spPr>
+          <a:xfrm>
+            <a:off x="594360" y="2349018"/>
+            <a:ext cx="7501613" cy="1524946"/>
+          </a:xfrm>
+          <a:prstGeom prst="rect">
+            <a:avLst/>
+          </a:prstGeom>
+        </p:spPr>
+      </p:pic>
+      <p:pic>
+        <p:nvPicPr>
+          <p:cNvPr id="8" name="Picture 7">
+            <a:extLst>
+              <a:ext uri="{FF2B5EF4-FFF2-40B4-BE49-F238E27FC236}">
+                <a16:creationId xmlns:a16="http://schemas.microsoft.com/office/drawing/2014/main" id="{586F8C36-EAFC-6BA7-932D-86C687766460}"/>
+              </a:ext>
+            </a:extLst>
+          </p:cNvPr>
+          <p:cNvPicPr>
+            <a:picLocks noChangeAspect="1"/>
+          </p:cNvPicPr>
+          <p:nvPr/>
+        </p:nvPicPr>
+        <p:blipFill>
+          <a:blip r:embed="rId3"/>
+          <a:stretch>
+            <a:fillRect/>
+          </a:stretch>
+        </p:blipFill>
+        <p:spPr>
+          <a:xfrm>
+            <a:off x="595589" y="3873964"/>
+            <a:ext cx="7080167" cy="2113073"/>
+          </a:xfrm>
+          <a:prstGeom prst="rect">
+            <a:avLst/>
+          </a:prstGeom>
+        </p:spPr>
+      </p:pic>
+    </p:spTree>
+    <p:extLst>
+      <p:ext uri="{BB962C8B-B14F-4D97-AF65-F5344CB8AC3E}">
+        <p14:creationId xmlns:p14="http://schemas.microsoft.com/office/powerpoint/2010/main" val="1046130915"/>
+      </p:ext>
+    </p:extLst>
+  </p:cSld>
+  <p:clrMapOvr>
+    <a:masterClrMapping/>
+  </p:clrMapOvr>
+</p:sld>
+</file>
+
+<file path=ppt/slides/slide5.xml><?xml version="1.0" encoding="utf-8"?>
+<p:sld xmlns:a="http://schemas.openxmlformats.org/drawingml/2006/main" xmlns:r="http://schemas.openxmlformats.org/officeDocument/2006/relationships" xmlns:p="http://schemas.openxmlformats.org/presentationml/2006/main">
+  <p:cSld>
+    <p:spTree>
+      <p:nvGrpSpPr>
+        <p:cNvPr id="1" name=""/>
+        <p:cNvGrpSpPr/>
+        <p:nvPr/>
+      </p:nvGrpSpPr>
+      <p:grpSpPr>
+        <a:xfrm>
+          <a:off x="0" y="0"/>
+          <a:ext cx="0" cy="0"/>
+          <a:chOff x="0" y="0"/>
+          <a:chExt cx="0" cy="0"/>
+        </a:xfrm>
+      </p:grpSpPr>
+      <p:sp>
+        <p:nvSpPr>
+          <p:cNvPr id="2" name="Title 1">
+            <a:extLst>
+              <a:ext uri="{FF2B5EF4-FFF2-40B4-BE49-F238E27FC236}">
+                <a16:creationId xmlns:a16="http://schemas.microsoft.com/office/drawing/2014/main" id="{96DA5526-7B5D-A129-71F4-26815413D343}"/>
+              </a:ext>
+            </a:extLst>
+          </p:cNvPr>
+          <p:cNvSpPr>
+            <a:spLocks noGrp="1"/>
+          </p:cNvSpPr>
+          <p:nvPr>
+            <p:ph type="title"/>
+          </p:nvPr>
+        </p:nvSpPr>
+        <p:spPr/>
+        <p:txBody>
+          <a:bodyPr/>
+          <a:lstStyle/>
+          <a:p>
+            <a:r>
+              <a:rPr lang="en-US" altLang="zh-CN"/>
+              <a:t>Testing </a:t>
+            </a:r>
+            <a:r>
+              <a:rPr lang="en-US" altLang="zh-CN" dirty="0"/>
+              <a:t>r</a:t>
+            </a:r>
+            <a:r>
+              <a:rPr lang="en-US" altLang="zh-CN"/>
+              <a:t>esult </a:t>
+            </a:r>
+            <a:endParaRPr lang="zh-CN" altLang="en-US" dirty="0"/>
+          </a:p>
+        </p:txBody>
+      </p:sp>
+      <p:sp>
+        <p:nvSpPr>
+          <p:cNvPr id="3" name="Text Placeholder 2">
+            <a:extLst>
+              <a:ext uri="{FF2B5EF4-FFF2-40B4-BE49-F238E27FC236}">
+                <a16:creationId xmlns:a16="http://schemas.microsoft.com/office/drawing/2014/main" id="{BC52F95F-E819-B00C-8A88-85C2036B853B}"/>
+              </a:ext>
+            </a:extLst>
+          </p:cNvPr>
+          <p:cNvSpPr>
+            <a:spLocks noGrp="1"/>
+          </p:cNvSpPr>
+          <p:nvPr>
+            <p:ph type="body" idx="1"/>
+          </p:nvPr>
+        </p:nvSpPr>
+        <p:spPr>
+          <a:xfrm>
+            <a:off x="594359" y="2281918"/>
+            <a:ext cx="10737670" cy="3708517"/>
+          </a:xfrm>
+        </p:spPr>
+        <p:txBody>
+          <a:bodyPr/>
+          <a:lstStyle/>
+          <a:p>
+            <a:r>
+              <a:rPr lang="en-US" altLang="zh-CN" dirty="0"/>
+              <a:t>We test five yolo11 object detection model given by </a:t>
+            </a:r>
+            <a:r>
+              <a:rPr lang="en-US" altLang="zh-CN" dirty="0" err="1"/>
+              <a:t>ultralytics</a:t>
+            </a:r>
+            <a:r>
+              <a:rPr lang="en-US" altLang="zh-CN" dirty="0"/>
+              <a:t> </a:t>
+            </a:r>
+          </a:p>
+          <a:p>
+            <a:endParaRPr lang="zh-CN" altLang="en-US" dirty="0"/>
+          </a:p>
+        </p:txBody>
+      </p:sp>
+      <p:sp>
+        <p:nvSpPr>
+          <p:cNvPr id="4" name="Slide Number Placeholder 3">
+            <a:extLst>
+              <a:ext uri="{FF2B5EF4-FFF2-40B4-BE49-F238E27FC236}">
+                <a16:creationId xmlns:a16="http://schemas.microsoft.com/office/drawing/2014/main" id="{C3D129D5-BA25-578C-9560-4B8297BD50F6}"/>
+              </a:ext>
+            </a:extLst>
+          </p:cNvPr>
+          <p:cNvSpPr>
+            <a:spLocks noGrp="1"/>
+          </p:cNvSpPr>
+          <p:nvPr>
+            <p:ph type="sldNum" idx="12"/>
+          </p:nvPr>
+        </p:nvSpPr>
+        <p:spPr/>
+        <p:txBody>
+          <a:bodyPr/>
+          <a:lstStyle/>
+          <a:p>
+            <a:pPr marL="0" lvl="0" indent="0" algn="l" rtl="0">
+              <a:spcBef>
+                <a:spcPts val="0"/>
+              </a:spcBef>
+              <a:spcAft>
+                <a:spcPts val="0"/>
+              </a:spcAft>
+              <a:buNone/>
+            </a:pPr>
+            <a:fld id="{00000000-1234-1234-1234-123412341234}" type="slidenum">
+              <a:rPr lang="en-US" smtClean="0"/>
+              <a:t>5</a:t>
+            </a:fld>
+            <a:endParaRPr lang="en-US"/>
+          </a:p>
+        </p:txBody>
+      </p:sp>
+      <p:pic>
+        <p:nvPicPr>
+          <p:cNvPr id="6" name="Picture 5">
+            <a:extLst>
+              <a:ext uri="{FF2B5EF4-FFF2-40B4-BE49-F238E27FC236}">
+                <a16:creationId xmlns:a16="http://schemas.microsoft.com/office/drawing/2014/main" id="{E83AA61C-BB4B-A361-50FC-3ED0C61F1870}"/>
+              </a:ext>
+            </a:extLst>
+          </p:cNvPr>
+          <p:cNvPicPr>
+            <a:picLocks noChangeAspect="1"/>
+          </p:cNvPicPr>
+          <p:nvPr/>
+        </p:nvPicPr>
+        <p:blipFill>
+          <a:blip r:embed="rId2"/>
+          <a:stretch>
+            <a:fillRect/>
+          </a:stretch>
+        </p:blipFill>
+        <p:spPr>
+          <a:xfrm>
+            <a:off x="2471576" y="3191682"/>
+            <a:ext cx="6324081" cy="3476746"/>
+          </a:xfrm>
+          <a:prstGeom prst="rect">
+            <a:avLst/>
+          </a:prstGeom>
+        </p:spPr>
+      </p:pic>
+    </p:spTree>
+    <p:extLst>
+      <p:ext uri="{BB962C8B-B14F-4D97-AF65-F5344CB8AC3E}">
+        <p14:creationId xmlns:p14="http://schemas.microsoft.com/office/powerpoint/2010/main" val="3107998144"/>
+      </p:ext>
+    </p:extLst>
+  </p:cSld>
+  <p:clrMapOvr>
+    <a:masterClrMapping/>
+  </p:clrMapOvr>
+</p:sld>
+</file>
+
+<file path=ppt/slides/slide6.xml><?xml version="1.0" encoding="utf-8"?>
+<p:sld xmlns:a="http://schemas.openxmlformats.org/drawingml/2006/main" xmlns:r="http://schemas.openxmlformats.org/officeDocument/2006/relationships" xmlns:p="http://schemas.openxmlformats.org/presentationml/2006/main">
+  <p:cSld>
+    <p:spTree>
+      <p:nvGrpSpPr>
+        <p:cNvPr id="1" name=""/>
+        <p:cNvGrpSpPr/>
+        <p:nvPr/>
+      </p:nvGrpSpPr>
+      <p:grpSpPr>
+        <a:xfrm>
+          <a:off x="0" y="0"/>
+          <a:ext cx="0" cy="0"/>
+          <a:chOff x="0" y="0"/>
+          <a:chExt cx="0" cy="0"/>
+        </a:xfrm>
+      </p:grpSpPr>
+      <p:sp>
+        <p:nvSpPr>
+          <p:cNvPr id="2" name="Title 1">
+            <a:extLst>
+              <a:ext uri="{FF2B5EF4-FFF2-40B4-BE49-F238E27FC236}">
+                <a16:creationId xmlns:a16="http://schemas.microsoft.com/office/drawing/2014/main" id="{31509A21-40B4-CB35-B5D3-91BC0DC34C63}"/>
+              </a:ext>
+            </a:extLst>
+          </p:cNvPr>
+          <p:cNvSpPr>
+            <a:spLocks noGrp="1"/>
+          </p:cNvSpPr>
+          <p:nvPr>
+            <p:ph type="title"/>
+          </p:nvPr>
+        </p:nvSpPr>
+        <p:spPr/>
+        <p:txBody>
+          <a:bodyPr/>
+          <a:lstStyle/>
+          <a:p>
+            <a:r>
+              <a:rPr lang="en-US" altLang="zh-CN" dirty="0"/>
+              <a:t>What can be considered good performance?</a:t>
+            </a:r>
+            <a:endParaRPr lang="zh-CN" altLang="en-US" dirty="0"/>
+          </a:p>
+        </p:txBody>
+      </p:sp>
+      <p:sp>
+        <p:nvSpPr>
+          <p:cNvPr id="3" name="Text Placeholder 2">
+            <a:extLst>
+              <a:ext uri="{FF2B5EF4-FFF2-40B4-BE49-F238E27FC236}">
+                <a16:creationId xmlns:a16="http://schemas.microsoft.com/office/drawing/2014/main" id="{F8A8FF65-8F5A-3529-DF8C-C2FE2A39DE57}"/>
+              </a:ext>
+            </a:extLst>
+          </p:cNvPr>
+          <p:cNvSpPr>
+            <a:spLocks noGrp="1"/>
+          </p:cNvSpPr>
+          <p:nvPr>
+            <p:ph type="body" idx="1"/>
+          </p:nvPr>
+        </p:nvSpPr>
+        <p:spPr>
+          <a:xfrm>
+            <a:off x="594359" y="2281918"/>
+            <a:ext cx="11478695" cy="4297953"/>
+          </a:xfrm>
+        </p:spPr>
+        <p:txBody>
+          <a:bodyPr>
+            <a:normAutofit/>
+          </a:bodyPr>
+          <a:lstStyle/>
+          <a:p>
+            <a:pPr>
+              <a:buFontTx/>
+              <a:buChar char="-"/>
+            </a:pPr>
+            <a:r>
+              <a:rPr lang="en-US" altLang="zh-CN" dirty="0"/>
+              <a:t>For good performance</a:t>
+            </a:r>
+          </a:p>
+          <a:p>
+            <a:pPr lvl="1">
+              <a:buFontTx/>
+              <a:buChar char="-"/>
+            </a:pPr>
+            <a:r>
+              <a:rPr lang="en-US" altLang="zh-CN" dirty="0"/>
+              <a:t>P (Precision, Accuracy for positive prediction): Higher is better. </a:t>
+            </a:r>
+          </a:p>
+          <a:p>
+            <a:pPr lvl="1">
+              <a:buFontTx/>
+              <a:buChar char="-"/>
+            </a:pPr>
+            <a:r>
+              <a:rPr lang="en-US" altLang="zh-CN" dirty="0"/>
+              <a:t>R (Recall or Sensitivity): Higher is better. </a:t>
+            </a:r>
+          </a:p>
+          <a:p>
+            <a:pPr lvl="1">
+              <a:buFontTx/>
+              <a:buChar char="-"/>
+            </a:pPr>
+            <a:r>
+              <a:rPr lang="en-US" altLang="zh-CN" dirty="0"/>
+              <a:t>mAP50(mean Average Precision based on </a:t>
+            </a:r>
+            <a:r>
+              <a:rPr lang="en-US" altLang="zh-CN" dirty="0" err="1"/>
+              <a:t>IoU</a:t>
+            </a:r>
+            <a:r>
+              <a:rPr lang="en-US" altLang="zh-CN" dirty="0"/>
+              <a:t>=0.5): Higher is generally better, indicating more accurate detections. Aiming for 0.5 (50%) and above is considered good in many applications, though it heavily depends on the difficulty of the task.</a:t>
+            </a:r>
+          </a:p>
+          <a:p>
+            <a:pPr lvl="1">
+              <a:buFontTx/>
+              <a:buChar char="-"/>
+            </a:pPr>
+            <a:r>
+              <a:rPr lang="en-US" altLang="zh-CN" dirty="0"/>
+              <a:t>mAP50-95(the average of the average): This is stricter. Values above 0.3 (30%) can be good, especially on complex datasets, but strive for as high as you can.</a:t>
+            </a:r>
+            <a:endParaRPr lang="zh-CN" altLang="en-US" dirty="0"/>
+          </a:p>
+        </p:txBody>
+      </p:sp>
+      <p:sp>
+        <p:nvSpPr>
+          <p:cNvPr id="4" name="Slide Number Placeholder 3">
+            <a:extLst>
+              <a:ext uri="{FF2B5EF4-FFF2-40B4-BE49-F238E27FC236}">
+                <a16:creationId xmlns:a16="http://schemas.microsoft.com/office/drawing/2014/main" id="{6279E91B-8962-371F-448C-B6CB36629175}"/>
+              </a:ext>
+            </a:extLst>
+          </p:cNvPr>
+          <p:cNvSpPr>
+            <a:spLocks noGrp="1"/>
+          </p:cNvSpPr>
+          <p:nvPr>
+            <p:ph type="sldNum" idx="12"/>
+          </p:nvPr>
+        </p:nvSpPr>
+        <p:spPr/>
+        <p:txBody>
+          <a:bodyPr/>
+          <a:lstStyle/>
+          <a:p>
+            <a:pPr marL="0" lvl="0" indent="0" algn="l" rtl="0">
+              <a:spcBef>
+                <a:spcPts val="0"/>
+              </a:spcBef>
+              <a:spcAft>
+                <a:spcPts val="0"/>
+              </a:spcAft>
+              <a:buNone/>
+            </a:pPr>
+            <a:fld id="{00000000-1234-1234-1234-123412341234}" type="slidenum">
+              <a:rPr lang="en-US" smtClean="0"/>
+              <a:t>6</a:t>
+            </a:fld>
+            <a:endParaRPr lang="en-US"/>
+          </a:p>
+        </p:txBody>
+      </p:sp>
+    </p:spTree>
+    <p:extLst>
+      <p:ext uri="{BB962C8B-B14F-4D97-AF65-F5344CB8AC3E}">
+        <p14:creationId xmlns:p14="http://schemas.microsoft.com/office/powerpoint/2010/main" val="2674906506"/>
+      </p:ext>
+    </p:extLst>
+  </p:cSld>
+  <p:clrMapOvr>
+    <a:masterClrMapping/>
+  </p:clrMapOvr>
+</p:sld>
+</file>
+
+<file path=ppt/slides/slide7.xml><?xml version="1.0" encoding="utf-8"?>
+<p:sld xmlns:a="http://schemas.openxmlformats.org/drawingml/2006/main" xmlns:r="http://schemas.openxmlformats.org/officeDocument/2006/relationships" xmlns:p="http://schemas.openxmlformats.org/presentationml/2006/main">
+  <p:cSld>
+    <p:spTree>
+      <p:nvGrpSpPr>
+        <p:cNvPr id="1" name=""/>
+        <p:cNvGrpSpPr/>
+        <p:nvPr/>
+      </p:nvGrpSpPr>
+      <p:grpSpPr>
+        <a:xfrm>
+          <a:off x="0" y="0"/>
+          <a:ext cx="0" cy="0"/>
+          <a:chOff x="0" y="0"/>
+          <a:chExt cx="0" cy="0"/>
+        </a:xfrm>
+      </p:grpSpPr>
+      <p:sp>
+        <p:nvSpPr>
+          <p:cNvPr id="2" name="Title 1">
+            <a:extLst>
+              <a:ext uri="{FF2B5EF4-FFF2-40B4-BE49-F238E27FC236}">
+                <a16:creationId xmlns:a16="http://schemas.microsoft.com/office/drawing/2014/main" id="{49F55F43-E026-B48B-4A2B-98C3830BC2BE}"/>
+              </a:ext>
+            </a:extLst>
+          </p:cNvPr>
+          <p:cNvSpPr>
+            <a:spLocks noGrp="1"/>
+          </p:cNvSpPr>
+          <p:nvPr>
+            <p:ph type="title"/>
+          </p:nvPr>
+        </p:nvSpPr>
+        <p:spPr/>
+        <p:txBody>
+          <a:bodyPr/>
+          <a:lstStyle/>
+          <a:p>
+            <a:r>
+              <a:rPr lang="en-US" altLang="zh-CN" dirty="0"/>
+              <a:t>Testing results</a:t>
+            </a:r>
+            <a:endParaRPr lang="zh-CN" altLang="en-US" dirty="0"/>
+          </a:p>
+        </p:txBody>
+      </p:sp>
+      <p:sp>
+        <p:nvSpPr>
+          <p:cNvPr id="3" name="Text Placeholder 2">
+            <a:extLst>
+              <a:ext uri="{FF2B5EF4-FFF2-40B4-BE49-F238E27FC236}">
+                <a16:creationId xmlns:a16="http://schemas.microsoft.com/office/drawing/2014/main" id="{1918D636-120D-1395-42BC-8029E8627E73}"/>
+              </a:ext>
+            </a:extLst>
+          </p:cNvPr>
+          <p:cNvSpPr>
+            <a:spLocks noGrp="1"/>
+          </p:cNvSpPr>
+          <p:nvPr>
+            <p:ph type="body" idx="1"/>
+          </p:nvPr>
+        </p:nvSpPr>
+        <p:spPr>
+          <a:xfrm>
+            <a:off x="594359" y="2281918"/>
+            <a:ext cx="11359748" cy="3708517"/>
+          </a:xfrm>
+        </p:spPr>
+        <p:txBody>
+          <a:bodyPr>
+            <a:normAutofit lnSpcReduction="10000"/>
+          </a:bodyPr>
+          <a:lstStyle/>
+          <a:p>
+            <a:pPr>
+              <a:buFontTx/>
+              <a:buChar char="-"/>
+            </a:pPr>
+            <a:r>
+              <a:rPr lang="en-US" altLang="zh-CN" dirty="0">
+                <a:solidFill>
+                  <a:schemeClr val="tx1"/>
+                </a:solidFill>
+              </a:rPr>
+              <a:t>Testing results of fine-tuned `yolo11n`, `yolo11s`, `yolo11m`, `yolo11l`, `yolo11x`</a:t>
+            </a:r>
+          </a:p>
+          <a:p>
+            <a:pPr lvl="1">
+              <a:buFontTx/>
+              <a:buChar char="-"/>
+            </a:pPr>
+            <a:r>
+              <a:rPr lang="en-US" altLang="zh-CN" dirty="0"/>
+              <a:t>All use `yolo detect train model=xxx.pt data=</a:t>
+            </a:r>
+            <a:r>
+              <a:rPr lang="en-US" altLang="zh-CN" dirty="0" err="1"/>
+              <a:t>VisDrone.yaml</a:t>
+            </a:r>
+            <a:r>
+              <a:rPr lang="en-US" altLang="zh-CN" dirty="0"/>
+              <a:t> batch=64 epochs=100 device=0,1,2,3 </a:t>
+            </a:r>
+            <a:r>
+              <a:rPr lang="en-US" altLang="zh-CN" dirty="0" err="1"/>
+              <a:t>imgsz</a:t>
+            </a:r>
+            <a:r>
+              <a:rPr lang="en-US" altLang="zh-CN" dirty="0"/>
+              <a:t>=640 ` to train</a:t>
+            </a:r>
+          </a:p>
+          <a:p>
+            <a:pPr lvl="1">
+              <a:buFontTx/>
+              <a:buChar char="-"/>
+            </a:pPr>
+            <a:r>
+              <a:rPr lang="en-US" altLang="zh-CN" dirty="0">
+                <a:latin typeface="+mn-lt"/>
+              </a:rPr>
+              <a:t>All use `</a:t>
+            </a:r>
+            <a:r>
+              <a:rPr lang="en-US" altLang="zh-CN" dirty="0">
+                <a:solidFill>
+                  <a:schemeClr val="tx1"/>
+                </a:solidFill>
+                <a:latin typeface="+mn-lt"/>
+              </a:rPr>
+              <a:t>yolo detect </a:t>
+            </a:r>
+            <a:r>
+              <a:rPr lang="en-US" altLang="zh-CN" dirty="0" err="1">
+                <a:solidFill>
+                  <a:schemeClr val="tx1"/>
+                </a:solidFill>
+                <a:latin typeface="+mn-lt"/>
+              </a:rPr>
+              <a:t>val</a:t>
+            </a:r>
+            <a:r>
+              <a:rPr lang="en-US" altLang="zh-CN" dirty="0">
+                <a:solidFill>
+                  <a:schemeClr val="tx1"/>
+                </a:solidFill>
+                <a:latin typeface="+mn-lt"/>
+              </a:rPr>
+              <a:t> model=/home/users/ntu/khu005/scratch/project/yolo11*/runs/detect/train/weights/best.pt data=</a:t>
+            </a:r>
+            <a:r>
+              <a:rPr lang="en-US" altLang="zh-CN" dirty="0" err="1">
+                <a:solidFill>
+                  <a:schemeClr val="tx1"/>
+                </a:solidFill>
+                <a:latin typeface="+mn-lt"/>
+              </a:rPr>
+              <a:t>VisDrone-test.yaml</a:t>
+            </a:r>
+            <a:r>
+              <a:rPr lang="en-US" altLang="zh-CN" dirty="0">
+                <a:solidFill>
+                  <a:schemeClr val="tx1"/>
+                </a:solidFill>
+                <a:latin typeface="+mn-lt"/>
+              </a:rPr>
+              <a:t> batch=64 epochs=100 device=0,1,2,3 </a:t>
+            </a:r>
+            <a:r>
+              <a:rPr lang="en-US" altLang="zh-CN" dirty="0" err="1">
+                <a:solidFill>
+                  <a:schemeClr val="tx1"/>
+                </a:solidFill>
+                <a:latin typeface="+mn-lt"/>
+              </a:rPr>
+              <a:t>imgsz</a:t>
+            </a:r>
+            <a:r>
+              <a:rPr lang="en-US" altLang="zh-CN" dirty="0">
+                <a:solidFill>
+                  <a:schemeClr val="tx1"/>
+                </a:solidFill>
+                <a:latin typeface="+mn-lt"/>
+              </a:rPr>
+              <a:t>=640` to test</a:t>
+            </a:r>
+          </a:p>
+          <a:p>
+            <a:pPr>
+              <a:buFontTx/>
+              <a:buChar char="-"/>
+            </a:pPr>
+            <a:r>
+              <a:rPr lang="en-US" altLang="zh-CN" dirty="0">
+                <a:solidFill>
+                  <a:schemeClr val="tx1"/>
+                </a:solidFill>
+              </a:rPr>
+              <a:t>Change the epochs of `yolo11x` to see the difference of training results and testing results</a:t>
+            </a:r>
+          </a:p>
+          <a:p>
+            <a:pPr lvl="1">
+              <a:buFontTx/>
+              <a:buChar char="-"/>
+            </a:pPr>
+            <a:r>
+              <a:rPr lang="en-US" altLang="zh-CN" dirty="0"/>
+              <a:t> change training epochs to 200 </a:t>
+            </a:r>
+          </a:p>
+        </p:txBody>
+      </p:sp>
+      <p:sp>
+        <p:nvSpPr>
+          <p:cNvPr id="4" name="Slide Number Placeholder 3">
+            <a:extLst>
+              <a:ext uri="{FF2B5EF4-FFF2-40B4-BE49-F238E27FC236}">
+                <a16:creationId xmlns:a16="http://schemas.microsoft.com/office/drawing/2014/main" id="{3D0FC2B9-7677-C78A-8791-F8A980BD5FC7}"/>
+              </a:ext>
+            </a:extLst>
+          </p:cNvPr>
+          <p:cNvSpPr>
+            <a:spLocks noGrp="1"/>
+          </p:cNvSpPr>
+          <p:nvPr>
+            <p:ph type="sldNum" idx="12"/>
+          </p:nvPr>
+        </p:nvSpPr>
+        <p:spPr/>
+        <p:txBody>
+          <a:bodyPr/>
+          <a:lstStyle/>
+          <a:p>
+            <a:pPr marL="0" lvl="0" indent="0" algn="l" rtl="0">
+              <a:spcBef>
+                <a:spcPts val="0"/>
+              </a:spcBef>
+              <a:spcAft>
+                <a:spcPts val="0"/>
+              </a:spcAft>
+              <a:buNone/>
+            </a:pPr>
+            <a:fld id="{00000000-1234-1234-1234-123412341234}" type="slidenum">
+              <a:rPr lang="en-US" smtClean="0"/>
+              <a:t>7</a:t>
+            </a:fld>
+            <a:endParaRPr lang="en-US"/>
+          </a:p>
+        </p:txBody>
+      </p:sp>
+    </p:spTree>
+    <p:extLst>
+      <p:ext uri="{BB962C8B-B14F-4D97-AF65-F5344CB8AC3E}">
+        <p14:creationId xmlns:p14="http://schemas.microsoft.com/office/powerpoint/2010/main" val="1747516619"/>
+      </p:ext>
+    </p:extLst>
+  </p:cSld>
+  <p:clrMapOvr>
+    <a:masterClrMapping/>
+  </p:clrMapOvr>
+</p:sld>
+</file>
+
+<file path=ppt/slides/slide8.xml><?xml version="1.0" encoding="utf-8"?>
 <p:sld xmlns:a="http://schemas.openxmlformats.org/drawingml/2006/main" xmlns:r="http://schemas.openxmlformats.org/officeDocument/2006/relationships" xmlns:p="http://schemas.openxmlformats.org/presentationml/2006/main">
   <p:cSld>
     <p:spTree>
@@ -20914,7 +17988,7 @@
             </a:pPr>
             <a:fld id="{00000000-1234-1234-1234-123412341234}" type="slidenum">
               <a:rPr lang="en-US" smtClean="0"/>
-              <a:t>4</a:t>
+              <a:t>8</a:t>
             </a:fld>
             <a:endParaRPr lang="en-US"/>
           </a:p>
@@ -22228,7 +19302,7 @@
         <p:spPr>
           <a:xfrm>
             <a:off x="5868111" y="4652151"/>
-            <a:ext cx="5097394" cy="2246769"/>
+            <a:ext cx="5097394" cy="1938992"/>
           </a:xfrm>
           <a:prstGeom prst="rect">
             <a:avLst/>
@@ -22247,84 +19321,23 @@
                   <a:schemeClr val="accent5"/>
                 </a:solidFill>
               </a:rPr>
-              <a:t>Last week:</a:t>
+              <a:t>The testing results include both accuracy performance and inference time performance.</a:t>
             </a:r>
-          </a:p>
-          <a:p>
-            <a:r>
-              <a:rPr lang="en-US" altLang="zh-CN" sz="2000" dirty="0" err="1">
+            <a:br>
+              <a:rPr lang="en-US" altLang="zh-CN" sz="2000" dirty="0">
                 <a:solidFill>
                   <a:schemeClr val="accent5"/>
                 </a:solidFill>
               </a:rPr>
-              <a:t>Image_size</a:t>
-            </a:r>
+            </a:br>
             <a:r>
               <a:rPr lang="en-US" altLang="zh-CN" sz="2000" dirty="0">
                 <a:solidFill>
                   <a:schemeClr val="accent5"/>
                 </a:solidFill>
               </a:rPr>
-              <a:t>=640</a:t>
+              <a:t>The more complex the model is, the better its performance will be, and the longer the inference time will be.</a:t>
             </a:r>
-          </a:p>
-          <a:p>
-            <a:r>
-              <a:rPr lang="en-US" altLang="zh-CN" sz="2000" dirty="0">
-                <a:solidFill>
-                  <a:schemeClr val="accent5"/>
-                </a:solidFill>
-              </a:rPr>
-              <a:t>Epoch=100</a:t>
-            </a:r>
-          </a:p>
-          <a:p>
-            <a:r>
-              <a:rPr lang="en-US" altLang="zh-CN" sz="2000" dirty="0">
-                <a:solidFill>
-                  <a:schemeClr val="accent5"/>
-                </a:solidFill>
-              </a:rPr>
-              <a:t>Initial learning rate =  0.01</a:t>
-            </a:r>
-          </a:p>
-          <a:p>
-            <a:r>
-              <a:rPr lang="en-US" altLang="zh-CN" sz="2000" dirty="0">
-                <a:solidFill>
-                  <a:schemeClr val="accent5"/>
-                </a:solidFill>
-              </a:rPr>
-              <a:t>Highest  mAP50 = 39%</a:t>
-            </a:r>
-          </a:p>
-          <a:p>
-            <a:r>
-              <a:rPr lang="en-US" altLang="zh-CN" sz="2000" dirty="0">
-                <a:solidFill>
-                  <a:schemeClr val="accent5"/>
-                </a:solidFill>
-              </a:rPr>
-              <a:t>Highest </a:t>
-            </a:r>
-            <a:r>
-              <a:rPr lang="en-US" altLang="zh-CN" sz="2000" dirty="0" err="1">
-                <a:solidFill>
-                  <a:schemeClr val="accent5"/>
-                </a:solidFill>
-              </a:rPr>
-              <a:t>mAP</a:t>
-            </a:r>
-            <a:r>
-              <a:rPr lang="en-US" altLang="zh-CN" sz="2000" dirty="0">
-                <a:solidFill>
-                  <a:schemeClr val="accent5"/>
-                </a:solidFill>
-              </a:rPr>
-              <a:t> = 23.7%</a:t>
-            </a:r>
-          </a:p>
-          <a:p>
             <a:endParaRPr lang="zh-CN" altLang="en-US" sz="2000" dirty="0">
               <a:solidFill>
                 <a:schemeClr val="accent5"/>
@@ -22346,7 +19359,7 @@
 </p:sld>
 </file>
 
-<file path=ppt/slides/slide5.xml><?xml version="1.0" encoding="utf-8"?>
+<file path=ppt/slides/slide9.xml><?xml version="1.0" encoding="utf-8"?>
 <p:sld xmlns:a="http://schemas.openxmlformats.org/drawingml/2006/main" xmlns:r="http://schemas.openxmlformats.org/officeDocument/2006/relationships" xmlns:p="http://schemas.openxmlformats.org/presentationml/2006/main">
   <p:cSld>
     <p:spTree>
@@ -22431,7 +19444,7 @@
             </a:pPr>
             <a:fld id="{00000000-1234-1234-1234-123412341234}" type="slidenum">
               <a:rPr lang="en-US" smtClean="0"/>
-              <a:t>5</a:t>
+              <a:t>9</a:t>
             </a:fld>
             <a:endParaRPr lang="en-US"/>
           </a:p>
@@ -23084,7 +20097,7 @@
         <p:spPr>
           <a:xfrm>
             <a:off x="520017" y="5026942"/>
-            <a:ext cx="10661335" cy="400110"/>
+            <a:ext cx="10661335" cy="1015663"/>
           </a:xfrm>
           <a:prstGeom prst="rect">
             <a:avLst/>
@@ -23098,12 +20111,83 @@
           <a:lstStyle/>
           <a:p>
             <a:r>
+              <a:rPr lang="en-US" altLang="zh-CN" sz="2000" b="1" dirty="0">
+                <a:solidFill>
+                  <a:schemeClr val="accent5"/>
+                </a:solidFill>
+              </a:rPr>
+              <a:t>Conclusion</a:t>
+            </a:r>
+            <a:r>
               <a:rPr lang="en-US" altLang="zh-CN" sz="2000" dirty="0">
                 <a:solidFill>
                   <a:schemeClr val="accent5"/>
                 </a:solidFill>
               </a:rPr>
-              <a:t>Last week, we also tested 200 epochs on yolo11x model, but the performance is still bad</a:t>
+              <a:t>:</a:t>
+            </a:r>
+            <a:br>
+              <a:rPr lang="en-US" altLang="zh-CN" sz="2000" dirty="0">
+                <a:solidFill>
+                  <a:schemeClr val="accent5"/>
+                </a:solidFill>
+              </a:rPr>
+            </a:br>
+            <a:r>
+              <a:rPr lang="en-US" altLang="zh-CN" sz="2000" dirty="0">
+                <a:solidFill>
+                  <a:schemeClr val="accent5"/>
+                </a:solidFill>
+              </a:rPr>
+              <a:t>The model's </a:t>
+            </a:r>
+            <a:r>
+              <a:rPr lang="en-US" altLang="zh-CN" sz="2000" b="1" dirty="0">
+                <a:solidFill>
+                  <a:schemeClr val="accent5"/>
+                </a:solidFill>
+              </a:rPr>
+              <a:t>overall performance decreased</a:t>
+            </a:r>
+            <a:r>
+              <a:rPr lang="en-US" altLang="zh-CN" sz="2000" dirty="0">
+                <a:solidFill>
+                  <a:schemeClr val="accent5"/>
+                </a:solidFill>
+              </a:rPr>
+              <a:t> slightly when training increased from </a:t>
+            </a:r>
+            <a:r>
+              <a:rPr lang="en-US" altLang="zh-CN" sz="2000" b="1" dirty="0">
+                <a:solidFill>
+                  <a:schemeClr val="accent5"/>
+                </a:solidFill>
+              </a:rPr>
+              <a:t>100 to 200 epochs</a:t>
+            </a:r>
+            <a:r>
+              <a:rPr lang="en-US" altLang="zh-CN" sz="2000" dirty="0">
+                <a:solidFill>
+                  <a:schemeClr val="accent5"/>
+                </a:solidFill>
+              </a:rPr>
+              <a:t>. This suggests possible </a:t>
+            </a:r>
+            <a:r>
+              <a:rPr lang="en-US" altLang="zh-CN" sz="2000" b="1" dirty="0">
+                <a:solidFill>
+                  <a:schemeClr val="accent5"/>
+                </a:solidFill>
+              </a:rPr>
+              <a:t>overfitting</a:t>
+            </a:r>
+            <a:r>
+              <a:rPr lang="en-US" altLang="zh-CN" sz="2000" dirty="0">
+                <a:solidFill>
+                  <a:schemeClr val="accent5"/>
+                </a:solidFill>
+              </a:rPr>
+              <a:t> after 100 epochs.</a:t>
             </a:r>
             <a:endParaRPr lang="zh-CN" altLang="en-US" sz="2000" dirty="0">
               <a:solidFill>
@@ -23117,894 +20201,6 @@
     <p:extLst>
       <p:ext uri="{BB962C8B-B14F-4D97-AF65-F5344CB8AC3E}">
         <p14:creationId xmlns:p14="http://schemas.microsoft.com/office/powerpoint/2010/main" val="1283444419"/>
-      </p:ext>
-    </p:extLst>
-  </p:cSld>
-  <p:clrMapOvr>
-    <a:masterClrMapping/>
-  </p:clrMapOvr>
-</p:sld>
-</file>
-
-<file path=ppt/slides/slide6.xml><?xml version="1.0" encoding="utf-8"?>
-<p:sld xmlns:a="http://schemas.openxmlformats.org/drawingml/2006/main" xmlns:r="http://schemas.openxmlformats.org/officeDocument/2006/relationships" xmlns:p="http://schemas.openxmlformats.org/presentationml/2006/main">
-  <p:cSld>
-    <p:spTree>
-      <p:nvGrpSpPr>
-        <p:cNvPr id="1" name=""/>
-        <p:cNvGrpSpPr/>
-        <p:nvPr/>
-      </p:nvGrpSpPr>
-      <p:grpSpPr>
-        <a:xfrm>
-          <a:off x="0" y="0"/>
-          <a:ext cx="0" cy="0"/>
-          <a:chOff x="0" y="0"/>
-          <a:chExt cx="0" cy="0"/>
-        </a:xfrm>
-      </p:grpSpPr>
-      <p:sp>
-        <p:nvSpPr>
-          <p:cNvPr id="2" name="Title 1">
-            <a:extLst>
-              <a:ext uri="{FF2B5EF4-FFF2-40B4-BE49-F238E27FC236}">
-                <a16:creationId xmlns:a16="http://schemas.microsoft.com/office/drawing/2014/main" id="{81C9433B-CBB8-904E-83E1-18D0634DD83C}"/>
-              </a:ext>
-            </a:extLst>
-          </p:cNvPr>
-          <p:cNvSpPr>
-            <a:spLocks noGrp="1"/>
-          </p:cNvSpPr>
-          <p:nvPr>
-            <p:ph type="title"/>
-          </p:nvPr>
-        </p:nvSpPr>
-        <p:spPr>
-          <a:xfrm>
-            <a:off x="594360" y="189572"/>
-            <a:ext cx="10995474" cy="1593507"/>
-          </a:xfrm>
-        </p:spPr>
-        <p:txBody>
-          <a:bodyPr>
-            <a:normAutofit fontScale="90000"/>
-          </a:bodyPr>
-          <a:lstStyle/>
-          <a:p>
-            <a:r>
-              <a:rPr lang="en-US" altLang="zh-CN" dirty="0"/>
-              <a:t>At first, we refer to the available </a:t>
-            </a:r>
-            <a:r>
-              <a:rPr lang="en-US" altLang="zh-CN" dirty="0" err="1"/>
-              <a:t>VisDrone</a:t>
-            </a:r>
-            <a:r>
-              <a:rPr lang="en-US" altLang="zh-CN" dirty="0"/>
-              <a:t> challenge paper on 2018, 2019, 2021</a:t>
-            </a:r>
-            <a:endParaRPr lang="zh-CN" altLang="en-US" dirty="0"/>
-          </a:p>
-        </p:txBody>
-      </p:sp>
-      <p:sp>
-        <p:nvSpPr>
-          <p:cNvPr id="3" name="Text Placeholder 2">
-            <a:extLst>
-              <a:ext uri="{FF2B5EF4-FFF2-40B4-BE49-F238E27FC236}">
-                <a16:creationId xmlns:a16="http://schemas.microsoft.com/office/drawing/2014/main" id="{D07CE581-73D4-C254-E793-C5B2A6F77197}"/>
-              </a:ext>
-            </a:extLst>
-          </p:cNvPr>
-          <p:cNvSpPr>
-            <a:spLocks noGrp="1"/>
-          </p:cNvSpPr>
-          <p:nvPr>
-            <p:ph type="body" idx="1"/>
-          </p:nvPr>
-        </p:nvSpPr>
-        <p:spPr>
-          <a:xfrm>
-            <a:off x="594359" y="2281918"/>
-            <a:ext cx="11404353" cy="3708517"/>
-          </a:xfrm>
-        </p:spPr>
-        <p:txBody>
-          <a:bodyPr>
-            <a:normAutofit fontScale="92500" lnSpcReduction="10000"/>
-          </a:bodyPr>
-          <a:lstStyle/>
-          <a:p>
-            <a:r>
-              <a:rPr lang="en-US" altLang="zh-CN" dirty="0"/>
-              <a:t>2018 </a:t>
-            </a:r>
-          </a:p>
-          <a:p>
-            <a:pPr lvl="1"/>
-            <a:r>
-              <a:rPr lang="en-US" altLang="zh-CN" dirty="0"/>
-              <a:t>VisDrone-DET2018: The Vision Meets Drone Object Detection in Image Challenge Results</a:t>
-            </a:r>
-          </a:p>
-          <a:p>
-            <a:r>
-              <a:rPr lang="en-US" altLang="zh-CN" dirty="0"/>
-              <a:t>2019</a:t>
-            </a:r>
-          </a:p>
-          <a:p>
-            <a:pPr lvl="1"/>
-            <a:r>
-              <a:rPr lang="en-US" altLang="zh-CN" dirty="0"/>
-              <a:t>VisDrone-DET2019: The Vision Meets Drone Object Detection in Image Challenge Results</a:t>
-            </a:r>
-          </a:p>
-          <a:p>
-            <a:r>
-              <a:rPr lang="en-US" altLang="zh-CN" dirty="0"/>
-              <a:t>2021</a:t>
-            </a:r>
-          </a:p>
-          <a:p>
-            <a:pPr lvl="1"/>
-            <a:r>
-              <a:rPr lang="en-US" altLang="zh-CN" dirty="0"/>
-              <a:t>VisDrone-DET2021: The Vision Meets Drone Object detection Challenge Results</a:t>
-            </a:r>
-          </a:p>
-          <a:p>
-            <a:pPr marL="76200" indent="0">
-              <a:buNone/>
-            </a:pPr>
-            <a:r>
-              <a:rPr lang="en-US" altLang="zh-CN" dirty="0"/>
-              <a:t>We follow the instructions given by professor to refer to some papers, then we notice that we indeed have done something wrong during training the model compared to other models.  </a:t>
-            </a:r>
-          </a:p>
-        </p:txBody>
-      </p:sp>
-      <p:sp>
-        <p:nvSpPr>
-          <p:cNvPr id="4" name="Slide Number Placeholder 3">
-            <a:extLst>
-              <a:ext uri="{FF2B5EF4-FFF2-40B4-BE49-F238E27FC236}">
-                <a16:creationId xmlns:a16="http://schemas.microsoft.com/office/drawing/2014/main" id="{02E697FD-2222-A0FA-1987-253B87AE8F94}"/>
-              </a:ext>
-            </a:extLst>
-          </p:cNvPr>
-          <p:cNvSpPr>
-            <a:spLocks noGrp="1"/>
-          </p:cNvSpPr>
-          <p:nvPr>
-            <p:ph type="sldNum" idx="12"/>
-          </p:nvPr>
-        </p:nvSpPr>
-        <p:spPr/>
-        <p:txBody>
-          <a:bodyPr/>
-          <a:lstStyle/>
-          <a:p>
-            <a:pPr marL="0" lvl="0" indent="0" algn="l" rtl="0">
-              <a:spcBef>
-                <a:spcPts val="0"/>
-              </a:spcBef>
-              <a:spcAft>
-                <a:spcPts val="0"/>
-              </a:spcAft>
-              <a:buNone/>
-            </a:pPr>
-            <a:fld id="{00000000-1234-1234-1234-123412341234}" type="slidenum">
-              <a:rPr lang="en-US" smtClean="0"/>
-              <a:t>6</a:t>
-            </a:fld>
-            <a:endParaRPr lang="en-US"/>
-          </a:p>
-        </p:txBody>
-      </p:sp>
-    </p:spTree>
-    <p:extLst>
-      <p:ext uri="{BB962C8B-B14F-4D97-AF65-F5344CB8AC3E}">
-        <p14:creationId xmlns:p14="http://schemas.microsoft.com/office/powerpoint/2010/main" val="1626679612"/>
-      </p:ext>
-    </p:extLst>
-  </p:cSld>
-  <p:clrMapOvr>
-    <a:masterClrMapping/>
-  </p:clrMapOvr>
-</p:sld>
-</file>
-
-<file path=ppt/slides/slide7.xml><?xml version="1.0" encoding="utf-8"?>
-<p:sld xmlns:a="http://schemas.openxmlformats.org/drawingml/2006/main" xmlns:r="http://schemas.openxmlformats.org/officeDocument/2006/relationships" xmlns:p="http://schemas.openxmlformats.org/presentationml/2006/main">
-  <p:cSld>
-    <p:spTree>
-      <p:nvGrpSpPr>
-        <p:cNvPr id="1" name="">
-          <a:extLst>
-            <a:ext uri="{FF2B5EF4-FFF2-40B4-BE49-F238E27FC236}">
-              <a16:creationId xmlns:a16="http://schemas.microsoft.com/office/drawing/2014/main" id="{ACDB0942-2118-0BFE-2C12-E79F4DC4EC62}"/>
-            </a:ext>
-          </a:extLst>
-        </p:cNvPr>
-        <p:cNvGrpSpPr/>
-        <p:nvPr/>
-      </p:nvGrpSpPr>
-      <p:grpSpPr>
-        <a:xfrm>
-          <a:off x="0" y="0"/>
-          <a:ext cx="0" cy="0"/>
-          <a:chOff x="0" y="0"/>
-          <a:chExt cx="0" cy="0"/>
-        </a:xfrm>
-      </p:grpSpPr>
-      <p:sp>
-        <p:nvSpPr>
-          <p:cNvPr id="2" name="Title 1">
-            <a:extLst>
-              <a:ext uri="{FF2B5EF4-FFF2-40B4-BE49-F238E27FC236}">
-                <a16:creationId xmlns:a16="http://schemas.microsoft.com/office/drawing/2014/main" id="{EE5E462C-6FD9-3920-91A4-0707BDC13CF7}"/>
-              </a:ext>
-            </a:extLst>
-          </p:cNvPr>
-          <p:cNvSpPr>
-            <a:spLocks noGrp="1"/>
-          </p:cNvSpPr>
-          <p:nvPr>
-            <p:ph type="title"/>
-          </p:nvPr>
-        </p:nvSpPr>
-        <p:spPr>
-          <a:xfrm>
-            <a:off x="594359" y="189572"/>
-            <a:ext cx="11352313" cy="1593507"/>
-          </a:xfrm>
-        </p:spPr>
-        <p:txBody>
-          <a:bodyPr>
-            <a:normAutofit/>
-          </a:bodyPr>
-          <a:lstStyle/>
-          <a:p>
-            <a:r>
-              <a:rPr lang="en-US" altLang="zh-CN" dirty="0"/>
-              <a:t>VisDrone-DET2018</a:t>
-            </a:r>
-            <a:endParaRPr lang="zh-CN" altLang="en-US" dirty="0"/>
-          </a:p>
-        </p:txBody>
-      </p:sp>
-      <p:sp>
-        <p:nvSpPr>
-          <p:cNvPr id="3" name="Text Placeholder 2">
-            <a:extLst>
-              <a:ext uri="{FF2B5EF4-FFF2-40B4-BE49-F238E27FC236}">
-                <a16:creationId xmlns:a16="http://schemas.microsoft.com/office/drawing/2014/main" id="{9FDA6780-400D-FF77-E6FB-178F7AB3C45D}"/>
-              </a:ext>
-            </a:extLst>
-          </p:cNvPr>
-          <p:cNvSpPr>
-            <a:spLocks noGrp="1"/>
-          </p:cNvSpPr>
-          <p:nvPr>
-            <p:ph type="body" idx="1"/>
-          </p:nvPr>
-        </p:nvSpPr>
-        <p:spPr>
-          <a:xfrm>
-            <a:off x="594359" y="2281918"/>
-            <a:ext cx="5903085" cy="3708517"/>
-          </a:xfrm>
-        </p:spPr>
-        <p:txBody>
-          <a:bodyPr/>
-          <a:lstStyle/>
-          <a:p>
-            <a:pPr marL="76200" indent="0">
-              <a:buNone/>
-            </a:pPr>
-            <a:r>
-              <a:rPr lang="en-US" altLang="zh-CN" dirty="0"/>
-              <a:t>HAL-Retina-Net and </a:t>
-            </a:r>
-            <a:r>
-              <a:rPr lang="en-US" altLang="zh-CN" dirty="0" err="1"/>
-              <a:t>DPNet</a:t>
-            </a:r>
-            <a:r>
-              <a:rPr lang="en-US" altLang="zh-CN" dirty="0"/>
-              <a:t> are the only two algorithms achieving more than 30% AP score.</a:t>
-            </a:r>
-          </a:p>
-          <a:p>
-            <a:pPr marL="76200" indent="0">
-              <a:buNone/>
-            </a:pPr>
-            <a:endParaRPr lang="en-US" altLang="zh-CN" dirty="0"/>
-          </a:p>
-          <a:p>
-            <a:r>
-              <a:rPr lang="en-US" altLang="zh-CN" dirty="0"/>
-              <a:t>Whereas our </a:t>
-            </a:r>
-            <a:r>
-              <a:rPr lang="en-US" altLang="zh-CN" dirty="0">
-                <a:solidFill>
-                  <a:schemeClr val="accent5"/>
-                </a:solidFill>
-              </a:rPr>
-              <a:t>h</a:t>
-            </a:r>
-            <a:r>
-              <a:rPr lang="en-US" altLang="zh-CN" sz="2400" dirty="0">
-                <a:solidFill>
-                  <a:schemeClr val="accent5"/>
-                </a:solidFill>
-              </a:rPr>
-              <a:t>ighest </a:t>
-            </a:r>
-            <a:r>
-              <a:rPr lang="en-US" altLang="zh-CN" sz="2400" dirty="0" err="1">
-                <a:solidFill>
-                  <a:schemeClr val="accent5"/>
-                </a:solidFill>
-              </a:rPr>
-              <a:t>mAP</a:t>
-            </a:r>
-            <a:r>
-              <a:rPr lang="en-US" altLang="zh-CN" sz="2400" dirty="0">
-                <a:solidFill>
-                  <a:schemeClr val="accent5"/>
-                </a:solidFill>
-              </a:rPr>
-              <a:t> = 23.7%</a:t>
-            </a:r>
-          </a:p>
-          <a:p>
-            <a:pPr marL="76200" indent="0">
-              <a:buNone/>
-            </a:pPr>
-            <a:endParaRPr lang="zh-CN" altLang="en-US" dirty="0"/>
-          </a:p>
-        </p:txBody>
-      </p:sp>
-      <p:sp>
-        <p:nvSpPr>
-          <p:cNvPr id="4" name="Slide Number Placeholder 3">
-            <a:extLst>
-              <a:ext uri="{FF2B5EF4-FFF2-40B4-BE49-F238E27FC236}">
-                <a16:creationId xmlns:a16="http://schemas.microsoft.com/office/drawing/2014/main" id="{D04EBB62-583C-6C1C-0553-239CA1262E83}"/>
-              </a:ext>
-            </a:extLst>
-          </p:cNvPr>
-          <p:cNvSpPr>
-            <a:spLocks noGrp="1"/>
-          </p:cNvSpPr>
-          <p:nvPr>
-            <p:ph type="sldNum" idx="12"/>
-          </p:nvPr>
-        </p:nvSpPr>
-        <p:spPr/>
-        <p:txBody>
-          <a:bodyPr/>
-          <a:lstStyle/>
-          <a:p>
-            <a:pPr marL="0" lvl="0" indent="0" algn="l" rtl="0">
-              <a:spcBef>
-                <a:spcPts val="0"/>
-              </a:spcBef>
-              <a:spcAft>
-                <a:spcPts val="0"/>
-              </a:spcAft>
-              <a:buNone/>
-            </a:pPr>
-            <a:fld id="{00000000-1234-1234-1234-123412341234}" type="slidenum">
-              <a:rPr lang="en-US" smtClean="0"/>
-              <a:t>7</a:t>
-            </a:fld>
-            <a:endParaRPr lang="en-US"/>
-          </a:p>
-        </p:txBody>
-      </p:sp>
-      <p:pic>
-        <p:nvPicPr>
-          <p:cNvPr id="6" name="Picture 5">
-            <a:extLst>
-              <a:ext uri="{FF2B5EF4-FFF2-40B4-BE49-F238E27FC236}">
-                <a16:creationId xmlns:a16="http://schemas.microsoft.com/office/drawing/2014/main" id="{657771CC-09AD-BFF3-E612-D47C6FF0A89A}"/>
-              </a:ext>
-            </a:extLst>
-          </p:cNvPr>
-          <p:cNvPicPr>
-            <a:picLocks noChangeAspect="1"/>
-          </p:cNvPicPr>
-          <p:nvPr/>
-        </p:nvPicPr>
-        <p:blipFill>
-          <a:blip r:embed="rId2"/>
-          <a:stretch>
-            <a:fillRect/>
-          </a:stretch>
-        </p:blipFill>
-        <p:spPr>
-          <a:xfrm>
-            <a:off x="7069873" y="123107"/>
-            <a:ext cx="4931607" cy="6332938"/>
-          </a:xfrm>
-          <a:prstGeom prst="rect">
-            <a:avLst/>
-          </a:prstGeom>
-        </p:spPr>
-      </p:pic>
-    </p:spTree>
-    <p:extLst>
-      <p:ext uri="{BB962C8B-B14F-4D97-AF65-F5344CB8AC3E}">
-        <p14:creationId xmlns:p14="http://schemas.microsoft.com/office/powerpoint/2010/main" val="4234324886"/>
-      </p:ext>
-    </p:extLst>
-  </p:cSld>
-  <p:clrMapOvr>
-    <a:masterClrMapping/>
-  </p:clrMapOvr>
-</p:sld>
-</file>
-
-<file path=ppt/slides/slide8.xml><?xml version="1.0" encoding="utf-8"?>
-<p:sld xmlns:a="http://schemas.openxmlformats.org/drawingml/2006/main" xmlns:r="http://schemas.openxmlformats.org/officeDocument/2006/relationships" xmlns:p="http://schemas.openxmlformats.org/presentationml/2006/main">
-  <p:cSld>
-    <p:spTree>
-      <p:nvGrpSpPr>
-        <p:cNvPr id="1" name="">
-          <a:extLst>
-            <a:ext uri="{FF2B5EF4-FFF2-40B4-BE49-F238E27FC236}">
-              <a16:creationId xmlns:a16="http://schemas.microsoft.com/office/drawing/2014/main" id="{CCBF524C-6CC0-2C4E-FC3D-89C66127ECC1}"/>
-            </a:ext>
-          </a:extLst>
-        </p:cNvPr>
-        <p:cNvGrpSpPr/>
-        <p:nvPr/>
-      </p:nvGrpSpPr>
-      <p:grpSpPr>
-        <a:xfrm>
-          <a:off x="0" y="0"/>
-          <a:ext cx="0" cy="0"/>
-          <a:chOff x="0" y="0"/>
-          <a:chExt cx="0" cy="0"/>
-        </a:xfrm>
-      </p:grpSpPr>
-      <p:sp>
-        <p:nvSpPr>
-          <p:cNvPr id="2" name="Title 1">
-            <a:extLst>
-              <a:ext uri="{FF2B5EF4-FFF2-40B4-BE49-F238E27FC236}">
-                <a16:creationId xmlns:a16="http://schemas.microsoft.com/office/drawing/2014/main" id="{F4283B5C-40DA-B6EB-436E-EFC90D75458E}"/>
-              </a:ext>
-            </a:extLst>
-          </p:cNvPr>
-          <p:cNvSpPr>
-            <a:spLocks noGrp="1"/>
-          </p:cNvSpPr>
-          <p:nvPr>
-            <p:ph type="title"/>
-          </p:nvPr>
-        </p:nvSpPr>
-        <p:spPr>
-          <a:xfrm>
-            <a:off x="594359" y="189572"/>
-            <a:ext cx="11352313" cy="1593507"/>
-          </a:xfrm>
-        </p:spPr>
-        <p:txBody>
-          <a:bodyPr>
-            <a:normAutofit/>
-          </a:bodyPr>
-          <a:lstStyle/>
-          <a:p>
-            <a:r>
-              <a:rPr lang="en-US" altLang="zh-CN" dirty="0"/>
-              <a:t>VisDrone-DET2019</a:t>
-            </a:r>
-            <a:endParaRPr lang="zh-CN" altLang="en-US" dirty="0"/>
-          </a:p>
-        </p:txBody>
-      </p:sp>
-      <p:sp>
-        <p:nvSpPr>
-          <p:cNvPr id="3" name="Text Placeholder 2">
-            <a:extLst>
-              <a:ext uri="{FF2B5EF4-FFF2-40B4-BE49-F238E27FC236}">
-                <a16:creationId xmlns:a16="http://schemas.microsoft.com/office/drawing/2014/main" id="{2E47A249-D35B-1B41-B8F1-D837A2454DCB}"/>
-              </a:ext>
-            </a:extLst>
-          </p:cNvPr>
-          <p:cNvSpPr>
-            <a:spLocks noGrp="1"/>
-          </p:cNvSpPr>
-          <p:nvPr>
-            <p:ph type="body" idx="1"/>
-          </p:nvPr>
-        </p:nvSpPr>
-        <p:spPr>
-          <a:xfrm>
-            <a:off x="594359" y="2281918"/>
-            <a:ext cx="5010987" cy="3708517"/>
-          </a:xfrm>
-        </p:spPr>
-        <p:txBody>
-          <a:bodyPr/>
-          <a:lstStyle/>
-          <a:p>
-            <a:pPr marL="76200" indent="0">
-              <a:buNone/>
-            </a:pPr>
-            <a:r>
-              <a:rPr lang="en-US" altLang="zh-CN" dirty="0" err="1"/>
-              <a:t>DPNet</a:t>
-            </a:r>
-            <a:r>
-              <a:rPr lang="en-US" altLang="zh-CN" dirty="0"/>
-              <a:t>-ensemble (A.15) achieves the best 29.62% AP score, which is worse than the previous competition.</a:t>
-            </a:r>
-          </a:p>
-          <a:p>
-            <a:pPr marL="76200" indent="0">
-              <a:buNone/>
-            </a:pPr>
-            <a:endParaRPr lang="en-US" altLang="zh-CN" dirty="0"/>
-          </a:p>
-          <a:p>
-            <a:pPr marL="76200" indent="0">
-              <a:buNone/>
-            </a:pPr>
-            <a:r>
-              <a:rPr lang="en-US" altLang="zh-CN" dirty="0"/>
-              <a:t>Whereas our </a:t>
-            </a:r>
-            <a:r>
-              <a:rPr lang="en-US" altLang="zh-CN" dirty="0">
-                <a:solidFill>
-                  <a:schemeClr val="accent5"/>
-                </a:solidFill>
-              </a:rPr>
-              <a:t>h</a:t>
-            </a:r>
-            <a:r>
-              <a:rPr lang="en-US" altLang="zh-CN" sz="2400" dirty="0">
-                <a:solidFill>
-                  <a:schemeClr val="accent5"/>
-                </a:solidFill>
-              </a:rPr>
-              <a:t>ighest </a:t>
-            </a:r>
-            <a:r>
-              <a:rPr lang="en-US" altLang="zh-CN" sz="2400" dirty="0" err="1">
-                <a:solidFill>
-                  <a:schemeClr val="accent5"/>
-                </a:solidFill>
-              </a:rPr>
-              <a:t>mAP</a:t>
-            </a:r>
-            <a:r>
-              <a:rPr lang="en-US" altLang="zh-CN" sz="2400" dirty="0">
-                <a:solidFill>
-                  <a:schemeClr val="accent5"/>
-                </a:solidFill>
-              </a:rPr>
-              <a:t> = 23.7%</a:t>
-            </a:r>
-          </a:p>
-          <a:p>
-            <a:pPr marL="76200" indent="0">
-              <a:buNone/>
-            </a:pPr>
-            <a:endParaRPr lang="zh-CN" altLang="en-US" dirty="0"/>
-          </a:p>
-        </p:txBody>
-      </p:sp>
-      <p:sp>
-        <p:nvSpPr>
-          <p:cNvPr id="4" name="Slide Number Placeholder 3">
-            <a:extLst>
-              <a:ext uri="{FF2B5EF4-FFF2-40B4-BE49-F238E27FC236}">
-                <a16:creationId xmlns:a16="http://schemas.microsoft.com/office/drawing/2014/main" id="{48EEABAB-7712-ADE1-2873-08429DA9760C}"/>
-              </a:ext>
-            </a:extLst>
-          </p:cNvPr>
-          <p:cNvSpPr>
-            <a:spLocks noGrp="1"/>
-          </p:cNvSpPr>
-          <p:nvPr>
-            <p:ph type="sldNum" idx="12"/>
-          </p:nvPr>
-        </p:nvSpPr>
-        <p:spPr/>
-        <p:txBody>
-          <a:bodyPr/>
-          <a:lstStyle/>
-          <a:p>
-            <a:pPr marL="0" lvl="0" indent="0" algn="l" rtl="0">
-              <a:spcBef>
-                <a:spcPts val="0"/>
-              </a:spcBef>
-              <a:spcAft>
-                <a:spcPts val="0"/>
-              </a:spcAft>
-              <a:buNone/>
-            </a:pPr>
-            <a:fld id="{00000000-1234-1234-1234-123412341234}" type="slidenum">
-              <a:rPr lang="en-US" smtClean="0"/>
-              <a:t>8</a:t>
-            </a:fld>
-            <a:endParaRPr lang="en-US"/>
-          </a:p>
-        </p:txBody>
-      </p:sp>
-      <p:pic>
-        <p:nvPicPr>
-          <p:cNvPr id="7" name="Picture 6">
-            <a:extLst>
-              <a:ext uri="{FF2B5EF4-FFF2-40B4-BE49-F238E27FC236}">
-                <a16:creationId xmlns:a16="http://schemas.microsoft.com/office/drawing/2014/main" id="{F3F6D691-73D2-0C83-8F33-B62B9E1E8482}"/>
-              </a:ext>
-            </a:extLst>
-          </p:cNvPr>
-          <p:cNvPicPr>
-            <a:picLocks noChangeAspect="1"/>
-          </p:cNvPicPr>
-          <p:nvPr/>
-        </p:nvPicPr>
-        <p:blipFill>
-          <a:blip r:embed="rId2"/>
-          <a:stretch>
-            <a:fillRect/>
-          </a:stretch>
-        </p:blipFill>
-        <p:spPr>
-          <a:xfrm>
-            <a:off x="6096000" y="133815"/>
-            <a:ext cx="5896477" cy="6534613"/>
-          </a:xfrm>
-          <a:prstGeom prst="rect">
-            <a:avLst/>
-          </a:prstGeom>
-        </p:spPr>
-      </p:pic>
-    </p:spTree>
-    <p:extLst>
-      <p:ext uri="{BB962C8B-B14F-4D97-AF65-F5344CB8AC3E}">
-        <p14:creationId xmlns:p14="http://schemas.microsoft.com/office/powerpoint/2010/main" val="95669749"/>
-      </p:ext>
-    </p:extLst>
-  </p:cSld>
-  <p:clrMapOvr>
-    <a:masterClrMapping/>
-  </p:clrMapOvr>
-</p:sld>
-</file>
-
-<file path=ppt/slides/slide9.xml><?xml version="1.0" encoding="utf-8"?>
-<p:sld xmlns:a="http://schemas.openxmlformats.org/drawingml/2006/main" xmlns:r="http://schemas.openxmlformats.org/officeDocument/2006/relationships" xmlns:p="http://schemas.openxmlformats.org/presentationml/2006/main">
-  <p:cSld>
-    <p:spTree>
-      <p:nvGrpSpPr>
-        <p:cNvPr id="1" name="">
-          <a:extLst>
-            <a:ext uri="{FF2B5EF4-FFF2-40B4-BE49-F238E27FC236}">
-              <a16:creationId xmlns:a16="http://schemas.microsoft.com/office/drawing/2014/main" id="{98094F03-D61E-52A8-9190-49377A03F59E}"/>
-            </a:ext>
-          </a:extLst>
-        </p:cNvPr>
-        <p:cNvGrpSpPr/>
-        <p:nvPr/>
-      </p:nvGrpSpPr>
-      <p:grpSpPr>
-        <a:xfrm>
-          <a:off x="0" y="0"/>
-          <a:ext cx="0" cy="0"/>
-          <a:chOff x="0" y="0"/>
-          <a:chExt cx="0" cy="0"/>
-        </a:xfrm>
-      </p:grpSpPr>
-      <p:sp>
-        <p:nvSpPr>
-          <p:cNvPr id="2" name="Title 1">
-            <a:extLst>
-              <a:ext uri="{FF2B5EF4-FFF2-40B4-BE49-F238E27FC236}">
-                <a16:creationId xmlns:a16="http://schemas.microsoft.com/office/drawing/2014/main" id="{C46F9070-B924-CF45-DC4B-7B86C7E26C26}"/>
-              </a:ext>
-            </a:extLst>
-          </p:cNvPr>
-          <p:cNvSpPr>
-            <a:spLocks noGrp="1"/>
-          </p:cNvSpPr>
-          <p:nvPr>
-            <p:ph type="title"/>
-          </p:nvPr>
-        </p:nvSpPr>
-        <p:spPr>
-          <a:xfrm>
-            <a:off x="594359" y="189572"/>
-            <a:ext cx="11352313" cy="1593507"/>
-          </a:xfrm>
-        </p:spPr>
-        <p:txBody>
-          <a:bodyPr>
-            <a:normAutofit/>
-          </a:bodyPr>
-          <a:lstStyle/>
-          <a:p>
-            <a:r>
-              <a:rPr lang="en-US" altLang="zh-CN" dirty="0"/>
-              <a:t>VisDrone-DET2021</a:t>
-            </a:r>
-            <a:endParaRPr lang="zh-CN" altLang="en-US" dirty="0"/>
-          </a:p>
-        </p:txBody>
-      </p:sp>
-      <p:sp>
-        <p:nvSpPr>
-          <p:cNvPr id="3" name="Text Placeholder 2">
-            <a:extLst>
-              <a:ext uri="{FF2B5EF4-FFF2-40B4-BE49-F238E27FC236}">
-                <a16:creationId xmlns:a16="http://schemas.microsoft.com/office/drawing/2014/main" id="{61331447-6D94-738C-DB91-2DEBCFFAE152}"/>
-              </a:ext>
-            </a:extLst>
-          </p:cNvPr>
-          <p:cNvSpPr>
-            <a:spLocks noGrp="1"/>
-          </p:cNvSpPr>
-          <p:nvPr>
-            <p:ph type="body" idx="1"/>
-          </p:nvPr>
-        </p:nvSpPr>
-        <p:spPr>
-          <a:xfrm>
-            <a:off x="594359" y="2281918"/>
-            <a:ext cx="5903085" cy="3708517"/>
-          </a:xfrm>
-        </p:spPr>
-        <p:txBody>
-          <a:bodyPr/>
-          <a:lstStyle/>
-          <a:p>
-            <a:pPr marL="76200" indent="0">
-              <a:buNone/>
-            </a:pPr>
-            <a:r>
-              <a:rPr lang="en-US" altLang="zh-CN" dirty="0" err="1"/>
-              <a:t>DBNet</a:t>
-            </a:r>
-            <a:r>
-              <a:rPr lang="en-US" altLang="zh-CN" dirty="0"/>
-              <a:t> achieves around 40% </a:t>
-            </a:r>
-            <a:r>
-              <a:rPr lang="en-US" altLang="zh-CN" dirty="0" err="1"/>
-              <a:t>mAP</a:t>
-            </a:r>
-            <a:endParaRPr lang="en-US" altLang="zh-CN" dirty="0"/>
-          </a:p>
-          <a:p>
-            <a:pPr marL="76200" indent="0">
-              <a:buNone/>
-            </a:pPr>
-            <a:r>
-              <a:rPr lang="en-US" altLang="zh-CN" dirty="0"/>
-              <a:t>Whereas our </a:t>
-            </a:r>
-            <a:r>
-              <a:rPr lang="en-US" altLang="zh-CN" dirty="0">
-                <a:solidFill>
-                  <a:schemeClr val="accent5"/>
-                </a:solidFill>
-              </a:rPr>
-              <a:t>h</a:t>
-            </a:r>
-            <a:r>
-              <a:rPr lang="en-US" altLang="zh-CN" sz="2400" dirty="0">
-                <a:solidFill>
-                  <a:schemeClr val="accent5"/>
-                </a:solidFill>
-              </a:rPr>
-              <a:t>ighest </a:t>
-            </a:r>
-            <a:r>
-              <a:rPr lang="en-US" altLang="zh-CN" sz="2400" dirty="0" err="1">
-                <a:solidFill>
-                  <a:schemeClr val="accent5"/>
-                </a:solidFill>
-              </a:rPr>
-              <a:t>mAP</a:t>
-            </a:r>
-            <a:r>
-              <a:rPr lang="en-US" altLang="zh-CN" sz="2400" dirty="0">
-                <a:solidFill>
-                  <a:schemeClr val="accent5"/>
-                </a:solidFill>
-              </a:rPr>
-              <a:t> = 23.7%</a:t>
-            </a:r>
-          </a:p>
-          <a:p>
-            <a:pPr marL="76200" indent="0">
-              <a:buNone/>
-            </a:pPr>
-            <a:endParaRPr lang="zh-CN" altLang="en-US" dirty="0"/>
-          </a:p>
-        </p:txBody>
-      </p:sp>
-      <p:sp>
-        <p:nvSpPr>
-          <p:cNvPr id="4" name="Slide Number Placeholder 3">
-            <a:extLst>
-              <a:ext uri="{FF2B5EF4-FFF2-40B4-BE49-F238E27FC236}">
-                <a16:creationId xmlns:a16="http://schemas.microsoft.com/office/drawing/2014/main" id="{2B70837A-A705-B2B0-3823-03D270B767C8}"/>
-              </a:ext>
-            </a:extLst>
-          </p:cNvPr>
-          <p:cNvSpPr>
-            <a:spLocks noGrp="1"/>
-          </p:cNvSpPr>
-          <p:nvPr>
-            <p:ph type="sldNum" idx="12"/>
-          </p:nvPr>
-        </p:nvSpPr>
-        <p:spPr/>
-        <p:txBody>
-          <a:bodyPr/>
-          <a:lstStyle/>
-          <a:p>
-            <a:pPr marL="0" lvl="0" indent="0" algn="l" rtl="0">
-              <a:spcBef>
-                <a:spcPts val="0"/>
-              </a:spcBef>
-              <a:spcAft>
-                <a:spcPts val="0"/>
-              </a:spcAft>
-              <a:buNone/>
-            </a:pPr>
-            <a:fld id="{00000000-1234-1234-1234-123412341234}" type="slidenum">
-              <a:rPr lang="en-US" smtClean="0"/>
-              <a:t>9</a:t>
-            </a:fld>
-            <a:endParaRPr lang="en-US"/>
-          </a:p>
-        </p:txBody>
-      </p:sp>
-      <p:pic>
-        <p:nvPicPr>
-          <p:cNvPr id="7" name="Picture 6">
-            <a:extLst>
-              <a:ext uri="{FF2B5EF4-FFF2-40B4-BE49-F238E27FC236}">
-                <a16:creationId xmlns:a16="http://schemas.microsoft.com/office/drawing/2014/main" id="{CEAC666A-BF4E-8D33-FE54-467EDEE5B144}"/>
-              </a:ext>
-            </a:extLst>
-          </p:cNvPr>
-          <p:cNvPicPr>
-            <a:picLocks noChangeAspect="1"/>
-          </p:cNvPicPr>
-          <p:nvPr/>
-        </p:nvPicPr>
-        <p:blipFill>
-          <a:blip r:embed="rId2"/>
-          <a:stretch>
-            <a:fillRect/>
-          </a:stretch>
-        </p:blipFill>
-        <p:spPr>
-          <a:xfrm>
-            <a:off x="5605345" y="3852488"/>
-            <a:ext cx="6229813" cy="2727383"/>
-          </a:xfrm>
-          <a:prstGeom prst="rect">
-            <a:avLst/>
-          </a:prstGeom>
-        </p:spPr>
-      </p:pic>
-    </p:spTree>
-    <p:extLst>
-      <p:ext uri="{BB962C8B-B14F-4D97-AF65-F5344CB8AC3E}">
-        <p14:creationId xmlns:p14="http://schemas.microsoft.com/office/powerpoint/2010/main" val="3021125727"/>
       </p:ext>
     </p:extLst>
   </p:cSld>
